--- a/java unit 1 and unit 2.pptx
+++ b/java unit 1 and unit 2.pptx
@@ -1,6 +1,6 @@
 
 <file path=ppt/presentation.xml><?xml version="1.0" encoding="utf-8"?>
-<p:presentation xmlns:a="http://schemas.openxmlformats.org/drawingml/2006/main" xmlns:r="http://schemas.openxmlformats.org/officeDocument/2006/relationships" xmlns:p="http://schemas.openxmlformats.org/presentationml/2006/main" saveSubsetFonts="1">
+<p:presentation xmlns:a="http://schemas.openxmlformats.org/drawingml/2006/main" xmlns:r="http://schemas.openxmlformats.org/officeDocument/2006/relationships" xmlns:p="http://schemas.openxmlformats.org/presentationml/2006/main" firstSlideNum="30" saveSubsetFonts="1">
   <p:sldMasterIdLst>
     <p:sldMasterId id="2147483648" r:id="rId1"/>
   </p:sldMasterIdLst>
@@ -49,14 +49,14 @@
     <p:sldId id="263" r:id="rId43"/>
     <p:sldId id="266" r:id="rId44"/>
   </p:sldIdLst>
-  <p:sldSz cx="12192000" cy="6858000"/>
+  <p:sldSz cx="5303838" cy="3657600"/>
   <p:notesSz cx="6858000" cy="9144000"/>
   <p:defaultTextStyle>
     <a:defPPr>
       <a:defRPr lang="en-US"/>
     </a:defPPr>
-    <a:lvl1pPr marL="0" algn="l" defTabSz="914400" rtl="0" eaLnBrk="1" latinLnBrk="0" hangingPunct="1">
-      <a:defRPr sz="1800" kern="1200">
+    <a:lvl1pPr marL="0" algn="l" defTabSz="430134" rtl="0" eaLnBrk="1" latinLnBrk="0" hangingPunct="1">
+      <a:defRPr sz="800" kern="1200">
         <a:solidFill>
           <a:schemeClr val="tx1"/>
         </a:solidFill>
@@ -65,8 +65,8 @@
         <a:cs typeface="+mn-cs"/>
       </a:defRPr>
     </a:lvl1pPr>
-    <a:lvl2pPr marL="457200" algn="l" defTabSz="914400" rtl="0" eaLnBrk="1" latinLnBrk="0" hangingPunct="1">
-      <a:defRPr sz="1800" kern="1200">
+    <a:lvl2pPr marL="215067" algn="l" defTabSz="430134" rtl="0" eaLnBrk="1" latinLnBrk="0" hangingPunct="1">
+      <a:defRPr sz="800" kern="1200">
         <a:solidFill>
           <a:schemeClr val="tx1"/>
         </a:solidFill>
@@ -75,8 +75,8 @@
         <a:cs typeface="+mn-cs"/>
       </a:defRPr>
     </a:lvl2pPr>
-    <a:lvl3pPr marL="914400" algn="l" defTabSz="914400" rtl="0" eaLnBrk="1" latinLnBrk="0" hangingPunct="1">
-      <a:defRPr sz="1800" kern="1200">
+    <a:lvl3pPr marL="430134" algn="l" defTabSz="430134" rtl="0" eaLnBrk="1" latinLnBrk="0" hangingPunct="1">
+      <a:defRPr sz="800" kern="1200">
         <a:solidFill>
           <a:schemeClr val="tx1"/>
         </a:solidFill>
@@ -85,8 +85,8 @@
         <a:cs typeface="+mn-cs"/>
       </a:defRPr>
     </a:lvl3pPr>
-    <a:lvl4pPr marL="1371600" algn="l" defTabSz="914400" rtl="0" eaLnBrk="1" latinLnBrk="0" hangingPunct="1">
-      <a:defRPr sz="1800" kern="1200">
+    <a:lvl4pPr marL="645201" algn="l" defTabSz="430134" rtl="0" eaLnBrk="1" latinLnBrk="0" hangingPunct="1">
+      <a:defRPr sz="800" kern="1200">
         <a:solidFill>
           <a:schemeClr val="tx1"/>
         </a:solidFill>
@@ -95,8 +95,8 @@
         <a:cs typeface="+mn-cs"/>
       </a:defRPr>
     </a:lvl4pPr>
-    <a:lvl5pPr marL="1828800" algn="l" defTabSz="914400" rtl="0" eaLnBrk="1" latinLnBrk="0" hangingPunct="1">
-      <a:defRPr sz="1800" kern="1200">
+    <a:lvl5pPr marL="860268" algn="l" defTabSz="430134" rtl="0" eaLnBrk="1" latinLnBrk="0" hangingPunct="1">
+      <a:defRPr sz="800" kern="1200">
         <a:solidFill>
           <a:schemeClr val="tx1"/>
         </a:solidFill>
@@ -105,8 +105,8 @@
         <a:cs typeface="+mn-cs"/>
       </a:defRPr>
     </a:lvl5pPr>
-    <a:lvl6pPr marL="2286000" algn="l" defTabSz="914400" rtl="0" eaLnBrk="1" latinLnBrk="0" hangingPunct="1">
-      <a:defRPr sz="1800" kern="1200">
+    <a:lvl6pPr marL="1075334" algn="l" defTabSz="430134" rtl="0" eaLnBrk="1" latinLnBrk="0" hangingPunct="1">
+      <a:defRPr sz="800" kern="1200">
         <a:solidFill>
           <a:schemeClr val="tx1"/>
         </a:solidFill>
@@ -115,8 +115,8 @@
         <a:cs typeface="+mn-cs"/>
       </a:defRPr>
     </a:lvl6pPr>
-    <a:lvl7pPr marL="2743200" algn="l" defTabSz="914400" rtl="0" eaLnBrk="1" latinLnBrk="0" hangingPunct="1">
-      <a:defRPr sz="1800" kern="1200">
+    <a:lvl7pPr marL="1290401" algn="l" defTabSz="430134" rtl="0" eaLnBrk="1" latinLnBrk="0" hangingPunct="1">
+      <a:defRPr sz="800" kern="1200">
         <a:solidFill>
           <a:schemeClr val="tx1"/>
         </a:solidFill>
@@ -125,8 +125,8 @@
         <a:cs typeface="+mn-cs"/>
       </a:defRPr>
     </a:lvl7pPr>
-    <a:lvl8pPr marL="3200400" algn="l" defTabSz="914400" rtl="0" eaLnBrk="1" latinLnBrk="0" hangingPunct="1">
-      <a:defRPr sz="1800" kern="1200">
+    <a:lvl8pPr marL="1505468" algn="l" defTabSz="430134" rtl="0" eaLnBrk="1" latinLnBrk="0" hangingPunct="1">
+      <a:defRPr sz="800" kern="1200">
         <a:solidFill>
           <a:schemeClr val="tx1"/>
         </a:solidFill>
@@ -135,8 +135,8 @@
         <a:cs typeface="+mn-cs"/>
       </a:defRPr>
     </a:lvl8pPr>
-    <a:lvl9pPr marL="3657600" algn="l" defTabSz="914400" rtl="0" eaLnBrk="1" latinLnBrk="0" hangingPunct="1">
-      <a:defRPr sz="1800" kern="1200">
+    <a:lvl9pPr marL="1720535" algn="l" defTabSz="430134" rtl="0" eaLnBrk="1" latinLnBrk="0" hangingPunct="1">
+      <a:defRPr sz="800" kern="1200">
         <a:solidFill>
           <a:schemeClr val="tx1"/>
         </a:solidFill>
@@ -148,7 +148,7 @@
   </p:defaultTextStyle>
   <p:extLst>
     <p:ext uri="{EFAFB233-063F-42B5-8137-9DF3F51BA10A}">
-      <p15:sldGuideLst xmlns:p15="http://schemas.microsoft.com/office/powerpoint/2012/main"/>
+      <p15:sldGuideLst xmlns:p15="http://schemas.microsoft.com/office/powerpoint/2012/main" xmlns=""/>
     </p:ext>
   </p:extLst>
 </p:presentation>
@@ -183,15 +183,15 @@
         </p:nvSpPr>
         <p:spPr>
           <a:xfrm>
-            <a:off x="1524000" y="1122363"/>
-            <a:ext cx="9144000" cy="2387600"/>
+            <a:off x="662981" y="598595"/>
+            <a:ext cx="3977879" cy="1273387"/>
           </a:xfrm>
         </p:spPr>
         <p:txBody>
           <a:bodyPr anchor="b"/>
           <a:lstStyle>
             <a:lvl1pPr algn="ctr">
-              <a:defRPr sz="6000"/>
+              <a:defRPr sz="2800"/>
             </a:lvl1pPr>
           </a:lstStyle>
           <a:p>
@@ -215,8 +215,8 @@
         </p:nvSpPr>
         <p:spPr>
           <a:xfrm>
-            <a:off x="1524000" y="3602038"/>
-            <a:ext cx="9144000" cy="1655762"/>
+            <a:off x="662981" y="1921089"/>
+            <a:ext cx="3977879" cy="883073"/>
           </a:xfrm>
         </p:spPr>
         <p:txBody>
@@ -224,39 +224,39 @@
           <a:lstStyle>
             <a:lvl1pPr marL="0" indent="0" algn="ctr">
               <a:buNone/>
-              <a:defRPr sz="2400"/>
+              <a:defRPr sz="1100"/>
             </a:lvl1pPr>
-            <a:lvl2pPr marL="457200" indent="0" algn="ctr">
+            <a:lvl2pPr marL="215067" indent="0" algn="ctr">
               <a:buNone/>
-              <a:defRPr sz="2000"/>
+              <a:defRPr sz="900"/>
             </a:lvl2pPr>
-            <a:lvl3pPr marL="914400" indent="0" algn="ctr">
+            <a:lvl3pPr marL="430134" indent="0" algn="ctr">
               <a:buNone/>
-              <a:defRPr sz="1800"/>
+              <a:defRPr sz="800"/>
             </a:lvl3pPr>
-            <a:lvl4pPr marL="1371600" indent="0" algn="ctr">
+            <a:lvl4pPr marL="645201" indent="0" algn="ctr">
               <a:buNone/>
-              <a:defRPr sz="1600"/>
+              <a:defRPr sz="800"/>
             </a:lvl4pPr>
-            <a:lvl5pPr marL="1828800" indent="0" algn="ctr">
+            <a:lvl5pPr marL="860268" indent="0" algn="ctr">
               <a:buNone/>
-              <a:defRPr sz="1600"/>
+              <a:defRPr sz="800"/>
             </a:lvl5pPr>
-            <a:lvl6pPr marL="2286000" indent="0" algn="ctr">
+            <a:lvl6pPr marL="1075334" indent="0" algn="ctr">
               <a:buNone/>
-              <a:defRPr sz="1600"/>
+              <a:defRPr sz="800"/>
             </a:lvl6pPr>
-            <a:lvl7pPr marL="2743200" indent="0" algn="ctr">
+            <a:lvl7pPr marL="1290401" indent="0" algn="ctr">
               <a:buNone/>
-              <a:defRPr sz="1600"/>
+              <a:defRPr sz="800"/>
             </a:lvl7pPr>
-            <a:lvl8pPr marL="3200400" indent="0" algn="ctr">
+            <a:lvl8pPr marL="1505468" indent="0" algn="ctr">
               <a:buNone/>
-              <a:defRPr sz="1600"/>
+              <a:defRPr sz="800"/>
             </a:lvl8pPr>
-            <a:lvl9pPr marL="3657600" indent="0" algn="ctr">
+            <a:lvl9pPr marL="1720535" indent="0" algn="ctr">
               <a:buNone/>
-              <a:defRPr sz="1600"/>
+              <a:defRPr sz="800"/>
             </a:lvl9pPr>
           </a:lstStyle>
           <a:p>
@@ -285,7 +285,8 @@
           <a:p>
             <a:fld id="{0638552F-B61D-42B3-8AA5-DAE51C3A4F85}" type="datetimeFigureOut">
               <a:rPr lang="en-US" smtClean="0"/>
-              <a:t>5/9/2023</a:t>
+              <a:pPr/>
+              <a:t>5/26/2023</a:t>
             </a:fld>
             <a:endParaRPr lang="en-US"/>
           </a:p>
@@ -327,6 +328,7 @@
           <a:p>
             <a:fld id="{2F133D49-601C-4DDF-8460-85054B857058}" type="slidenum">
               <a:rPr lang="en-US" smtClean="0"/>
+              <a:pPr/>
               <a:t>‹#›</a:t>
             </a:fld>
             <a:endParaRPr lang="en-US"/>
@@ -336,7 +338,7 @@
     </p:spTree>
     <p:extLst>
       <p:ext uri="{BB962C8B-B14F-4D97-AF65-F5344CB8AC3E}">
-        <p14:creationId xmlns:p14="http://schemas.microsoft.com/office/powerpoint/2010/main" val="2012327476"/>
+        <p14:creationId xmlns:p14="http://schemas.microsoft.com/office/powerpoint/2010/main" xmlns="" val="2012327476"/>
       </p:ext>
     </p:extLst>
   </p:cSld>
@@ -455,7 +457,8 @@
           <a:p>
             <a:fld id="{0638552F-B61D-42B3-8AA5-DAE51C3A4F85}" type="datetimeFigureOut">
               <a:rPr lang="en-US" smtClean="0"/>
-              <a:t>5/9/2023</a:t>
+              <a:pPr/>
+              <a:t>5/26/2023</a:t>
             </a:fld>
             <a:endParaRPr lang="en-US"/>
           </a:p>
@@ -497,6 +500,7 @@
           <a:p>
             <a:fld id="{2F133D49-601C-4DDF-8460-85054B857058}" type="slidenum">
               <a:rPr lang="en-US" smtClean="0"/>
+              <a:pPr/>
               <a:t>‹#›</a:t>
             </a:fld>
             <a:endParaRPr lang="en-US"/>
@@ -506,7 +510,7 @@
     </p:spTree>
     <p:extLst>
       <p:ext uri="{BB962C8B-B14F-4D97-AF65-F5344CB8AC3E}">
-        <p14:creationId xmlns:p14="http://schemas.microsoft.com/office/powerpoint/2010/main" val="4167050267"/>
+        <p14:creationId xmlns:p14="http://schemas.microsoft.com/office/powerpoint/2010/main" xmlns="" val="4167050267"/>
       </p:ext>
     </p:extLst>
   </p:cSld>
@@ -545,8 +549,8 @@
         </p:nvSpPr>
         <p:spPr>
           <a:xfrm>
-            <a:off x="8724900" y="365125"/>
-            <a:ext cx="2628900" cy="5811838"/>
+            <a:off x="3795559" y="194733"/>
+            <a:ext cx="1143640" cy="3099647"/>
           </a:xfrm>
         </p:spPr>
         <p:txBody>
@@ -573,8 +577,8 @@
         </p:nvSpPr>
         <p:spPr>
           <a:xfrm>
-            <a:off x="838200" y="365125"/>
-            <a:ext cx="7734300" cy="5811838"/>
+            <a:off x="364639" y="194733"/>
+            <a:ext cx="3364622" cy="3099647"/>
           </a:xfrm>
         </p:spPr>
         <p:txBody>
@@ -635,7 +639,8 @@
           <a:p>
             <a:fld id="{0638552F-B61D-42B3-8AA5-DAE51C3A4F85}" type="datetimeFigureOut">
               <a:rPr lang="en-US" smtClean="0"/>
-              <a:t>5/9/2023</a:t>
+              <a:pPr/>
+              <a:t>5/26/2023</a:t>
             </a:fld>
             <a:endParaRPr lang="en-US"/>
           </a:p>
@@ -677,6 +682,7 @@
           <a:p>
             <a:fld id="{2F133D49-601C-4DDF-8460-85054B857058}" type="slidenum">
               <a:rPr lang="en-US" smtClean="0"/>
+              <a:pPr/>
               <a:t>‹#›</a:t>
             </a:fld>
             <a:endParaRPr lang="en-US"/>
@@ -686,7 +692,7 @@
     </p:spTree>
     <p:extLst>
       <p:ext uri="{BB962C8B-B14F-4D97-AF65-F5344CB8AC3E}">
-        <p14:creationId xmlns:p14="http://schemas.microsoft.com/office/powerpoint/2010/main" val="1649130104"/>
+        <p14:creationId xmlns:p14="http://schemas.microsoft.com/office/powerpoint/2010/main" xmlns="" val="1649130104"/>
       </p:ext>
     </p:extLst>
   </p:cSld>
@@ -805,7 +811,8 @@
           <a:p>
             <a:fld id="{0638552F-B61D-42B3-8AA5-DAE51C3A4F85}" type="datetimeFigureOut">
               <a:rPr lang="en-US" smtClean="0"/>
-              <a:t>5/9/2023</a:t>
+              <a:pPr/>
+              <a:t>5/26/2023</a:t>
             </a:fld>
             <a:endParaRPr lang="en-US"/>
           </a:p>
@@ -847,6 +854,7 @@
           <a:p>
             <a:fld id="{2F133D49-601C-4DDF-8460-85054B857058}" type="slidenum">
               <a:rPr lang="en-US" smtClean="0"/>
+              <a:pPr/>
               <a:t>‹#›</a:t>
             </a:fld>
             <a:endParaRPr lang="en-US"/>
@@ -856,7 +864,7 @@
     </p:spTree>
     <p:extLst>
       <p:ext uri="{BB962C8B-B14F-4D97-AF65-F5344CB8AC3E}">
-        <p14:creationId xmlns:p14="http://schemas.microsoft.com/office/powerpoint/2010/main" val="2856009407"/>
+        <p14:creationId xmlns:p14="http://schemas.microsoft.com/office/powerpoint/2010/main" xmlns="" val="2856009407"/>
       </p:ext>
     </p:extLst>
   </p:cSld>
@@ -895,15 +903,15 @@
         </p:nvSpPr>
         <p:spPr>
           <a:xfrm>
-            <a:off x="831850" y="1709738"/>
-            <a:ext cx="10515600" cy="2852737"/>
+            <a:off x="361877" y="911860"/>
+            <a:ext cx="4574560" cy="1521460"/>
           </a:xfrm>
         </p:spPr>
         <p:txBody>
           <a:bodyPr anchor="b"/>
           <a:lstStyle>
             <a:lvl1pPr>
-              <a:defRPr sz="6000"/>
+              <a:defRPr sz="2800"/>
             </a:lvl1pPr>
           </a:lstStyle>
           <a:p>
@@ -927,8 +935,8 @@
         </p:nvSpPr>
         <p:spPr>
           <a:xfrm>
-            <a:off x="831850" y="4589463"/>
-            <a:ext cx="10515600" cy="1500187"/>
+            <a:off x="361877" y="2447714"/>
+            <a:ext cx="4574560" cy="800100"/>
           </a:xfrm>
         </p:spPr>
         <p:txBody>
@@ -936,7 +944,7 @@
           <a:lstStyle>
             <a:lvl1pPr marL="0" indent="0">
               <a:buNone/>
-              <a:defRPr sz="2400">
+              <a:defRPr sz="1100">
                 <a:solidFill>
                   <a:schemeClr val="tx1">
                     <a:tint val="75000"/>
@@ -944,9 +952,9 @@
                 </a:solidFill>
               </a:defRPr>
             </a:lvl1pPr>
-            <a:lvl2pPr marL="457200" indent="0">
+            <a:lvl2pPr marL="215067" indent="0">
               <a:buNone/>
-              <a:defRPr sz="2000">
+              <a:defRPr sz="900">
                 <a:solidFill>
                   <a:schemeClr val="tx1">
                     <a:tint val="75000"/>
@@ -954,9 +962,9 @@
                 </a:solidFill>
               </a:defRPr>
             </a:lvl2pPr>
-            <a:lvl3pPr marL="914400" indent="0">
+            <a:lvl3pPr marL="430134" indent="0">
               <a:buNone/>
-              <a:defRPr sz="1800">
+              <a:defRPr sz="800">
                 <a:solidFill>
                   <a:schemeClr val="tx1">
                     <a:tint val="75000"/>
@@ -964,9 +972,9 @@
                 </a:solidFill>
               </a:defRPr>
             </a:lvl3pPr>
-            <a:lvl4pPr marL="1371600" indent="0">
+            <a:lvl4pPr marL="645201" indent="0">
               <a:buNone/>
-              <a:defRPr sz="1600">
+              <a:defRPr sz="800">
                 <a:solidFill>
                   <a:schemeClr val="tx1">
                     <a:tint val="75000"/>
@@ -974,9 +982,9 @@
                 </a:solidFill>
               </a:defRPr>
             </a:lvl4pPr>
-            <a:lvl5pPr marL="1828800" indent="0">
+            <a:lvl5pPr marL="860268" indent="0">
               <a:buNone/>
-              <a:defRPr sz="1600">
+              <a:defRPr sz="800">
                 <a:solidFill>
                   <a:schemeClr val="tx1">
                     <a:tint val="75000"/>
@@ -984,9 +992,9 @@
                 </a:solidFill>
               </a:defRPr>
             </a:lvl5pPr>
-            <a:lvl6pPr marL="2286000" indent="0">
+            <a:lvl6pPr marL="1075334" indent="0">
               <a:buNone/>
-              <a:defRPr sz="1600">
+              <a:defRPr sz="800">
                 <a:solidFill>
                   <a:schemeClr val="tx1">
                     <a:tint val="75000"/>
@@ -994,9 +1002,9 @@
                 </a:solidFill>
               </a:defRPr>
             </a:lvl6pPr>
-            <a:lvl7pPr marL="2743200" indent="0">
+            <a:lvl7pPr marL="1290401" indent="0">
               <a:buNone/>
-              <a:defRPr sz="1600">
+              <a:defRPr sz="800">
                 <a:solidFill>
                   <a:schemeClr val="tx1">
                     <a:tint val="75000"/>
@@ -1004,9 +1012,9 @@
                 </a:solidFill>
               </a:defRPr>
             </a:lvl7pPr>
-            <a:lvl8pPr marL="3200400" indent="0">
+            <a:lvl8pPr marL="1505468" indent="0">
               <a:buNone/>
-              <a:defRPr sz="1600">
+              <a:defRPr sz="800">
                 <a:solidFill>
                   <a:schemeClr val="tx1">
                     <a:tint val="75000"/>
@@ -1014,9 +1022,9 @@
                 </a:solidFill>
               </a:defRPr>
             </a:lvl8pPr>
-            <a:lvl9pPr marL="3657600" indent="0">
+            <a:lvl9pPr marL="1720535" indent="0">
               <a:buNone/>
-              <a:defRPr sz="1600">
+              <a:defRPr sz="800">
                 <a:solidFill>
                   <a:schemeClr val="tx1">
                     <a:tint val="75000"/>
@@ -1051,7 +1059,8 @@
           <a:p>
             <a:fld id="{0638552F-B61D-42B3-8AA5-DAE51C3A4F85}" type="datetimeFigureOut">
               <a:rPr lang="en-US" smtClean="0"/>
-              <a:t>5/9/2023</a:t>
+              <a:pPr/>
+              <a:t>5/26/2023</a:t>
             </a:fld>
             <a:endParaRPr lang="en-US"/>
           </a:p>
@@ -1093,6 +1102,7 @@
           <a:p>
             <a:fld id="{2F133D49-601C-4DDF-8460-85054B857058}" type="slidenum">
               <a:rPr lang="en-US" smtClean="0"/>
+              <a:pPr/>
               <a:t>‹#›</a:t>
             </a:fld>
             <a:endParaRPr lang="en-US"/>
@@ -1102,7 +1112,7 @@
     </p:spTree>
     <p:extLst>
       <p:ext uri="{BB962C8B-B14F-4D97-AF65-F5344CB8AC3E}">
-        <p14:creationId xmlns:p14="http://schemas.microsoft.com/office/powerpoint/2010/main" val="2499214651"/>
+        <p14:creationId xmlns:p14="http://schemas.microsoft.com/office/powerpoint/2010/main" xmlns="" val="2499214651"/>
       </p:ext>
     </p:extLst>
   </p:cSld>
@@ -1164,8 +1174,8 @@
         </p:nvSpPr>
         <p:spPr>
           <a:xfrm>
-            <a:off x="838200" y="1825625"/>
-            <a:ext cx="5181600" cy="4351338"/>
+            <a:off x="364639" y="973666"/>
+            <a:ext cx="2254131" cy="2320714"/>
           </a:xfrm>
         </p:spPr>
         <p:txBody>
@@ -1221,8 +1231,8 @@
         </p:nvSpPr>
         <p:spPr>
           <a:xfrm>
-            <a:off x="6172200" y="1825625"/>
-            <a:ext cx="5181600" cy="4351338"/>
+            <a:off x="2685068" y="973666"/>
+            <a:ext cx="2254131" cy="2320714"/>
           </a:xfrm>
         </p:spPr>
         <p:txBody>
@@ -1283,7 +1293,8 @@
           <a:p>
             <a:fld id="{0638552F-B61D-42B3-8AA5-DAE51C3A4F85}" type="datetimeFigureOut">
               <a:rPr lang="en-US" smtClean="0"/>
-              <a:t>5/9/2023</a:t>
+              <a:pPr/>
+              <a:t>5/26/2023</a:t>
             </a:fld>
             <a:endParaRPr lang="en-US"/>
           </a:p>
@@ -1325,6 +1336,7 @@
           <a:p>
             <a:fld id="{2F133D49-601C-4DDF-8460-85054B857058}" type="slidenum">
               <a:rPr lang="en-US" smtClean="0"/>
+              <a:pPr/>
               <a:t>‹#›</a:t>
             </a:fld>
             <a:endParaRPr lang="en-US"/>
@@ -1334,7 +1346,7 @@
     </p:spTree>
     <p:extLst>
       <p:ext uri="{BB962C8B-B14F-4D97-AF65-F5344CB8AC3E}">
-        <p14:creationId xmlns:p14="http://schemas.microsoft.com/office/powerpoint/2010/main" val="2924224958"/>
+        <p14:creationId xmlns:p14="http://schemas.microsoft.com/office/powerpoint/2010/main" xmlns="" val="2924224958"/>
       </p:ext>
     </p:extLst>
   </p:cSld>
@@ -1373,8 +1385,8 @@
         </p:nvSpPr>
         <p:spPr>
           <a:xfrm>
-            <a:off x="839788" y="365125"/>
-            <a:ext cx="10515600" cy="1325563"/>
+            <a:off x="365331" y="194735"/>
+            <a:ext cx="4574560" cy="706967"/>
           </a:xfrm>
         </p:spPr>
         <p:txBody>
@@ -1401,8 +1413,8 @@
         </p:nvSpPr>
         <p:spPr>
           <a:xfrm>
-            <a:off x="839788" y="1681163"/>
-            <a:ext cx="5157787" cy="823912"/>
+            <a:off x="365330" y="896620"/>
+            <a:ext cx="2243772" cy="439420"/>
           </a:xfrm>
         </p:spPr>
         <p:txBody>
@@ -1410,39 +1422,39 @@
           <a:lstStyle>
             <a:lvl1pPr marL="0" indent="0">
               <a:buNone/>
-              <a:defRPr sz="2400" b="1"/>
+              <a:defRPr sz="1100" b="1"/>
             </a:lvl1pPr>
-            <a:lvl2pPr marL="457200" indent="0">
+            <a:lvl2pPr marL="215067" indent="0">
               <a:buNone/>
-              <a:defRPr sz="2000" b="1"/>
+              <a:defRPr sz="900" b="1"/>
             </a:lvl2pPr>
-            <a:lvl3pPr marL="914400" indent="0">
+            <a:lvl3pPr marL="430134" indent="0">
               <a:buNone/>
-              <a:defRPr sz="1800" b="1"/>
+              <a:defRPr sz="800" b="1"/>
             </a:lvl3pPr>
-            <a:lvl4pPr marL="1371600" indent="0">
+            <a:lvl4pPr marL="645201" indent="0">
               <a:buNone/>
-              <a:defRPr sz="1600" b="1"/>
+              <a:defRPr sz="800" b="1"/>
             </a:lvl4pPr>
-            <a:lvl5pPr marL="1828800" indent="0">
+            <a:lvl5pPr marL="860268" indent="0">
               <a:buNone/>
-              <a:defRPr sz="1600" b="1"/>
+              <a:defRPr sz="800" b="1"/>
             </a:lvl5pPr>
-            <a:lvl6pPr marL="2286000" indent="0">
+            <a:lvl6pPr marL="1075334" indent="0">
               <a:buNone/>
-              <a:defRPr sz="1600" b="1"/>
+              <a:defRPr sz="800" b="1"/>
             </a:lvl6pPr>
-            <a:lvl7pPr marL="2743200" indent="0">
+            <a:lvl7pPr marL="1290401" indent="0">
               <a:buNone/>
-              <a:defRPr sz="1600" b="1"/>
+              <a:defRPr sz="800" b="1"/>
             </a:lvl7pPr>
-            <a:lvl8pPr marL="3200400" indent="0">
+            <a:lvl8pPr marL="1505468" indent="0">
               <a:buNone/>
-              <a:defRPr sz="1600" b="1"/>
+              <a:defRPr sz="800" b="1"/>
             </a:lvl8pPr>
-            <a:lvl9pPr marL="3657600" indent="0">
+            <a:lvl9pPr marL="1720535" indent="0">
               <a:buNone/>
-              <a:defRPr sz="1600" b="1"/>
+              <a:defRPr sz="800" b="1"/>
             </a:lvl9pPr>
           </a:lstStyle>
           <a:p>
@@ -1466,8 +1478,8 @@
         </p:nvSpPr>
         <p:spPr>
           <a:xfrm>
-            <a:off x="839788" y="2505075"/>
-            <a:ext cx="5157787" cy="3684588"/>
+            <a:off x="365330" y="1336040"/>
+            <a:ext cx="2243772" cy="1965114"/>
           </a:xfrm>
         </p:spPr>
         <p:txBody>
@@ -1523,8 +1535,8 @@
         </p:nvSpPr>
         <p:spPr>
           <a:xfrm>
-            <a:off x="6172200" y="1681163"/>
-            <a:ext cx="5183188" cy="823912"/>
+            <a:off x="2685068" y="896620"/>
+            <a:ext cx="2254821" cy="439420"/>
           </a:xfrm>
         </p:spPr>
         <p:txBody>
@@ -1532,39 +1544,39 @@
           <a:lstStyle>
             <a:lvl1pPr marL="0" indent="0">
               <a:buNone/>
-              <a:defRPr sz="2400" b="1"/>
+              <a:defRPr sz="1100" b="1"/>
             </a:lvl1pPr>
-            <a:lvl2pPr marL="457200" indent="0">
+            <a:lvl2pPr marL="215067" indent="0">
               <a:buNone/>
-              <a:defRPr sz="2000" b="1"/>
+              <a:defRPr sz="900" b="1"/>
             </a:lvl2pPr>
-            <a:lvl3pPr marL="914400" indent="0">
+            <a:lvl3pPr marL="430134" indent="0">
               <a:buNone/>
-              <a:defRPr sz="1800" b="1"/>
+              <a:defRPr sz="800" b="1"/>
             </a:lvl3pPr>
-            <a:lvl4pPr marL="1371600" indent="0">
+            <a:lvl4pPr marL="645201" indent="0">
               <a:buNone/>
-              <a:defRPr sz="1600" b="1"/>
+              <a:defRPr sz="800" b="1"/>
             </a:lvl4pPr>
-            <a:lvl5pPr marL="1828800" indent="0">
+            <a:lvl5pPr marL="860268" indent="0">
               <a:buNone/>
-              <a:defRPr sz="1600" b="1"/>
+              <a:defRPr sz="800" b="1"/>
             </a:lvl5pPr>
-            <a:lvl6pPr marL="2286000" indent="0">
+            <a:lvl6pPr marL="1075334" indent="0">
               <a:buNone/>
-              <a:defRPr sz="1600" b="1"/>
+              <a:defRPr sz="800" b="1"/>
             </a:lvl6pPr>
-            <a:lvl7pPr marL="2743200" indent="0">
+            <a:lvl7pPr marL="1290401" indent="0">
               <a:buNone/>
-              <a:defRPr sz="1600" b="1"/>
+              <a:defRPr sz="800" b="1"/>
             </a:lvl7pPr>
-            <a:lvl8pPr marL="3200400" indent="0">
+            <a:lvl8pPr marL="1505468" indent="0">
               <a:buNone/>
-              <a:defRPr sz="1600" b="1"/>
+              <a:defRPr sz="800" b="1"/>
             </a:lvl8pPr>
-            <a:lvl9pPr marL="3657600" indent="0">
+            <a:lvl9pPr marL="1720535" indent="0">
               <a:buNone/>
-              <a:defRPr sz="1600" b="1"/>
+              <a:defRPr sz="800" b="1"/>
             </a:lvl9pPr>
           </a:lstStyle>
           <a:p>
@@ -1588,8 +1600,8 @@
         </p:nvSpPr>
         <p:spPr>
           <a:xfrm>
-            <a:off x="6172200" y="2505075"/>
-            <a:ext cx="5183188" cy="3684588"/>
+            <a:off x="2685068" y="1336040"/>
+            <a:ext cx="2254821" cy="1965114"/>
           </a:xfrm>
         </p:spPr>
         <p:txBody>
@@ -1650,7 +1662,8 @@
           <a:p>
             <a:fld id="{0638552F-B61D-42B3-8AA5-DAE51C3A4F85}" type="datetimeFigureOut">
               <a:rPr lang="en-US" smtClean="0"/>
-              <a:t>5/9/2023</a:t>
+              <a:pPr/>
+              <a:t>5/26/2023</a:t>
             </a:fld>
             <a:endParaRPr lang="en-US"/>
           </a:p>
@@ -1692,6 +1705,7 @@
           <a:p>
             <a:fld id="{2F133D49-601C-4DDF-8460-85054B857058}" type="slidenum">
               <a:rPr lang="en-US" smtClean="0"/>
+              <a:pPr/>
               <a:t>‹#›</a:t>
             </a:fld>
             <a:endParaRPr lang="en-US"/>
@@ -1701,7 +1715,7 @@
     </p:spTree>
     <p:extLst>
       <p:ext uri="{BB962C8B-B14F-4D97-AF65-F5344CB8AC3E}">
-        <p14:creationId xmlns:p14="http://schemas.microsoft.com/office/powerpoint/2010/main" val="441588402"/>
+        <p14:creationId xmlns:p14="http://schemas.microsoft.com/office/powerpoint/2010/main" xmlns="" val="441588402"/>
       </p:ext>
     </p:extLst>
   </p:cSld>
@@ -1768,7 +1782,8 @@
           <a:p>
             <a:fld id="{0638552F-B61D-42B3-8AA5-DAE51C3A4F85}" type="datetimeFigureOut">
               <a:rPr lang="en-US" smtClean="0"/>
-              <a:t>5/9/2023</a:t>
+              <a:pPr/>
+              <a:t>5/26/2023</a:t>
             </a:fld>
             <a:endParaRPr lang="en-US"/>
           </a:p>
@@ -1810,6 +1825,7 @@
           <a:p>
             <a:fld id="{2F133D49-601C-4DDF-8460-85054B857058}" type="slidenum">
               <a:rPr lang="en-US" smtClean="0"/>
+              <a:pPr/>
               <a:t>‹#›</a:t>
             </a:fld>
             <a:endParaRPr lang="en-US"/>
@@ -1819,7 +1835,7 @@
     </p:spTree>
     <p:extLst>
       <p:ext uri="{BB962C8B-B14F-4D97-AF65-F5344CB8AC3E}">
-        <p14:creationId xmlns:p14="http://schemas.microsoft.com/office/powerpoint/2010/main" val="1870828788"/>
+        <p14:creationId xmlns:p14="http://schemas.microsoft.com/office/powerpoint/2010/main" xmlns="" val="1870828788"/>
       </p:ext>
     </p:extLst>
   </p:cSld>
@@ -1863,7 +1879,8 @@
           <a:p>
             <a:fld id="{0638552F-B61D-42B3-8AA5-DAE51C3A4F85}" type="datetimeFigureOut">
               <a:rPr lang="en-US" smtClean="0"/>
-              <a:t>5/9/2023</a:t>
+              <a:pPr/>
+              <a:t>5/26/2023</a:t>
             </a:fld>
             <a:endParaRPr lang="en-US"/>
           </a:p>
@@ -1905,6 +1922,7 @@
           <a:p>
             <a:fld id="{2F133D49-601C-4DDF-8460-85054B857058}" type="slidenum">
               <a:rPr lang="en-US" smtClean="0"/>
+              <a:pPr/>
               <a:t>‹#›</a:t>
             </a:fld>
             <a:endParaRPr lang="en-US"/>
@@ -1914,7 +1932,7 @@
     </p:spTree>
     <p:extLst>
       <p:ext uri="{BB962C8B-B14F-4D97-AF65-F5344CB8AC3E}">
-        <p14:creationId xmlns:p14="http://schemas.microsoft.com/office/powerpoint/2010/main" val="3181484496"/>
+        <p14:creationId xmlns:p14="http://schemas.microsoft.com/office/powerpoint/2010/main" xmlns="" val="3181484496"/>
       </p:ext>
     </p:extLst>
   </p:cSld>
@@ -1953,15 +1971,15 @@
         </p:nvSpPr>
         <p:spPr>
           <a:xfrm>
-            <a:off x="839788" y="457200"/>
-            <a:ext cx="3932237" cy="1600200"/>
+            <a:off x="365331" y="243840"/>
+            <a:ext cx="1710626" cy="853440"/>
           </a:xfrm>
         </p:spPr>
         <p:txBody>
           <a:bodyPr anchor="b"/>
           <a:lstStyle>
             <a:lvl1pPr>
-              <a:defRPr sz="3200"/>
+              <a:defRPr sz="1500"/>
             </a:lvl1pPr>
           </a:lstStyle>
           <a:p>
@@ -1985,39 +2003,39 @@
         </p:nvSpPr>
         <p:spPr>
           <a:xfrm>
-            <a:off x="5183188" y="987425"/>
-            <a:ext cx="6172200" cy="4873625"/>
+            <a:off x="2254821" y="526629"/>
+            <a:ext cx="2685068" cy="2599267"/>
           </a:xfrm>
         </p:spPr>
         <p:txBody>
           <a:bodyPr/>
           <a:lstStyle>
             <a:lvl1pPr>
-              <a:defRPr sz="3200"/>
+              <a:defRPr sz="1500"/>
             </a:lvl1pPr>
             <a:lvl2pPr>
-              <a:defRPr sz="2800"/>
+              <a:defRPr sz="1300"/>
             </a:lvl2pPr>
             <a:lvl3pPr>
-              <a:defRPr sz="2400"/>
+              <a:defRPr sz="1100"/>
             </a:lvl3pPr>
             <a:lvl4pPr>
-              <a:defRPr sz="2000"/>
+              <a:defRPr sz="900"/>
             </a:lvl4pPr>
             <a:lvl5pPr>
-              <a:defRPr sz="2000"/>
+              <a:defRPr sz="900"/>
             </a:lvl5pPr>
             <a:lvl6pPr>
-              <a:defRPr sz="2000"/>
+              <a:defRPr sz="900"/>
             </a:lvl6pPr>
             <a:lvl7pPr>
-              <a:defRPr sz="2000"/>
+              <a:defRPr sz="900"/>
             </a:lvl7pPr>
             <a:lvl8pPr>
-              <a:defRPr sz="2000"/>
+              <a:defRPr sz="900"/>
             </a:lvl8pPr>
             <a:lvl9pPr>
-              <a:defRPr sz="2000"/>
+              <a:defRPr sz="900"/>
             </a:lvl9pPr>
           </a:lstStyle>
           <a:p>
@@ -2070,8 +2088,8 @@
         </p:nvSpPr>
         <p:spPr>
           <a:xfrm>
-            <a:off x="839788" y="2057400"/>
-            <a:ext cx="3932237" cy="3811588"/>
+            <a:off x="365331" y="1097282"/>
+            <a:ext cx="1710626" cy="2032847"/>
           </a:xfrm>
         </p:spPr>
         <p:txBody>
@@ -2079,39 +2097,39 @@
           <a:lstStyle>
             <a:lvl1pPr marL="0" indent="0">
               <a:buNone/>
-              <a:defRPr sz="1600"/>
+              <a:defRPr sz="800"/>
             </a:lvl1pPr>
-            <a:lvl2pPr marL="457200" indent="0">
+            <a:lvl2pPr marL="215067" indent="0">
               <a:buNone/>
-              <a:defRPr sz="1400"/>
+              <a:defRPr sz="700"/>
             </a:lvl2pPr>
-            <a:lvl3pPr marL="914400" indent="0">
+            <a:lvl3pPr marL="430134" indent="0">
               <a:buNone/>
-              <a:defRPr sz="1200"/>
+              <a:defRPr sz="600"/>
             </a:lvl3pPr>
-            <a:lvl4pPr marL="1371600" indent="0">
+            <a:lvl4pPr marL="645201" indent="0">
               <a:buNone/>
-              <a:defRPr sz="1000"/>
+              <a:defRPr sz="500"/>
             </a:lvl4pPr>
-            <a:lvl5pPr marL="1828800" indent="0">
+            <a:lvl5pPr marL="860268" indent="0">
               <a:buNone/>
-              <a:defRPr sz="1000"/>
+              <a:defRPr sz="500"/>
             </a:lvl5pPr>
-            <a:lvl6pPr marL="2286000" indent="0">
+            <a:lvl6pPr marL="1075334" indent="0">
               <a:buNone/>
-              <a:defRPr sz="1000"/>
+              <a:defRPr sz="500"/>
             </a:lvl6pPr>
-            <a:lvl7pPr marL="2743200" indent="0">
+            <a:lvl7pPr marL="1290401" indent="0">
               <a:buNone/>
-              <a:defRPr sz="1000"/>
+              <a:defRPr sz="500"/>
             </a:lvl7pPr>
-            <a:lvl8pPr marL="3200400" indent="0">
+            <a:lvl8pPr marL="1505468" indent="0">
               <a:buNone/>
-              <a:defRPr sz="1000"/>
+              <a:defRPr sz="500"/>
             </a:lvl8pPr>
-            <a:lvl9pPr marL="3657600" indent="0">
+            <a:lvl9pPr marL="1720535" indent="0">
               <a:buNone/>
-              <a:defRPr sz="1000"/>
+              <a:defRPr sz="500"/>
             </a:lvl9pPr>
           </a:lstStyle>
           <a:p>
@@ -2140,7 +2158,8 @@
           <a:p>
             <a:fld id="{0638552F-B61D-42B3-8AA5-DAE51C3A4F85}" type="datetimeFigureOut">
               <a:rPr lang="en-US" smtClean="0"/>
-              <a:t>5/9/2023</a:t>
+              <a:pPr/>
+              <a:t>5/26/2023</a:t>
             </a:fld>
             <a:endParaRPr lang="en-US"/>
           </a:p>
@@ -2182,6 +2201,7 @@
           <a:p>
             <a:fld id="{2F133D49-601C-4DDF-8460-85054B857058}" type="slidenum">
               <a:rPr lang="en-US" smtClean="0"/>
+              <a:pPr/>
               <a:t>‹#›</a:t>
             </a:fld>
             <a:endParaRPr lang="en-US"/>
@@ -2191,7 +2211,7 @@
     </p:spTree>
     <p:extLst>
       <p:ext uri="{BB962C8B-B14F-4D97-AF65-F5344CB8AC3E}">
-        <p14:creationId xmlns:p14="http://schemas.microsoft.com/office/powerpoint/2010/main" val="3951956338"/>
+        <p14:creationId xmlns:p14="http://schemas.microsoft.com/office/powerpoint/2010/main" xmlns="" val="3951956338"/>
       </p:ext>
     </p:extLst>
   </p:cSld>
@@ -2230,15 +2250,15 @@
         </p:nvSpPr>
         <p:spPr>
           <a:xfrm>
-            <a:off x="839788" y="457200"/>
-            <a:ext cx="3932237" cy="1600200"/>
+            <a:off x="365331" y="243840"/>
+            <a:ext cx="1710626" cy="853440"/>
           </a:xfrm>
         </p:spPr>
         <p:txBody>
           <a:bodyPr anchor="b"/>
           <a:lstStyle>
             <a:lvl1pPr>
-              <a:defRPr sz="3200"/>
+              <a:defRPr sz="1500"/>
             </a:lvl1pPr>
           </a:lstStyle>
           <a:p>
@@ -2262,8 +2282,8 @@
         </p:nvSpPr>
         <p:spPr>
           <a:xfrm>
-            <a:off x="5183188" y="987425"/>
-            <a:ext cx="6172200" cy="4873625"/>
+            <a:off x="2254821" y="526629"/>
+            <a:ext cx="2685068" cy="2599267"/>
           </a:xfrm>
         </p:spPr>
         <p:txBody>
@@ -2271,39 +2291,39 @@
           <a:lstStyle>
             <a:lvl1pPr marL="0" indent="0">
               <a:buNone/>
-              <a:defRPr sz="3200"/>
+              <a:defRPr sz="1500"/>
             </a:lvl1pPr>
-            <a:lvl2pPr marL="457200" indent="0">
+            <a:lvl2pPr marL="215067" indent="0">
               <a:buNone/>
-              <a:defRPr sz="2800"/>
+              <a:defRPr sz="1300"/>
             </a:lvl2pPr>
-            <a:lvl3pPr marL="914400" indent="0">
+            <a:lvl3pPr marL="430134" indent="0">
               <a:buNone/>
-              <a:defRPr sz="2400"/>
+              <a:defRPr sz="1100"/>
             </a:lvl3pPr>
-            <a:lvl4pPr marL="1371600" indent="0">
+            <a:lvl4pPr marL="645201" indent="0">
               <a:buNone/>
-              <a:defRPr sz="2000"/>
+              <a:defRPr sz="900"/>
             </a:lvl4pPr>
-            <a:lvl5pPr marL="1828800" indent="0">
+            <a:lvl5pPr marL="860268" indent="0">
               <a:buNone/>
-              <a:defRPr sz="2000"/>
+              <a:defRPr sz="900"/>
             </a:lvl5pPr>
-            <a:lvl6pPr marL="2286000" indent="0">
+            <a:lvl6pPr marL="1075334" indent="0">
               <a:buNone/>
-              <a:defRPr sz="2000"/>
+              <a:defRPr sz="900"/>
             </a:lvl6pPr>
-            <a:lvl7pPr marL="2743200" indent="0">
+            <a:lvl7pPr marL="1290401" indent="0">
               <a:buNone/>
-              <a:defRPr sz="2000"/>
+              <a:defRPr sz="900"/>
             </a:lvl7pPr>
-            <a:lvl8pPr marL="3200400" indent="0">
+            <a:lvl8pPr marL="1505468" indent="0">
               <a:buNone/>
-              <a:defRPr sz="2000"/>
+              <a:defRPr sz="900"/>
             </a:lvl8pPr>
-            <a:lvl9pPr marL="3657600" indent="0">
+            <a:lvl9pPr marL="1720535" indent="0">
               <a:buNone/>
-              <a:defRPr sz="2000"/>
+              <a:defRPr sz="900"/>
             </a:lvl9pPr>
           </a:lstStyle>
           <a:p>
@@ -2323,8 +2343,8 @@
         </p:nvSpPr>
         <p:spPr>
           <a:xfrm>
-            <a:off x="839788" y="2057400"/>
-            <a:ext cx="3932237" cy="3811588"/>
+            <a:off x="365331" y="1097282"/>
+            <a:ext cx="1710626" cy="2032847"/>
           </a:xfrm>
         </p:spPr>
         <p:txBody>
@@ -2332,39 +2352,39 @@
           <a:lstStyle>
             <a:lvl1pPr marL="0" indent="0">
               <a:buNone/>
-              <a:defRPr sz="1600"/>
+              <a:defRPr sz="800"/>
             </a:lvl1pPr>
-            <a:lvl2pPr marL="457200" indent="0">
+            <a:lvl2pPr marL="215067" indent="0">
               <a:buNone/>
-              <a:defRPr sz="1400"/>
+              <a:defRPr sz="700"/>
             </a:lvl2pPr>
-            <a:lvl3pPr marL="914400" indent="0">
+            <a:lvl3pPr marL="430134" indent="0">
               <a:buNone/>
-              <a:defRPr sz="1200"/>
+              <a:defRPr sz="600"/>
             </a:lvl3pPr>
-            <a:lvl4pPr marL="1371600" indent="0">
+            <a:lvl4pPr marL="645201" indent="0">
               <a:buNone/>
-              <a:defRPr sz="1000"/>
+              <a:defRPr sz="500"/>
             </a:lvl4pPr>
-            <a:lvl5pPr marL="1828800" indent="0">
+            <a:lvl5pPr marL="860268" indent="0">
               <a:buNone/>
-              <a:defRPr sz="1000"/>
+              <a:defRPr sz="500"/>
             </a:lvl5pPr>
-            <a:lvl6pPr marL="2286000" indent="0">
+            <a:lvl6pPr marL="1075334" indent="0">
               <a:buNone/>
-              <a:defRPr sz="1000"/>
+              <a:defRPr sz="500"/>
             </a:lvl6pPr>
-            <a:lvl7pPr marL="2743200" indent="0">
+            <a:lvl7pPr marL="1290401" indent="0">
               <a:buNone/>
-              <a:defRPr sz="1000"/>
+              <a:defRPr sz="500"/>
             </a:lvl7pPr>
-            <a:lvl8pPr marL="3200400" indent="0">
+            <a:lvl8pPr marL="1505468" indent="0">
               <a:buNone/>
-              <a:defRPr sz="1000"/>
+              <a:defRPr sz="500"/>
             </a:lvl8pPr>
-            <a:lvl9pPr marL="3657600" indent="0">
+            <a:lvl9pPr marL="1720535" indent="0">
               <a:buNone/>
-              <a:defRPr sz="1000"/>
+              <a:defRPr sz="500"/>
             </a:lvl9pPr>
           </a:lstStyle>
           <a:p>
@@ -2393,7 +2413,8 @@
           <a:p>
             <a:fld id="{0638552F-B61D-42B3-8AA5-DAE51C3A4F85}" type="datetimeFigureOut">
               <a:rPr lang="en-US" smtClean="0"/>
-              <a:t>5/9/2023</a:t>
+              <a:pPr/>
+              <a:t>5/26/2023</a:t>
             </a:fld>
             <a:endParaRPr lang="en-US"/>
           </a:p>
@@ -2435,6 +2456,7 @@
           <a:p>
             <a:fld id="{2F133D49-601C-4DDF-8460-85054B857058}" type="slidenum">
               <a:rPr lang="en-US" smtClean="0"/>
+              <a:pPr/>
               <a:t>‹#›</a:t>
             </a:fld>
             <a:endParaRPr lang="en-US"/>
@@ -2444,7 +2466,7 @@
     </p:spTree>
     <p:extLst>
       <p:ext uri="{BB962C8B-B14F-4D97-AF65-F5344CB8AC3E}">
-        <p14:creationId xmlns:p14="http://schemas.microsoft.com/office/powerpoint/2010/main" val="3528231755"/>
+        <p14:creationId xmlns:p14="http://schemas.microsoft.com/office/powerpoint/2010/main" xmlns="" val="3528231755"/>
       </p:ext>
     </p:extLst>
   </p:cSld>
@@ -2488,15 +2510,15 @@
         </p:nvSpPr>
         <p:spPr>
           <a:xfrm>
-            <a:off x="838200" y="365125"/>
-            <a:ext cx="10515600" cy="1325563"/>
+            <a:off x="364639" y="194735"/>
+            <a:ext cx="4574560" cy="706967"/>
           </a:xfrm>
           <a:prstGeom prst="rect">
             <a:avLst/>
           </a:prstGeom>
         </p:spPr>
         <p:txBody>
-          <a:bodyPr vert="horz" lIns="91440" tIns="45720" rIns="91440" bIns="45720" rtlCol="0" anchor="ctr">
+          <a:bodyPr vert="horz" lIns="43013" tIns="21507" rIns="43013" bIns="21507" rtlCol="0" anchor="ctr">
             <a:normAutofit/>
           </a:bodyPr>
           <a:lstStyle/>
@@ -2521,15 +2543,15 @@
         </p:nvSpPr>
         <p:spPr>
           <a:xfrm>
-            <a:off x="838200" y="1825625"/>
-            <a:ext cx="10515600" cy="4351338"/>
+            <a:off x="364639" y="973666"/>
+            <a:ext cx="4574560" cy="2320714"/>
           </a:xfrm>
           <a:prstGeom prst="rect">
             <a:avLst/>
           </a:prstGeom>
         </p:spPr>
         <p:txBody>
-          <a:bodyPr vert="horz" lIns="91440" tIns="45720" rIns="91440" bIns="45720" rtlCol="0">
+          <a:bodyPr vert="horz" lIns="43013" tIns="21507" rIns="43013" bIns="21507" rtlCol="0">
             <a:normAutofit/>
           </a:bodyPr>
           <a:lstStyle/>
@@ -2583,18 +2605,18 @@
         </p:nvSpPr>
         <p:spPr>
           <a:xfrm>
-            <a:off x="838200" y="6356350"/>
-            <a:ext cx="2743200" cy="365125"/>
+            <a:off x="364639" y="3390055"/>
+            <a:ext cx="1193364" cy="194733"/>
           </a:xfrm>
           <a:prstGeom prst="rect">
             <a:avLst/>
           </a:prstGeom>
         </p:spPr>
         <p:txBody>
-          <a:bodyPr vert="horz" lIns="91440" tIns="45720" rIns="91440" bIns="45720" rtlCol="0" anchor="ctr"/>
+          <a:bodyPr vert="horz" lIns="43013" tIns="21507" rIns="43013" bIns="21507" rtlCol="0" anchor="ctr"/>
           <a:lstStyle>
             <a:lvl1pPr algn="l">
-              <a:defRPr sz="1200">
+              <a:defRPr sz="600">
                 <a:solidFill>
                   <a:schemeClr val="tx1">
                     <a:tint val="75000"/>
@@ -2606,7 +2628,8 @@
           <a:p>
             <a:fld id="{0638552F-B61D-42B3-8AA5-DAE51C3A4F85}" type="datetimeFigureOut">
               <a:rPr lang="en-US" smtClean="0"/>
-              <a:t>5/9/2023</a:t>
+              <a:pPr/>
+              <a:t>5/26/2023</a:t>
             </a:fld>
             <a:endParaRPr lang="en-US"/>
           </a:p>
@@ -2624,18 +2647,18 @@
         </p:nvSpPr>
         <p:spPr>
           <a:xfrm>
-            <a:off x="4038600" y="6356350"/>
-            <a:ext cx="4114800" cy="365125"/>
+            <a:off x="1756898" y="3390055"/>
+            <a:ext cx="1790045" cy="194733"/>
           </a:xfrm>
           <a:prstGeom prst="rect">
             <a:avLst/>
           </a:prstGeom>
         </p:spPr>
         <p:txBody>
-          <a:bodyPr vert="horz" lIns="91440" tIns="45720" rIns="91440" bIns="45720" rtlCol="0" anchor="ctr"/>
+          <a:bodyPr vert="horz" lIns="43013" tIns="21507" rIns="43013" bIns="21507" rtlCol="0" anchor="ctr"/>
           <a:lstStyle>
             <a:lvl1pPr algn="ctr">
-              <a:defRPr sz="1200">
+              <a:defRPr sz="600">
                 <a:solidFill>
                   <a:schemeClr val="tx1">
                     <a:tint val="75000"/>
@@ -2661,18 +2684,18 @@
         </p:nvSpPr>
         <p:spPr>
           <a:xfrm>
-            <a:off x="8610600" y="6356350"/>
-            <a:ext cx="2743200" cy="365125"/>
+            <a:off x="3745835" y="3390055"/>
+            <a:ext cx="1193364" cy="194733"/>
           </a:xfrm>
           <a:prstGeom prst="rect">
             <a:avLst/>
           </a:prstGeom>
         </p:spPr>
         <p:txBody>
-          <a:bodyPr vert="horz" lIns="91440" tIns="45720" rIns="91440" bIns="45720" rtlCol="0" anchor="ctr"/>
+          <a:bodyPr vert="horz" lIns="43013" tIns="21507" rIns="43013" bIns="21507" rtlCol="0" anchor="ctr"/>
           <a:lstStyle>
             <a:lvl1pPr algn="r">
-              <a:defRPr sz="1200">
+              <a:defRPr sz="600">
                 <a:solidFill>
                   <a:schemeClr val="tx1">
                     <a:tint val="75000"/>
@@ -2684,6 +2707,7 @@
           <a:p>
             <a:fld id="{2F133D49-601C-4DDF-8460-85054B857058}" type="slidenum">
               <a:rPr lang="en-US" smtClean="0"/>
+              <a:pPr/>
               <a:t>‹#›</a:t>
             </a:fld>
             <a:endParaRPr lang="en-US"/>
@@ -2693,7 +2717,7 @@
     </p:spTree>
     <p:extLst>
       <p:ext uri="{BB962C8B-B14F-4D97-AF65-F5344CB8AC3E}">
-        <p14:creationId xmlns:p14="http://schemas.microsoft.com/office/powerpoint/2010/main" val="1098993148"/>
+        <p14:creationId xmlns:p14="http://schemas.microsoft.com/office/powerpoint/2010/main" xmlns="" val="1098993148"/>
       </p:ext>
     </p:extLst>
   </p:cSld>
@@ -2713,7 +2737,7 @@
   </p:sldLayoutIdLst>
   <p:txStyles>
     <p:titleStyle>
-      <a:lvl1pPr algn="l" defTabSz="914400" rtl="0" eaLnBrk="1" latinLnBrk="0" hangingPunct="1">
+      <a:lvl1pPr algn="l" defTabSz="430134" rtl="0" eaLnBrk="1" latinLnBrk="0" hangingPunct="1">
         <a:lnSpc>
           <a:spcPct val="90000"/>
         </a:lnSpc>
@@ -2721,7 +2745,7 @@
           <a:spcPct val="0"/>
         </a:spcBef>
         <a:buNone/>
-        <a:defRPr sz="4400" kern="1200">
+        <a:defRPr sz="2100" kern="1200">
           <a:solidFill>
             <a:schemeClr val="tx1"/>
           </a:solidFill>
@@ -2732,16 +2756,16 @@
       </a:lvl1pPr>
     </p:titleStyle>
     <p:bodyStyle>
-      <a:lvl1pPr marL="228600" indent="-228600" algn="l" defTabSz="914400" rtl="0" eaLnBrk="1" latinLnBrk="0" hangingPunct="1">
+      <a:lvl1pPr marL="107533" indent="-107533" algn="l" defTabSz="430134" rtl="0" eaLnBrk="1" latinLnBrk="0" hangingPunct="1">
         <a:lnSpc>
           <a:spcPct val="90000"/>
         </a:lnSpc>
         <a:spcBef>
-          <a:spcPts val="1000"/>
+          <a:spcPts val="470"/>
         </a:spcBef>
         <a:buFont typeface="Arial" panose="020B0604020202020204" pitchFamily="34" charset="0"/>
         <a:buChar char="•"/>
-        <a:defRPr sz="2800" kern="1200">
+        <a:defRPr sz="1300" kern="1200">
           <a:solidFill>
             <a:schemeClr val="tx1"/>
           </a:solidFill>
@@ -2750,16 +2774,16 @@
           <a:cs typeface="+mn-cs"/>
         </a:defRPr>
       </a:lvl1pPr>
-      <a:lvl2pPr marL="685800" indent="-228600" algn="l" defTabSz="914400" rtl="0" eaLnBrk="1" latinLnBrk="0" hangingPunct="1">
+      <a:lvl2pPr marL="322600" indent="-107533" algn="l" defTabSz="430134" rtl="0" eaLnBrk="1" latinLnBrk="0" hangingPunct="1">
         <a:lnSpc>
           <a:spcPct val="90000"/>
         </a:lnSpc>
         <a:spcBef>
-          <a:spcPts val="500"/>
+          <a:spcPts val="235"/>
         </a:spcBef>
         <a:buFont typeface="Arial" panose="020B0604020202020204" pitchFamily="34" charset="0"/>
         <a:buChar char="•"/>
-        <a:defRPr sz="2400" kern="1200">
+        <a:defRPr sz="1100" kern="1200">
           <a:solidFill>
             <a:schemeClr val="tx1"/>
           </a:solidFill>
@@ -2768,16 +2792,16 @@
           <a:cs typeface="+mn-cs"/>
         </a:defRPr>
       </a:lvl2pPr>
-      <a:lvl3pPr marL="1143000" indent="-228600" algn="l" defTabSz="914400" rtl="0" eaLnBrk="1" latinLnBrk="0" hangingPunct="1">
+      <a:lvl3pPr marL="537667" indent="-107533" algn="l" defTabSz="430134" rtl="0" eaLnBrk="1" latinLnBrk="0" hangingPunct="1">
         <a:lnSpc>
           <a:spcPct val="90000"/>
         </a:lnSpc>
         <a:spcBef>
-          <a:spcPts val="500"/>
+          <a:spcPts val="235"/>
         </a:spcBef>
         <a:buFont typeface="Arial" panose="020B0604020202020204" pitchFamily="34" charset="0"/>
         <a:buChar char="•"/>
-        <a:defRPr sz="2000" kern="1200">
+        <a:defRPr sz="900" kern="1200">
           <a:solidFill>
             <a:schemeClr val="tx1"/>
           </a:solidFill>
@@ -2786,16 +2810,16 @@
           <a:cs typeface="+mn-cs"/>
         </a:defRPr>
       </a:lvl3pPr>
-      <a:lvl4pPr marL="1600200" indent="-228600" algn="l" defTabSz="914400" rtl="0" eaLnBrk="1" latinLnBrk="0" hangingPunct="1">
+      <a:lvl4pPr marL="752734" indent="-107533" algn="l" defTabSz="430134" rtl="0" eaLnBrk="1" latinLnBrk="0" hangingPunct="1">
         <a:lnSpc>
           <a:spcPct val="90000"/>
         </a:lnSpc>
         <a:spcBef>
-          <a:spcPts val="500"/>
+          <a:spcPts val="235"/>
         </a:spcBef>
         <a:buFont typeface="Arial" panose="020B0604020202020204" pitchFamily="34" charset="0"/>
         <a:buChar char="•"/>
-        <a:defRPr sz="1800" kern="1200">
+        <a:defRPr sz="800" kern="1200">
           <a:solidFill>
             <a:schemeClr val="tx1"/>
           </a:solidFill>
@@ -2804,16 +2828,16 @@
           <a:cs typeface="+mn-cs"/>
         </a:defRPr>
       </a:lvl4pPr>
-      <a:lvl5pPr marL="2057400" indent="-228600" algn="l" defTabSz="914400" rtl="0" eaLnBrk="1" latinLnBrk="0" hangingPunct="1">
+      <a:lvl5pPr marL="967801" indent="-107533" algn="l" defTabSz="430134" rtl="0" eaLnBrk="1" latinLnBrk="0" hangingPunct="1">
         <a:lnSpc>
           <a:spcPct val="90000"/>
         </a:lnSpc>
         <a:spcBef>
-          <a:spcPts val="500"/>
+          <a:spcPts val="235"/>
         </a:spcBef>
         <a:buFont typeface="Arial" panose="020B0604020202020204" pitchFamily="34" charset="0"/>
         <a:buChar char="•"/>
-        <a:defRPr sz="1800" kern="1200">
+        <a:defRPr sz="800" kern="1200">
           <a:solidFill>
             <a:schemeClr val="tx1"/>
           </a:solidFill>
@@ -2822,16 +2846,16 @@
           <a:cs typeface="+mn-cs"/>
         </a:defRPr>
       </a:lvl5pPr>
-      <a:lvl6pPr marL="2514600" indent="-228600" algn="l" defTabSz="914400" rtl="0" eaLnBrk="1" latinLnBrk="0" hangingPunct="1">
+      <a:lvl6pPr marL="1182868" indent="-107533" algn="l" defTabSz="430134" rtl="0" eaLnBrk="1" latinLnBrk="0" hangingPunct="1">
         <a:lnSpc>
           <a:spcPct val="90000"/>
         </a:lnSpc>
         <a:spcBef>
-          <a:spcPts val="500"/>
+          <a:spcPts val="235"/>
         </a:spcBef>
         <a:buFont typeface="Arial" panose="020B0604020202020204" pitchFamily="34" charset="0"/>
         <a:buChar char="•"/>
-        <a:defRPr sz="1800" kern="1200">
+        <a:defRPr sz="800" kern="1200">
           <a:solidFill>
             <a:schemeClr val="tx1"/>
           </a:solidFill>
@@ -2840,16 +2864,16 @@
           <a:cs typeface="+mn-cs"/>
         </a:defRPr>
       </a:lvl6pPr>
-      <a:lvl7pPr marL="2971800" indent="-228600" algn="l" defTabSz="914400" rtl="0" eaLnBrk="1" latinLnBrk="0" hangingPunct="1">
+      <a:lvl7pPr marL="1397935" indent="-107533" algn="l" defTabSz="430134" rtl="0" eaLnBrk="1" latinLnBrk="0" hangingPunct="1">
         <a:lnSpc>
           <a:spcPct val="90000"/>
         </a:lnSpc>
         <a:spcBef>
-          <a:spcPts val="500"/>
+          <a:spcPts val="235"/>
         </a:spcBef>
         <a:buFont typeface="Arial" panose="020B0604020202020204" pitchFamily="34" charset="0"/>
         <a:buChar char="•"/>
-        <a:defRPr sz="1800" kern="1200">
+        <a:defRPr sz="800" kern="1200">
           <a:solidFill>
             <a:schemeClr val="tx1"/>
           </a:solidFill>
@@ -2858,16 +2882,16 @@
           <a:cs typeface="+mn-cs"/>
         </a:defRPr>
       </a:lvl7pPr>
-      <a:lvl8pPr marL="3429000" indent="-228600" algn="l" defTabSz="914400" rtl="0" eaLnBrk="1" latinLnBrk="0" hangingPunct="1">
+      <a:lvl8pPr marL="1613002" indent="-107533" algn="l" defTabSz="430134" rtl="0" eaLnBrk="1" latinLnBrk="0" hangingPunct="1">
         <a:lnSpc>
           <a:spcPct val="90000"/>
         </a:lnSpc>
         <a:spcBef>
-          <a:spcPts val="500"/>
+          <a:spcPts val="235"/>
         </a:spcBef>
         <a:buFont typeface="Arial" panose="020B0604020202020204" pitchFamily="34" charset="0"/>
         <a:buChar char="•"/>
-        <a:defRPr sz="1800" kern="1200">
+        <a:defRPr sz="800" kern="1200">
           <a:solidFill>
             <a:schemeClr val="tx1"/>
           </a:solidFill>
@@ -2876,16 +2900,16 @@
           <a:cs typeface="+mn-cs"/>
         </a:defRPr>
       </a:lvl8pPr>
-      <a:lvl9pPr marL="3886200" indent="-228600" algn="l" defTabSz="914400" rtl="0" eaLnBrk="1" latinLnBrk="0" hangingPunct="1">
+      <a:lvl9pPr marL="1828068" indent="-107533" algn="l" defTabSz="430134" rtl="0" eaLnBrk="1" latinLnBrk="0" hangingPunct="1">
         <a:lnSpc>
           <a:spcPct val="90000"/>
         </a:lnSpc>
         <a:spcBef>
-          <a:spcPts val="500"/>
+          <a:spcPts val="235"/>
         </a:spcBef>
         <a:buFont typeface="Arial" panose="020B0604020202020204" pitchFamily="34" charset="0"/>
         <a:buChar char="•"/>
-        <a:defRPr sz="1800" kern="1200">
+        <a:defRPr sz="800" kern="1200">
           <a:solidFill>
             <a:schemeClr val="tx1"/>
           </a:solidFill>
@@ -2899,8 +2923,8 @@
       <a:defPPr>
         <a:defRPr lang="en-US"/>
       </a:defPPr>
-      <a:lvl1pPr marL="0" algn="l" defTabSz="914400" rtl="0" eaLnBrk="1" latinLnBrk="0" hangingPunct="1">
-        <a:defRPr sz="1800" kern="1200">
+      <a:lvl1pPr marL="0" algn="l" defTabSz="430134" rtl="0" eaLnBrk="1" latinLnBrk="0" hangingPunct="1">
+        <a:defRPr sz="800" kern="1200">
           <a:solidFill>
             <a:schemeClr val="tx1"/>
           </a:solidFill>
@@ -2909,8 +2933,8 @@
           <a:cs typeface="+mn-cs"/>
         </a:defRPr>
       </a:lvl1pPr>
-      <a:lvl2pPr marL="457200" algn="l" defTabSz="914400" rtl="0" eaLnBrk="1" latinLnBrk="0" hangingPunct="1">
-        <a:defRPr sz="1800" kern="1200">
+      <a:lvl2pPr marL="215067" algn="l" defTabSz="430134" rtl="0" eaLnBrk="1" latinLnBrk="0" hangingPunct="1">
+        <a:defRPr sz="800" kern="1200">
           <a:solidFill>
             <a:schemeClr val="tx1"/>
           </a:solidFill>
@@ -2919,8 +2943,8 @@
           <a:cs typeface="+mn-cs"/>
         </a:defRPr>
       </a:lvl2pPr>
-      <a:lvl3pPr marL="914400" algn="l" defTabSz="914400" rtl="0" eaLnBrk="1" latinLnBrk="0" hangingPunct="1">
-        <a:defRPr sz="1800" kern="1200">
+      <a:lvl3pPr marL="430134" algn="l" defTabSz="430134" rtl="0" eaLnBrk="1" latinLnBrk="0" hangingPunct="1">
+        <a:defRPr sz="800" kern="1200">
           <a:solidFill>
             <a:schemeClr val="tx1"/>
           </a:solidFill>
@@ -2929,8 +2953,8 @@
           <a:cs typeface="+mn-cs"/>
         </a:defRPr>
       </a:lvl3pPr>
-      <a:lvl4pPr marL="1371600" algn="l" defTabSz="914400" rtl="0" eaLnBrk="1" latinLnBrk="0" hangingPunct="1">
-        <a:defRPr sz="1800" kern="1200">
+      <a:lvl4pPr marL="645201" algn="l" defTabSz="430134" rtl="0" eaLnBrk="1" latinLnBrk="0" hangingPunct="1">
+        <a:defRPr sz="800" kern="1200">
           <a:solidFill>
             <a:schemeClr val="tx1"/>
           </a:solidFill>
@@ -2939,8 +2963,8 @@
           <a:cs typeface="+mn-cs"/>
         </a:defRPr>
       </a:lvl4pPr>
-      <a:lvl5pPr marL="1828800" algn="l" defTabSz="914400" rtl="0" eaLnBrk="1" latinLnBrk="0" hangingPunct="1">
-        <a:defRPr sz="1800" kern="1200">
+      <a:lvl5pPr marL="860268" algn="l" defTabSz="430134" rtl="0" eaLnBrk="1" latinLnBrk="0" hangingPunct="1">
+        <a:defRPr sz="800" kern="1200">
           <a:solidFill>
             <a:schemeClr val="tx1"/>
           </a:solidFill>
@@ -2949,8 +2973,8 @@
           <a:cs typeface="+mn-cs"/>
         </a:defRPr>
       </a:lvl5pPr>
-      <a:lvl6pPr marL="2286000" algn="l" defTabSz="914400" rtl="0" eaLnBrk="1" latinLnBrk="0" hangingPunct="1">
-        <a:defRPr sz="1800" kern="1200">
+      <a:lvl6pPr marL="1075334" algn="l" defTabSz="430134" rtl="0" eaLnBrk="1" latinLnBrk="0" hangingPunct="1">
+        <a:defRPr sz="800" kern="1200">
           <a:solidFill>
             <a:schemeClr val="tx1"/>
           </a:solidFill>
@@ -2959,8 +2983,8 @@
           <a:cs typeface="+mn-cs"/>
         </a:defRPr>
       </a:lvl6pPr>
-      <a:lvl7pPr marL="2743200" algn="l" defTabSz="914400" rtl="0" eaLnBrk="1" latinLnBrk="0" hangingPunct="1">
-        <a:defRPr sz="1800" kern="1200">
+      <a:lvl7pPr marL="1290401" algn="l" defTabSz="430134" rtl="0" eaLnBrk="1" latinLnBrk="0" hangingPunct="1">
+        <a:defRPr sz="800" kern="1200">
           <a:solidFill>
             <a:schemeClr val="tx1"/>
           </a:solidFill>
@@ -2969,8 +2993,8 @@
           <a:cs typeface="+mn-cs"/>
         </a:defRPr>
       </a:lvl7pPr>
-      <a:lvl8pPr marL="3200400" algn="l" defTabSz="914400" rtl="0" eaLnBrk="1" latinLnBrk="0" hangingPunct="1">
-        <a:defRPr sz="1800" kern="1200">
+      <a:lvl8pPr marL="1505468" algn="l" defTabSz="430134" rtl="0" eaLnBrk="1" latinLnBrk="0" hangingPunct="1">
+        <a:defRPr sz="800" kern="1200">
           <a:solidFill>
             <a:schemeClr val="tx1"/>
           </a:solidFill>
@@ -2979,8 +3003,8 @@
           <a:cs typeface="+mn-cs"/>
         </a:defRPr>
       </a:lvl8pPr>
-      <a:lvl9pPr marL="3657600" algn="l" defTabSz="914400" rtl="0" eaLnBrk="1" latinLnBrk="0" hangingPunct="1">
-        <a:defRPr sz="1800" kern="1200">
+      <a:lvl9pPr marL="1720535" algn="l" defTabSz="430134" rtl="0" eaLnBrk="1" latinLnBrk="0" hangingPunct="1">
+        <a:defRPr sz="800" kern="1200">
           <a:solidFill>
             <a:schemeClr val="tx1"/>
           </a:solidFill>
@@ -3074,19 +3098,19 @@
               <a:buNone/>
             </a:pPr>
             <a:r>
-              <a:rPr lang="en-US" sz="5200" dirty="0" smtClean="0"/>
+              <a:rPr lang="en-US" sz="2400" dirty="0" smtClean="0"/>
               <a:t>UNIT 1: Introduction to Java [2 </a:t>
             </a:r>
             <a:r>
-              <a:rPr lang="en-US" sz="5200" dirty="0" err="1"/>
+              <a:rPr lang="en-US" sz="2400" dirty="0" err="1"/>
               <a:t>h</a:t>
             </a:r>
             <a:r>
-              <a:rPr lang="en-US" sz="5200" dirty="0" err="1" smtClean="0"/>
+              <a:rPr lang="en-US" sz="2400" dirty="0" err="1" smtClean="0"/>
               <a:t>rs</a:t>
             </a:r>
             <a:r>
-              <a:rPr lang="en-US" sz="5200" dirty="0" smtClean="0"/>
+              <a:rPr lang="en-US" sz="2400" dirty="0" smtClean="0"/>
               <a:t>]</a:t>
             </a:r>
           </a:p>
@@ -3095,15 +3119,15 @@
               <a:buNone/>
             </a:pPr>
             <a:r>
-              <a:rPr lang="en-US" sz="5200" dirty="0" smtClean="0"/>
+              <a:rPr lang="en-US" sz="2400" dirty="0" smtClean="0"/>
               <a:t>UNIT 2: Tokens, Expressions and Control Structures [5 </a:t>
             </a:r>
             <a:r>
-              <a:rPr lang="en-US" sz="5200" dirty="0" err="1" smtClean="0"/>
+              <a:rPr lang="en-US" sz="2400" dirty="0" err="1" smtClean="0"/>
               <a:t>hrs</a:t>
             </a:r>
             <a:r>
-              <a:rPr lang="en-US" sz="5200" dirty="0" smtClean="0"/>
+              <a:rPr lang="en-US" sz="2400" dirty="0" smtClean="0"/>
               <a:t>]</a:t>
             </a:r>
           </a:p>
@@ -3148,7 +3172,7 @@
     </p:spTree>
     <p:extLst>
       <p:ext uri="{BB962C8B-B14F-4D97-AF65-F5344CB8AC3E}">
-        <p14:creationId xmlns:p14="http://schemas.microsoft.com/office/powerpoint/2010/main" val="2585948700"/>
+        <p14:creationId xmlns:p14="http://schemas.microsoft.com/office/powerpoint/2010/main" xmlns="" val="2585948700"/>
       </p:ext>
     </p:extLst>
   </p:cSld>
@@ -3194,8 +3218,8 @@
         </p:nvSpPr>
         <p:spPr>
           <a:xfrm>
-            <a:off x="838200" y="423080"/>
-            <a:ext cx="10515600" cy="6318913"/>
+            <a:off x="364639" y="225645"/>
+            <a:ext cx="4574560" cy="3370087"/>
           </a:xfrm>
         </p:spPr>
         <p:txBody>
@@ -3205,76 +3229,76 @@
           <a:lstStyle/>
           <a:p>
             <a:r>
-              <a:rPr lang="en-US" sz="2000" dirty="0" smtClean="0"/>
+              <a:rPr lang="en-US" sz="900" dirty="0" smtClean="0"/>
               <a:t>Java source code (.java files) is compiled into byte code by java compiler.</a:t>
             </a:r>
           </a:p>
           <a:p>
             <a:r>
-              <a:rPr lang="en-US" sz="2000" dirty="0" smtClean="0"/>
+              <a:rPr lang="en-US" sz="900" dirty="0" smtClean="0"/>
               <a:t>Byte code is not executable code for the target machine; rather it’s a object code for JVM. Byte code will be stored in class files (.class).</a:t>
             </a:r>
           </a:p>
           <a:p>
             <a:r>
-              <a:rPr lang="en-US" sz="2000" dirty="0" smtClean="0"/>
+              <a:rPr lang="en-US" sz="900" dirty="0" smtClean="0"/>
               <a:t>During run time, this byte code will be loaded, verified and JVM interprets the byte code into machine code which will be executed in the machine in which the java program runs.</a:t>
             </a:r>
           </a:p>
           <a:p>
             <a:r>
-              <a:rPr lang="en-US" sz="2000" dirty="0" smtClean="0"/>
+              <a:rPr lang="en-US" sz="900" dirty="0" smtClean="0"/>
               <a:t>Class loader loads all the class files required to execute the program. Class loader makes the program secure by separating the namespace for the classes obtained through the network from the classes available locally.</a:t>
             </a:r>
           </a:p>
           <a:p>
             <a:r>
-              <a:rPr lang="en-US" sz="2000" dirty="0" smtClean="0"/>
+              <a:rPr lang="en-US" sz="900" dirty="0" smtClean="0"/>
               <a:t> Next step is Byte code verification by byte code verifier. It checks the byte code and ensure the following:</a:t>
             </a:r>
           </a:p>
           <a:p>
             <a:pPr lvl="1"/>
             <a:r>
-              <a:rPr lang="en-US" sz="2000" b="1" dirty="0" smtClean="0"/>
+              <a:rPr lang="en-US" sz="900" b="1" dirty="0" smtClean="0"/>
               <a:t>The Code follows JVM Specifications</a:t>
             </a:r>
           </a:p>
           <a:p>
             <a:pPr lvl="1"/>
             <a:r>
-              <a:rPr lang="en-US" sz="2000" b="1" dirty="0" smtClean="0"/>
+              <a:rPr lang="en-US" sz="900" b="1" dirty="0" smtClean="0"/>
               <a:t>There is no unauthorized access to memory</a:t>
             </a:r>
           </a:p>
           <a:p>
             <a:pPr lvl="1"/>
             <a:r>
-              <a:rPr lang="en-US" sz="2000" b="1" dirty="0" smtClean="0"/>
+              <a:rPr lang="en-US" sz="900" b="1" dirty="0" smtClean="0"/>
               <a:t>The code doesn’t cause any stack overflows</a:t>
             </a:r>
           </a:p>
           <a:p>
             <a:pPr lvl="1"/>
             <a:r>
-              <a:rPr lang="en-US" sz="2000" b="1" dirty="0" smtClean="0"/>
+              <a:rPr lang="en-US" sz="900" b="1" dirty="0" smtClean="0"/>
               <a:t>There is no illegal data conversions in the code such as float to object references.</a:t>
             </a:r>
           </a:p>
           <a:p>
             <a:r>
-              <a:rPr lang="en-US" sz="2000" dirty="0" smtClean="0"/>
+              <a:rPr lang="en-US" sz="900" dirty="0" smtClean="0"/>
               <a:t>Once the code is verified, and proven that there is no security issue with code, JVM will convert the byte code into machine code .</a:t>
             </a:r>
           </a:p>
           <a:p>
             <a:r>
-              <a:rPr lang="en-US" sz="2000" dirty="0" smtClean="0"/>
+              <a:rPr lang="en-US" sz="900" dirty="0" smtClean="0"/>
               <a:t>Just in Time (JIT) Compiler is a component that helps the program execution to happen faster. Code is cached by JIT Compiler and will be reused for the future needs.</a:t>
             </a:r>
           </a:p>
           <a:p>
-            <a:endParaRPr lang="en-US" sz="1800" dirty="0" smtClean="0"/>
+            <a:endParaRPr lang="en-US" sz="800" dirty="0" smtClean="0"/>
           </a:p>
           <a:p>
             <a:endParaRPr lang="en-US" dirty="0" smtClean="0"/>
@@ -3287,7 +3311,7 @@
     </p:spTree>
     <p:extLst>
       <p:ext uri="{BB962C8B-B14F-4D97-AF65-F5344CB8AC3E}">
-        <p14:creationId xmlns:p14="http://schemas.microsoft.com/office/powerpoint/2010/main" val="65461281"/>
+        <p14:creationId xmlns:p14="http://schemas.microsoft.com/office/powerpoint/2010/main" xmlns="" val="65461281"/>
       </p:ext>
     </p:extLst>
   </p:cSld>
@@ -4639,7 +4663,7 @@
     </p:spTree>
     <p:extLst>
       <p:ext uri="{BB962C8B-B14F-4D97-AF65-F5344CB8AC3E}">
-        <p14:creationId xmlns:p14="http://schemas.microsoft.com/office/powerpoint/2010/main" val="4121731609"/>
+        <p14:creationId xmlns:p14="http://schemas.microsoft.com/office/powerpoint/2010/main" xmlns="" val="4121731609"/>
       </p:ext>
     </p:extLst>
   </p:cSld>
@@ -4706,7 +4730,7 @@
         <p:spPr/>
         <p:txBody>
           <a:bodyPr>
-            <a:normAutofit fontScale="92500" lnSpcReduction="10000"/>
+            <a:normAutofit/>
           </a:bodyPr>
           <a:lstStyle/>
           <a:p>
@@ -4747,7 +4771,7 @@
     </p:spTree>
     <p:extLst>
       <p:ext uri="{BB962C8B-B14F-4D97-AF65-F5344CB8AC3E}">
-        <p14:creationId xmlns:p14="http://schemas.microsoft.com/office/powerpoint/2010/main" val="3369945838"/>
+        <p14:creationId xmlns:p14="http://schemas.microsoft.com/office/powerpoint/2010/main" xmlns="" val="3369945838"/>
       </p:ext>
     </p:extLst>
   </p:cSld>
@@ -4786,8 +4810,8 @@
         </p:nvSpPr>
         <p:spPr>
           <a:xfrm>
-            <a:off x="1524000" y="0"/>
-            <a:ext cx="9144000" cy="1033983"/>
+            <a:off x="662981" y="0"/>
+            <a:ext cx="3977879" cy="551458"/>
           </a:xfrm>
         </p:spPr>
         <p:txBody>
@@ -4830,24 +4854,24 @@
           <p:nvPr>
             <p:extLst>
               <p:ext uri="{D42A27DB-BD31-4B8C-83A1-F6EECF244321}">
-                <p14:modId xmlns:p14="http://schemas.microsoft.com/office/powerpoint/2010/main" val="1418056275"/>
+                <p14:modId xmlns:p14="http://schemas.microsoft.com/office/powerpoint/2010/main" xmlns="" val="1418056275"/>
               </p:ext>
             </p:extLst>
           </p:nvPr>
         </p:nvGraphicFramePr>
         <p:xfrm>
-          <a:off x="1160060" y="1173709"/>
-          <a:ext cx="10276764" cy="5261974"/>
+          <a:off x="504657" y="625978"/>
+          <a:ext cx="4470660" cy="3585874"/>
         </p:xfrm>
         <a:graphic>
           <a:graphicData uri="http://schemas.openxmlformats.org/drawingml/2006/table">
             <a:tbl>
               <a:tblPr/>
               <a:tblGrid>
-                <a:gridCol w="5130340"/>
-                <a:gridCol w="5146424"/>
+                <a:gridCol w="2231832"/>
+                <a:gridCol w="2238828"/>
               </a:tblGrid>
-              <a:tr h="277378">
+              <a:tr h="164974">
                 <a:tc>
                   <a:txBody>
                     <a:bodyPr/>
@@ -4855,17 +4879,17 @@
                     <a:p>
                       <a:pPr algn="ctr"/>
                       <a:r>
-                        <a:rPr lang="en-US" sz="1700" b="1" dirty="0">
+                        <a:rPr lang="en-US" sz="900" b="1" dirty="0">
                           <a:effectLst/>
                         </a:rPr>
                         <a:t>OOP</a:t>
                       </a:r>
-                      <a:endParaRPr lang="en-US" sz="1700" dirty="0">
+                      <a:endParaRPr lang="en-US" sz="900" dirty="0">
                         <a:effectLst/>
                       </a:endParaRPr>
                     </a:p>
                   </a:txBody>
-                  <a:tcPr marL="37685" marR="37685" marT="25123" marB="25123" anchor="ctr">
+                  <a:tcPr marL="16395" marR="16395" marT="13399" marB="13399" anchor="ctr">
                     <a:lnL>
                       <a:noFill/>
                     </a:lnL>
@@ -4896,17 +4920,17 @@
                     <a:p>
                       <a:pPr algn="l"/>
                       <a:r>
-                        <a:rPr lang="en-US" sz="1700" b="1" dirty="0" smtClean="0">
+                        <a:rPr lang="en-US" sz="900" b="1" dirty="0" smtClean="0">
                           <a:effectLst/>
                         </a:rPr>
                         <a:t>                      POP</a:t>
                       </a:r>
-                      <a:endParaRPr lang="en-US" sz="1700" dirty="0">
+                      <a:endParaRPr lang="en-US" sz="900" dirty="0">
                         <a:effectLst/>
                       </a:endParaRPr>
                     </a:p>
                   </a:txBody>
-                  <a:tcPr marL="37685" marR="37685" marT="25123" marB="25123" anchor="ctr">
+                  <a:tcPr marL="16395" marR="16395" marT="13399" marB="13399" anchor="ctr">
                     <a:lnL>
                       <a:noFill/>
                     </a:lnL>
@@ -4931,21 +4955,21 @@
                   </a:tcPr>
                 </a:tc>
               </a:tr>
-              <a:tr h="712565">
+              <a:tr h="405148">
                 <a:tc>
                   <a:txBody>
                     <a:bodyPr/>
                     <a:lstStyle/>
                     <a:p>
                       <a:r>
-                        <a:rPr lang="en-US" sz="1500" dirty="0">
+                        <a:rPr lang="en-US" sz="800" dirty="0">
                           <a:effectLst/>
                         </a:rPr>
                         <a:t>OOP takes a bottom-up approach in designing a program.</a:t>
                       </a:r>
                     </a:p>
                   </a:txBody>
-                  <a:tcPr marL="37685" marR="37685" marT="25123" marB="25123" anchor="ctr">
+                  <a:tcPr marL="16395" marR="16395" marT="13399" marB="13399" anchor="ctr">
                     <a:lnL>
                       <a:noFill/>
                     </a:lnL>
@@ -4981,14 +5005,14 @@
                     <a:lstStyle/>
                     <a:p>
                       <a:r>
-                        <a:rPr lang="en-US" sz="1500">
+                        <a:rPr lang="en-US" sz="800">
                           <a:effectLst/>
                         </a:rPr>
                         <a:t>POP follows a top-down approach.</a:t>
                       </a:r>
                     </a:p>
                   </a:txBody>
-                  <a:tcPr marL="37685" marR="37685" marT="25123" marB="25123" anchor="ctr">
+                  <a:tcPr marL="16395" marR="16395" marT="13399" marB="13399" anchor="ctr">
                     <a:lnL>
                       <a:noFill/>
                     </a:lnL>
@@ -5019,21 +5043,21 @@
                   </a:tcPr>
                 </a:tc>
               </a:tr>
-              <a:tr h="494971">
+              <a:tr h="405148">
                 <a:tc>
                   <a:txBody>
                     <a:bodyPr/>
                     <a:lstStyle/>
                     <a:p>
                       <a:r>
-                        <a:rPr lang="en-US" sz="1500">
+                        <a:rPr lang="en-US" sz="800">
                           <a:effectLst/>
                         </a:rPr>
                         <a:t>Program is divided into objects depending on the problem.</a:t>
                       </a:r>
                     </a:p>
                   </a:txBody>
-                  <a:tcPr marL="37685" marR="37685" marT="25123" marB="25123" anchor="ctr">
+                  <a:tcPr marL="16395" marR="16395" marT="13399" marB="13399" anchor="ctr">
                     <a:lnL>
                       <a:noFill/>
                     </a:lnL>
@@ -5069,14 +5093,14 @@
                     <a:lstStyle/>
                     <a:p>
                       <a:r>
-                        <a:rPr lang="en-US" sz="1500">
+                        <a:rPr lang="en-US" sz="800">
                           <a:effectLst/>
                         </a:rPr>
                         <a:t>Program is divided into small chunks based on the functions.</a:t>
                       </a:r>
                     </a:p>
                   </a:txBody>
-                  <a:tcPr marL="37685" marR="37685" marT="25123" marB="25123" anchor="ctr">
+                  <a:tcPr marL="16395" marR="16395" marT="13399" marB="13399" anchor="ctr">
                     <a:lnL>
                       <a:noFill/>
                     </a:lnL>
@@ -5107,21 +5131,21 @@
                   </a:tcPr>
                 </a:tc>
               </a:tr>
-              <a:tr h="494971">
+              <a:tr h="279032">
                 <a:tc>
                   <a:txBody>
                     <a:bodyPr/>
                     <a:lstStyle/>
                     <a:p>
                       <a:r>
-                        <a:rPr lang="en-US" sz="1500">
+                        <a:rPr lang="en-US" sz="800">
                           <a:effectLst/>
                         </a:rPr>
                         <a:t>Each object controls its own data.</a:t>
                       </a:r>
                     </a:p>
                   </a:txBody>
-                  <a:tcPr marL="37685" marR="37685" marT="25123" marB="25123" anchor="ctr">
+                  <a:tcPr marL="16395" marR="16395" marT="13399" marB="13399" anchor="ctr">
                     <a:lnL>
                       <a:noFill/>
                     </a:lnL>
@@ -5157,14 +5181,14 @@
                     <a:lstStyle/>
                     <a:p>
                       <a:r>
-                        <a:rPr lang="en-US" sz="1500">
+                        <a:rPr lang="en-US" sz="800">
                           <a:effectLst/>
                         </a:rPr>
                         <a:t>Each function contains different data.</a:t>
                       </a:r>
                     </a:p>
                   </a:txBody>
-                  <a:tcPr marL="37685" marR="37685" marT="25123" marB="25123" anchor="ctr">
+                  <a:tcPr marL="16395" marR="16395" marT="13399" marB="13399" anchor="ctr">
                     <a:lnL>
                       <a:noFill/>
                     </a:lnL>
@@ -5195,21 +5219,21 @@
                   </a:tcPr>
                 </a:tc>
               </a:tr>
-              <a:tr h="494971">
+              <a:tr h="405148">
                 <a:tc>
                   <a:txBody>
                     <a:bodyPr/>
                     <a:lstStyle/>
                     <a:p>
                       <a:r>
-                        <a:rPr lang="en-US" sz="1500" dirty="0">
+                        <a:rPr lang="en-US" sz="800" dirty="0">
                           <a:effectLst/>
                         </a:rPr>
                         <a:t>Focuses on security of the data irrespective of the algorithm.</a:t>
                       </a:r>
                     </a:p>
                   </a:txBody>
-                  <a:tcPr marL="37685" marR="37685" marT="25123" marB="25123" anchor="ctr">
+                  <a:tcPr marL="16395" marR="16395" marT="13399" marB="13399" anchor="ctr">
                     <a:lnL>
                       <a:noFill/>
                     </a:lnL>
@@ -5245,14 +5269,14 @@
                     <a:lstStyle/>
                     <a:p>
                       <a:r>
-                        <a:rPr lang="en-US" sz="1500">
+                        <a:rPr lang="en-US" sz="800">
                           <a:effectLst/>
                         </a:rPr>
                         <a:t>Follows a systematic approach to solve the problem.</a:t>
                       </a:r>
                     </a:p>
                   </a:txBody>
-                  <a:tcPr marL="37685" marR="37685" marT="25123" marB="25123" anchor="ctr">
+                  <a:tcPr marL="16395" marR="16395" marT="13399" marB="13399" anchor="ctr">
                     <a:lnL>
                       <a:noFill/>
                     </a:lnL>
@@ -5283,21 +5307,21 @@
                   </a:tcPr>
                 </a:tc>
               </a:tr>
-              <a:tr h="494971">
+              <a:tr h="405148">
                 <a:tc>
                   <a:txBody>
                     <a:bodyPr/>
                     <a:lstStyle/>
                     <a:p>
                       <a:r>
-                        <a:rPr lang="en-US" sz="1500">
+                        <a:rPr lang="en-US" sz="800">
                           <a:effectLst/>
                         </a:rPr>
                         <a:t>The main priority is data rather than functions in a program.</a:t>
                       </a:r>
                     </a:p>
                   </a:txBody>
-                  <a:tcPr marL="37685" marR="37685" marT="25123" marB="25123" anchor="ctr">
+                  <a:tcPr marL="16395" marR="16395" marT="13399" marB="13399" anchor="ctr">
                     <a:lnL>
                       <a:noFill/>
                     </a:lnL>
@@ -5333,14 +5357,14 @@
                     <a:lstStyle/>
                     <a:p>
                       <a:r>
-                        <a:rPr lang="en-US" sz="1500">
+                        <a:rPr lang="en-US" sz="800">
                           <a:effectLst/>
                         </a:rPr>
                         <a:t>Functions are more important than data in a program.</a:t>
                       </a:r>
                     </a:p>
                   </a:txBody>
-                  <a:tcPr marL="37685" marR="37685" marT="25123" marB="25123" anchor="ctr">
+                  <a:tcPr marL="16395" marR="16395" marT="13399" marB="13399" anchor="ctr">
                     <a:lnL>
                       <a:noFill/>
                     </a:lnL>
@@ -5371,21 +5395,21 @@
                   </a:tcPr>
                 </a:tc>
               </a:tr>
-              <a:tr h="712565">
+              <a:tr h="531265">
                 <a:tc>
                   <a:txBody>
                     <a:bodyPr/>
                     <a:lstStyle/>
                     <a:p>
                       <a:r>
-                        <a:rPr lang="en-US" sz="1500">
+                        <a:rPr lang="en-US" sz="800">
                           <a:effectLst/>
                         </a:rPr>
                         <a:t>The functions of the objects are linked via message passing.</a:t>
                       </a:r>
                     </a:p>
                   </a:txBody>
-                  <a:tcPr marL="37685" marR="37685" marT="25123" marB="25123" anchor="ctr">
+                  <a:tcPr marL="16395" marR="16395" marT="13399" marB="13399" anchor="ctr">
                     <a:lnL>
                       <a:noFill/>
                     </a:lnL>
@@ -5421,14 +5445,14 @@
                     <a:lstStyle/>
                     <a:p>
                       <a:r>
-                        <a:rPr lang="en-US" sz="1500">
+                        <a:rPr lang="en-US" sz="800">
                           <a:effectLst/>
                         </a:rPr>
                         <a:t>Different parts of a program are interconnected via parameter passing.</a:t>
                       </a:r>
                     </a:p>
                   </a:txBody>
-                  <a:tcPr marL="37685" marR="37685" marT="25123" marB="25123" anchor="ctr">
+                  <a:tcPr marL="16395" marR="16395" marT="13399" marB="13399" anchor="ctr">
                     <a:lnL>
                       <a:noFill/>
                     </a:lnL>
@@ -5459,21 +5483,21 @@
                   </a:tcPr>
                 </a:tc>
               </a:tr>
-              <a:tr h="277378">
+              <a:tr h="279032">
                 <a:tc>
                   <a:txBody>
                     <a:bodyPr/>
                     <a:lstStyle/>
                     <a:p>
                       <a:r>
-                        <a:rPr lang="en-US" sz="1500" dirty="0">
+                        <a:rPr lang="en-US" sz="800" dirty="0">
                           <a:effectLst/>
                         </a:rPr>
                         <a:t>Data hiding is possible in OOP.</a:t>
                       </a:r>
                     </a:p>
                   </a:txBody>
-                  <a:tcPr marL="37685" marR="37685" marT="25123" marB="25123" anchor="ctr">
+                  <a:tcPr marL="16395" marR="16395" marT="13399" marB="13399" anchor="ctr">
                     <a:lnL>
                       <a:noFill/>
                     </a:lnL>
@@ -5509,14 +5533,14 @@
                     <a:lstStyle/>
                     <a:p>
                       <a:r>
-                        <a:rPr lang="en-US" sz="1500">
+                        <a:rPr lang="en-US" sz="800">
                           <a:effectLst/>
                         </a:rPr>
                         <a:t>No easy way for data hiding.</a:t>
                       </a:r>
                     </a:p>
                   </a:txBody>
-                  <a:tcPr marL="37685" marR="37685" marT="25123" marB="25123" anchor="ctr">
+                  <a:tcPr marL="16395" marR="16395" marT="13399" marB="13399" anchor="ctr">
                     <a:lnL>
                       <a:noFill/>
                     </a:lnL>
@@ -5547,21 +5571,21 @@
                   </a:tcPr>
                 </a:tc>
               </a:tr>
-              <a:tr h="494971">
+              <a:tr h="279032">
                 <a:tc>
                   <a:txBody>
                     <a:bodyPr/>
                     <a:lstStyle/>
                     <a:p>
                       <a:r>
-                        <a:rPr lang="en-US" sz="1500">
+                        <a:rPr lang="en-US" sz="800">
                           <a:effectLst/>
                         </a:rPr>
                         <a:t>Inheritance is allowed in OOP.</a:t>
                       </a:r>
                     </a:p>
                   </a:txBody>
-                  <a:tcPr marL="37685" marR="37685" marT="25123" marB="25123" anchor="ctr">
+                  <a:tcPr marL="16395" marR="16395" marT="13399" marB="13399" anchor="ctr">
                     <a:lnL>
                       <a:noFill/>
                     </a:lnL>
@@ -5597,14 +5621,14 @@
                     <a:lstStyle/>
                     <a:p>
                       <a:r>
-                        <a:rPr lang="en-US" sz="1500">
+                        <a:rPr lang="en-US" sz="800">
                           <a:effectLst/>
                         </a:rPr>
                         <a:t>No such concept of inheritance in POP.</a:t>
                       </a:r>
                     </a:p>
                   </a:txBody>
-                  <a:tcPr marL="37685" marR="37685" marT="25123" marB="25123" anchor="ctr">
+                  <a:tcPr marL="16395" marR="16395" marT="13399" marB="13399" anchor="ctr">
                     <a:lnL>
                       <a:noFill/>
                     </a:lnL>
@@ -5635,21 +5659,21 @@
                   </a:tcPr>
                 </a:tc>
               </a:tr>
-              <a:tr h="494971">
+              <a:tr h="279032">
                 <a:tc>
                   <a:txBody>
                     <a:bodyPr/>
                     <a:lstStyle/>
                     <a:p>
                       <a:r>
-                        <a:rPr lang="en-US" sz="1500">
+                        <a:rPr lang="en-US" sz="800">
                           <a:effectLst/>
                         </a:rPr>
                         <a:t>Operator overloading is allowed.</a:t>
                       </a:r>
                     </a:p>
                   </a:txBody>
-                  <a:tcPr marL="37685" marR="37685" marT="25123" marB="25123" anchor="ctr">
+                  <a:tcPr marL="16395" marR="16395" marT="13399" marB="13399" anchor="ctr">
                     <a:lnL>
                       <a:noFill/>
                     </a:lnL>
@@ -5685,14 +5709,14 @@
                     <a:lstStyle/>
                     <a:p>
                       <a:r>
-                        <a:rPr lang="en-US" sz="1500">
+                        <a:rPr lang="en-US" sz="800">
                           <a:effectLst/>
                         </a:rPr>
                         <a:t>Operator overloading is not allowed.</a:t>
                       </a:r>
                     </a:p>
                   </a:txBody>
-                  <a:tcPr marL="37685" marR="37685" marT="25123" marB="25123" anchor="ctr">
+                  <a:tcPr marL="16395" marR="16395" marT="13399" marB="13399" anchor="ctr">
                     <a:lnL>
                       <a:noFill/>
                     </a:lnL>
@@ -5723,21 +5747,21 @@
                   </a:tcPr>
                 </a:tc>
               </a:tr>
-              <a:tr h="277378">
+              <a:tr h="152915">
                 <a:tc>
                   <a:txBody>
                     <a:bodyPr/>
                     <a:lstStyle/>
                     <a:p>
                       <a:r>
-                        <a:rPr lang="en-US" sz="1500">
+                        <a:rPr lang="en-US" sz="800">
                           <a:effectLst/>
                         </a:rPr>
                         <a:t>C++, Java.</a:t>
                       </a:r>
                     </a:p>
                   </a:txBody>
-                  <a:tcPr marL="37685" marR="37685" marT="25123" marB="25123" anchor="ctr">
+                  <a:tcPr marL="16395" marR="16395" marT="13399" marB="13399" anchor="ctr">
                     <a:lnL>
                       <a:noFill/>
                     </a:lnL>
@@ -5773,14 +5797,14 @@
                     <a:lstStyle/>
                     <a:p>
                       <a:r>
-                        <a:rPr lang="en-US" sz="1500" dirty="0">
+                        <a:rPr lang="en-US" sz="800" dirty="0">
                           <a:effectLst/>
                         </a:rPr>
                         <a:t>Pascal, Fortran.</a:t>
                       </a:r>
                     </a:p>
                   </a:txBody>
-                  <a:tcPr marL="37685" marR="37685" marT="25123" marB="25123" anchor="ctr">
+                  <a:tcPr marL="16395" marR="16395" marT="13399" marB="13399" anchor="ctr">
                     <a:lnL>
                       <a:noFill/>
                     </a:lnL>
@@ -5818,7 +5842,7 @@
     </p:spTree>
     <p:extLst>
       <p:ext uri="{BB962C8B-B14F-4D97-AF65-F5344CB8AC3E}">
-        <p14:creationId xmlns:p14="http://schemas.microsoft.com/office/powerpoint/2010/main" val="3856362810"/>
+        <p14:creationId xmlns:p14="http://schemas.microsoft.com/office/powerpoint/2010/main" xmlns="" val="3856362810"/>
       </p:ext>
     </p:extLst>
   </p:cSld>
@@ -5986,8 +6010,8 @@
         </p:nvSpPr>
         <p:spPr>
           <a:xfrm>
-            <a:off x="879144" y="1009935"/>
-            <a:ext cx="10515600" cy="1064525"/>
+            <a:off x="382450" y="538634"/>
+            <a:ext cx="4574560" cy="567747"/>
           </a:xfrm>
         </p:spPr>
         <p:txBody>
@@ -6015,8 +6039,8 @@
         </p:nvSpPr>
         <p:spPr bwMode="auto">
           <a:xfrm>
-            <a:off x="2573021" y="2262521"/>
-            <a:ext cx="7403491" cy="3416320"/>
+            <a:off x="1119332" y="1334230"/>
+            <a:ext cx="3220713" cy="1566928"/>
           </a:xfrm>
           <a:prstGeom prst="rect">
             <a:avLst/>
@@ -6028,14 +6052,14 @@
           <a:effectLst/>
           <a:extLst>
             <a:ext uri="{909E8E84-426E-40DD-AFC4-6F175D3DCCD1}">
-              <a14:hiddenFill xmlns:a14="http://schemas.microsoft.com/office/drawing/2010/main">
+              <a14:hiddenFill xmlns:a14="http://schemas.microsoft.com/office/drawing/2010/main" xmlns="">
                 <a:solidFill>
                   <a:schemeClr val="accent1"/>
                 </a:solidFill>
               </a14:hiddenFill>
             </a:ext>
             <a:ext uri="{91240B29-F687-4F45-9708-019B960494DF}">
-              <a14:hiddenLine xmlns:a14="http://schemas.microsoft.com/office/drawing/2010/main" w="9525">
+              <a14:hiddenLine xmlns:a14="http://schemas.microsoft.com/office/drawing/2010/main" xmlns="" w="9525">
                 <a:solidFill>
                   <a:schemeClr val="tx1"/>
                 </a:solidFill>
@@ -6045,7 +6069,7 @@
               </a14:hiddenLine>
             </a:ext>
             <a:ext uri="{AF507438-7753-43E0-B8FC-AC1667EBCBE1}">
-              <a14:hiddenEffects xmlns:a14="http://schemas.microsoft.com/office/drawing/2010/main">
+              <a14:hiddenEffects xmlns:a14="http://schemas.microsoft.com/office/drawing/2010/main" xmlns="">
                 <a:effectLst>
                   <a:outerShdw dist="35921" dir="2700000" algn="ctr" rotWithShape="0">
                     <a:schemeClr val="bg2"/>
@@ -6056,7 +6080,7 @@
           </a:extLst>
         </p:spPr>
         <p:txBody>
-          <a:bodyPr vert="horz" wrap="square" lIns="91440" tIns="45720" rIns="91440" bIns="45720" numCol="1" anchor="ctr" anchorCtr="0" compatLnSpc="1">
+          <a:bodyPr vert="horz" wrap="square" lIns="43013" tIns="21507" rIns="43013" bIns="21507" numCol="1" anchor="ctr" anchorCtr="0" compatLnSpc="1">
             <a:prstTxWarp prst="textNoShape">
               <a:avLst/>
             </a:prstTxWarp>
@@ -6064,7 +6088,7 @@
           </a:bodyPr>
           <a:lstStyle/>
           <a:p>
-            <a:pPr marL="0" marR="0" lvl="0" indent="0" algn="l" defTabSz="914400" rtl="0" eaLnBrk="0" fontAlgn="base" latinLnBrk="0" hangingPunct="0">
+            <a:pPr marL="0" indent="0" eaLnBrk="0" fontAlgn="base" hangingPunct="0">
               <a:lnSpc>
                 <a:spcPct val="100000"/>
               </a:lnSpc>
@@ -6074,93 +6098,65 @@
               <a:spcAft>
                 <a:spcPct val="0"/>
               </a:spcAft>
-              <a:buClrTx/>
-              <a:buSzTx/>
-              <a:buFontTx/>
               <a:buNone/>
-              <a:tabLst/>
             </a:pPr>
             <a:r>
-              <a:rPr kumimoji="0" lang="en-US" sz="2400" b="0" i="0" u="none" strike="noStrike" cap="none" normalizeH="0" baseline="0" dirty="0" smtClean="0">
-                <a:ln>
-                  <a:noFill/>
-                </a:ln>
+              <a:rPr lang="en-US" sz="1100" dirty="0" smtClean="0">
                 <a:solidFill>
                   <a:srgbClr val="0066CC"/>
                 </a:solidFill>
-                <a:effectLst/>
                 <a:latin typeface="Arial Unicode MS" panose="020B0604020202020204" pitchFamily="34" charset="-128"/>
               </a:rPr>
               <a:t>public</a:t>
             </a:r>
             <a:r>
-              <a:rPr kumimoji="0" lang="en-US" sz="2400" b="0" i="0" u="none" strike="noStrike" cap="none" normalizeH="0" baseline="0" dirty="0" smtClean="0">
-                <a:ln>
-                  <a:noFill/>
-                </a:ln>
+              <a:rPr lang="en-US" sz="1100" dirty="0" smtClean="0">
                 <a:solidFill>
                   <a:srgbClr val="00000F"/>
                 </a:solidFill>
-                <a:effectLst/>
                 <a:latin typeface="Arial Unicode MS" panose="020B0604020202020204" pitchFamily="34" charset="-128"/>
               </a:rPr>
               <a:t> </a:t>
             </a:r>
             <a:r>
-              <a:rPr kumimoji="0" lang="en-US" sz="2400" b="0" i="0" u="none" strike="noStrike" cap="none" normalizeH="0" baseline="0" dirty="0" smtClean="0">
-                <a:ln>
-                  <a:noFill/>
-                </a:ln>
+              <a:rPr lang="en-US" sz="1100" dirty="0" smtClean="0">
                 <a:solidFill>
                   <a:srgbClr val="0066CC"/>
                 </a:solidFill>
-                <a:effectLst/>
                 <a:latin typeface="Arial Unicode MS" panose="020B0604020202020204" pitchFamily="34" charset="-128"/>
               </a:rPr>
               <a:t>class</a:t>
             </a:r>
             <a:r>
-              <a:rPr kumimoji="0" lang="en-US" sz="2400" b="0" i="0" u="none" strike="noStrike" cap="none" normalizeH="0" baseline="0" dirty="0" smtClean="0">
-                <a:ln>
-                  <a:noFill/>
-                </a:ln>
+              <a:rPr lang="en-US" sz="1100" dirty="0" smtClean="0">
                 <a:solidFill>
                   <a:srgbClr val="00000F"/>
                 </a:solidFill>
-                <a:effectLst/>
                 <a:latin typeface="Arial Unicode MS" panose="020B0604020202020204" pitchFamily="34" charset="-128"/>
               </a:rPr>
               <a:t> </a:t>
             </a:r>
             <a:r>
-              <a:rPr kumimoji="0" lang="en-US" sz="2400" b="0" i="0" u="none" strike="noStrike" cap="none" normalizeH="0" baseline="0" dirty="0" err="1" smtClean="0">
-                <a:ln>
-                  <a:noFill/>
-                </a:ln>
+              <a:rPr lang="en-US" sz="1100" dirty="0" err="1" smtClean="0">
                 <a:solidFill>
                   <a:srgbClr val="00000F"/>
                 </a:solidFill>
-                <a:effectLst/>
                 <a:latin typeface="Arial Unicode MS" panose="020B0604020202020204" pitchFamily="34" charset="-128"/>
               </a:rPr>
               <a:t>HelloWorld</a:t>
             </a:r>
             <a:r>
-              <a:rPr kumimoji="0" lang="en-US" sz="2400" b="0" i="0" u="none" strike="noStrike" cap="none" normalizeH="0" baseline="0" dirty="0" smtClean="0">
-                <a:ln>
-                  <a:noFill/>
-                </a:ln>
+              <a:rPr lang="en-US" sz="1100" dirty="0" smtClean="0">
                 <a:solidFill>
                   <a:srgbClr val="00000F"/>
                 </a:solidFill>
-                <a:effectLst/>
                 <a:latin typeface="Arial Unicode MS" panose="020B0604020202020204" pitchFamily="34" charset="-128"/>
               </a:rPr>
               <a:t> { </a:t>
             </a:r>
           </a:p>
           <a:p>
-            <a:pPr marL="0" marR="0" lvl="0" indent="0" algn="l" defTabSz="914400" rtl="0" eaLnBrk="0" fontAlgn="base" latinLnBrk="0" hangingPunct="0">
+            <a:pPr marL="0" indent="0" eaLnBrk="0" fontAlgn="base" hangingPunct="0">
               <a:lnSpc>
                 <a:spcPct val="100000"/>
               </a:lnSpc>
@@ -6170,25 +6166,17 @@
               <a:spcAft>
                 <a:spcPct val="0"/>
               </a:spcAft>
-              <a:buClrTx/>
-              <a:buSzTx/>
-              <a:buFontTx/>
               <a:buNone/>
-              <a:tabLst/>
             </a:pPr>
-            <a:endParaRPr kumimoji="0" lang="en-US" sz="2400" b="0" i="0" u="none" strike="noStrike" cap="none" normalizeH="0" baseline="0" dirty="0" smtClean="0">
-              <a:ln>
-                <a:noFill/>
-              </a:ln>
+            <a:endParaRPr lang="en-US" sz="1100" dirty="0" smtClean="0">
               <a:solidFill>
                 <a:srgbClr val="00000F"/>
               </a:solidFill>
-              <a:effectLst/>
               <a:latin typeface="Arial Unicode MS" panose="020B0604020202020204" pitchFamily="34" charset="-128"/>
             </a:endParaRPr>
           </a:p>
           <a:p>
-            <a:pPr marL="0" marR="0" lvl="0" indent="0" algn="l" defTabSz="914400" rtl="0" eaLnBrk="0" fontAlgn="base" latinLnBrk="0" hangingPunct="0">
+            <a:pPr marL="0" indent="0" eaLnBrk="0" fontAlgn="base" hangingPunct="0">
               <a:lnSpc>
                 <a:spcPct val="100000"/>
               </a:lnSpc>
@@ -6198,14 +6186,10 @@
               <a:spcAft>
                 <a:spcPct val="0"/>
               </a:spcAft>
-              <a:buClrTx/>
-              <a:buSzTx/>
-              <a:buFontTx/>
               <a:buNone/>
-              <a:tabLst/>
             </a:pPr>
             <a:r>
-              <a:rPr lang="en-US" sz="2400" dirty="0">
+              <a:rPr lang="en-US" sz="1100" dirty="0">
                 <a:solidFill>
                   <a:srgbClr val="00000F"/>
                 </a:solidFill>
@@ -6214,191 +6198,135 @@
               <a:t>	</a:t>
             </a:r>
             <a:r>
-              <a:rPr kumimoji="0" lang="en-US" sz="2400" b="0" i="0" u="none" strike="noStrike" cap="none" normalizeH="0" baseline="0" dirty="0" smtClean="0">
-                <a:ln>
-                  <a:noFill/>
-                </a:ln>
+              <a:rPr lang="en-US" sz="1100" dirty="0" smtClean="0">
                 <a:solidFill>
                   <a:srgbClr val="0066CC"/>
                 </a:solidFill>
-                <a:effectLst/>
                 <a:latin typeface="Arial Unicode MS" panose="020B0604020202020204" pitchFamily="34" charset="-128"/>
               </a:rPr>
               <a:t>public</a:t>
             </a:r>
             <a:r>
-              <a:rPr kumimoji="0" lang="en-US" sz="2400" b="0" i="0" u="none" strike="noStrike" cap="none" normalizeH="0" baseline="0" dirty="0" smtClean="0">
-                <a:ln>
-                  <a:noFill/>
-                </a:ln>
+              <a:rPr lang="en-US" sz="1100" dirty="0" smtClean="0">
                 <a:solidFill>
                   <a:srgbClr val="00000F"/>
                 </a:solidFill>
-                <a:effectLst/>
                 <a:latin typeface="Arial Unicode MS" panose="020B0604020202020204" pitchFamily="34" charset="-128"/>
               </a:rPr>
               <a:t> </a:t>
             </a:r>
             <a:r>
-              <a:rPr kumimoji="0" lang="en-US" sz="2400" b="0" i="0" u="none" strike="noStrike" cap="none" normalizeH="0" baseline="0" dirty="0" smtClean="0">
-                <a:ln>
-                  <a:noFill/>
-                </a:ln>
+              <a:rPr lang="en-US" sz="1100" dirty="0" smtClean="0">
                 <a:solidFill>
                   <a:srgbClr val="0066CC"/>
                 </a:solidFill>
-                <a:effectLst/>
                 <a:latin typeface="Arial Unicode MS" panose="020B0604020202020204" pitchFamily="34" charset="-128"/>
               </a:rPr>
               <a:t>static</a:t>
             </a:r>
             <a:r>
-              <a:rPr kumimoji="0" lang="en-US" sz="2400" b="0" i="0" u="none" strike="noStrike" cap="none" normalizeH="0" baseline="0" dirty="0" smtClean="0">
-                <a:ln>
-                  <a:noFill/>
-                </a:ln>
+              <a:rPr lang="en-US" sz="1100" dirty="0" smtClean="0">
                 <a:solidFill>
                   <a:srgbClr val="00000F"/>
                 </a:solidFill>
-                <a:effectLst/>
                 <a:latin typeface="Arial Unicode MS" panose="020B0604020202020204" pitchFamily="34" charset="-128"/>
               </a:rPr>
               <a:t> </a:t>
             </a:r>
             <a:r>
-              <a:rPr kumimoji="0" lang="en-US" sz="2400" b="0" i="0" u="none" strike="noStrike" cap="none" normalizeH="0" baseline="0" dirty="0" smtClean="0">
-                <a:ln>
-                  <a:noFill/>
-                </a:ln>
+              <a:rPr lang="en-US" sz="1100" dirty="0" smtClean="0">
                 <a:solidFill>
                   <a:srgbClr val="0066CC"/>
                 </a:solidFill>
-                <a:effectLst/>
                 <a:latin typeface="Courier New" panose="02070309020205020404" pitchFamily="49" charset="0"/>
                 <a:cs typeface="Courier New" panose="02070309020205020404" pitchFamily="49" charset="0"/>
               </a:rPr>
               <a:t>void</a:t>
             </a:r>
             <a:r>
-              <a:rPr kumimoji="0" lang="en-US" sz="2400" b="0" i="0" u="none" strike="noStrike" cap="none" normalizeH="0" baseline="0" dirty="0" smtClean="0">
-                <a:ln>
-                  <a:noFill/>
-                </a:ln>
+              <a:rPr lang="en-US" sz="1100" dirty="0" smtClean="0">
                 <a:solidFill>
                   <a:srgbClr val="00000F"/>
                 </a:solidFill>
-                <a:effectLst/>
                 <a:latin typeface="Arial Unicode MS" panose="020B0604020202020204" pitchFamily="34" charset="-128"/>
               </a:rPr>
               <a:t> </a:t>
             </a:r>
             <a:r>
-              <a:rPr kumimoji="0" lang="en-US" sz="2400" b="1" i="0" u="none" strike="noStrike" cap="none" normalizeH="0" baseline="0" dirty="0" smtClean="0">
-                <a:ln>
-                  <a:noFill/>
-                </a:ln>
+              <a:rPr lang="en-US" sz="1100" b="1" dirty="0" smtClean="0">
                 <a:solidFill>
                   <a:srgbClr val="00000F"/>
                 </a:solidFill>
-                <a:effectLst/>
                 <a:latin typeface="Arial Unicode MS" panose="020B0604020202020204" pitchFamily="34" charset="-128"/>
               </a:rPr>
               <a:t>main</a:t>
             </a:r>
             <a:r>
-              <a:rPr kumimoji="0" lang="en-US" sz="2400" b="0" i="0" u="none" strike="noStrike" cap="none" normalizeH="0" baseline="0" dirty="0" smtClean="0">
-                <a:ln>
-                  <a:noFill/>
-                </a:ln>
+              <a:rPr lang="en-US" sz="1100" dirty="0" smtClean="0">
                 <a:solidFill>
                   <a:srgbClr val="8B0000"/>
                 </a:solidFill>
-                <a:effectLst/>
                 <a:latin typeface="Arial Unicode MS" panose="020B0604020202020204" pitchFamily="34" charset="-128"/>
               </a:rPr>
               <a:t>(</a:t>
             </a:r>
             <a:r>
-              <a:rPr kumimoji="0" lang="en-US" sz="2400" b="0" i="0" u="none" strike="noStrike" cap="none" normalizeH="0" baseline="0" dirty="0" smtClean="0">
-                <a:ln>
-                  <a:noFill/>
-                </a:ln>
+              <a:rPr lang="en-US" sz="1100" dirty="0" smtClean="0">
                 <a:solidFill>
                   <a:srgbClr val="00000F"/>
                 </a:solidFill>
-                <a:effectLst/>
                 <a:latin typeface="Arial Unicode MS" panose="020B0604020202020204" pitchFamily="34" charset="-128"/>
               </a:rPr>
               <a:t>String</a:t>
             </a:r>
             <a:r>
-              <a:rPr kumimoji="0" lang="en-US" sz="2400" b="0" i="0" u="none" strike="noStrike" cap="none" normalizeH="0" baseline="0" dirty="0" smtClean="0">
-                <a:ln>
-                  <a:noFill/>
-                </a:ln>
+              <a:rPr lang="en-US" sz="1100" dirty="0" smtClean="0">
                 <a:solidFill>
                   <a:srgbClr val="8B0000"/>
                 </a:solidFill>
-                <a:effectLst/>
                 <a:latin typeface="Arial Unicode MS" panose="020B0604020202020204" pitchFamily="34" charset="-128"/>
               </a:rPr>
               <a:t>[]</a:t>
             </a:r>
             <a:r>
-              <a:rPr kumimoji="0" lang="en-US" sz="2400" b="0" i="0" u="none" strike="noStrike" cap="none" normalizeH="0" baseline="0" dirty="0" smtClean="0">
-                <a:ln>
-                  <a:noFill/>
-                </a:ln>
+              <a:rPr lang="en-US" sz="1100" dirty="0" smtClean="0">
                 <a:solidFill>
                   <a:srgbClr val="00000F"/>
                 </a:solidFill>
-                <a:effectLst/>
                 <a:latin typeface="Arial Unicode MS" panose="020B0604020202020204" pitchFamily="34" charset="-128"/>
               </a:rPr>
               <a:t> </a:t>
             </a:r>
             <a:r>
-              <a:rPr kumimoji="0" lang="en-US" sz="2400" b="0" i="0" u="none" strike="noStrike" cap="none" normalizeH="0" baseline="0" dirty="0" err="1" smtClean="0">
-                <a:ln>
-                  <a:noFill/>
-                </a:ln>
+              <a:rPr lang="en-US" sz="1100" dirty="0" err="1" smtClean="0">
                 <a:solidFill>
                   <a:srgbClr val="00000F"/>
                 </a:solidFill>
-                <a:effectLst/>
                 <a:latin typeface="Arial Unicode MS" panose="020B0604020202020204" pitchFamily="34" charset="-128"/>
               </a:rPr>
               <a:t>args</a:t>
             </a:r>
             <a:r>
-              <a:rPr kumimoji="0" lang="en-US" sz="2400" b="0" i="0" u="none" strike="noStrike" cap="none" normalizeH="0" baseline="0" dirty="0" smtClean="0">
-                <a:ln>
-                  <a:noFill/>
-                </a:ln>
+              <a:rPr lang="en-US" sz="1100" dirty="0" smtClean="0">
                 <a:solidFill>
                   <a:srgbClr val="8B0000"/>
                 </a:solidFill>
-                <a:effectLst/>
                 <a:latin typeface="Arial Unicode MS" panose="020B0604020202020204" pitchFamily="34" charset="-128"/>
               </a:rPr>
               <a:t>)</a:t>
             </a:r>
             <a:r>
-              <a:rPr kumimoji="0" lang="en-US" sz="2400" b="0" i="0" u="none" strike="noStrike" cap="none" normalizeH="0" baseline="0" dirty="0" smtClean="0">
-                <a:ln>
-                  <a:noFill/>
-                </a:ln>
+              <a:rPr lang="en-US" sz="1100" dirty="0" smtClean="0">
                 <a:solidFill>
                   <a:srgbClr val="00000F"/>
                 </a:solidFill>
-                <a:effectLst/>
                 <a:latin typeface="Arial Unicode MS" panose="020B0604020202020204" pitchFamily="34" charset="-128"/>
               </a:rPr>
               <a:t> {</a:t>
             </a:r>
           </a:p>
           <a:p>
-            <a:pPr marL="0" marR="0" lvl="0" indent="0" algn="l" defTabSz="914400" rtl="0" eaLnBrk="0" fontAlgn="base" latinLnBrk="0" hangingPunct="0">
+            <a:pPr marL="0" indent="0" eaLnBrk="0" fontAlgn="base" hangingPunct="0">
               <a:lnSpc>
                 <a:spcPct val="100000"/>
               </a:lnSpc>
@@ -6408,25 +6336,17 @@
               <a:spcAft>
                 <a:spcPct val="0"/>
               </a:spcAft>
-              <a:buClrTx/>
-              <a:buSzTx/>
-              <a:buFontTx/>
               <a:buNone/>
-              <a:tabLst/>
             </a:pPr>
-            <a:endParaRPr kumimoji="0" lang="en-US" sz="2400" b="0" i="0" u="none" strike="noStrike" cap="none" normalizeH="0" baseline="0" dirty="0" smtClean="0">
-              <a:ln>
-                <a:noFill/>
-              </a:ln>
+            <a:endParaRPr lang="en-US" sz="1100" dirty="0" smtClean="0">
               <a:solidFill>
                 <a:srgbClr val="00000F"/>
               </a:solidFill>
-              <a:effectLst/>
               <a:latin typeface="Arial Unicode MS" panose="020B0604020202020204" pitchFamily="34" charset="-128"/>
             </a:endParaRPr>
           </a:p>
           <a:p>
-            <a:pPr marL="0" marR="0" lvl="0" indent="0" algn="l" defTabSz="914400" rtl="0" eaLnBrk="0" fontAlgn="base" latinLnBrk="0" hangingPunct="0">
+            <a:pPr marL="0" indent="0" eaLnBrk="0" fontAlgn="base" hangingPunct="0">
               <a:lnSpc>
                 <a:spcPct val="100000"/>
               </a:lnSpc>
@@ -6436,14 +6356,10 @@
               <a:spcAft>
                 <a:spcPct val="0"/>
               </a:spcAft>
-              <a:buClrTx/>
-              <a:buSzTx/>
-              <a:buFontTx/>
               <a:buNone/>
-              <a:tabLst/>
             </a:pPr>
             <a:r>
-              <a:rPr lang="en-US" sz="2400" dirty="0">
+              <a:rPr lang="en-US" sz="1100" dirty="0">
                 <a:solidFill>
                   <a:srgbClr val="00000F"/>
                 </a:solidFill>
@@ -6452,134 +6368,89 @@
               <a:t>	</a:t>
             </a:r>
             <a:r>
-              <a:rPr lang="en-US" sz="2400" dirty="0" smtClean="0">
+              <a:rPr lang="en-US" sz="1100" dirty="0" smtClean="0">
                 <a:solidFill>
                   <a:srgbClr val="00000F"/>
                 </a:solidFill>
                 <a:latin typeface="Arial Unicode MS" panose="020B0604020202020204" pitchFamily="34" charset="-128"/>
               </a:rPr>
-              <a:t>	</a:t>
-            </a:r>
-            <a:r>
-              <a:rPr kumimoji="0" lang="en-US" sz="2400" b="0" i="0" u="none" strike="noStrike" cap="none" normalizeH="0" baseline="0" dirty="0" smtClean="0">
-                <a:ln>
-                  <a:noFill/>
-                </a:ln>
+              <a:t>	 </a:t>
+            </a:r>
+            <a:r>
+              <a:rPr lang="en-US" sz="1100" dirty="0" err="1" smtClean="0">
                 <a:solidFill>
                   <a:srgbClr val="00000F"/>
                 </a:solidFill>
-                <a:effectLst/>
                 <a:latin typeface="Arial Unicode MS" panose="020B0604020202020204" pitchFamily="34" charset="-128"/>
               </a:rPr>
-              <a:t> </a:t>
-            </a:r>
-            <a:r>
-              <a:rPr kumimoji="0" lang="en-US" sz="2400" b="0" i="0" u="none" strike="noStrike" cap="none" normalizeH="0" baseline="0" dirty="0" err="1" smtClean="0">
-                <a:ln>
-                  <a:noFill/>
-                </a:ln>
+              <a:t>System</a:t>
+            </a:r>
+            <a:r>
+              <a:rPr lang="en-US" sz="1100" dirty="0" err="1" smtClean="0">
+                <a:solidFill>
+                  <a:srgbClr val="8B0000"/>
+                </a:solidFill>
+                <a:latin typeface="Arial Unicode MS" panose="020B0604020202020204" pitchFamily="34" charset="-128"/>
+              </a:rPr>
+              <a:t>.</a:t>
+            </a:r>
+            <a:r>
+              <a:rPr lang="en-US" sz="1100" dirty="0" err="1" smtClean="0">
                 <a:solidFill>
                   <a:srgbClr val="00000F"/>
                 </a:solidFill>
-                <a:effectLst/>
                 <a:latin typeface="Arial Unicode MS" panose="020B0604020202020204" pitchFamily="34" charset="-128"/>
               </a:rPr>
-              <a:t>System</a:t>
-            </a:r>
-            <a:r>
-              <a:rPr kumimoji="0" lang="en-US" sz="2400" b="0" i="0" u="none" strike="noStrike" cap="none" normalizeH="0" baseline="0" dirty="0" err="1" smtClean="0">
-                <a:ln>
-                  <a:noFill/>
-                </a:ln>
+              <a:t>out</a:t>
+            </a:r>
+            <a:r>
+              <a:rPr lang="en-US" sz="1100" dirty="0" err="1" smtClean="0">
                 <a:solidFill>
                   <a:srgbClr val="8B0000"/>
                 </a:solidFill>
-                <a:effectLst/>
                 <a:latin typeface="Arial Unicode MS" panose="020B0604020202020204" pitchFamily="34" charset="-128"/>
               </a:rPr>
               <a:t>.</a:t>
             </a:r>
             <a:r>
-              <a:rPr kumimoji="0" lang="en-US" sz="2400" b="0" i="0" u="none" strike="noStrike" cap="none" normalizeH="0" baseline="0" dirty="0" err="1" smtClean="0">
-                <a:ln>
-                  <a:noFill/>
-                </a:ln>
+              <a:rPr lang="en-US" sz="1100" b="1" dirty="0" err="1" smtClean="0">
                 <a:solidFill>
                   <a:srgbClr val="00000F"/>
                 </a:solidFill>
-                <a:effectLst/>
                 <a:latin typeface="Arial Unicode MS" panose="020B0604020202020204" pitchFamily="34" charset="-128"/>
               </a:rPr>
-              <a:t>out</a:t>
-            </a:r>
-            <a:r>
-              <a:rPr kumimoji="0" lang="en-US" sz="2400" b="0" i="0" u="none" strike="noStrike" cap="none" normalizeH="0" baseline="0" dirty="0" err="1" smtClean="0">
-                <a:ln>
-                  <a:noFill/>
-                </a:ln>
+              <a:t>println</a:t>
+            </a:r>
+            <a:r>
+              <a:rPr lang="en-US" sz="1100" dirty="0" smtClean="0">
                 <a:solidFill>
                   <a:srgbClr val="8B0000"/>
                 </a:solidFill>
-                <a:effectLst/>
                 <a:latin typeface="Arial Unicode MS" panose="020B0604020202020204" pitchFamily="34" charset="-128"/>
               </a:rPr>
-              <a:t>.</a:t>
-            </a:r>
-            <a:r>
-              <a:rPr kumimoji="0" lang="en-US" sz="2400" b="1" i="0" u="none" strike="noStrike" cap="none" normalizeH="0" baseline="0" dirty="0" err="1" smtClean="0">
-                <a:ln>
-                  <a:noFill/>
-                </a:ln>
+              <a:t>(</a:t>
+            </a:r>
+            <a:r>
+              <a:rPr lang="en-US" sz="1100" dirty="0" smtClean="0">
                 <a:solidFill>
-                  <a:srgbClr val="00000F"/>
+                  <a:srgbClr val="116611"/>
                 </a:solidFill>
-                <a:effectLst/>
                 <a:latin typeface="Arial Unicode MS" panose="020B0604020202020204" pitchFamily="34" charset="-128"/>
               </a:rPr>
-              <a:t>println</a:t>
-            </a:r>
-            <a:r>
-              <a:rPr kumimoji="0" lang="en-US" sz="2400" b="0" i="0" u="none" strike="noStrike" cap="none" normalizeH="0" baseline="0" dirty="0" smtClean="0">
-                <a:ln>
-                  <a:noFill/>
-                </a:ln>
+              <a:t>"Hello, World"</a:t>
+            </a:r>
+            <a:r>
+              <a:rPr lang="en-US" sz="1100" dirty="0" smtClean="0">
                 <a:solidFill>
                   <a:srgbClr val="8B0000"/>
                 </a:solidFill>
-                <a:effectLst/>
-                <a:latin typeface="Arial Unicode MS" panose="020B0604020202020204" pitchFamily="34" charset="-128"/>
-              </a:rPr>
-              <a:t>(</a:t>
-            </a:r>
-            <a:r>
-              <a:rPr kumimoji="0" lang="en-US" sz="2400" b="0" i="0" u="none" strike="noStrike" cap="none" normalizeH="0" baseline="0" dirty="0" smtClean="0">
-                <a:ln>
-                  <a:noFill/>
-                </a:ln>
-                <a:solidFill>
-                  <a:srgbClr val="116611"/>
-                </a:solidFill>
-                <a:effectLst/>
-                <a:latin typeface="Arial Unicode MS" panose="020B0604020202020204" pitchFamily="34" charset="-128"/>
-              </a:rPr>
-              <a:t>"Hello, World"</a:t>
-            </a:r>
-            <a:r>
-              <a:rPr kumimoji="0" lang="en-US" sz="2400" b="0" i="0" u="none" strike="noStrike" cap="none" normalizeH="0" baseline="0" dirty="0" smtClean="0">
-                <a:ln>
-                  <a:noFill/>
-                </a:ln>
-                <a:solidFill>
-                  <a:srgbClr val="8B0000"/>
-                </a:solidFill>
-                <a:effectLst/>
                 <a:latin typeface="Arial Unicode MS" panose="020B0604020202020204" pitchFamily="34" charset="-128"/>
               </a:rPr>
               <a:t>);</a:t>
             </a:r>
           </a:p>
           <a:p>
-            <a:pPr marL="0" marR="0" lvl="0" indent="0" algn="l" defTabSz="914400" rtl="0" eaLnBrk="0" fontAlgn="base" latinLnBrk="0" hangingPunct="0">
+            <a:pPr marL="0" indent="0" eaLnBrk="0" fontAlgn="base" hangingPunct="0">
               <a:lnSpc>
                 <a:spcPct val="100000"/>
               </a:lnSpc>
@@ -6589,25 +6460,17 @@
               <a:spcAft>
                 <a:spcPct val="0"/>
               </a:spcAft>
-              <a:buClrTx/>
-              <a:buSzTx/>
-              <a:buFontTx/>
               <a:buNone/>
-              <a:tabLst/>
             </a:pPr>
-            <a:endParaRPr kumimoji="0" lang="en-US" sz="2400" b="0" i="0" u="none" strike="noStrike" cap="none" normalizeH="0" baseline="0" dirty="0" smtClean="0">
-              <a:ln>
-                <a:noFill/>
-              </a:ln>
+            <a:endParaRPr lang="en-US" sz="1100" dirty="0" smtClean="0">
               <a:solidFill>
                 <a:srgbClr val="8B0000"/>
               </a:solidFill>
-              <a:effectLst/>
               <a:latin typeface="Arial Unicode MS" panose="020B0604020202020204" pitchFamily="34" charset="-128"/>
             </a:endParaRPr>
           </a:p>
           <a:p>
-            <a:pPr marL="0" marR="0" lvl="0" indent="0" algn="l" defTabSz="914400" rtl="0" eaLnBrk="0" fontAlgn="base" latinLnBrk="0" hangingPunct="0">
+            <a:pPr marL="0" indent="0" eaLnBrk="0" fontAlgn="base" hangingPunct="0">
               <a:lnSpc>
                 <a:spcPct val="100000"/>
               </a:lnSpc>
@@ -6617,14 +6480,10 @@
               <a:spcAft>
                 <a:spcPct val="0"/>
               </a:spcAft>
-              <a:buClrTx/>
-              <a:buSzTx/>
-              <a:buFontTx/>
               <a:buNone/>
-              <a:tabLst/>
             </a:pPr>
             <a:r>
-              <a:rPr lang="en-US" sz="2400" dirty="0">
+              <a:rPr lang="en-US" sz="1100" dirty="0">
                 <a:solidFill>
                   <a:srgbClr val="8B0000"/>
                 </a:solidFill>
@@ -6633,21 +6492,17 @@
               <a:t>	</a:t>
             </a:r>
             <a:r>
-              <a:rPr kumimoji="0" lang="en-US" sz="2400" b="0" i="0" u="none" strike="noStrike" cap="none" normalizeH="0" baseline="0" dirty="0" smtClean="0">
-                <a:ln>
-                  <a:noFill/>
-                </a:ln>
+              <a:rPr lang="en-US" sz="1100" dirty="0" smtClean="0">
                 <a:solidFill>
                   <a:srgbClr val="00000F"/>
                 </a:solidFill>
-                <a:effectLst/>
                 <a:latin typeface="Arial Unicode MS" panose="020B0604020202020204" pitchFamily="34" charset="-128"/>
               </a:rPr>
               <a:t> }</a:t>
             </a:r>
           </a:p>
           <a:p>
-            <a:pPr marL="0" marR="0" lvl="0" indent="0" algn="l" defTabSz="914400" rtl="0" eaLnBrk="0" fontAlgn="base" latinLnBrk="0" hangingPunct="0">
+            <a:pPr marL="0" indent="0" eaLnBrk="0" fontAlgn="base" hangingPunct="0">
               <a:lnSpc>
                 <a:spcPct val="100000"/>
               </a:lnSpc>
@@ -6657,25 +6512,17 @@
               <a:spcAft>
                 <a:spcPct val="0"/>
               </a:spcAft>
-              <a:buClrTx/>
-              <a:buSzTx/>
-              <a:buFontTx/>
               <a:buNone/>
-              <a:tabLst/>
             </a:pPr>
-            <a:endParaRPr kumimoji="0" lang="en-US" sz="2400" b="0" i="0" u="none" strike="noStrike" cap="none" normalizeH="0" baseline="0" dirty="0" smtClean="0">
-              <a:ln>
-                <a:noFill/>
-              </a:ln>
+            <a:endParaRPr lang="en-US" sz="1100" dirty="0" smtClean="0">
               <a:solidFill>
                 <a:srgbClr val="00000F"/>
               </a:solidFill>
-              <a:effectLst/>
               <a:latin typeface="Arial Unicode MS" panose="020B0604020202020204" pitchFamily="34" charset="-128"/>
             </a:endParaRPr>
           </a:p>
           <a:p>
-            <a:pPr marL="0" marR="0" lvl="0" indent="0" algn="l" defTabSz="914400" rtl="0" eaLnBrk="0" fontAlgn="base" latinLnBrk="0" hangingPunct="0">
+            <a:pPr marL="0" indent="0" eaLnBrk="0" fontAlgn="base" hangingPunct="0">
               <a:lnSpc>
                 <a:spcPct val="100000"/>
               </a:lnSpc>
@@ -6685,45 +6532,22 @@
               <a:spcAft>
                 <a:spcPct val="0"/>
               </a:spcAft>
-              <a:buClrTx/>
-              <a:buSzTx/>
-              <a:buFontTx/>
               <a:buNone/>
-              <a:tabLst/>
             </a:pPr>
             <a:r>
-              <a:rPr kumimoji="0" lang="en-US" sz="2400" b="0" i="0" u="none" strike="noStrike" cap="none" normalizeH="0" baseline="0" dirty="0" smtClean="0">
-                <a:ln>
-                  <a:noFill/>
-                </a:ln>
+              <a:rPr lang="en-US" sz="1100" dirty="0" smtClean="0">
                 <a:solidFill>
                   <a:srgbClr val="00000F"/>
                 </a:solidFill>
-                <a:effectLst/>
                 <a:latin typeface="Arial Unicode MS" panose="020B0604020202020204" pitchFamily="34" charset="-128"/>
               </a:rPr>
               <a:t> }</a:t>
             </a:r>
             <a:r>
-              <a:rPr kumimoji="0" lang="en-US" sz="2400" b="0" i="0" u="none" strike="noStrike" cap="none" normalizeH="0" baseline="0" dirty="0" smtClean="0">
-                <a:ln>
-                  <a:noFill/>
-                </a:ln>
-                <a:solidFill>
-                  <a:schemeClr val="tx1"/>
-                </a:solidFill>
-                <a:effectLst/>
-              </a:rPr>
+              <a:rPr lang="en-US" sz="1100" dirty="0" smtClean="0"/>
               <a:t> </a:t>
             </a:r>
-            <a:endParaRPr kumimoji="0" lang="en-US" sz="2400" b="0" i="0" u="none" strike="noStrike" cap="none" normalizeH="0" baseline="0" dirty="0" smtClean="0">
-              <a:ln>
-                <a:noFill/>
-              </a:ln>
-              <a:solidFill>
-                <a:schemeClr val="tx1"/>
-              </a:solidFill>
-              <a:effectLst/>
+            <a:endParaRPr lang="en-US" sz="1100" dirty="0" smtClean="0">
               <a:latin typeface="Arial" panose="020B0604020202020204" pitchFamily="34" charset="0"/>
             </a:endParaRPr>
           </a:p>
@@ -6732,7 +6556,7 @@
     </p:spTree>
     <p:extLst>
       <p:ext uri="{BB962C8B-B14F-4D97-AF65-F5344CB8AC3E}">
-        <p14:creationId xmlns:p14="http://schemas.microsoft.com/office/powerpoint/2010/main" val="3853568060"/>
+        <p14:creationId xmlns:p14="http://schemas.microsoft.com/office/powerpoint/2010/main" xmlns="" val="3853568060"/>
       </p:ext>
     </p:extLst>
   </p:cSld>
@@ -7379,8 +7203,8 @@
         </p:nvSpPr>
         <p:spPr>
           <a:xfrm>
-            <a:off x="232012" y="341194"/>
-            <a:ext cx="11436824" cy="6114197"/>
+            <a:off x="100934" y="181971"/>
+            <a:ext cx="4975316" cy="3260905"/>
           </a:xfrm>
         </p:spPr>
         <p:txBody>
@@ -7465,7 +7289,7 @@
     </p:spTree>
     <p:extLst>
       <p:ext uri="{BB962C8B-B14F-4D97-AF65-F5344CB8AC3E}">
-        <p14:creationId xmlns:p14="http://schemas.microsoft.com/office/powerpoint/2010/main" val="2189535837"/>
+        <p14:creationId xmlns:p14="http://schemas.microsoft.com/office/powerpoint/2010/main" xmlns="" val="2189535837"/>
       </p:ext>
     </p:extLst>
   </p:cSld>
@@ -8252,7 +8076,7 @@
         <p:spPr/>
         <p:txBody>
           <a:bodyPr>
-            <a:normAutofit fontScale="92500"/>
+            <a:normAutofit/>
           </a:bodyPr>
           <a:lstStyle/>
           <a:p>
@@ -8317,7 +8141,7 @@
     </p:spTree>
     <p:extLst>
       <p:ext uri="{BB962C8B-B14F-4D97-AF65-F5344CB8AC3E}">
-        <p14:creationId xmlns:p14="http://schemas.microsoft.com/office/powerpoint/2010/main" val="2860437945"/>
+        <p14:creationId xmlns:p14="http://schemas.microsoft.com/office/powerpoint/2010/main" xmlns="" val="2860437945"/>
       </p:ext>
     </p:extLst>
   </p:cSld>
@@ -9039,15 +8863,15 @@
         </p:nvSpPr>
         <p:spPr>
           <a:xfrm>
-            <a:off x="441277" y="278726"/>
-            <a:ext cx="6096000" cy="923330"/>
+            <a:off x="191967" y="148654"/>
+            <a:ext cx="2651919" cy="412766"/>
           </a:xfrm>
           <a:prstGeom prst="rect">
             <a:avLst/>
           </a:prstGeom>
         </p:spPr>
         <p:txBody>
-          <a:bodyPr>
+          <a:bodyPr lIns="43013" tIns="21507" rIns="43013" bIns="21507">
             <a:spAutoFit/>
           </a:bodyPr>
           <a:lstStyle/>
@@ -9155,15 +8979,15 @@
         </p:nvSpPr>
         <p:spPr>
           <a:xfrm>
-            <a:off x="373039" y="2033587"/>
-            <a:ext cx="6164238" cy="1754326"/>
+            <a:off x="162284" y="1084580"/>
+            <a:ext cx="2681604" cy="794042"/>
           </a:xfrm>
           <a:prstGeom prst="rect">
             <a:avLst/>
           </a:prstGeom>
         </p:spPr>
         <p:txBody>
-          <a:bodyPr wrap="square">
+          <a:bodyPr wrap="square" lIns="43013" tIns="21507" rIns="43013" bIns="21507">
             <a:spAutoFit/>
           </a:bodyPr>
           <a:lstStyle/>
@@ -9320,15 +9144,15 @@
         </p:nvSpPr>
         <p:spPr>
           <a:xfrm>
-            <a:off x="441277" y="4342446"/>
-            <a:ext cx="6096000" cy="646331"/>
+            <a:off x="191967" y="2315973"/>
+            <a:ext cx="2651919" cy="289655"/>
           </a:xfrm>
           <a:prstGeom prst="rect">
             <a:avLst/>
           </a:prstGeom>
         </p:spPr>
         <p:txBody>
-          <a:bodyPr>
+          <a:bodyPr lIns="43013" tIns="21507" rIns="43013" bIns="21507">
             <a:spAutoFit/>
           </a:bodyPr>
           <a:lstStyle/>
@@ -9392,10 +9216,10 @@
           </p:nvPr>
         </p:nvPicPr>
         <p:blipFill>
-          <a:blip r:embed="rId2">
+          <a:blip r:embed="rId2" cstate="print">
             <a:extLst>
               <a:ext uri="{28A0092B-C50C-407E-A947-70E740481C1C}">
-                <a14:useLocalDpi xmlns:a14="http://schemas.microsoft.com/office/drawing/2010/main" val="0"/>
+                <a14:useLocalDpi xmlns:a14="http://schemas.microsoft.com/office/drawing/2010/main" xmlns="" val="0"/>
               </a:ext>
             </a:extLst>
           </a:blip>
@@ -9406,8 +9230,8 @@
         </p:blipFill>
         <p:spPr bwMode="auto">
           <a:xfrm>
-            <a:off x="6400800" y="1202056"/>
-            <a:ext cx="5791200" cy="4067175"/>
+            <a:off x="2784515" y="641097"/>
+            <a:ext cx="2519323" cy="2169160"/>
           </a:xfrm>
           <a:prstGeom prst="rect">
             <a:avLst/>
@@ -9415,7 +9239,7 @@
           <a:noFill/>
           <a:extLst>
             <a:ext uri="{909E8E84-426E-40DD-AFC4-6F175D3DCCD1}">
-              <a14:hiddenFill xmlns:a14="http://schemas.microsoft.com/office/drawing/2010/main">
+              <a14:hiddenFill xmlns:a14="http://schemas.microsoft.com/office/drawing/2010/main" xmlns="">
                 <a:solidFill>
                   <a:srgbClr val="FFFFFF"/>
                 </a:solidFill>
@@ -9427,7 +9251,7 @@
     </p:spTree>
     <p:extLst>
       <p:ext uri="{BB962C8B-B14F-4D97-AF65-F5344CB8AC3E}">
-        <p14:creationId xmlns:p14="http://schemas.microsoft.com/office/powerpoint/2010/main" val="1915515442"/>
+        <p14:creationId xmlns:p14="http://schemas.microsoft.com/office/powerpoint/2010/main" xmlns="" val="1915515442"/>
       </p:ext>
     </p:extLst>
   </p:cSld>
@@ -9897,8 +9721,8 @@
         </p:nvSpPr>
         <p:spPr>
           <a:xfrm>
-            <a:off x="838200" y="201353"/>
-            <a:ext cx="10515600" cy="617514"/>
+            <a:off x="364639" y="107390"/>
+            <a:ext cx="4574560" cy="329341"/>
           </a:xfrm>
         </p:spPr>
         <p:txBody>
@@ -9928,8 +9752,8 @@
         </p:nvSpPr>
         <p:spPr>
           <a:xfrm>
-            <a:off x="611377" y="1091820"/>
-            <a:ext cx="11398653" cy="5766179"/>
+            <a:off x="265965" y="582307"/>
+            <a:ext cx="4958712" cy="3075295"/>
           </a:xfrm>
         </p:spPr>
         <p:txBody>
@@ -9940,65 +9764,65 @@
               <a:buNone/>
             </a:pPr>
             <a:r>
-              <a:rPr lang="en-US" sz="2000" dirty="0"/>
+              <a:rPr lang="en-US" sz="900" dirty="0"/>
               <a:t>Data types specify the different sizes and values that can be stored in the variable. There are two types of data types in Java:</a:t>
             </a:r>
           </a:p>
           <a:p>
             <a:pPr lvl="1"/>
             <a:r>
-              <a:rPr lang="en-US" sz="1600" b="1" dirty="0"/>
+              <a:rPr lang="en-US" sz="800" b="1" dirty="0"/>
               <a:t>Primitive data types:</a:t>
             </a:r>
             <a:r>
-              <a:rPr lang="en-US" sz="1600" dirty="0"/>
+              <a:rPr lang="en-US" sz="800" dirty="0"/>
               <a:t> </a:t>
             </a:r>
             <a:r>
-              <a:rPr lang="en-US" sz="1600" dirty="0" smtClean="0"/>
+              <a:rPr lang="en-US" sz="800" dirty="0" smtClean="0"/>
               <a:t> </a:t>
             </a:r>
             <a:r>
-              <a:rPr lang="en-US" sz="1600" dirty="0"/>
+              <a:rPr lang="en-US" sz="800" dirty="0"/>
               <a:t>The primitive data types include </a:t>
             </a:r>
             <a:r>
-              <a:rPr lang="en-US" sz="1600" dirty="0" err="1"/>
+              <a:rPr lang="en-US" sz="800" dirty="0" err="1"/>
               <a:t>boolean</a:t>
             </a:r>
             <a:r>
-              <a:rPr lang="en-US" sz="1600" dirty="0"/>
+              <a:rPr lang="en-US" sz="800" dirty="0"/>
               <a:t>, char, byte, short, </a:t>
             </a:r>
             <a:r>
-              <a:rPr lang="en-US" sz="1600" dirty="0" err="1"/>
+              <a:rPr lang="en-US" sz="800" dirty="0" err="1"/>
               <a:t>int</a:t>
             </a:r>
             <a:r>
-              <a:rPr lang="en-US" sz="1600" dirty="0"/>
+              <a:rPr lang="en-US" sz="800" dirty="0"/>
               <a:t>, long, float and double.</a:t>
             </a:r>
           </a:p>
           <a:p>
             <a:pPr lvl="1"/>
             <a:r>
-              <a:rPr lang="en-US" sz="1600" b="1" dirty="0"/>
+              <a:rPr lang="en-US" sz="800" b="1" dirty="0"/>
               <a:t>Non-primitive data types:</a:t>
             </a:r>
             <a:r>
-              <a:rPr lang="en-US" sz="1600" dirty="0"/>
+              <a:rPr lang="en-US" sz="800" dirty="0"/>
               <a:t>  The non-primitive data types include Classes, Interfaces, and Arrays</a:t>
             </a:r>
             <a:r>
-              <a:rPr lang="en-US" sz="1600" dirty="0" smtClean="0"/>
+              <a:rPr lang="en-US" sz="800" dirty="0" smtClean="0"/>
               <a:t>.</a:t>
             </a:r>
           </a:p>
           <a:p>
-            <a:pPr marL="457200" lvl="1" indent="0">
+            <a:pPr marL="215067" lvl="1" indent="0">
               <a:buNone/>
             </a:pPr>
-            <a:endParaRPr lang="en-US" sz="1600" dirty="0"/>
+            <a:endParaRPr lang="en-US" sz="800" dirty="0"/>
           </a:p>
           <a:p>
             <a:pPr marL="0" indent="0">
@@ -10017,25 +9841,25 @@
           <p:nvPr>
             <p:extLst>
               <p:ext uri="{D42A27DB-BD31-4B8C-83A1-F6EECF244321}">
-                <p14:modId xmlns:p14="http://schemas.microsoft.com/office/powerpoint/2010/main" val="3027848716"/>
+                <p14:modId xmlns:p14="http://schemas.microsoft.com/office/powerpoint/2010/main" xmlns="" val="3027848716"/>
               </p:ext>
             </p:extLst>
           </p:nvPr>
         </p:nvGraphicFramePr>
         <p:xfrm>
-          <a:off x="611377" y="2533237"/>
-          <a:ext cx="5448228" cy="3916680"/>
+          <a:off x="265966" y="1351060"/>
+          <a:ext cx="2370123" cy="2979203"/>
         </p:xfrm>
         <a:graphic>
           <a:graphicData uri="http://schemas.openxmlformats.org/drawingml/2006/table">
             <a:tbl>
               <a:tblPr/>
               <a:tblGrid>
-                <a:gridCol w="1816076"/>
-                <a:gridCol w="1816076"/>
-                <a:gridCol w="1816076"/>
+                <a:gridCol w="790041"/>
+                <a:gridCol w="790041"/>
+                <a:gridCol w="790041"/>
               </a:tblGrid>
-              <a:tr h="482594">
+              <a:tr h="594857">
                 <a:tc>
                   <a:txBody>
                     <a:bodyPr/>
@@ -10043,7 +9867,7 @@
                     <a:p>
                       <a:pPr algn="l" fontAlgn="t"/>
                       <a:r>
-                        <a:rPr lang="en-US" b="1" dirty="0">
+                        <a:rPr lang="en-US" sz="1000" b="1" dirty="0">
                           <a:solidFill>
                             <a:srgbClr val="000000"/>
                           </a:solidFill>
@@ -10052,7 +9876,7 @@
                         </a:rPr>
                         <a:t>Data Type</a:t>
                       </a:r>
-                      <a:endParaRPr lang="en-US" dirty="0">
+                      <a:endParaRPr lang="en-US" sz="1000" dirty="0">
                         <a:solidFill>
                           <a:srgbClr val="000000"/>
                         </a:solidFill>
@@ -10061,7 +9885,7 @@
                       </a:endParaRPr>
                     </a:p>
                   </a:txBody>
-                  <a:tcPr marL="114300" marR="114300" marT="114300" marB="114300">
+                  <a:tcPr marL="49723" marR="49723" marT="60960" marB="60960">
                     <a:lnL w="9525" cap="flat" cmpd="sng" algn="ctr">
                       <a:solidFill>
                         <a:srgbClr val="3059F4"/>
@@ -10110,7 +9934,7 @@
                     <a:p>
                       <a:pPr algn="l" fontAlgn="t"/>
                       <a:r>
-                        <a:rPr lang="en-US" b="1">
+                        <a:rPr lang="en-US" sz="1000" b="1">
                           <a:solidFill>
                             <a:srgbClr val="000000"/>
                           </a:solidFill>
@@ -10119,7 +9943,7 @@
                         </a:rPr>
                         <a:t>Default Value</a:t>
                       </a:r>
-                      <a:endParaRPr lang="en-US">
+                      <a:endParaRPr lang="en-US" sz="1000">
                         <a:solidFill>
                           <a:srgbClr val="000000"/>
                         </a:solidFill>
@@ -10128,7 +9952,7 @@
                       </a:endParaRPr>
                     </a:p>
                   </a:txBody>
-                  <a:tcPr marL="114300" marR="114300" marT="114300" marB="114300">
+                  <a:tcPr marL="49723" marR="49723" marT="60960" marB="60960">
                     <a:lnL w="9525" cap="flat" cmpd="sng" algn="ctr">
                       <a:solidFill>
                         <a:srgbClr val="3059F4"/>
@@ -10177,7 +10001,7 @@
                     <a:p>
                       <a:pPr algn="l" fontAlgn="t"/>
                       <a:r>
-                        <a:rPr lang="en-US" b="1">
+                        <a:rPr lang="en-US" sz="1000" b="1">
                           <a:solidFill>
                             <a:srgbClr val="000000"/>
                           </a:solidFill>
@@ -10186,7 +10010,7 @@
                         </a:rPr>
                         <a:t>Default size</a:t>
                       </a:r>
-                      <a:endParaRPr lang="en-US">
+                      <a:endParaRPr lang="en-US" sz="1000">
                         <a:solidFill>
                           <a:srgbClr val="000000"/>
                         </a:solidFill>
@@ -10195,7 +10019,7 @@
                       </a:endParaRPr>
                     </a:p>
                   </a:txBody>
-                  <a:tcPr marL="114300" marR="114300" marT="114300" marB="114300">
+                  <a:tcPr marL="49723" marR="49723" marT="60960" marB="60960">
                     <a:lnL w="9525" cap="flat" cmpd="sng" algn="ctr">
                       <a:solidFill>
                         <a:srgbClr val="3059F4"/>
@@ -10238,7 +10062,7 @@
                   </a:tcPr>
                 </a:tc>
               </a:tr>
-              <a:tr h="409473">
+              <a:tr h="396572">
                 <a:tc>
                   <a:txBody>
                     <a:bodyPr/>
@@ -10246,7 +10070,7 @@
                     <a:p>
                       <a:pPr algn="l" fontAlgn="t"/>
                       <a:r>
-                        <a:rPr lang="en-US">
+                        <a:rPr lang="en-US" sz="1000">
                           <a:solidFill>
                             <a:srgbClr val="000000"/>
                           </a:solidFill>
@@ -10257,7 +10081,7 @@
                       </a:r>
                     </a:p>
                   </a:txBody>
-                  <a:tcPr marL="76200" marR="76200" marT="76200" marB="76200">
+                  <a:tcPr marL="33149" marR="33149" marT="40640" marB="40640">
                     <a:lnL w="9525" cap="flat" cmpd="sng" algn="ctr">
                       <a:solidFill>
                         <a:srgbClr val="C7CCBE"/>
@@ -10306,7 +10130,7 @@
                     <a:p>
                       <a:pPr algn="l" fontAlgn="t"/>
                       <a:r>
-                        <a:rPr lang="en-US">
+                        <a:rPr lang="en-US" sz="1000">
                           <a:solidFill>
                             <a:srgbClr val="000000"/>
                           </a:solidFill>
@@ -10317,7 +10141,7 @@
                       </a:r>
                     </a:p>
                   </a:txBody>
-                  <a:tcPr marL="76200" marR="76200" marT="76200" marB="76200">
+                  <a:tcPr marL="33149" marR="33149" marT="40640" marB="40640">
                     <a:lnL w="9525" cap="flat" cmpd="sng" algn="ctr">
                       <a:solidFill>
                         <a:srgbClr val="C7CCBE"/>
@@ -10366,7 +10190,7 @@
                     <a:p>
                       <a:pPr algn="l" fontAlgn="t"/>
                       <a:r>
-                        <a:rPr lang="en-US">
+                        <a:rPr lang="en-US" sz="1000">
                           <a:solidFill>
                             <a:srgbClr val="000000"/>
                           </a:solidFill>
@@ -10377,7 +10201,7 @@
                       </a:r>
                     </a:p>
                   </a:txBody>
-                  <a:tcPr marL="76200" marR="76200" marT="76200" marB="76200">
+                  <a:tcPr marL="33149" marR="33149" marT="40640" marB="40640">
                     <a:lnL w="9525" cap="flat" cmpd="sng" algn="ctr">
                       <a:solidFill>
                         <a:srgbClr val="C7CCBE"/>
@@ -10420,7 +10244,7 @@
                   </a:tcPr>
                 </a:tc>
               </a:tr>
-              <a:tr h="409473">
+              <a:tr h="396572">
                 <a:tc>
                   <a:txBody>
                     <a:bodyPr/>
@@ -10428,7 +10252,7 @@
                     <a:p>
                       <a:pPr algn="l" fontAlgn="t"/>
                       <a:r>
-                        <a:rPr lang="en-US">
+                        <a:rPr lang="en-US" sz="1000">
                           <a:solidFill>
                             <a:srgbClr val="000000"/>
                           </a:solidFill>
@@ -10439,7 +10263,7 @@
                       </a:r>
                     </a:p>
                   </a:txBody>
-                  <a:tcPr marL="76200" marR="76200" marT="76200" marB="76200">
+                  <a:tcPr marL="33149" marR="33149" marT="40640" marB="40640">
                     <a:lnL w="9525" cap="flat" cmpd="sng" algn="ctr">
                       <a:solidFill>
                         <a:srgbClr val="C7CCBE"/>
@@ -10488,7 +10312,7 @@
                     <a:p>
                       <a:pPr algn="l" fontAlgn="t"/>
                       <a:r>
-                        <a:rPr lang="en-US">
+                        <a:rPr lang="en-US" sz="1000">
                           <a:solidFill>
                             <a:srgbClr val="000000"/>
                           </a:solidFill>
@@ -10499,7 +10323,7 @@
                       </a:r>
                     </a:p>
                   </a:txBody>
-                  <a:tcPr marL="76200" marR="76200" marT="76200" marB="76200">
+                  <a:tcPr marL="33149" marR="33149" marT="40640" marB="40640">
                     <a:lnL w="9525" cap="flat" cmpd="sng" algn="ctr">
                       <a:solidFill>
                         <a:srgbClr val="C7CCBE"/>
@@ -10548,7 +10372,7 @@
                     <a:p>
                       <a:pPr algn="l" fontAlgn="t"/>
                       <a:r>
-                        <a:rPr lang="en-US">
+                        <a:rPr lang="en-US" sz="1000">
                           <a:solidFill>
                             <a:srgbClr val="000000"/>
                           </a:solidFill>
@@ -10559,7 +10383,7 @@
                       </a:r>
                     </a:p>
                   </a:txBody>
-                  <a:tcPr marL="76200" marR="76200" marT="76200" marB="76200">
+                  <a:tcPr marL="33149" marR="33149" marT="40640" marB="40640">
                     <a:lnL w="9525" cap="flat" cmpd="sng" algn="ctr">
                       <a:solidFill>
                         <a:srgbClr val="C7CCBE"/>
@@ -10602,7 +10426,7 @@
                   </a:tcPr>
                 </a:tc>
               </a:tr>
-              <a:tr h="409473">
+              <a:tr h="238926">
                 <a:tc>
                   <a:txBody>
                     <a:bodyPr/>
@@ -10610,7 +10434,7 @@
                     <a:p>
                       <a:pPr algn="l" fontAlgn="t"/>
                       <a:r>
-                        <a:rPr lang="en-US">
+                        <a:rPr lang="en-US" sz="1000">
                           <a:solidFill>
                             <a:srgbClr val="000000"/>
                           </a:solidFill>
@@ -10621,7 +10445,7 @@
                       </a:r>
                     </a:p>
                   </a:txBody>
-                  <a:tcPr marL="76200" marR="76200" marT="76200" marB="76200">
+                  <a:tcPr marL="33149" marR="33149" marT="40640" marB="40640">
                     <a:lnL w="9525" cap="flat" cmpd="sng" algn="ctr">
                       <a:solidFill>
                         <a:srgbClr val="C7CCBE"/>
@@ -10670,7 +10494,7 @@
                     <a:p>
                       <a:pPr algn="l" fontAlgn="t"/>
                       <a:r>
-                        <a:rPr lang="en-US">
+                        <a:rPr lang="en-US" sz="1000">
                           <a:solidFill>
                             <a:srgbClr val="000000"/>
                           </a:solidFill>
@@ -10681,7 +10505,7 @@
                       </a:r>
                     </a:p>
                   </a:txBody>
-                  <a:tcPr marL="76200" marR="76200" marT="76200" marB="76200">
+                  <a:tcPr marL="33149" marR="33149" marT="40640" marB="40640">
                     <a:lnL w="9525" cap="flat" cmpd="sng" algn="ctr">
                       <a:solidFill>
                         <a:srgbClr val="C7CCBE"/>
@@ -10730,7 +10554,7 @@
                     <a:p>
                       <a:pPr algn="l" fontAlgn="t"/>
                       <a:r>
-                        <a:rPr lang="en-US">
+                        <a:rPr lang="en-US" sz="1000">
                           <a:solidFill>
                             <a:srgbClr val="000000"/>
                           </a:solidFill>
@@ -10741,7 +10565,7 @@
                       </a:r>
                     </a:p>
                   </a:txBody>
-                  <a:tcPr marL="76200" marR="76200" marT="76200" marB="76200">
+                  <a:tcPr marL="33149" marR="33149" marT="40640" marB="40640">
                     <a:lnL w="9525" cap="flat" cmpd="sng" algn="ctr">
                       <a:solidFill>
                         <a:srgbClr val="C7CCBE"/>
@@ -10784,7 +10608,7 @@
                   </a:tcPr>
                 </a:tc>
               </a:tr>
-              <a:tr h="409473">
+              <a:tr h="238926">
                 <a:tc>
                   <a:txBody>
                     <a:bodyPr/>
@@ -10792,7 +10616,7 @@
                     <a:p>
                       <a:pPr algn="l" fontAlgn="t"/>
                       <a:r>
-                        <a:rPr lang="en-US">
+                        <a:rPr lang="en-US" sz="1000">
                           <a:solidFill>
                             <a:srgbClr val="000000"/>
                           </a:solidFill>
@@ -10803,7 +10627,7 @@
                       </a:r>
                     </a:p>
                   </a:txBody>
-                  <a:tcPr marL="76200" marR="76200" marT="76200" marB="76200">
+                  <a:tcPr marL="33149" marR="33149" marT="40640" marB="40640">
                     <a:lnL w="9525" cap="flat" cmpd="sng" algn="ctr">
                       <a:solidFill>
                         <a:srgbClr val="C7CCBE"/>
@@ -10852,7 +10676,7 @@
                     <a:p>
                       <a:pPr algn="l" fontAlgn="t"/>
                       <a:r>
-                        <a:rPr lang="en-US">
+                        <a:rPr lang="en-US" sz="1000">
                           <a:solidFill>
                             <a:srgbClr val="000000"/>
                           </a:solidFill>
@@ -10863,7 +10687,7 @@
                       </a:r>
                     </a:p>
                   </a:txBody>
-                  <a:tcPr marL="76200" marR="76200" marT="76200" marB="76200">
+                  <a:tcPr marL="33149" marR="33149" marT="40640" marB="40640">
                     <a:lnL w="9525" cap="flat" cmpd="sng" algn="ctr">
                       <a:solidFill>
                         <a:srgbClr val="C7CCBE"/>
@@ -10912,7 +10736,7 @@
                     <a:p>
                       <a:pPr algn="l" fontAlgn="t"/>
                       <a:r>
-                        <a:rPr lang="en-US" dirty="0">
+                        <a:rPr lang="en-US" sz="1000" dirty="0">
                           <a:solidFill>
                             <a:srgbClr val="000000"/>
                           </a:solidFill>
@@ -10923,7 +10747,7 @@
                       </a:r>
                     </a:p>
                   </a:txBody>
-                  <a:tcPr marL="76200" marR="76200" marT="76200" marB="76200">
+                  <a:tcPr marL="33149" marR="33149" marT="40640" marB="40640">
                     <a:lnL w="9525" cap="flat" cmpd="sng" algn="ctr">
                       <a:solidFill>
                         <a:srgbClr val="C7CCBE"/>
@@ -10966,7 +10790,7 @@
                   </a:tcPr>
                 </a:tc>
               </a:tr>
-              <a:tr h="409473">
+              <a:tr h="238926">
                 <a:tc>
                   <a:txBody>
                     <a:bodyPr/>
@@ -10974,7 +10798,7 @@
                     <a:p>
                       <a:pPr algn="l" fontAlgn="t"/>
                       <a:r>
-                        <a:rPr lang="en-US">
+                        <a:rPr lang="en-US" sz="1000">
                           <a:solidFill>
                             <a:srgbClr val="000000"/>
                           </a:solidFill>
@@ -10985,7 +10809,7 @@
                       </a:r>
                     </a:p>
                   </a:txBody>
-                  <a:tcPr marL="76200" marR="76200" marT="76200" marB="76200">
+                  <a:tcPr marL="33149" marR="33149" marT="40640" marB="40640">
                     <a:lnL w="9525" cap="flat" cmpd="sng" algn="ctr">
                       <a:solidFill>
                         <a:srgbClr val="C7CCBE"/>
@@ -11034,7 +10858,7 @@
                     <a:p>
                       <a:pPr algn="l" fontAlgn="t"/>
                       <a:r>
-                        <a:rPr lang="en-US">
+                        <a:rPr lang="en-US" sz="1000">
                           <a:solidFill>
                             <a:srgbClr val="000000"/>
                           </a:solidFill>
@@ -11045,7 +10869,7 @@
                       </a:r>
                     </a:p>
                   </a:txBody>
-                  <a:tcPr marL="76200" marR="76200" marT="76200" marB="76200">
+                  <a:tcPr marL="33149" marR="33149" marT="40640" marB="40640">
                     <a:lnL w="9525" cap="flat" cmpd="sng" algn="ctr">
                       <a:solidFill>
                         <a:srgbClr val="C7CCBE"/>
@@ -11094,7 +10918,7 @@
                     <a:p>
                       <a:pPr algn="l" fontAlgn="t"/>
                       <a:r>
-                        <a:rPr lang="en-US">
+                        <a:rPr lang="en-US" sz="1000">
                           <a:solidFill>
                             <a:srgbClr val="000000"/>
                           </a:solidFill>
@@ -11105,7 +10929,7 @@
                       </a:r>
                     </a:p>
                   </a:txBody>
-                  <a:tcPr marL="76200" marR="76200" marT="76200" marB="76200">
+                  <a:tcPr marL="33149" marR="33149" marT="40640" marB="40640">
                     <a:lnL w="9525" cap="flat" cmpd="sng" algn="ctr">
                       <a:solidFill>
                         <a:srgbClr val="C7CCBE"/>
@@ -11148,7 +10972,7 @@
                   </a:tcPr>
                 </a:tc>
               </a:tr>
-              <a:tr h="409473">
+              <a:tr h="238926">
                 <a:tc>
                   <a:txBody>
                     <a:bodyPr/>
@@ -11156,7 +10980,7 @@
                     <a:p>
                       <a:pPr algn="l" fontAlgn="t"/>
                       <a:r>
-                        <a:rPr lang="en-US">
+                        <a:rPr lang="en-US" sz="1000">
                           <a:solidFill>
                             <a:srgbClr val="000000"/>
                           </a:solidFill>
@@ -11167,7 +10991,7 @@
                       </a:r>
                     </a:p>
                   </a:txBody>
-                  <a:tcPr marL="76200" marR="76200" marT="76200" marB="76200">
+                  <a:tcPr marL="33149" marR="33149" marT="40640" marB="40640">
                     <a:lnL w="9525" cap="flat" cmpd="sng" algn="ctr">
                       <a:solidFill>
                         <a:srgbClr val="C7CCBE"/>
@@ -11216,7 +11040,7 @@
                     <a:p>
                       <a:pPr algn="l" fontAlgn="t"/>
                       <a:r>
-                        <a:rPr lang="en-US">
+                        <a:rPr lang="en-US" sz="1000">
                           <a:solidFill>
                             <a:srgbClr val="000000"/>
                           </a:solidFill>
@@ -11227,7 +11051,7 @@
                       </a:r>
                     </a:p>
                   </a:txBody>
-                  <a:tcPr marL="76200" marR="76200" marT="76200" marB="76200">
+                  <a:tcPr marL="33149" marR="33149" marT="40640" marB="40640">
                     <a:lnL w="9525" cap="flat" cmpd="sng" algn="ctr">
                       <a:solidFill>
                         <a:srgbClr val="C7CCBE"/>
@@ -11276,7 +11100,7 @@
                     <a:p>
                       <a:pPr algn="l" fontAlgn="t"/>
                       <a:r>
-                        <a:rPr lang="en-US">
+                        <a:rPr lang="en-US" sz="1000">
                           <a:solidFill>
                             <a:srgbClr val="000000"/>
                           </a:solidFill>
@@ -11287,7 +11111,7 @@
                       </a:r>
                     </a:p>
                   </a:txBody>
-                  <a:tcPr marL="76200" marR="76200" marT="76200" marB="76200">
+                  <a:tcPr marL="33149" marR="33149" marT="40640" marB="40640">
                     <a:lnL w="9525" cap="flat" cmpd="sng" algn="ctr">
                       <a:solidFill>
                         <a:srgbClr val="C7CCBE"/>
@@ -11330,7 +11154,7 @@
                   </a:tcPr>
                 </a:tc>
               </a:tr>
-              <a:tr h="409473">
+              <a:tr h="238926">
                 <a:tc>
                   <a:txBody>
                     <a:bodyPr/>
@@ -11338,7 +11162,7 @@
                     <a:p>
                       <a:pPr algn="l" fontAlgn="t"/>
                       <a:r>
-                        <a:rPr lang="en-US">
+                        <a:rPr lang="en-US" sz="1000">
                           <a:solidFill>
                             <a:srgbClr val="000000"/>
                           </a:solidFill>
@@ -11349,7 +11173,7 @@
                       </a:r>
                     </a:p>
                   </a:txBody>
-                  <a:tcPr marL="76200" marR="76200" marT="76200" marB="76200">
+                  <a:tcPr marL="33149" marR="33149" marT="40640" marB="40640">
                     <a:lnL w="9525" cap="flat" cmpd="sng" algn="ctr">
                       <a:solidFill>
                         <a:srgbClr val="C7CCBE"/>
@@ -11398,7 +11222,7 @@
                     <a:p>
                       <a:pPr algn="l" fontAlgn="t"/>
                       <a:r>
-                        <a:rPr lang="en-US">
+                        <a:rPr lang="en-US" sz="1000">
                           <a:solidFill>
                             <a:srgbClr val="000000"/>
                           </a:solidFill>
@@ -11409,7 +11233,7 @@
                       </a:r>
                     </a:p>
                   </a:txBody>
-                  <a:tcPr marL="76200" marR="76200" marT="76200" marB="76200">
+                  <a:tcPr marL="33149" marR="33149" marT="40640" marB="40640">
                     <a:lnL w="9525" cap="flat" cmpd="sng" algn="ctr">
                       <a:solidFill>
                         <a:srgbClr val="C7CCBE"/>
@@ -11458,7 +11282,7 @@
                     <a:p>
                       <a:pPr algn="l" fontAlgn="t"/>
                       <a:r>
-                        <a:rPr lang="en-US">
+                        <a:rPr lang="en-US" sz="1000">
                           <a:solidFill>
                             <a:srgbClr val="000000"/>
                           </a:solidFill>
@@ -11469,7 +11293,7 @@
                       </a:r>
                     </a:p>
                   </a:txBody>
-                  <a:tcPr marL="76200" marR="76200" marT="76200" marB="76200">
+                  <a:tcPr marL="33149" marR="33149" marT="40640" marB="40640">
                     <a:lnL w="9525" cap="flat" cmpd="sng" algn="ctr">
                       <a:solidFill>
                         <a:srgbClr val="C7CCBE"/>
@@ -11512,7 +11336,7 @@
                   </a:tcPr>
                 </a:tc>
               </a:tr>
-              <a:tr h="409473">
+              <a:tr h="396572">
                 <a:tc>
                   <a:txBody>
                     <a:bodyPr/>
@@ -11520,7 +11344,7 @@
                     <a:p>
                       <a:pPr algn="l" fontAlgn="t"/>
                       <a:r>
-                        <a:rPr lang="en-US">
+                        <a:rPr lang="en-US" sz="1000">
                           <a:solidFill>
                             <a:srgbClr val="000000"/>
                           </a:solidFill>
@@ -11531,7 +11355,7 @@
                       </a:r>
                     </a:p>
                   </a:txBody>
-                  <a:tcPr marL="76200" marR="76200" marT="76200" marB="76200">
+                  <a:tcPr marL="33149" marR="33149" marT="40640" marB="40640">
                     <a:lnL w="9525" cap="flat" cmpd="sng" algn="ctr">
                       <a:solidFill>
                         <a:srgbClr val="C7CCBE"/>
@@ -11580,7 +11404,7 @@
                     <a:p>
                       <a:pPr algn="l" fontAlgn="t"/>
                       <a:r>
-                        <a:rPr lang="en-US">
+                        <a:rPr lang="en-US" sz="1000">
                           <a:solidFill>
                             <a:srgbClr val="000000"/>
                           </a:solidFill>
@@ -11591,7 +11415,7 @@
                       </a:r>
                     </a:p>
                   </a:txBody>
-                  <a:tcPr marL="76200" marR="76200" marT="76200" marB="76200">
+                  <a:tcPr marL="33149" marR="33149" marT="40640" marB="40640">
                     <a:lnL w="9525" cap="flat" cmpd="sng" algn="ctr">
                       <a:solidFill>
                         <a:srgbClr val="C7CCBE"/>
@@ -11640,7 +11464,7 @@
                     <a:p>
                       <a:pPr algn="l" fontAlgn="t"/>
                       <a:r>
-                        <a:rPr lang="en-US" dirty="0">
+                        <a:rPr lang="en-US" sz="1000" dirty="0">
                           <a:solidFill>
                             <a:srgbClr val="000000"/>
                           </a:solidFill>
@@ -11651,7 +11475,7 @@
                       </a:r>
                     </a:p>
                   </a:txBody>
-                  <a:tcPr marL="76200" marR="76200" marT="76200" marB="76200">
+                  <a:tcPr marL="33149" marR="33149" marT="40640" marB="40640">
                     <a:lnL w="9525" cap="flat" cmpd="sng" algn="ctr">
                       <a:solidFill>
                         <a:srgbClr val="C7CCBE"/>
@@ -11706,15 +11530,15 @@
         </p:nvSpPr>
         <p:spPr>
           <a:xfrm>
-            <a:off x="6394015" y="3265060"/>
-            <a:ext cx="5327099" cy="369332"/>
+            <a:off x="2781564" y="1741365"/>
+            <a:ext cx="2390382" cy="166545"/>
           </a:xfrm>
           <a:prstGeom prst="rect">
             <a:avLst/>
           </a:prstGeom>
         </p:spPr>
         <p:txBody>
-          <a:bodyPr wrap="none">
+          <a:bodyPr wrap="none" lIns="43013" tIns="21507" rIns="43013" bIns="21507">
             <a:spAutoFit/>
           </a:bodyPr>
           <a:lstStyle/>
@@ -11746,15 +11570,15 @@
         </p:nvSpPr>
         <p:spPr>
           <a:xfrm>
-            <a:off x="6214280" y="4632362"/>
-            <a:ext cx="6096000" cy="923330"/>
+            <a:off x="2703374" y="2470593"/>
+            <a:ext cx="2651919" cy="412766"/>
           </a:xfrm>
           <a:prstGeom prst="rect">
             <a:avLst/>
           </a:prstGeom>
         </p:spPr>
         <p:txBody>
-          <a:bodyPr>
+          <a:bodyPr lIns="43013" tIns="21507" rIns="43013" bIns="21507">
             <a:spAutoFit/>
           </a:bodyPr>
           <a:lstStyle/>
@@ -11775,7 +11599,7 @@
     </p:spTree>
     <p:extLst>
       <p:ext uri="{BB962C8B-B14F-4D97-AF65-F5344CB8AC3E}">
-        <p14:creationId xmlns:p14="http://schemas.microsoft.com/office/powerpoint/2010/main" val="3834018904"/>
+        <p14:creationId xmlns:p14="http://schemas.microsoft.com/office/powerpoint/2010/main" xmlns="" val="3834018904"/>
       </p:ext>
     </p:extLst>
   </p:cSld>
@@ -12455,8 +12279,8 @@
         </p:nvSpPr>
         <p:spPr>
           <a:xfrm>
-            <a:off x="838200" y="201353"/>
-            <a:ext cx="10515600" cy="617514"/>
+            <a:off x="364639" y="107390"/>
+            <a:ext cx="4574560" cy="329341"/>
           </a:xfrm>
         </p:spPr>
         <p:txBody>
@@ -12486,8 +12310,8 @@
         </p:nvSpPr>
         <p:spPr>
           <a:xfrm>
-            <a:off x="611377" y="1091820"/>
-            <a:ext cx="11398653" cy="5766179"/>
+            <a:off x="265965" y="582307"/>
+            <a:ext cx="4958712" cy="3075295"/>
           </a:xfrm>
         </p:spPr>
         <p:txBody>
@@ -12549,7 +12373,7 @@
     </p:spTree>
     <p:extLst>
       <p:ext uri="{BB962C8B-B14F-4D97-AF65-F5344CB8AC3E}">
-        <p14:creationId xmlns:p14="http://schemas.microsoft.com/office/powerpoint/2010/main" val="4196616207"/>
+        <p14:creationId xmlns:p14="http://schemas.microsoft.com/office/powerpoint/2010/main" xmlns="" val="4196616207"/>
       </p:ext>
     </p:extLst>
   </p:cSld>
@@ -13311,8 +13135,8 @@
         </p:nvSpPr>
         <p:spPr>
           <a:xfrm>
-            <a:off x="816591" y="0"/>
-            <a:ext cx="10515600" cy="873457"/>
+            <a:off x="355240" y="0"/>
+            <a:ext cx="4574560" cy="465844"/>
           </a:xfrm>
         </p:spPr>
         <p:txBody>
@@ -13340,13 +13164,13 @@
         </p:nvSpPr>
         <p:spPr>
           <a:xfrm>
-            <a:off x="838200" y="873457"/>
-            <a:ext cx="10515600" cy="5984543"/>
+            <a:off x="316992" y="365760"/>
+            <a:ext cx="4622207" cy="3291840"/>
           </a:xfrm>
         </p:spPr>
         <p:txBody>
           <a:bodyPr>
-            <a:normAutofit fontScale="92500" lnSpcReduction="20000"/>
+            <a:normAutofit lnSpcReduction="10000"/>
           </a:bodyPr>
           <a:lstStyle/>
           <a:p>
@@ -13396,49 +13220,49 @@
             </a:r>
           </a:p>
           <a:p>
-            <a:pPr marL="800100" lvl="1" indent="-342900"/>
+            <a:pPr marL="376367" lvl="1" indent="-161300"/>
             <a:r>
               <a:rPr lang="en-US" dirty="0" smtClean="0"/>
               <a:t>Mobile applications (specially Android apps)</a:t>
             </a:r>
           </a:p>
           <a:p>
-            <a:pPr marL="800100" lvl="1" indent="-342900"/>
+            <a:pPr marL="376367" lvl="1" indent="-161300"/>
             <a:r>
               <a:rPr lang="en-US" dirty="0" smtClean="0"/>
               <a:t>Desktop applications</a:t>
             </a:r>
           </a:p>
           <a:p>
-            <a:pPr marL="800100" lvl="1" indent="-342900"/>
+            <a:pPr marL="376367" lvl="1" indent="-161300"/>
             <a:r>
               <a:rPr lang="en-US" dirty="0" smtClean="0"/>
               <a:t>Web applications</a:t>
             </a:r>
           </a:p>
           <a:p>
-            <a:pPr marL="800100" lvl="1" indent="-342900"/>
+            <a:pPr marL="376367" lvl="1" indent="-161300"/>
             <a:r>
               <a:rPr lang="en-US" dirty="0" smtClean="0"/>
               <a:t>Web servers and application servers</a:t>
             </a:r>
           </a:p>
           <a:p>
-            <a:pPr marL="800100" lvl="1" indent="-342900"/>
+            <a:pPr marL="376367" lvl="1" indent="-161300"/>
             <a:r>
               <a:rPr lang="en-US" dirty="0" smtClean="0"/>
               <a:t>Games</a:t>
             </a:r>
           </a:p>
           <a:p>
-            <a:pPr marL="800100" lvl="1" indent="-342900"/>
+            <a:pPr marL="376367" lvl="1" indent="-161300"/>
             <a:r>
               <a:rPr lang="en-US" dirty="0" smtClean="0"/>
               <a:t>Database connection</a:t>
             </a:r>
           </a:p>
           <a:p>
-            <a:pPr marL="800100" lvl="1" indent="-342900"/>
+            <a:pPr marL="376367" lvl="1" indent="-161300"/>
             <a:r>
               <a:rPr lang="en-US" dirty="0" smtClean="0"/>
               <a:t>And much, much more!</a:t>
@@ -13452,7 +13276,7 @@
     </p:spTree>
     <p:extLst>
       <p:ext uri="{BB962C8B-B14F-4D97-AF65-F5344CB8AC3E}">
-        <p14:creationId xmlns:p14="http://schemas.microsoft.com/office/powerpoint/2010/main" val="1247292272"/>
+        <p14:creationId xmlns:p14="http://schemas.microsoft.com/office/powerpoint/2010/main" xmlns="" val="1247292272"/>
       </p:ext>
     </p:extLst>
   </p:cSld>
@@ -13498,8 +13322,8 @@
         </p:nvSpPr>
         <p:spPr>
           <a:xfrm>
-            <a:off x="838200" y="201353"/>
-            <a:ext cx="10515600" cy="617514"/>
+            <a:off x="364639" y="107390"/>
+            <a:ext cx="4574560" cy="329341"/>
           </a:xfrm>
         </p:spPr>
         <p:txBody>
@@ -13529,8 +13353,8 @@
         </p:nvSpPr>
         <p:spPr>
           <a:xfrm>
-            <a:off x="611377" y="1091820"/>
-            <a:ext cx="11398653" cy="5766179"/>
+            <a:off x="265965" y="582307"/>
+            <a:ext cx="4958712" cy="3075295"/>
           </a:xfrm>
         </p:spPr>
         <p:txBody>
@@ -13589,7 +13413,7 @@
     </p:spTree>
     <p:extLst>
       <p:ext uri="{BB962C8B-B14F-4D97-AF65-F5344CB8AC3E}">
-        <p14:creationId xmlns:p14="http://schemas.microsoft.com/office/powerpoint/2010/main" val="4072901235"/>
+        <p14:creationId xmlns:p14="http://schemas.microsoft.com/office/powerpoint/2010/main" xmlns="" val="4072901235"/>
       </p:ext>
     </p:extLst>
   </p:cSld>
@@ -14121,13 +13945,13 @@
         </p:nvSpPr>
         <p:spPr>
           <a:xfrm>
-            <a:off x="838200" y="133113"/>
-            <a:ext cx="10515600" cy="644809"/>
+            <a:off x="364639" y="70994"/>
+            <a:ext cx="4574560" cy="343898"/>
           </a:xfrm>
         </p:spPr>
         <p:txBody>
           <a:bodyPr>
-            <a:normAutofit fontScale="90000"/>
+            <a:normAutofit/>
           </a:bodyPr>
           <a:lstStyle/>
           <a:p>
@@ -14152,8 +13976,8 @@
         </p:nvSpPr>
         <p:spPr>
           <a:xfrm>
-            <a:off x="660780" y="1050297"/>
-            <a:ext cx="10515600" cy="5276211"/>
+            <a:off x="287457" y="560159"/>
+            <a:ext cx="4574560" cy="2813979"/>
           </a:xfrm>
         </p:spPr>
         <p:txBody>
@@ -14164,31 +13988,31 @@
               <a:buNone/>
             </a:pPr>
             <a:r>
-              <a:rPr lang="en-US" sz="2000" b="1" dirty="0"/>
+              <a:rPr lang="en-US" sz="900" b="1" dirty="0"/>
               <a:t>Variable</a:t>
             </a:r>
             <a:r>
-              <a:rPr lang="en-US" sz="2000" dirty="0"/>
+              <a:rPr lang="en-US" sz="900" dirty="0"/>
               <a:t> is name of </a:t>
             </a:r>
             <a:r>
-              <a:rPr lang="en-US" sz="2000" i="1" dirty="0"/>
+              <a:rPr lang="en-US" sz="900" i="1" dirty="0"/>
               <a:t>reserved area allocated in memory</a:t>
             </a:r>
             <a:r>
-              <a:rPr lang="en-US" sz="2000" dirty="0"/>
+              <a:rPr lang="en-US" sz="900" dirty="0"/>
               <a:t>. In other words, it is a </a:t>
             </a:r>
             <a:r>
-              <a:rPr lang="en-US" sz="2000" i="1" dirty="0"/>
+              <a:rPr lang="en-US" sz="900" i="1" dirty="0"/>
               <a:t>name of memory location</a:t>
             </a:r>
             <a:r>
-              <a:rPr lang="en-US" sz="2000" dirty="0"/>
+              <a:rPr lang="en-US" sz="900" dirty="0"/>
               <a:t>. It is a combination of "vary + able" that means its value can be changed</a:t>
             </a:r>
             <a:r>
-              <a:rPr lang="en-US" sz="2000" dirty="0" smtClean="0"/>
+              <a:rPr lang="en-US" sz="900" dirty="0" smtClean="0"/>
               <a:t>.</a:t>
             </a:r>
           </a:p>
@@ -14209,10 +14033,10 @@
           <p:nvPr/>
         </p:nvPicPr>
         <p:blipFill>
-          <a:blip r:embed="rId2">
+          <a:blip r:embed="rId2" cstate="print">
             <a:extLst>
               <a:ext uri="{28A0092B-C50C-407E-A947-70E740481C1C}">
-                <a14:useLocalDpi xmlns:a14="http://schemas.microsoft.com/office/drawing/2010/main" val="0"/>
+                <a14:useLocalDpi xmlns:a14="http://schemas.microsoft.com/office/drawing/2010/main" xmlns="" val="0"/>
               </a:ext>
             </a:extLst>
           </a:blip>
@@ -14223,8 +14047,8 @@
         </p:blipFill>
         <p:spPr bwMode="auto">
           <a:xfrm>
-            <a:off x="660780" y="2049847"/>
-            <a:ext cx="5403394" cy="3277110"/>
+            <a:off x="287458" y="1093252"/>
+            <a:ext cx="2350617" cy="1747792"/>
           </a:xfrm>
           <a:prstGeom prst="rect">
             <a:avLst/>
@@ -14232,7 +14056,7 @@
           <a:noFill/>
           <a:extLst>
             <a:ext uri="{909E8E84-426E-40DD-AFC4-6F175D3DCCD1}">
-              <a14:hiddenFill xmlns:a14="http://schemas.microsoft.com/office/drawing/2010/main">
+              <a14:hiddenFill xmlns:a14="http://schemas.microsoft.com/office/drawing/2010/main" xmlns="">
                 <a:solidFill>
                   <a:srgbClr val="FFFFFF"/>
                 </a:solidFill>
@@ -14249,15 +14073,15 @@
         </p:nvSpPr>
         <p:spPr>
           <a:xfrm>
-            <a:off x="227463" y="6141842"/>
-            <a:ext cx="4490653" cy="369332"/>
+            <a:off x="98956" y="3275649"/>
+            <a:ext cx="2002455" cy="166545"/>
           </a:xfrm>
           <a:prstGeom prst="rect">
             <a:avLst/>
           </a:prstGeom>
         </p:spPr>
         <p:txBody>
-          <a:bodyPr wrap="none">
+          <a:bodyPr wrap="none" lIns="43013" tIns="21507" rIns="43013" bIns="21507">
             <a:spAutoFit/>
           </a:bodyPr>
           <a:lstStyle/>
@@ -14329,10 +14153,10 @@
           <p:nvPr/>
         </p:nvPicPr>
         <p:blipFill>
-          <a:blip r:embed="rId3">
+          <a:blip r:embed="rId3" cstate="print">
             <a:extLst>
               <a:ext uri="{28A0092B-C50C-407E-A947-70E740481C1C}">
-                <a14:useLocalDpi xmlns:a14="http://schemas.microsoft.com/office/drawing/2010/main" val="0"/>
+                <a14:useLocalDpi xmlns:a14="http://schemas.microsoft.com/office/drawing/2010/main" xmlns="" val="0"/>
               </a:ext>
             </a:extLst>
           </a:blip>
@@ -14343,8 +14167,8 @@
         </p:blipFill>
         <p:spPr bwMode="auto">
           <a:xfrm>
-            <a:off x="6943806" y="2290510"/>
-            <a:ext cx="4124528" cy="4308373"/>
+            <a:off x="3020737" y="1221607"/>
+            <a:ext cx="1794277" cy="2297799"/>
           </a:xfrm>
           <a:prstGeom prst="rect">
             <a:avLst/>
@@ -14352,7 +14176,7 @@
           <a:noFill/>
           <a:extLst>
             <a:ext uri="{909E8E84-426E-40DD-AFC4-6F175D3DCCD1}">
-              <a14:hiddenFill xmlns:a14="http://schemas.microsoft.com/office/drawing/2010/main">
+              <a14:hiddenFill xmlns:a14="http://schemas.microsoft.com/office/drawing/2010/main" xmlns="">
                 <a:solidFill>
                   <a:srgbClr val="FFFFFF"/>
                 </a:solidFill>
@@ -14364,7 +14188,7 @@
     </p:spTree>
     <p:extLst>
       <p:ext uri="{BB962C8B-B14F-4D97-AF65-F5344CB8AC3E}">
-        <p14:creationId xmlns:p14="http://schemas.microsoft.com/office/powerpoint/2010/main" val="1835953332"/>
+        <p14:creationId xmlns:p14="http://schemas.microsoft.com/office/powerpoint/2010/main" xmlns="" val="1835953332"/>
       </p:ext>
     </p:extLst>
   </p:cSld>
@@ -14849,8 +14673,8 @@
         </p:nvSpPr>
         <p:spPr>
           <a:xfrm>
-            <a:off x="756314" y="191069"/>
-            <a:ext cx="10120952" cy="4230806"/>
+            <a:off x="329016" y="101903"/>
+            <a:ext cx="4402879" cy="2256430"/>
           </a:xfrm>
         </p:spPr>
         <p:txBody>
@@ -14859,133 +14683,133 @@
           </a:bodyPr>
           <a:lstStyle/>
           <a:p>
-            <a:pPr marL="514350" indent="-514350">
+            <a:pPr marL="241950" indent="-241950">
               <a:buFont typeface="+mj-lt"/>
               <a:buAutoNum type="arabicPeriod"/>
             </a:pPr>
             <a:r>
-              <a:rPr lang="en-US" sz="2000" b="1" dirty="0"/>
+              <a:rPr lang="en-US" sz="900" b="1" dirty="0"/>
               <a:t>Local </a:t>
             </a:r>
             <a:r>
-              <a:rPr lang="en-US" sz="2000" b="1" dirty="0" smtClean="0"/>
+              <a:rPr lang="en-US" sz="900" b="1" dirty="0" smtClean="0"/>
               <a:t>Variable</a:t>
             </a:r>
           </a:p>
           <a:p>
             <a:pPr lvl="1"/>
             <a:r>
-              <a:rPr lang="en-US" sz="1800" dirty="0"/>
+              <a:rPr lang="en-US" sz="800" dirty="0"/>
               <a:t>A variable declared inside the body of the method </a:t>
             </a:r>
             <a:r>
-              <a:rPr lang="en-US" sz="1800" dirty="0" smtClean="0"/>
+              <a:rPr lang="en-US" sz="800" dirty="0" smtClean="0"/>
               <a:t>is called Local Variable</a:t>
             </a:r>
           </a:p>
           <a:p>
             <a:pPr lvl="1"/>
             <a:r>
-              <a:rPr lang="en-US" sz="1800" dirty="0"/>
+              <a:rPr lang="en-US" sz="800" dirty="0"/>
               <a:t>You can use this variable only within that method and the other methods in the class aren't even aware that the variable exists</a:t>
             </a:r>
             <a:r>
-              <a:rPr lang="en-US" sz="1800" dirty="0" smtClean="0"/>
+              <a:rPr lang="en-US" sz="800" dirty="0" smtClean="0"/>
               <a:t>.</a:t>
             </a:r>
           </a:p>
           <a:p>
             <a:pPr lvl="1"/>
             <a:r>
-              <a:rPr lang="en-US" sz="1800" dirty="0"/>
+              <a:rPr lang="en-US" sz="800" dirty="0"/>
               <a:t>A local variable cannot be defined with "static" keyword.</a:t>
             </a:r>
-            <a:endParaRPr lang="en-US" sz="1800" b="1" dirty="0"/>
-          </a:p>
-          <a:p>
-            <a:pPr marL="514350" indent="-514350">
+            <a:endParaRPr lang="en-US" sz="800" b="1" dirty="0"/>
+          </a:p>
+          <a:p>
+            <a:pPr marL="241950" indent="-241950">
               <a:buFont typeface="+mj-lt"/>
               <a:buAutoNum type="arabicPeriod"/>
             </a:pPr>
             <a:r>
-              <a:rPr lang="en-US" sz="2000" b="1" dirty="0"/>
+              <a:rPr lang="en-US" sz="900" b="1" dirty="0"/>
               <a:t>Instance </a:t>
             </a:r>
             <a:r>
-              <a:rPr lang="en-US" sz="2000" b="1" dirty="0" smtClean="0"/>
+              <a:rPr lang="en-US" sz="900" b="1" dirty="0" smtClean="0"/>
               <a:t>Variable</a:t>
             </a:r>
           </a:p>
           <a:p>
             <a:pPr lvl="1"/>
             <a:r>
-              <a:rPr lang="en-US" sz="1800" dirty="0"/>
+              <a:rPr lang="en-US" sz="800" dirty="0"/>
               <a:t>A variable declared inside the class but outside the body of the </a:t>
             </a:r>
             <a:r>
-              <a:rPr lang="en-US" sz="1800" dirty="0" smtClean="0"/>
+              <a:rPr lang="en-US" sz="800" dirty="0" smtClean="0"/>
               <a:t>method is called Instance Variable</a:t>
             </a:r>
           </a:p>
           <a:p>
             <a:pPr lvl="1"/>
             <a:r>
-              <a:rPr lang="en-US" sz="1800" dirty="0"/>
+              <a:rPr lang="en-US" sz="800" dirty="0"/>
               <a:t>It is not declared as static.</a:t>
             </a:r>
-            <a:endParaRPr lang="en-US" sz="1800" b="1" dirty="0"/>
-          </a:p>
-          <a:p>
-            <a:pPr marL="514350" indent="-514350">
+            <a:endParaRPr lang="en-US" sz="800" b="1" dirty="0"/>
+          </a:p>
+          <a:p>
+            <a:pPr marL="241950" indent="-241950">
               <a:buFont typeface="+mj-lt"/>
               <a:buAutoNum type="arabicPeriod"/>
             </a:pPr>
             <a:r>
-              <a:rPr lang="en-US" sz="2000" b="1" dirty="0" smtClean="0"/>
+              <a:rPr lang="en-US" sz="900" b="1" dirty="0" smtClean="0"/>
               <a:t>Static variable</a:t>
             </a:r>
           </a:p>
           <a:p>
             <a:pPr lvl="1"/>
             <a:r>
-              <a:rPr lang="en-US" sz="1800" dirty="0"/>
+              <a:rPr lang="en-US" sz="800" dirty="0"/>
               <a:t>A variable which is declared as static is called static variable</a:t>
             </a:r>
             <a:r>
-              <a:rPr lang="en-US" sz="1800" dirty="0" smtClean="0"/>
+              <a:rPr lang="en-US" sz="800" dirty="0" smtClean="0"/>
               <a:t>.</a:t>
             </a:r>
           </a:p>
           <a:p>
             <a:pPr lvl="1"/>
             <a:r>
-              <a:rPr lang="en-US" sz="1800" dirty="0"/>
+              <a:rPr lang="en-US" sz="800" dirty="0"/>
               <a:t>It cannot be local</a:t>
             </a:r>
             <a:r>
-              <a:rPr lang="en-US" sz="1800" dirty="0" smtClean="0"/>
+              <a:rPr lang="en-US" sz="800" dirty="0" smtClean="0"/>
               <a:t>.</a:t>
             </a:r>
           </a:p>
           <a:p>
             <a:pPr lvl="1"/>
             <a:r>
-              <a:rPr lang="en-US" sz="1800" dirty="0"/>
+              <a:rPr lang="en-US" sz="800" dirty="0"/>
               <a:t>You can create a single copy of static variable and share among all the instances of the class. </a:t>
             </a:r>
-            <a:endParaRPr lang="en-US" sz="1800" dirty="0" smtClean="0"/>
+            <a:endParaRPr lang="en-US" sz="800" dirty="0" smtClean="0"/>
           </a:p>
           <a:p>
             <a:pPr lvl="1"/>
             <a:r>
-              <a:rPr lang="en-US" sz="1800" dirty="0" smtClean="0"/>
+              <a:rPr lang="en-US" sz="800" dirty="0" smtClean="0"/>
               <a:t>Memory </a:t>
             </a:r>
             <a:r>
-              <a:rPr lang="en-US" sz="1800" dirty="0"/>
+              <a:rPr lang="en-US" sz="800" dirty="0"/>
               <a:t>allocation for static variable happens only once when the class is loaded in the memory.</a:t>
             </a:r>
-            <a:endParaRPr lang="en-US" sz="1800" b="1" dirty="0"/>
+            <a:endParaRPr lang="en-US" sz="800" b="1" dirty="0"/>
           </a:p>
           <a:p>
             <a:pPr marL="0" indent="0">
@@ -15003,21 +14827,21 @@
         </p:nvSpPr>
         <p:spPr>
           <a:xfrm>
-            <a:off x="3375547" y="4553720"/>
-            <a:ext cx="6096000" cy="2062103"/>
+            <a:off x="1468451" y="2428653"/>
+            <a:ext cx="2651919" cy="1048738"/>
           </a:xfrm>
           <a:prstGeom prst="rect">
             <a:avLst/>
           </a:prstGeom>
         </p:spPr>
         <p:txBody>
-          <a:bodyPr>
+          <a:bodyPr lIns="43013" tIns="21507" rIns="43013" bIns="21507">
             <a:spAutoFit/>
           </a:bodyPr>
           <a:lstStyle/>
           <a:p>
             <a:r>
-              <a:rPr lang="en-US" sz="1600" b="1" dirty="0">
+              <a:rPr lang="en-US" b="1" dirty="0">
                 <a:solidFill>
                   <a:srgbClr val="006699"/>
                 </a:solidFill>
@@ -15026,7 +14850,7 @@
               <a:t>class</a:t>
             </a:r>
             <a:r>
-              <a:rPr lang="en-US" sz="1600" dirty="0">
+              <a:rPr lang="en-US" dirty="0">
                 <a:solidFill>
                   <a:srgbClr val="000000"/>
                 </a:solidFill>
@@ -15037,7 +14861,7 @@
           </a:p>
           <a:p>
             <a:r>
-              <a:rPr lang="en-US" sz="1600" b="1" dirty="0" smtClean="0">
+              <a:rPr lang="en-US" b="1" dirty="0" smtClean="0">
                 <a:solidFill>
                   <a:srgbClr val="006699"/>
                 </a:solidFill>
@@ -15046,7 +14870,7 @@
               <a:t>	</a:t>
             </a:r>
             <a:r>
-              <a:rPr lang="en-US" sz="1600" b="1" dirty="0" err="1" smtClean="0">
+              <a:rPr lang="en-US" b="1" dirty="0" err="1" smtClean="0">
                 <a:solidFill>
                   <a:srgbClr val="006699"/>
                 </a:solidFill>
@@ -15055,7 +14879,7 @@
               <a:t>int</a:t>
             </a:r>
             <a:r>
-              <a:rPr lang="en-US" sz="1600" dirty="0">
+              <a:rPr lang="en-US" dirty="0">
                 <a:solidFill>
                   <a:srgbClr val="000000"/>
                 </a:solidFill>
@@ -15064,7 +14888,7 @@
               <a:t> data=</a:t>
             </a:r>
             <a:r>
-              <a:rPr lang="en-US" sz="1600" dirty="0">
+              <a:rPr lang="en-US" dirty="0">
                 <a:solidFill>
                   <a:srgbClr val="C00000"/>
                 </a:solidFill>
@@ -15073,7 +14897,7 @@
               <a:t>50</a:t>
             </a:r>
             <a:r>
-              <a:rPr lang="en-US" sz="1600" dirty="0">
+              <a:rPr lang="en-US" dirty="0">
                 <a:solidFill>
                   <a:srgbClr val="000000"/>
                 </a:solidFill>
@@ -15082,7 +14906,7 @@
               <a:t>;</a:t>
             </a:r>
             <a:r>
-              <a:rPr lang="en-US" sz="1600" dirty="0">
+              <a:rPr lang="en-US" dirty="0">
                 <a:solidFill>
                   <a:srgbClr val="008200"/>
                 </a:solidFill>
@@ -15091,7 +14915,7 @@
               <a:t>//instance variable</a:t>
             </a:r>
             <a:r>
-              <a:rPr lang="en-US" sz="1600" dirty="0">
+              <a:rPr lang="en-US" dirty="0">
                 <a:solidFill>
                   <a:srgbClr val="000000"/>
                 </a:solidFill>
@@ -15102,7 +14926,7 @@
           </a:p>
           <a:p>
             <a:r>
-              <a:rPr lang="en-US" sz="1600" b="1" dirty="0" smtClean="0">
+              <a:rPr lang="en-US" b="1" dirty="0" smtClean="0">
                 <a:solidFill>
                   <a:srgbClr val="006699"/>
                 </a:solidFill>
@@ -15111,7 +14935,7 @@
               <a:t>	static</a:t>
             </a:r>
             <a:r>
-              <a:rPr lang="en-US" sz="1600" dirty="0">
+              <a:rPr lang="en-US" dirty="0">
                 <a:solidFill>
                   <a:srgbClr val="000000"/>
                 </a:solidFill>
@@ -15120,7 +14944,7 @@
               <a:t> </a:t>
             </a:r>
             <a:r>
-              <a:rPr lang="en-US" sz="1600" b="1" dirty="0" err="1">
+              <a:rPr lang="en-US" b="1" dirty="0" err="1">
                 <a:solidFill>
                   <a:srgbClr val="006699"/>
                 </a:solidFill>
@@ -15129,7 +14953,7 @@
               <a:t>int</a:t>
             </a:r>
             <a:r>
-              <a:rPr lang="en-US" sz="1600" dirty="0">
+              <a:rPr lang="en-US" dirty="0">
                 <a:solidFill>
                   <a:srgbClr val="000000"/>
                 </a:solidFill>
@@ -15138,7 +14962,7 @@
               <a:t> m=</a:t>
             </a:r>
             <a:r>
-              <a:rPr lang="en-US" sz="1600" dirty="0">
+              <a:rPr lang="en-US" dirty="0">
                 <a:solidFill>
                   <a:srgbClr val="C00000"/>
                 </a:solidFill>
@@ -15147,7 +14971,7 @@
               <a:t>100</a:t>
             </a:r>
             <a:r>
-              <a:rPr lang="en-US" sz="1600" dirty="0">
+              <a:rPr lang="en-US" dirty="0">
                 <a:solidFill>
                   <a:srgbClr val="000000"/>
                 </a:solidFill>
@@ -15156,7 +14980,7 @@
               <a:t>;</a:t>
             </a:r>
             <a:r>
-              <a:rPr lang="en-US" sz="1600" dirty="0">
+              <a:rPr lang="en-US" dirty="0">
                 <a:solidFill>
                   <a:srgbClr val="008200"/>
                 </a:solidFill>
@@ -15165,7 +14989,7 @@
               <a:t>//static variable</a:t>
             </a:r>
             <a:r>
-              <a:rPr lang="en-US" sz="1600" dirty="0">
+              <a:rPr lang="en-US" dirty="0">
                 <a:solidFill>
                   <a:srgbClr val="000000"/>
                 </a:solidFill>
@@ -15176,7 +15000,7 @@
           </a:p>
           <a:p>
             <a:r>
-              <a:rPr lang="en-US" sz="1600" b="1" dirty="0" smtClean="0">
+              <a:rPr lang="en-US" b="1" dirty="0" smtClean="0">
                 <a:solidFill>
                   <a:srgbClr val="006699"/>
                 </a:solidFill>
@@ -15187,7 +15011,7 @@
           </a:p>
           <a:p>
             <a:r>
-              <a:rPr lang="en-US" sz="1600" b="1" dirty="0">
+              <a:rPr lang="en-US" b="1" dirty="0">
                 <a:solidFill>
                   <a:srgbClr val="006699"/>
                 </a:solidFill>
@@ -15196,7 +15020,7 @@
               <a:t>	</a:t>
             </a:r>
             <a:r>
-              <a:rPr lang="en-US" sz="1600" b="1" dirty="0" smtClean="0">
+              <a:rPr lang="en-US" b="1" dirty="0" smtClean="0">
                 <a:solidFill>
                   <a:srgbClr val="006699"/>
                 </a:solidFill>
@@ -15205,7 +15029,7 @@
               <a:t>void</a:t>
             </a:r>
             <a:r>
-              <a:rPr lang="en-US" sz="1600" dirty="0">
+              <a:rPr lang="en-US" dirty="0">
                 <a:solidFill>
                   <a:srgbClr val="000000"/>
                 </a:solidFill>
@@ -15216,7 +15040,7 @@
           </a:p>
           <a:p>
             <a:r>
-              <a:rPr lang="en-US" sz="1600" b="1" dirty="0" smtClean="0">
+              <a:rPr lang="en-US" b="1" dirty="0" smtClean="0">
                 <a:solidFill>
                   <a:srgbClr val="006699"/>
                 </a:solidFill>
@@ -15225,7 +15049,7 @@
               <a:t>		</a:t>
             </a:r>
             <a:r>
-              <a:rPr lang="en-US" sz="1600" b="1" dirty="0" err="1" smtClean="0">
+              <a:rPr lang="en-US" b="1" dirty="0" err="1" smtClean="0">
                 <a:solidFill>
                   <a:srgbClr val="006699"/>
                 </a:solidFill>
@@ -15234,7 +15058,7 @@
               <a:t>int</a:t>
             </a:r>
             <a:r>
-              <a:rPr lang="en-US" sz="1600" dirty="0">
+              <a:rPr lang="en-US" dirty="0">
                 <a:solidFill>
                   <a:srgbClr val="000000"/>
                 </a:solidFill>
@@ -15243,7 +15067,7 @@
               <a:t> n=</a:t>
             </a:r>
             <a:r>
-              <a:rPr lang="en-US" sz="1600" dirty="0">
+              <a:rPr lang="en-US" dirty="0">
                 <a:solidFill>
                   <a:srgbClr val="C00000"/>
                 </a:solidFill>
@@ -15252,7 +15076,7 @@
               <a:t>90</a:t>
             </a:r>
             <a:r>
-              <a:rPr lang="en-US" sz="1600" dirty="0">
+              <a:rPr lang="en-US" dirty="0">
                 <a:solidFill>
                   <a:srgbClr val="000000"/>
                 </a:solidFill>
@@ -15261,7 +15085,7 @@
               <a:t>;</a:t>
             </a:r>
             <a:r>
-              <a:rPr lang="en-US" sz="1600" dirty="0">
+              <a:rPr lang="en-US" dirty="0">
                 <a:solidFill>
                   <a:srgbClr val="008200"/>
                 </a:solidFill>
@@ -15270,7 +15094,7 @@
               <a:t>//local variable</a:t>
             </a:r>
             <a:r>
-              <a:rPr lang="en-US" sz="1600" dirty="0">
+              <a:rPr lang="en-US" dirty="0">
                 <a:solidFill>
                   <a:srgbClr val="000000"/>
                 </a:solidFill>
@@ -15281,7 +15105,7 @@
           </a:p>
           <a:p>
             <a:r>
-              <a:rPr lang="en-US" sz="1600" dirty="0" smtClean="0">
+              <a:rPr lang="en-US" dirty="0" smtClean="0">
                 <a:solidFill>
                   <a:srgbClr val="000000"/>
                 </a:solidFill>
@@ -15290,7 +15114,7 @@
               <a:t>	}</a:t>
             </a:r>
             <a:r>
-              <a:rPr lang="en-US" sz="1600" dirty="0">
+              <a:rPr lang="en-US" dirty="0">
                 <a:solidFill>
                   <a:srgbClr val="000000"/>
                 </a:solidFill>
@@ -15301,7 +15125,7 @@
           </a:p>
           <a:p>
             <a:r>
-              <a:rPr lang="en-US" sz="1600" dirty="0">
+              <a:rPr lang="en-US" dirty="0">
                 <a:solidFill>
                   <a:srgbClr val="000000"/>
                 </a:solidFill>
@@ -15310,7 +15134,7 @@
               <a:t>}</a:t>
             </a:r>
             <a:r>
-              <a:rPr lang="en-US" sz="1600" dirty="0">
+              <a:rPr lang="en-US" dirty="0">
                 <a:solidFill>
                   <a:srgbClr val="008200"/>
                 </a:solidFill>
@@ -15318,11 +15142,10 @@
               </a:rPr>
               <a:t>//end of class</a:t>
             </a:r>
-            <a:endParaRPr lang="en-US" sz="1600" b="0" i="0" dirty="0">
+            <a:endParaRPr lang="en-US" dirty="0">
               <a:solidFill>
                 <a:srgbClr val="000000"/>
               </a:solidFill>
-              <a:effectLst/>
               <a:latin typeface="verdana" panose="020B0604030504040204" pitchFamily="34" charset="0"/>
             </a:endParaRPr>
           </a:p>
@@ -15331,7 +15154,7 @@
     </p:spTree>
     <p:extLst>
       <p:ext uri="{BB962C8B-B14F-4D97-AF65-F5344CB8AC3E}">
-        <p14:creationId xmlns:p14="http://schemas.microsoft.com/office/powerpoint/2010/main" val="2663470424"/>
+        <p14:creationId xmlns:p14="http://schemas.microsoft.com/office/powerpoint/2010/main" xmlns="" val="2663470424"/>
       </p:ext>
     </p:extLst>
   </p:cSld>
@@ -16738,8 +16561,8 @@
         </p:nvSpPr>
         <p:spPr>
           <a:xfrm>
-            <a:off x="150127" y="1402355"/>
-            <a:ext cx="1009934" cy="3865679"/>
+            <a:off x="65309" y="747925"/>
+            <a:ext cx="439347" cy="2061695"/>
           </a:xfrm>
         </p:spPr>
         <p:txBody>
@@ -16766,25 +16589,25 @@
             <p:ph idx="1"/>
             <p:extLst>
               <p:ext uri="{D42A27DB-BD31-4B8C-83A1-F6EECF244321}">
-                <p14:modId xmlns:p14="http://schemas.microsoft.com/office/powerpoint/2010/main" val="1443323465"/>
+                <p14:modId xmlns:p14="http://schemas.microsoft.com/office/powerpoint/2010/main" xmlns="" val="1443323465"/>
               </p:ext>
             </p:extLst>
           </p:nvPr>
         </p:nvGraphicFramePr>
         <p:xfrm>
-          <a:off x="1665027" y="850517"/>
-          <a:ext cx="9921923" cy="5652641"/>
+          <a:off x="724334" y="453609"/>
+          <a:ext cx="4316294" cy="5094224"/>
         </p:xfrm>
         <a:graphic>
           <a:graphicData uri="http://schemas.openxmlformats.org/drawingml/2006/table">
             <a:tbl>
               <a:tblPr/>
               <a:tblGrid>
-                <a:gridCol w="1937137"/>
-                <a:gridCol w="2457442"/>
-                <a:gridCol w="5527344"/>
+                <a:gridCol w="842705"/>
+                <a:gridCol w="1069050"/>
+                <a:gridCol w="2404539"/>
               </a:tblGrid>
-              <a:tr h="427460">
+              <a:tr h="574508">
                 <a:tc>
                   <a:txBody>
                     <a:bodyPr/>
@@ -16792,7 +16615,7 @@
                     <a:p>
                       <a:pPr algn="l" fontAlgn="t"/>
                       <a:r>
-                        <a:rPr lang="en-US" sz="2000" b="1" u="sng" dirty="0">
+                        <a:rPr lang="en-US" sz="1100" b="1" u="sng" dirty="0">
                           <a:solidFill>
                             <a:schemeClr val="accent1"/>
                           </a:solidFill>
@@ -16803,7 +16626,7 @@
                       </a:r>
                     </a:p>
                   </a:txBody>
-                  <a:tcPr marL="65664" marR="65664" marT="65664" marB="65664">
+                  <a:tcPr marL="28567" marR="28567" marT="35021" marB="35021">
                     <a:lnL w="9525" cap="flat" cmpd="sng" algn="ctr">
                       <a:solidFill>
                         <a:srgbClr val="20C6C9"/>
@@ -16852,7 +16675,7 @@
                     <a:p>
                       <a:pPr algn="l" fontAlgn="t"/>
                       <a:r>
-                        <a:rPr lang="en-US" sz="2000" b="1" u="sng">
+                        <a:rPr lang="en-US" sz="1100" b="1" u="sng">
                           <a:solidFill>
                             <a:schemeClr val="accent1"/>
                           </a:solidFill>
@@ -16863,7 +16686,7 @@
                       </a:r>
                     </a:p>
                   </a:txBody>
-                  <a:tcPr marL="65664" marR="65664" marT="65664" marB="65664">
+                  <a:tcPr marL="28567" marR="28567" marT="35021" marB="35021">
                     <a:lnL w="9525" cap="flat" cmpd="sng" algn="ctr">
                       <a:solidFill>
                         <a:srgbClr val="20C6C9"/>
@@ -16912,7 +16735,7 @@
                     <a:p>
                       <a:pPr algn="l" fontAlgn="t"/>
                       <a:r>
-                        <a:rPr lang="en-US" sz="2000" b="1" u="sng" dirty="0">
+                        <a:rPr lang="en-US" sz="1100" b="1" u="sng" dirty="0">
                           <a:solidFill>
                             <a:schemeClr val="accent1"/>
                           </a:solidFill>
@@ -16923,7 +16746,7 @@
                       </a:r>
                     </a:p>
                   </a:txBody>
-                  <a:tcPr marL="65664" marR="65664" marT="65664" marB="65664">
+                  <a:tcPr marL="28567" marR="28567" marT="35021" marB="35021">
                     <a:lnL w="9525" cap="flat" cmpd="sng" algn="ctr">
                       <a:solidFill>
                         <a:srgbClr val="20C6C9"/>
@@ -16966,7 +16789,7 @@
                   </a:tcPr>
                 </a:tc>
               </a:tr>
-              <a:tr h="362694">
+              <a:tr h="193437">
                 <a:tc rowSpan="2">
                   <a:txBody>
                     <a:bodyPr/>
@@ -16974,7 +16797,7 @@
                     <a:p>
                       <a:pPr algn="l" fontAlgn="t"/>
                       <a:r>
-                        <a:rPr lang="en-US" sz="1600" b="1" dirty="0">
+                        <a:rPr lang="en-US" sz="900" b="1" dirty="0">
                           <a:solidFill>
                             <a:srgbClr val="000000"/>
                           </a:solidFill>
@@ -16985,7 +16808,7 @@
                       </a:r>
                     </a:p>
                   </a:txBody>
-                  <a:tcPr marL="43776" marR="43776" marT="43776" marB="43776">
+                  <a:tcPr marL="19044" marR="19044" marT="23347" marB="23347">
                     <a:lnL w="9525" cap="flat" cmpd="sng" algn="ctr">
                       <a:solidFill>
                         <a:srgbClr val="C7CCBE"/>
@@ -17034,7 +16857,7 @@
                     <a:p>
                       <a:pPr algn="l" fontAlgn="t"/>
                       <a:r>
-                        <a:rPr lang="en-US" sz="1600">
+                        <a:rPr lang="en-US" sz="900">
                           <a:solidFill>
                             <a:srgbClr val="000000"/>
                           </a:solidFill>
@@ -17045,7 +16868,7 @@
                       </a:r>
                     </a:p>
                   </a:txBody>
-                  <a:tcPr marL="43776" marR="43776" marT="43776" marB="43776">
+                  <a:tcPr marL="19044" marR="19044" marT="23347" marB="23347">
                     <a:lnL w="9525" cap="flat" cmpd="sng" algn="ctr">
                       <a:solidFill>
                         <a:srgbClr val="C7CCBE"/>
@@ -17094,7 +16917,7 @@
                     <a:p>
                       <a:pPr algn="l" fontAlgn="t"/>
                       <a:r>
-                        <a:rPr lang="en-US" sz="1600" i="1" dirty="0" err="1">
+                        <a:rPr lang="en-US" sz="900" i="1" dirty="0" err="1">
                           <a:solidFill>
                             <a:srgbClr val="000000"/>
                           </a:solidFill>
@@ -17104,7 +16927,7 @@
                         <a:t>expr</a:t>
                       </a:r>
                       <a:r>
-                        <a:rPr lang="en-US" sz="1600" dirty="0">
+                        <a:rPr lang="en-US" sz="900" dirty="0">
                           <a:solidFill>
                             <a:srgbClr val="000000"/>
                           </a:solidFill>
@@ -17114,7 +16937,7 @@
                         <a:t>++ </a:t>
                       </a:r>
                       <a:r>
-                        <a:rPr lang="en-US" sz="1600" i="1" dirty="0" err="1">
+                        <a:rPr lang="en-US" sz="900" i="1" dirty="0" err="1">
                           <a:solidFill>
                             <a:srgbClr val="000000"/>
                           </a:solidFill>
@@ -17124,7 +16947,7 @@
                         <a:t>expr</a:t>
                       </a:r>
                       <a:r>
-                        <a:rPr lang="en-US" sz="1600" dirty="0">
+                        <a:rPr lang="en-US" sz="900" dirty="0">
                           <a:solidFill>
                             <a:srgbClr val="000000"/>
                           </a:solidFill>
@@ -17135,7 +16958,7 @@
                       </a:r>
                     </a:p>
                   </a:txBody>
-                  <a:tcPr marL="43776" marR="43776" marT="43776" marB="43776">
+                  <a:tcPr marL="19044" marR="19044" marT="23347" marB="23347">
                     <a:lnL w="9525" cap="flat" cmpd="sng" algn="ctr">
                       <a:solidFill>
                         <a:srgbClr val="C7CCBE"/>
@@ -17178,7 +17001,7 @@
                   </a:tcPr>
                 </a:tc>
               </a:tr>
-              <a:tr h="418619">
+              <a:tr h="456573">
                 <a:tc vMerge="1">
                   <a:txBody>
                     <a:bodyPr/>
@@ -17196,7 +17019,7 @@
                     <a:p>
                       <a:pPr algn="l" fontAlgn="t"/>
                       <a:r>
-                        <a:rPr lang="en-US" sz="1600" dirty="0">
+                        <a:rPr lang="en-US" sz="900" dirty="0">
                           <a:solidFill>
                             <a:srgbClr val="000000"/>
                           </a:solidFill>
@@ -17207,7 +17030,7 @@
                       </a:r>
                     </a:p>
                   </a:txBody>
-                  <a:tcPr marL="43776" marR="43776" marT="43776" marB="43776">
+                  <a:tcPr marL="19044" marR="19044" marT="23347" marB="23347">
                     <a:lnL w="9525" cap="flat" cmpd="sng" algn="ctr">
                       <a:solidFill>
                         <a:srgbClr val="C7CCBE"/>
@@ -17256,7 +17079,7 @@
                     <a:p>
                       <a:pPr algn="l" fontAlgn="t"/>
                       <a:r>
-                        <a:rPr lang="en-US" sz="1600" dirty="0">
+                        <a:rPr lang="en-US" sz="900" dirty="0">
                           <a:solidFill>
                             <a:srgbClr val="000000"/>
                           </a:solidFill>
@@ -17266,7 +17089,7 @@
                         <a:t>++</a:t>
                       </a:r>
                       <a:r>
-                        <a:rPr lang="en-US" sz="1600" i="1" dirty="0" err="1">
+                        <a:rPr lang="en-US" sz="900" i="1" dirty="0" err="1">
                           <a:solidFill>
                             <a:srgbClr val="000000"/>
                           </a:solidFill>
@@ -17276,7 +17099,7 @@
                         <a:t>expr</a:t>
                       </a:r>
                       <a:r>
-                        <a:rPr lang="en-US" sz="1600" dirty="0">
+                        <a:rPr lang="en-US" sz="900" dirty="0">
                           <a:solidFill>
                             <a:srgbClr val="000000"/>
                           </a:solidFill>
@@ -17286,7 +17109,7 @@
                         <a:t> --</a:t>
                       </a:r>
                       <a:r>
-                        <a:rPr lang="en-US" sz="1600" i="1" dirty="0" err="1">
+                        <a:rPr lang="en-US" sz="900" i="1" dirty="0" err="1">
                           <a:solidFill>
                             <a:srgbClr val="000000"/>
                           </a:solidFill>
@@ -17296,7 +17119,7 @@
                         <a:t>expr</a:t>
                       </a:r>
                       <a:r>
-                        <a:rPr lang="en-US" sz="1600" dirty="0">
+                        <a:rPr lang="en-US" sz="900" dirty="0">
                           <a:solidFill>
                             <a:srgbClr val="000000"/>
                           </a:solidFill>
@@ -17306,7 +17129,7 @@
                         <a:t> +</a:t>
                       </a:r>
                       <a:r>
-                        <a:rPr lang="en-US" sz="1600" i="1" dirty="0" err="1">
+                        <a:rPr lang="en-US" sz="900" i="1" dirty="0" err="1">
                           <a:solidFill>
                             <a:srgbClr val="000000"/>
                           </a:solidFill>
@@ -17316,7 +17139,7 @@
                         <a:t>expr</a:t>
                       </a:r>
                       <a:r>
-                        <a:rPr lang="en-US" sz="1600" dirty="0">
+                        <a:rPr lang="en-US" sz="900" dirty="0">
                           <a:solidFill>
                             <a:srgbClr val="000000"/>
                           </a:solidFill>
@@ -17326,7 +17149,7 @@
                         <a:t> -</a:t>
                       </a:r>
                       <a:r>
-                        <a:rPr lang="en-US" sz="1600" i="1" dirty="0" err="1">
+                        <a:rPr lang="en-US" sz="900" i="1" dirty="0" err="1">
                           <a:solidFill>
                             <a:srgbClr val="000000"/>
                           </a:solidFill>
@@ -17336,7 +17159,7 @@
                         <a:t>expr</a:t>
                       </a:r>
                       <a:r>
-                        <a:rPr lang="en-US" sz="1600" dirty="0">
+                        <a:rPr lang="en-US" sz="900" dirty="0">
                           <a:solidFill>
                             <a:srgbClr val="000000"/>
                           </a:solidFill>
@@ -17347,7 +17170,7 @@
                       </a:r>
                     </a:p>
                   </a:txBody>
-                  <a:tcPr marL="43776" marR="43776" marT="43776" marB="43776">
+                  <a:tcPr marL="19044" marR="19044" marT="23347" marB="23347">
                     <a:lnL w="9525" cap="flat" cmpd="sng" algn="ctr">
                       <a:solidFill>
                         <a:srgbClr val="C7CCBE"/>
@@ -17390,7 +17213,7 @@
                   </a:tcPr>
                 </a:tc>
               </a:tr>
-              <a:tr h="362694">
+              <a:tr h="319946">
                 <a:tc rowSpan="2">
                   <a:txBody>
                     <a:bodyPr/>
@@ -17398,7 +17221,7 @@
                     <a:p>
                       <a:pPr algn="l" fontAlgn="t"/>
                       <a:r>
-                        <a:rPr lang="en-US" sz="1600" b="1">
+                        <a:rPr lang="en-US" sz="900" b="1">
                           <a:solidFill>
                             <a:srgbClr val="000000"/>
                           </a:solidFill>
@@ -17409,7 +17232,7 @@
                       </a:r>
                     </a:p>
                   </a:txBody>
-                  <a:tcPr marL="43776" marR="43776" marT="43776" marB="43776">
+                  <a:tcPr marL="19044" marR="19044" marT="23347" marB="23347">
                     <a:lnL w="9525" cap="flat" cmpd="sng" algn="ctr">
                       <a:solidFill>
                         <a:srgbClr val="C7CCBE"/>
@@ -17458,7 +17281,7 @@
                     <a:p>
                       <a:pPr algn="l" fontAlgn="t"/>
                       <a:r>
-                        <a:rPr lang="en-US" sz="1600">
+                        <a:rPr lang="en-US" sz="900">
                           <a:solidFill>
                             <a:srgbClr val="000000"/>
                           </a:solidFill>
@@ -17469,7 +17292,7 @@
                       </a:r>
                     </a:p>
                   </a:txBody>
-                  <a:tcPr marL="43776" marR="43776" marT="43776" marB="43776">
+                  <a:tcPr marL="19044" marR="19044" marT="23347" marB="23347">
                     <a:lnL w="9525" cap="flat" cmpd="sng" algn="ctr">
                       <a:solidFill>
                         <a:srgbClr val="C7CCBE"/>
@@ -17518,7 +17341,7 @@
                     <a:p>
                       <a:pPr algn="l" fontAlgn="t"/>
                       <a:r>
-                        <a:rPr lang="en-US" sz="1600">
+                        <a:rPr lang="en-US" sz="900">
                           <a:solidFill>
                             <a:srgbClr val="000000"/>
                           </a:solidFill>
@@ -17529,7 +17352,7 @@
                       </a:r>
                     </a:p>
                   </a:txBody>
-                  <a:tcPr marL="43776" marR="43776" marT="43776" marB="43776">
+                  <a:tcPr marL="19044" marR="19044" marT="23347" marB="23347">
                     <a:lnL w="9525" cap="flat" cmpd="sng" algn="ctr">
                       <a:solidFill>
                         <a:srgbClr val="C7CCBE"/>
@@ -17572,7 +17395,7 @@
                   </a:tcPr>
                 </a:tc>
               </a:tr>
-              <a:tr h="362694">
+              <a:tr h="193437">
                 <a:tc vMerge="1">
                   <a:txBody>
                     <a:bodyPr/>
@@ -17590,7 +17413,7 @@
                     <a:p>
                       <a:pPr algn="l" fontAlgn="t"/>
                       <a:r>
-                        <a:rPr lang="en-US" sz="1600">
+                        <a:rPr lang="en-US" sz="900">
                           <a:solidFill>
                             <a:srgbClr val="000000"/>
                           </a:solidFill>
@@ -17601,7 +17424,7 @@
                       </a:r>
                     </a:p>
                   </a:txBody>
-                  <a:tcPr marL="43776" marR="43776" marT="43776" marB="43776">
+                  <a:tcPr marL="19044" marR="19044" marT="23347" marB="23347">
                     <a:lnL w="9525" cap="flat" cmpd="sng" algn="ctr">
                       <a:solidFill>
                         <a:srgbClr val="C7CCBE"/>
@@ -17650,7 +17473,7 @@
                     <a:p>
                       <a:pPr algn="l" fontAlgn="t"/>
                       <a:r>
-                        <a:rPr lang="en-US" sz="1600">
+                        <a:rPr lang="en-US" sz="900">
                           <a:solidFill>
                             <a:srgbClr val="000000"/>
                           </a:solidFill>
@@ -17661,7 +17484,7 @@
                       </a:r>
                     </a:p>
                   </a:txBody>
-                  <a:tcPr marL="43776" marR="43776" marT="43776" marB="43776">
+                  <a:tcPr marL="19044" marR="19044" marT="23347" marB="23347">
                     <a:lnL w="9525" cap="flat" cmpd="sng" algn="ctr">
                       <a:solidFill>
                         <a:srgbClr val="C7CCBE"/>
@@ -17704,7 +17527,7 @@
                   </a:tcPr>
                 </a:tc>
               </a:tr>
-              <a:tr h="362694">
+              <a:tr h="193437">
                 <a:tc>
                   <a:txBody>
                     <a:bodyPr/>
@@ -17712,7 +17535,7 @@
                     <a:p>
                       <a:pPr algn="l" fontAlgn="t"/>
                       <a:r>
-                        <a:rPr lang="en-US" sz="1600" b="1">
+                        <a:rPr lang="en-US" sz="900" b="1">
                           <a:solidFill>
                             <a:srgbClr val="000000"/>
                           </a:solidFill>
@@ -17723,7 +17546,7 @@
                       </a:r>
                     </a:p>
                   </a:txBody>
-                  <a:tcPr marL="43776" marR="43776" marT="43776" marB="43776">
+                  <a:tcPr marL="19044" marR="19044" marT="23347" marB="23347">
                     <a:lnL w="9525" cap="flat" cmpd="sng" algn="ctr">
                       <a:solidFill>
                         <a:srgbClr val="C7CCBE"/>
@@ -17772,7 +17595,7 @@
                     <a:p>
                       <a:pPr algn="l" fontAlgn="t"/>
                       <a:r>
-                        <a:rPr lang="en-US" sz="1600">
+                        <a:rPr lang="en-US" sz="900">
                           <a:solidFill>
                             <a:srgbClr val="000000"/>
                           </a:solidFill>
@@ -17783,7 +17606,7 @@
                       </a:r>
                     </a:p>
                   </a:txBody>
-                  <a:tcPr marL="43776" marR="43776" marT="43776" marB="43776">
+                  <a:tcPr marL="19044" marR="19044" marT="23347" marB="23347">
                     <a:lnL w="9525" cap="flat" cmpd="sng" algn="ctr">
                       <a:solidFill>
                         <a:srgbClr val="C7CCBE"/>
@@ -17832,7 +17655,7 @@
                     <a:p>
                       <a:pPr algn="l" fontAlgn="t"/>
                       <a:r>
-                        <a:rPr lang="en-US" sz="1600" dirty="0">
+                        <a:rPr lang="en-US" sz="900" dirty="0">
                           <a:solidFill>
                             <a:srgbClr val="000000"/>
                           </a:solidFill>
@@ -17843,7 +17666,7 @@
                       </a:r>
                     </a:p>
                   </a:txBody>
-                  <a:tcPr marL="43776" marR="43776" marT="43776" marB="43776">
+                  <a:tcPr marL="19044" marR="19044" marT="23347" marB="23347">
                     <a:lnL w="9525" cap="flat" cmpd="sng" algn="ctr">
                       <a:solidFill>
                         <a:srgbClr val="C7CCBE"/>
@@ -17886,7 +17709,7 @@
                   </a:tcPr>
                 </a:tc>
               </a:tr>
-              <a:tr h="401993">
+              <a:tr h="319946">
                 <a:tc rowSpan="2">
                   <a:txBody>
                     <a:bodyPr/>
@@ -17894,7 +17717,7 @@
                     <a:p>
                       <a:pPr algn="l" fontAlgn="t"/>
                       <a:r>
-                        <a:rPr lang="en-US" sz="1600" b="1" dirty="0">
+                        <a:rPr lang="en-US" sz="900" b="1" dirty="0">
                           <a:solidFill>
                             <a:srgbClr val="000000"/>
                           </a:solidFill>
@@ -17905,7 +17728,7 @@
                       </a:r>
                     </a:p>
                   </a:txBody>
-                  <a:tcPr marL="43776" marR="43776" marT="43776" marB="43776">
+                  <a:tcPr marL="19044" marR="19044" marT="23347" marB="23347">
                     <a:lnL w="9525" cap="flat" cmpd="sng" algn="ctr">
                       <a:solidFill>
                         <a:srgbClr val="C7CCBE"/>
@@ -17954,7 +17777,7 @@
                     <a:p>
                       <a:pPr algn="l" fontAlgn="t"/>
                       <a:r>
-                        <a:rPr lang="en-US" sz="1600">
+                        <a:rPr lang="en-US" sz="900">
                           <a:solidFill>
                             <a:srgbClr val="000000"/>
                           </a:solidFill>
@@ -17965,7 +17788,7 @@
                       </a:r>
                     </a:p>
                   </a:txBody>
-                  <a:tcPr marL="43776" marR="43776" marT="43776" marB="43776">
+                  <a:tcPr marL="19044" marR="19044" marT="23347" marB="23347">
                     <a:lnL w="9525" cap="flat" cmpd="sng" algn="ctr">
                       <a:solidFill>
                         <a:srgbClr val="C7CCBE"/>
@@ -18014,7 +17837,7 @@
                     <a:p>
                       <a:pPr algn="l" fontAlgn="t"/>
                       <a:r>
-                        <a:rPr lang="en-US" sz="1600">
+                        <a:rPr lang="en-US" sz="900">
                           <a:solidFill>
                             <a:srgbClr val="000000"/>
                           </a:solidFill>
@@ -18025,7 +17848,7 @@
                       </a:r>
                     </a:p>
                   </a:txBody>
-                  <a:tcPr marL="43776" marR="43776" marT="43776" marB="43776">
+                  <a:tcPr marL="19044" marR="19044" marT="23347" marB="23347">
                     <a:lnL w="9525" cap="flat" cmpd="sng" algn="ctr">
                       <a:solidFill>
                         <a:srgbClr val="C7CCBE"/>
@@ -18068,7 +17891,7 @@
                   </a:tcPr>
                 </a:tc>
               </a:tr>
-              <a:tr h="362694">
+              <a:tr h="193437">
                 <a:tc vMerge="1">
                   <a:txBody>
                     <a:bodyPr/>
@@ -18086,7 +17909,7 @@
                     <a:p>
                       <a:pPr algn="l" fontAlgn="t"/>
                       <a:r>
-                        <a:rPr lang="en-US" sz="1600">
+                        <a:rPr lang="en-US" sz="900">
                           <a:solidFill>
                             <a:srgbClr val="000000"/>
                           </a:solidFill>
@@ -18097,7 +17920,7 @@
                       </a:r>
                     </a:p>
                   </a:txBody>
-                  <a:tcPr marL="43776" marR="43776" marT="43776" marB="43776">
+                  <a:tcPr marL="19044" marR="19044" marT="23347" marB="23347">
                     <a:lnL w="9525" cap="flat" cmpd="sng" algn="ctr">
                       <a:solidFill>
                         <a:srgbClr val="C7CCBE"/>
@@ -18146,7 +17969,7 @@
                     <a:p>
                       <a:pPr algn="l" fontAlgn="t"/>
                       <a:r>
-                        <a:rPr lang="en-US" sz="1600">
+                        <a:rPr lang="en-US" sz="900">
                           <a:solidFill>
                             <a:srgbClr val="000000"/>
                           </a:solidFill>
@@ -18157,7 +17980,7 @@
                       </a:r>
                     </a:p>
                   </a:txBody>
-                  <a:tcPr marL="43776" marR="43776" marT="43776" marB="43776">
+                  <a:tcPr marL="19044" marR="19044" marT="23347" marB="23347">
                     <a:lnL w="9525" cap="flat" cmpd="sng" algn="ctr">
                       <a:solidFill>
                         <a:srgbClr val="C7CCBE"/>
@@ -18200,7 +18023,7 @@
                   </a:tcPr>
                 </a:tc>
               </a:tr>
-              <a:tr h="362694">
+              <a:tr h="319946">
                 <a:tc rowSpan="3">
                   <a:txBody>
                     <a:bodyPr/>
@@ -18208,7 +18031,7 @@
                     <a:p>
                       <a:pPr algn="l" fontAlgn="t"/>
                       <a:r>
-                        <a:rPr lang="en-US" sz="1600" b="1">
+                        <a:rPr lang="en-US" sz="900" b="1">
                           <a:solidFill>
                             <a:srgbClr val="000000"/>
                           </a:solidFill>
@@ -18219,7 +18042,7 @@
                       </a:r>
                     </a:p>
                   </a:txBody>
-                  <a:tcPr marL="43776" marR="43776" marT="43776" marB="43776">
+                  <a:tcPr marL="19044" marR="19044" marT="23347" marB="23347">
                     <a:lnL w="9525" cap="flat" cmpd="sng" algn="ctr">
                       <a:solidFill>
                         <a:srgbClr val="C7CCBE"/>
@@ -18268,7 +18091,7 @@
                     <a:p>
                       <a:pPr algn="l" fontAlgn="t"/>
                       <a:r>
-                        <a:rPr lang="en-US" sz="1600">
+                        <a:rPr lang="en-US" sz="900">
                           <a:solidFill>
                             <a:srgbClr val="000000"/>
                           </a:solidFill>
@@ -18279,7 +18102,7 @@
                       </a:r>
                     </a:p>
                   </a:txBody>
-                  <a:tcPr marL="43776" marR="43776" marT="43776" marB="43776">
+                  <a:tcPr marL="19044" marR="19044" marT="23347" marB="23347">
                     <a:lnL w="9525" cap="flat" cmpd="sng" algn="ctr">
                       <a:solidFill>
                         <a:srgbClr val="C7CCBE"/>
@@ -18328,7 +18151,7 @@
                     <a:p>
                       <a:pPr algn="l" fontAlgn="t"/>
                       <a:r>
-                        <a:rPr lang="en-US" sz="1600">
+                        <a:rPr lang="en-US" sz="900">
                           <a:solidFill>
                             <a:srgbClr val="000000"/>
                           </a:solidFill>
@@ -18339,7 +18162,7 @@
                       </a:r>
                     </a:p>
                   </a:txBody>
-                  <a:tcPr marL="43776" marR="43776" marT="43776" marB="43776">
+                  <a:tcPr marL="19044" marR="19044" marT="23347" marB="23347">
                     <a:lnL w="9525" cap="flat" cmpd="sng" algn="ctr">
                       <a:solidFill>
                         <a:srgbClr val="C7CCBE"/>
@@ -18382,7 +18205,7 @@
                   </a:tcPr>
                 </a:tc>
               </a:tr>
-              <a:tr h="362694">
+              <a:tr h="456573">
                 <a:tc vMerge="1">
                   <a:txBody>
                     <a:bodyPr/>
@@ -18400,7 +18223,7 @@
                     <a:p>
                       <a:pPr algn="l" fontAlgn="t"/>
                       <a:r>
-                        <a:rPr lang="en-US" sz="1600">
+                        <a:rPr lang="en-US" sz="900">
                           <a:solidFill>
                             <a:srgbClr val="000000"/>
                           </a:solidFill>
@@ -18411,7 +18234,7 @@
                       </a:r>
                     </a:p>
                   </a:txBody>
-                  <a:tcPr marL="43776" marR="43776" marT="43776" marB="43776">
+                  <a:tcPr marL="19044" marR="19044" marT="23347" marB="23347">
                     <a:lnL w="9525" cap="flat" cmpd="sng" algn="ctr">
                       <a:solidFill>
                         <a:srgbClr val="C7CCBE"/>
@@ -18460,7 +18283,7 @@
                     <a:p>
                       <a:pPr algn="l" fontAlgn="t"/>
                       <a:r>
-                        <a:rPr lang="en-US" sz="1600">
+                        <a:rPr lang="en-US" sz="900">
                           <a:solidFill>
                             <a:srgbClr val="000000"/>
                           </a:solidFill>
@@ -18471,7 +18294,7 @@
                       </a:r>
                     </a:p>
                   </a:txBody>
-                  <a:tcPr marL="43776" marR="43776" marT="43776" marB="43776">
+                  <a:tcPr marL="19044" marR="19044" marT="23347" marB="23347">
                     <a:lnL w="9525" cap="flat" cmpd="sng" algn="ctr">
                       <a:solidFill>
                         <a:srgbClr val="C7CCBE"/>
@@ -18514,7 +18337,7 @@
                   </a:tcPr>
                 </a:tc>
               </a:tr>
-              <a:tr h="362694">
+              <a:tr h="456573">
                 <a:tc vMerge="1">
                   <a:txBody>
                     <a:bodyPr/>
@@ -18532,7 +18355,7 @@
                     <a:p>
                       <a:pPr algn="l" fontAlgn="t"/>
                       <a:r>
-                        <a:rPr lang="en-US" sz="1600">
+                        <a:rPr lang="en-US" sz="900">
                           <a:solidFill>
                             <a:srgbClr val="000000"/>
                           </a:solidFill>
@@ -18543,7 +18366,7 @@
                       </a:r>
                     </a:p>
                   </a:txBody>
-                  <a:tcPr marL="43776" marR="43776" marT="43776" marB="43776">
+                  <a:tcPr marL="19044" marR="19044" marT="23347" marB="23347">
                     <a:lnL w="9525" cap="flat" cmpd="sng" algn="ctr">
                       <a:solidFill>
                         <a:srgbClr val="C7CCBE"/>
@@ -18592,7 +18415,7 @@
                     <a:p>
                       <a:pPr algn="l" fontAlgn="t"/>
                       <a:r>
-                        <a:rPr lang="en-US" sz="1600">
+                        <a:rPr lang="en-US" sz="900">
                           <a:solidFill>
                             <a:srgbClr val="000000"/>
                           </a:solidFill>
@@ -18603,7 +18426,7 @@
                       </a:r>
                     </a:p>
                   </a:txBody>
-                  <a:tcPr marL="43776" marR="43776" marT="43776" marB="43776">
+                  <a:tcPr marL="19044" marR="19044" marT="23347" marB="23347">
                     <a:lnL w="9525" cap="flat" cmpd="sng" algn="ctr">
                       <a:solidFill>
                         <a:srgbClr val="C7CCBE"/>
@@ -18646,7 +18469,7 @@
                   </a:tcPr>
                 </a:tc>
               </a:tr>
-              <a:tr h="362694">
+              <a:tr h="319946">
                 <a:tc rowSpan="2">
                   <a:txBody>
                     <a:bodyPr/>
@@ -18654,7 +18477,7 @@
                     <a:p>
                       <a:pPr algn="l" fontAlgn="t"/>
                       <a:r>
-                        <a:rPr lang="en-US" sz="1600" b="1">
+                        <a:rPr lang="en-US" sz="900" b="1">
                           <a:solidFill>
                             <a:srgbClr val="000000"/>
                           </a:solidFill>
@@ -18665,7 +18488,7 @@
                       </a:r>
                     </a:p>
                   </a:txBody>
-                  <a:tcPr marL="43776" marR="43776" marT="43776" marB="43776">
+                  <a:tcPr marL="19044" marR="19044" marT="23347" marB="23347">
                     <a:lnL w="9525" cap="flat" cmpd="sng" algn="ctr">
                       <a:solidFill>
                         <a:srgbClr val="C7CCBE"/>
@@ -18714,7 +18537,7 @@
                     <a:p>
                       <a:pPr algn="l" fontAlgn="t"/>
                       <a:r>
-                        <a:rPr lang="en-US" sz="1600">
+                        <a:rPr lang="en-US" sz="900">
                           <a:solidFill>
                             <a:srgbClr val="000000"/>
                           </a:solidFill>
@@ -18725,7 +18548,7 @@
                       </a:r>
                     </a:p>
                   </a:txBody>
-                  <a:tcPr marL="43776" marR="43776" marT="43776" marB="43776">
+                  <a:tcPr marL="19044" marR="19044" marT="23347" marB="23347">
                     <a:lnL w="9525" cap="flat" cmpd="sng" algn="ctr">
                       <a:solidFill>
                         <a:srgbClr val="C7CCBE"/>
@@ -18774,7 +18597,7 @@
                     <a:p>
                       <a:pPr algn="l" fontAlgn="t"/>
                       <a:r>
-                        <a:rPr lang="en-US" sz="1600">
+                        <a:rPr lang="en-US" sz="900">
                           <a:solidFill>
                             <a:srgbClr val="000000"/>
                           </a:solidFill>
@@ -18785,7 +18608,7 @@
                       </a:r>
                     </a:p>
                   </a:txBody>
-                  <a:tcPr marL="43776" marR="43776" marT="43776" marB="43776">
+                  <a:tcPr marL="19044" marR="19044" marT="23347" marB="23347">
                     <a:lnL w="9525" cap="flat" cmpd="sng" algn="ctr">
                       <a:solidFill>
                         <a:srgbClr val="C7CCBE"/>
@@ -18828,7 +18651,7 @@
                   </a:tcPr>
                 </a:tc>
               </a:tr>
-              <a:tr h="362694">
+              <a:tr h="319946">
                 <a:tc vMerge="1">
                   <a:txBody>
                     <a:bodyPr/>
@@ -18846,7 +18669,7 @@
                     <a:p>
                       <a:pPr algn="l" fontAlgn="t"/>
                       <a:r>
-                        <a:rPr lang="en-US" sz="1600">
+                        <a:rPr lang="en-US" sz="900">
                           <a:solidFill>
                             <a:srgbClr val="000000"/>
                           </a:solidFill>
@@ -18857,7 +18680,7 @@
                       </a:r>
                     </a:p>
                   </a:txBody>
-                  <a:tcPr marL="43776" marR="43776" marT="43776" marB="43776">
+                  <a:tcPr marL="19044" marR="19044" marT="23347" marB="23347">
                     <a:lnL w="9525" cap="flat" cmpd="sng" algn="ctr">
                       <a:solidFill>
                         <a:srgbClr val="C7CCBE"/>
@@ -18906,7 +18729,7 @@
                     <a:p>
                       <a:pPr algn="l" fontAlgn="t"/>
                       <a:r>
-                        <a:rPr lang="en-US" sz="1600">
+                        <a:rPr lang="en-US" sz="900">
                           <a:solidFill>
                             <a:srgbClr val="000000"/>
                           </a:solidFill>
@@ -18917,7 +18740,7 @@
                       </a:r>
                     </a:p>
                   </a:txBody>
-                  <a:tcPr marL="43776" marR="43776" marT="43776" marB="43776">
+                  <a:tcPr marL="19044" marR="19044" marT="23347" marB="23347">
                     <a:lnL w="9525" cap="flat" cmpd="sng" algn="ctr">
                       <a:solidFill>
                         <a:srgbClr val="C7CCBE"/>
@@ -18960,7 +18783,7 @@
                   </a:tcPr>
                 </a:tc>
               </a:tr>
-              <a:tr h="362694">
+              <a:tr h="319946">
                 <a:tc>
                   <a:txBody>
                     <a:bodyPr/>
@@ -18968,7 +18791,7 @@
                     <a:p>
                       <a:pPr algn="l" fontAlgn="t"/>
                       <a:r>
-                        <a:rPr lang="en-US" sz="1600" b="1">
+                        <a:rPr lang="en-US" sz="900" b="1">
                           <a:solidFill>
                             <a:srgbClr val="000000"/>
                           </a:solidFill>
@@ -18979,7 +18802,7 @@
                       </a:r>
                     </a:p>
                   </a:txBody>
-                  <a:tcPr marL="43776" marR="43776" marT="43776" marB="43776">
+                  <a:tcPr marL="19044" marR="19044" marT="23347" marB="23347">
                     <a:lnL w="9525" cap="flat" cmpd="sng" algn="ctr">
                       <a:solidFill>
                         <a:srgbClr val="C7CCBE"/>
@@ -19028,7 +18851,7 @@
                     <a:p>
                       <a:pPr algn="l" fontAlgn="t"/>
                       <a:r>
-                        <a:rPr lang="en-US" sz="1600">
+                        <a:rPr lang="en-US" sz="900">
                           <a:solidFill>
                             <a:srgbClr val="000000"/>
                           </a:solidFill>
@@ -19039,7 +18862,7 @@
                       </a:r>
                     </a:p>
                   </a:txBody>
-                  <a:tcPr marL="43776" marR="43776" marT="43776" marB="43776">
+                  <a:tcPr marL="19044" marR="19044" marT="23347" marB="23347">
                     <a:lnL w="9525" cap="flat" cmpd="sng" algn="ctr">
                       <a:solidFill>
                         <a:srgbClr val="C7CCBE"/>
@@ -19088,7 +18911,7 @@
                     <a:p>
                       <a:pPr algn="l" fontAlgn="t"/>
                       <a:r>
-                        <a:rPr lang="en-US" sz="1600">
+                        <a:rPr lang="en-US" sz="900">
                           <a:solidFill>
                             <a:srgbClr val="000000"/>
                           </a:solidFill>
@@ -19099,7 +18922,7 @@
                       </a:r>
                     </a:p>
                   </a:txBody>
-                  <a:tcPr marL="43776" marR="43776" marT="43776" marB="43776">
+                  <a:tcPr marL="19044" marR="19044" marT="23347" marB="23347">
                     <a:lnL w="9525" cap="flat" cmpd="sng" algn="ctr">
                       <a:solidFill>
                         <a:srgbClr val="C7CCBE"/>
@@ -19142,7 +18965,7 @@
                   </a:tcPr>
                 </a:tc>
               </a:tr>
-              <a:tr h="406267">
+              <a:tr h="456573">
                 <a:tc>
                   <a:txBody>
                     <a:bodyPr/>
@@ -19150,7 +18973,7 @@
                     <a:p>
                       <a:pPr algn="l" fontAlgn="t"/>
                       <a:r>
-                        <a:rPr lang="en-US" sz="1600" b="1" dirty="0">
+                        <a:rPr lang="en-US" sz="900" b="1" dirty="0">
                           <a:solidFill>
                             <a:srgbClr val="000000"/>
                           </a:solidFill>
@@ -19161,7 +18984,7 @@
                       </a:r>
                     </a:p>
                   </a:txBody>
-                  <a:tcPr marL="43776" marR="43776" marT="43776" marB="43776">
+                  <a:tcPr marL="19044" marR="19044" marT="23347" marB="23347">
                     <a:lnL w="9525" cap="flat" cmpd="sng" algn="ctr">
                       <a:solidFill>
                         <a:srgbClr val="C7CCBE"/>
@@ -19210,7 +19033,7 @@
                     <a:p>
                       <a:pPr algn="l" fontAlgn="t"/>
                       <a:r>
-                        <a:rPr lang="en-US" sz="1600" dirty="0">
+                        <a:rPr lang="en-US" sz="900" dirty="0">
                           <a:solidFill>
                             <a:srgbClr val="000000"/>
                           </a:solidFill>
@@ -19221,7 +19044,7 @@
                       </a:r>
                     </a:p>
                   </a:txBody>
-                  <a:tcPr marL="43776" marR="43776" marT="43776" marB="43776">
+                  <a:tcPr marL="19044" marR="19044" marT="23347" marB="23347">
                     <a:lnL w="9525" cap="flat" cmpd="sng" algn="ctr">
                       <a:solidFill>
                         <a:srgbClr val="C7CCBE"/>
@@ -19270,7 +19093,7 @@
                     <a:p>
                       <a:pPr algn="l" fontAlgn="t"/>
                       <a:r>
-                        <a:rPr lang="en-US" sz="1600" dirty="0">
+                        <a:rPr lang="en-US" sz="900" dirty="0">
                           <a:solidFill>
                             <a:srgbClr val="000000"/>
                           </a:solidFill>
@@ -19281,7 +19104,7 @@
                       </a:r>
                     </a:p>
                   </a:txBody>
-                  <a:tcPr marL="43776" marR="43776" marT="43776" marB="43776">
+                  <a:tcPr marL="19044" marR="19044" marT="23347" marB="23347">
                     <a:lnL w="9525" cap="flat" cmpd="sng" algn="ctr">
                       <a:solidFill>
                         <a:srgbClr val="C7CCBE"/>
@@ -19336,15 +19159,15 @@
         </p:nvSpPr>
         <p:spPr>
           <a:xfrm>
-            <a:off x="1651379" y="226158"/>
-            <a:ext cx="9512489" cy="369332"/>
+            <a:off x="718396" y="120620"/>
+            <a:ext cx="4138181" cy="289655"/>
           </a:xfrm>
           <a:prstGeom prst="rect">
             <a:avLst/>
           </a:prstGeom>
         </p:spPr>
         <p:txBody>
-          <a:bodyPr wrap="square">
+          <a:bodyPr wrap="square" lIns="43013" tIns="21507" rIns="43013" bIns="21507">
             <a:spAutoFit/>
           </a:bodyPr>
           <a:lstStyle/>
@@ -19393,7 +19216,7 @@
     </p:spTree>
     <p:extLst>
       <p:ext uri="{BB962C8B-B14F-4D97-AF65-F5344CB8AC3E}">
-        <p14:creationId xmlns:p14="http://schemas.microsoft.com/office/powerpoint/2010/main" val="3842516775"/>
+        <p14:creationId xmlns:p14="http://schemas.microsoft.com/office/powerpoint/2010/main" xmlns="" val="3842516775"/>
       </p:ext>
     </p:extLst>
   </p:cSld>
@@ -19557,15 +19380,15 @@
         </p:nvSpPr>
         <p:spPr>
           <a:xfrm>
-            <a:off x="627798" y="232012"/>
-            <a:ext cx="7328848" cy="5632311"/>
+            <a:off x="273111" y="123740"/>
+            <a:ext cx="3188239" cy="2505647"/>
           </a:xfrm>
           <a:prstGeom prst="rect">
             <a:avLst/>
           </a:prstGeom>
         </p:spPr>
         <p:txBody>
-          <a:bodyPr wrap="square">
+          <a:bodyPr wrap="square" lIns="43013" tIns="21507" rIns="43013" bIns="21507">
             <a:spAutoFit/>
           </a:bodyPr>
           <a:lstStyle/>
@@ -20220,15 +20043,15 @@
         </p:nvSpPr>
         <p:spPr>
           <a:xfrm>
-            <a:off x="8915224" y="760441"/>
-            <a:ext cx="1867819" cy="369332"/>
+            <a:off x="3878358" y="405570"/>
+            <a:ext cx="827453" cy="166545"/>
           </a:xfrm>
           <a:prstGeom prst="rect">
             <a:avLst/>
           </a:prstGeom>
         </p:spPr>
         <p:txBody>
-          <a:bodyPr wrap="none">
+          <a:bodyPr wrap="none" lIns="43013" tIns="21507" rIns="43013" bIns="21507">
             <a:spAutoFit/>
           </a:bodyPr>
           <a:lstStyle/>
@@ -20261,15 +20084,15 @@
         </p:nvSpPr>
         <p:spPr>
           <a:xfrm>
-            <a:off x="8915224" y="1129773"/>
-            <a:ext cx="1920719" cy="369332"/>
+            <a:off x="3878358" y="602548"/>
+            <a:ext cx="849895" cy="166545"/>
           </a:xfrm>
           <a:prstGeom prst="rect">
             <a:avLst/>
           </a:prstGeom>
         </p:spPr>
         <p:txBody>
-          <a:bodyPr wrap="none">
+          <a:bodyPr wrap="none" lIns="43013" tIns="21507" rIns="43013" bIns="21507">
             <a:spAutoFit/>
           </a:bodyPr>
           <a:lstStyle/>
@@ -20302,15 +20125,15 @@
         </p:nvSpPr>
         <p:spPr>
           <a:xfrm>
-            <a:off x="8915223" y="1499105"/>
-            <a:ext cx="1867819" cy="369332"/>
+            <a:off x="3878358" y="799523"/>
+            <a:ext cx="827453" cy="166545"/>
           </a:xfrm>
           <a:prstGeom prst="rect">
             <a:avLst/>
           </a:prstGeom>
         </p:spPr>
         <p:txBody>
-          <a:bodyPr wrap="none">
+          <a:bodyPr wrap="none" lIns="43013" tIns="21507" rIns="43013" bIns="21507">
             <a:spAutoFit/>
           </a:bodyPr>
           <a:lstStyle/>
@@ -20343,15 +20166,15 @@
         </p:nvSpPr>
         <p:spPr>
           <a:xfrm>
-            <a:off x="8915223" y="1868437"/>
-            <a:ext cx="2048959" cy="369332"/>
+            <a:off x="3878355" y="996500"/>
+            <a:ext cx="907604" cy="166545"/>
           </a:xfrm>
           <a:prstGeom prst="rect">
             <a:avLst/>
           </a:prstGeom>
         </p:spPr>
         <p:txBody>
-          <a:bodyPr wrap="none">
+          <a:bodyPr wrap="none" lIns="43013" tIns="21507" rIns="43013" bIns="21507">
             <a:spAutoFit/>
           </a:bodyPr>
           <a:lstStyle/>
@@ -20376,15 +20199,15 @@
         </p:nvSpPr>
         <p:spPr>
           <a:xfrm>
-            <a:off x="9052280" y="2422435"/>
-            <a:ext cx="1646605" cy="369332"/>
+            <a:off x="3937980" y="1291967"/>
+            <a:ext cx="731273" cy="166545"/>
           </a:xfrm>
           <a:prstGeom prst="rect">
             <a:avLst/>
           </a:prstGeom>
         </p:spPr>
         <p:txBody>
-          <a:bodyPr wrap="none">
+          <a:bodyPr wrap="none" lIns="43013" tIns="21507" rIns="43013" bIns="21507">
             <a:spAutoFit/>
           </a:bodyPr>
           <a:lstStyle/>
@@ -20409,15 +20232,15 @@
         </p:nvSpPr>
         <p:spPr>
           <a:xfrm>
-            <a:off x="9025829" y="2791767"/>
-            <a:ext cx="1646605" cy="369332"/>
+            <a:off x="3926474" y="1488943"/>
+            <a:ext cx="731273" cy="166545"/>
           </a:xfrm>
           <a:prstGeom prst="rect">
             <a:avLst/>
           </a:prstGeom>
         </p:spPr>
         <p:txBody>
-          <a:bodyPr wrap="none">
+          <a:bodyPr wrap="none" lIns="43013" tIns="21507" rIns="43013" bIns="21507">
             <a:spAutoFit/>
           </a:bodyPr>
           <a:lstStyle/>
@@ -20442,15 +20265,15 @@
         </p:nvSpPr>
         <p:spPr>
           <a:xfrm>
-            <a:off x="9025828" y="3161099"/>
-            <a:ext cx="1646605" cy="369332"/>
+            <a:off x="3926474" y="1685922"/>
+            <a:ext cx="731273" cy="166545"/>
           </a:xfrm>
           <a:prstGeom prst="rect">
             <a:avLst/>
           </a:prstGeom>
         </p:spPr>
         <p:txBody>
-          <a:bodyPr wrap="none">
+          <a:bodyPr wrap="none" lIns="43013" tIns="21507" rIns="43013" bIns="21507">
             <a:spAutoFit/>
           </a:bodyPr>
           <a:lstStyle/>
@@ -20475,15 +20298,15 @@
         </p:nvSpPr>
         <p:spPr>
           <a:xfrm>
-            <a:off x="9698287" y="4084429"/>
-            <a:ext cx="301686" cy="369332"/>
+            <a:off x="4219008" y="2178363"/>
+            <a:ext cx="138162" cy="166545"/>
           </a:xfrm>
           <a:prstGeom prst="rect">
             <a:avLst/>
           </a:prstGeom>
         </p:spPr>
         <p:txBody>
-          <a:bodyPr wrap="none">
+          <a:bodyPr wrap="none" lIns="43013" tIns="21507" rIns="43013" bIns="21507">
             <a:spAutoFit/>
           </a:bodyPr>
           <a:lstStyle/>
@@ -20508,15 +20331,15 @@
         </p:nvSpPr>
         <p:spPr>
           <a:xfrm>
-            <a:off x="9698287" y="4638427"/>
-            <a:ext cx="301686" cy="369332"/>
+            <a:off x="4219008" y="2473828"/>
+            <a:ext cx="138162" cy="166545"/>
           </a:xfrm>
           <a:prstGeom prst="rect">
             <a:avLst/>
           </a:prstGeom>
         </p:spPr>
         <p:txBody>
-          <a:bodyPr wrap="none">
+          <a:bodyPr wrap="none" lIns="43013" tIns="21507" rIns="43013" bIns="21507">
             <a:spAutoFit/>
           </a:bodyPr>
           <a:lstStyle/>
@@ -20541,15 +20364,15 @@
         </p:nvSpPr>
         <p:spPr>
           <a:xfrm>
-            <a:off x="9698287" y="5192425"/>
-            <a:ext cx="372218" cy="369332"/>
+            <a:off x="4219008" y="2769293"/>
+            <a:ext cx="170222" cy="166545"/>
           </a:xfrm>
           <a:prstGeom prst="rect">
             <a:avLst/>
           </a:prstGeom>
         </p:spPr>
         <p:txBody>
-          <a:bodyPr wrap="none">
+          <a:bodyPr wrap="none" lIns="43013" tIns="21507" rIns="43013" bIns="21507">
             <a:spAutoFit/>
           </a:bodyPr>
           <a:lstStyle/>
@@ -20574,15 +20397,15 @@
         </p:nvSpPr>
         <p:spPr>
           <a:xfrm>
-            <a:off x="8422939" y="5746423"/>
-            <a:ext cx="2852382" cy="369332"/>
+            <a:off x="3664201" y="3064760"/>
+            <a:ext cx="1240861" cy="166545"/>
           </a:xfrm>
           <a:prstGeom prst="rect">
             <a:avLst/>
           </a:prstGeom>
         </p:spPr>
         <p:txBody>
-          <a:bodyPr wrap="square">
+          <a:bodyPr wrap="square" lIns="43013" tIns="21507" rIns="43013" bIns="21507">
             <a:spAutoFit/>
           </a:bodyPr>
           <a:lstStyle/>
@@ -20602,7 +20425,7 @@
     </p:spTree>
     <p:extLst>
       <p:ext uri="{BB962C8B-B14F-4D97-AF65-F5344CB8AC3E}">
-        <p14:creationId xmlns:p14="http://schemas.microsoft.com/office/powerpoint/2010/main" val="1594557979"/>
+        <p14:creationId xmlns:p14="http://schemas.microsoft.com/office/powerpoint/2010/main" xmlns="" val="1594557979"/>
       </p:ext>
     </p:extLst>
   </p:cSld>
@@ -21873,8 +21696,8 @@
         </p:nvSpPr>
         <p:spPr>
           <a:xfrm>
-            <a:off x="838200" y="365125"/>
-            <a:ext cx="10515600" cy="521979"/>
+            <a:off x="364639" y="194734"/>
+            <a:ext cx="4574560" cy="278389"/>
           </a:xfrm>
         </p:spPr>
         <p:txBody>
@@ -21885,7 +21708,7 @@
           <a:p>
             <a:pPr algn="ctr"/>
             <a:r>
-              <a:rPr lang="en-US" sz="2700" dirty="0"/>
+              <a:rPr lang="en-US" sz="1300" dirty="0"/>
               <a:t>Logical &amp;&amp; and Bitwise &amp;</a:t>
             </a:r>
             <a:r>
@@ -21911,8 +21734,8 @@
         </p:nvSpPr>
         <p:spPr>
           <a:xfrm>
-            <a:off x="838200" y="887104"/>
-            <a:ext cx="10515600" cy="5289859"/>
+            <a:off x="364639" y="473122"/>
+            <a:ext cx="4574560" cy="2821258"/>
           </a:xfrm>
         </p:spPr>
         <p:txBody>
@@ -21922,13 +21745,13 @@
           <a:lstStyle/>
           <a:p>
             <a:r>
-              <a:rPr lang="en-US" sz="1800" dirty="0"/>
+              <a:rPr lang="en-US" sz="800" dirty="0"/>
               <a:t>The logical &amp;&amp; operator doesn't check second condition if first condition is false. It checks second condition only if first one is true.</a:t>
             </a:r>
           </a:p>
           <a:p>
             <a:r>
-              <a:rPr lang="en-US" sz="1800" dirty="0"/>
+              <a:rPr lang="en-US" sz="800" dirty="0"/>
               <a:t>The bitwise &amp; operator always checks both conditions whether first condition is true or false.</a:t>
             </a:r>
           </a:p>
@@ -21937,19 +21760,19 @@
               <a:buNone/>
             </a:pPr>
             <a:r>
-              <a:rPr lang="en-US" sz="1900" b="1" dirty="0"/>
+              <a:rPr lang="en-US" sz="900" b="1" dirty="0"/>
               <a:t>class</a:t>
             </a:r>
             <a:r>
-              <a:rPr lang="en-US" sz="1900" dirty="0"/>
+              <a:rPr lang="en-US" sz="900" dirty="0"/>
               <a:t> </a:t>
             </a:r>
             <a:r>
-              <a:rPr lang="en-US" sz="1900" dirty="0" err="1"/>
+              <a:rPr lang="en-US" sz="900" dirty="0" err="1"/>
               <a:t>OperatorExample</a:t>
             </a:r>
             <a:r>
-              <a:rPr lang="en-US" sz="1900" dirty="0"/>
+              <a:rPr lang="en-US" sz="900" dirty="0"/>
               <a:t>{  </a:t>
             </a:r>
           </a:p>
@@ -21958,35 +21781,35 @@
               <a:buNone/>
             </a:pPr>
             <a:r>
-              <a:rPr lang="en-US" sz="1900" b="1" dirty="0" smtClean="0"/>
+              <a:rPr lang="en-US" sz="900" b="1" dirty="0" smtClean="0"/>
               <a:t>	public</a:t>
             </a:r>
             <a:r>
-              <a:rPr lang="en-US" sz="1900" dirty="0"/>
+              <a:rPr lang="en-US" sz="900" dirty="0"/>
               <a:t> </a:t>
             </a:r>
             <a:r>
-              <a:rPr lang="en-US" sz="1900" b="1" dirty="0"/>
+              <a:rPr lang="en-US" sz="900" b="1" dirty="0"/>
               <a:t>static</a:t>
             </a:r>
             <a:r>
-              <a:rPr lang="en-US" sz="1900" dirty="0"/>
+              <a:rPr lang="en-US" sz="900" dirty="0"/>
               <a:t> </a:t>
             </a:r>
             <a:r>
-              <a:rPr lang="en-US" sz="1900" b="1" dirty="0"/>
+              <a:rPr lang="en-US" sz="900" b="1" dirty="0"/>
               <a:t>void</a:t>
             </a:r>
             <a:r>
-              <a:rPr lang="en-US" sz="1900" dirty="0"/>
+              <a:rPr lang="en-US" sz="900" dirty="0"/>
               <a:t> main(String </a:t>
             </a:r>
             <a:r>
-              <a:rPr lang="en-US" sz="1900" dirty="0" err="1"/>
+              <a:rPr lang="en-US" sz="900" dirty="0" err="1"/>
               <a:t>args</a:t>
             </a:r>
             <a:r>
-              <a:rPr lang="en-US" sz="1900" dirty="0"/>
+              <a:rPr lang="en-US" sz="900" dirty="0"/>
               <a:t>[]){  </a:t>
             </a:r>
           </a:p>
@@ -21995,15 +21818,15 @@
               <a:buNone/>
             </a:pPr>
             <a:r>
-              <a:rPr lang="en-US" sz="1900" b="1" dirty="0" smtClean="0"/>
+              <a:rPr lang="en-US" sz="900" b="1" dirty="0" smtClean="0"/>
               <a:t>		</a:t>
             </a:r>
             <a:r>
-              <a:rPr lang="en-US" sz="1900" b="1" dirty="0" err="1" smtClean="0"/>
+              <a:rPr lang="en-US" sz="900" b="1" dirty="0" err="1" smtClean="0"/>
               <a:t>int</a:t>
             </a:r>
             <a:r>
-              <a:rPr lang="en-US" sz="1900" dirty="0"/>
+              <a:rPr lang="en-US" sz="900" dirty="0"/>
               <a:t> a=10;  </a:t>
             </a:r>
           </a:p>
@@ -22012,15 +21835,15 @@
               <a:buNone/>
             </a:pPr>
             <a:r>
-              <a:rPr lang="en-US" sz="1900" b="1" dirty="0" smtClean="0"/>
+              <a:rPr lang="en-US" sz="900" b="1" dirty="0" smtClean="0"/>
               <a:t>		</a:t>
             </a:r>
             <a:r>
-              <a:rPr lang="en-US" sz="1900" b="1" dirty="0" err="1" smtClean="0"/>
+              <a:rPr lang="en-US" sz="900" b="1" dirty="0" err="1" smtClean="0"/>
               <a:t>int</a:t>
             </a:r>
             <a:r>
-              <a:rPr lang="en-US" sz="1900" dirty="0"/>
+              <a:rPr lang="en-US" sz="900" dirty="0"/>
               <a:t> b=5;  </a:t>
             </a:r>
           </a:p>
@@ -22029,15 +21852,15 @@
               <a:buNone/>
             </a:pPr>
             <a:r>
-              <a:rPr lang="en-US" sz="1900" b="1" dirty="0" smtClean="0"/>
+              <a:rPr lang="en-US" sz="900" b="1" dirty="0" smtClean="0"/>
               <a:t>		</a:t>
             </a:r>
             <a:r>
-              <a:rPr lang="en-US" sz="1900" b="1" dirty="0" err="1" smtClean="0"/>
+              <a:rPr lang="en-US" sz="900" b="1" dirty="0" err="1" smtClean="0"/>
               <a:t>int</a:t>
             </a:r>
             <a:r>
-              <a:rPr lang="en-US" sz="1900" dirty="0"/>
+              <a:rPr lang="en-US" sz="900" dirty="0"/>
               <a:t> c=20;  </a:t>
             </a:r>
           </a:p>
@@ -22046,101 +21869,101 @@
               <a:buNone/>
             </a:pPr>
             <a:r>
-              <a:rPr lang="en-US" sz="1900" dirty="0" smtClean="0"/>
+              <a:rPr lang="en-US" sz="900" dirty="0" smtClean="0"/>
               <a:t>	</a:t>
             </a:r>
             <a:r>
-              <a:rPr lang="en-US" sz="1900" dirty="0" err="1" smtClean="0"/>
+              <a:rPr lang="en-US" sz="900" dirty="0" err="1" smtClean="0"/>
               <a:t>System.out.println</a:t>
             </a:r>
             <a:r>
-              <a:rPr lang="en-US" sz="1900" dirty="0" smtClean="0"/>
+              <a:rPr lang="en-US" sz="900" dirty="0" smtClean="0"/>
               <a:t>(a&lt;b</a:t>
             </a:r>
             <a:r>
-              <a:rPr lang="en-US" sz="1900" dirty="0"/>
+              <a:rPr lang="en-US" sz="900" dirty="0"/>
               <a:t>&amp;&amp;a++&lt;c</a:t>
             </a:r>
             <a:r>
-              <a:rPr lang="en-US" sz="1900" dirty="0" smtClean="0"/>
+              <a:rPr lang="en-US" sz="900" dirty="0" smtClean="0"/>
               <a:t>);</a:t>
             </a:r>
-            <a:endParaRPr lang="en-US" sz="1900" dirty="0"/>
+            <a:endParaRPr lang="en-US" sz="900" dirty="0"/>
           </a:p>
           <a:p>
             <a:pPr marL="0" indent="0">
               <a:buNone/>
             </a:pPr>
             <a:r>
-              <a:rPr lang="en-US" sz="1900" dirty="0" smtClean="0"/>
+              <a:rPr lang="en-US" sz="900" dirty="0" smtClean="0"/>
               <a:t>	</a:t>
             </a:r>
             <a:r>
-              <a:rPr lang="en-US" sz="1900" dirty="0" err="1" smtClean="0"/>
+              <a:rPr lang="en-US" sz="900" dirty="0" err="1" smtClean="0"/>
               <a:t>System.out.println</a:t>
             </a:r>
             <a:r>
-              <a:rPr lang="en-US" sz="1900" dirty="0" smtClean="0"/>
+              <a:rPr lang="en-US" sz="900" dirty="0" smtClean="0"/>
               <a:t>(a);</a:t>
             </a:r>
             <a:r>
-              <a:rPr lang="en-US" sz="2000" dirty="0"/>
+              <a:rPr lang="en-US" sz="900" dirty="0"/>
               <a:t>   </a:t>
             </a:r>
-            <a:endParaRPr lang="en-US" sz="1900" dirty="0" smtClean="0"/>
+            <a:endParaRPr lang="en-US" sz="900" dirty="0" smtClean="0"/>
           </a:p>
           <a:p>
             <a:pPr marL="0" indent="0">
               <a:buNone/>
             </a:pPr>
             <a:r>
-              <a:rPr lang="en-US" sz="1900" dirty="0" smtClean="0"/>
+              <a:rPr lang="en-US" sz="900" dirty="0" smtClean="0"/>
               <a:t> 	</a:t>
             </a:r>
             <a:r>
-              <a:rPr lang="en-US" sz="1900" dirty="0" err="1" smtClean="0"/>
+              <a:rPr lang="en-US" sz="900" dirty="0" err="1" smtClean="0"/>
               <a:t>System.out.println</a:t>
             </a:r>
             <a:r>
-              <a:rPr lang="en-US" sz="1900" dirty="0" smtClean="0"/>
+              <a:rPr lang="en-US" sz="900" dirty="0" smtClean="0"/>
               <a:t>(a&lt;</a:t>
             </a:r>
             <a:r>
-              <a:rPr lang="en-US" sz="1900" dirty="0" err="1" smtClean="0"/>
+              <a:rPr lang="en-US" sz="900" dirty="0" err="1" smtClean="0"/>
               <a:t>b&amp;a</a:t>
             </a:r>
             <a:r>
-              <a:rPr lang="en-US" sz="1900" dirty="0"/>
+              <a:rPr lang="en-US" sz="900" dirty="0"/>
               <a:t>++&lt;c</a:t>
             </a:r>
             <a:r>
-              <a:rPr lang="en-US" sz="1900" dirty="0" smtClean="0"/>
+              <a:rPr lang="en-US" sz="900" dirty="0" smtClean="0"/>
               <a:t>);</a:t>
             </a:r>
             <a:r>
-              <a:rPr lang="en-US" sz="2000" dirty="0"/>
+              <a:rPr lang="en-US" sz="900" dirty="0"/>
               <a:t> </a:t>
             </a:r>
-            <a:endParaRPr lang="en-US" sz="2000" dirty="0" smtClean="0"/>
+            <a:endParaRPr lang="en-US" sz="900" dirty="0" smtClean="0"/>
           </a:p>
           <a:p>
             <a:pPr marL="0" indent="0">
               <a:buNone/>
             </a:pPr>
             <a:r>
-              <a:rPr lang="en-US" sz="1900" dirty="0" smtClean="0"/>
+              <a:rPr lang="en-US" sz="900" dirty="0" smtClean="0"/>
               <a:t>	</a:t>
             </a:r>
             <a:r>
-              <a:rPr lang="en-US" sz="1900" dirty="0" err="1" smtClean="0"/>
+              <a:rPr lang="en-US" sz="900" dirty="0" err="1" smtClean="0"/>
               <a:t>System.out.println</a:t>
             </a:r>
             <a:r>
-              <a:rPr lang="en-US" sz="1900" dirty="0" smtClean="0"/>
+              <a:rPr lang="en-US" sz="900" dirty="0" smtClean="0"/>
               <a:t>(a); </a:t>
             </a:r>
             <a:r>
-              <a:rPr lang="en-US" sz="1900" dirty="0"/>
+              <a:rPr lang="en-US" sz="900" dirty="0"/>
               <a:t> </a:t>
             </a:r>
           </a:p>
@@ -22149,7 +21972,7 @@
               <a:buNone/>
             </a:pPr>
             <a:r>
-              <a:rPr lang="en-US" sz="1900" dirty="0" smtClean="0"/>
+              <a:rPr lang="en-US" sz="900" dirty="0" smtClean="0"/>
               <a:t>	}</a:t>
             </a:r>
           </a:p>
@@ -22158,11 +21981,11 @@
               <a:buNone/>
             </a:pPr>
             <a:r>
-              <a:rPr lang="en-US" sz="1900" dirty="0" smtClean="0"/>
+              <a:rPr lang="en-US" sz="900" dirty="0" smtClean="0"/>
               <a:t>}</a:t>
             </a:r>
             <a:r>
-              <a:rPr lang="en-US" sz="1900" dirty="0"/>
+              <a:rPr lang="en-US" sz="900" dirty="0"/>
               <a:t>  </a:t>
             </a:r>
           </a:p>
@@ -22182,15 +22005,15 @@
         </p:nvSpPr>
         <p:spPr>
           <a:xfrm>
-            <a:off x="5800417" y="3762949"/>
-            <a:ext cx="4523611" cy="1477328"/>
+            <a:off x="2523336" y="2006908"/>
+            <a:ext cx="2018485" cy="658987"/>
           </a:xfrm>
           <a:prstGeom prst="rect">
             <a:avLst/>
           </a:prstGeom>
         </p:spPr>
         <p:txBody>
-          <a:bodyPr wrap="none">
+          <a:bodyPr wrap="none" lIns="43013" tIns="21507" rIns="43013" bIns="21507">
             <a:spAutoFit/>
           </a:bodyPr>
           <a:lstStyle/>
@@ -22274,7 +22097,7 @@
     </p:spTree>
     <p:extLst>
       <p:ext uri="{BB962C8B-B14F-4D97-AF65-F5344CB8AC3E}">
-        <p14:creationId xmlns:p14="http://schemas.microsoft.com/office/powerpoint/2010/main" val="1861227709"/>
+        <p14:creationId xmlns:p14="http://schemas.microsoft.com/office/powerpoint/2010/main" xmlns="" val="1861227709"/>
       </p:ext>
     </p:extLst>
   </p:cSld>
@@ -23742,8 +23565,8 @@
         </p:nvSpPr>
         <p:spPr>
           <a:xfrm>
-            <a:off x="245659" y="252626"/>
-            <a:ext cx="11327642" cy="713048"/>
+            <a:off x="106869" y="134734"/>
+            <a:ext cx="4927820" cy="380292"/>
           </a:xfrm>
         </p:spPr>
         <p:txBody>
@@ -23753,18 +23576,18 @@
           <a:lstStyle/>
           <a:p>
             <a:r>
-              <a:rPr lang="en-US" sz="3200" b="1" u="sng" dirty="0" smtClean="0"/>
+              <a:rPr lang="en-US" sz="1500" b="1" u="sng" dirty="0" smtClean="0"/>
               <a:t>Control Statement in Java </a:t>
             </a:r>
             <a:r>
-              <a:rPr lang="en-US" sz="3200" b="1" u="sng" dirty="0"/>
+              <a:rPr lang="en-US" sz="1500" b="1" u="sng" dirty="0"/>
               <a:t>OR Control Flow </a:t>
             </a:r>
             <a:r>
-              <a:rPr lang="en-US" sz="3200" b="1" u="sng" dirty="0" smtClean="0"/>
+              <a:rPr lang="en-US" sz="1500" b="1" u="sng" dirty="0" smtClean="0"/>
               <a:t>(Decision Making Statements)</a:t>
             </a:r>
-            <a:endParaRPr lang="en-US" sz="3200" b="1" u="sng" dirty="0"/>
+            <a:endParaRPr lang="en-US" sz="1500" b="1" u="sng" dirty="0"/>
           </a:p>
         </p:txBody>
       </p:sp>
@@ -23780,8 +23603,8 @@
         </p:nvSpPr>
         <p:spPr>
           <a:xfrm>
-            <a:off x="245660" y="1174110"/>
-            <a:ext cx="11682484" cy="5103860"/>
+            <a:off x="106872" y="626193"/>
+            <a:ext cx="5082185" cy="2722059"/>
           </a:xfrm>
         </p:spPr>
         <p:txBody>
@@ -23821,7 +23644,7 @@
     </p:spTree>
     <p:extLst>
       <p:ext uri="{BB962C8B-B14F-4D97-AF65-F5344CB8AC3E}">
-        <p14:creationId xmlns:p14="http://schemas.microsoft.com/office/powerpoint/2010/main" val="954393920"/>
+        <p14:creationId xmlns:p14="http://schemas.microsoft.com/office/powerpoint/2010/main" xmlns="" val="954393920"/>
       </p:ext>
     </p:extLst>
   </p:cSld>
@@ -24338,8 +24161,8 @@
         </p:nvSpPr>
         <p:spPr>
           <a:xfrm>
-            <a:off x="838199" y="109183"/>
-            <a:ext cx="10735101" cy="1037230"/>
+            <a:off x="364640" y="58232"/>
+            <a:ext cx="4670049" cy="553189"/>
           </a:xfrm>
         </p:spPr>
         <p:txBody>
@@ -24371,8 +24194,8 @@
         </p:nvSpPr>
         <p:spPr>
           <a:xfrm>
-            <a:off x="838200" y="1296538"/>
-            <a:ext cx="10515600" cy="5561462"/>
+            <a:off x="364639" y="691488"/>
+            <a:ext cx="4574560" cy="2966113"/>
           </a:xfrm>
         </p:spPr>
         <p:txBody>
@@ -24392,21 +24215,21 @@
           <a:p>
             <a:pPr lvl="1"/>
             <a:r>
-              <a:rPr lang="en-US" sz="2600" dirty="0"/>
+              <a:rPr lang="en-US" sz="1200" dirty="0"/>
               <a:t>If/else statements</a:t>
             </a:r>
           </a:p>
           <a:p>
             <a:pPr lvl="1"/>
             <a:r>
-              <a:rPr lang="en-US" sz="2600" dirty="0"/>
+              <a:rPr lang="en-US" sz="1200" dirty="0"/>
               <a:t>Conditional Statements (?: Operator/Ternary Operator)</a:t>
             </a:r>
           </a:p>
           <a:p>
             <a:pPr lvl="1"/>
             <a:r>
-              <a:rPr lang="en-US" sz="2600" dirty="0"/>
+              <a:rPr lang="en-US" sz="1200" dirty="0"/>
               <a:t>Switch Statements</a:t>
             </a:r>
           </a:p>
@@ -24482,7 +24305,7 @@
     </p:spTree>
     <p:extLst>
       <p:ext uri="{BB962C8B-B14F-4D97-AF65-F5344CB8AC3E}">
-        <p14:creationId xmlns:p14="http://schemas.microsoft.com/office/powerpoint/2010/main" val="3290048010"/>
+        <p14:creationId xmlns:p14="http://schemas.microsoft.com/office/powerpoint/2010/main" xmlns="" val="3290048010"/>
       </p:ext>
     </p:extLst>
   </p:cSld>
@@ -24521,8 +24344,8 @@
         </p:nvSpPr>
         <p:spPr>
           <a:xfrm>
-            <a:off x="838200" y="204716"/>
-            <a:ext cx="10515600" cy="832514"/>
+            <a:off x="364639" y="109184"/>
+            <a:ext cx="4574560" cy="444007"/>
           </a:xfrm>
         </p:spPr>
         <p:txBody>
@@ -24549,13 +24372,13 @@
         </p:nvSpPr>
         <p:spPr>
           <a:xfrm>
-            <a:off x="838200" y="1037230"/>
-            <a:ext cx="10515600" cy="5820769"/>
+            <a:off x="364639" y="553190"/>
+            <a:ext cx="4574560" cy="3104410"/>
           </a:xfrm>
         </p:spPr>
         <p:txBody>
           <a:bodyPr>
-            <a:normAutofit lnSpcReduction="10000"/>
+            <a:normAutofit/>
           </a:bodyPr>
           <a:lstStyle/>
           <a:p>
@@ -24686,7 +24509,7 @@
     </p:spTree>
     <p:extLst>
       <p:ext uri="{BB962C8B-B14F-4D97-AF65-F5344CB8AC3E}">
-        <p14:creationId xmlns:p14="http://schemas.microsoft.com/office/powerpoint/2010/main" val="2281788713"/>
+        <p14:creationId xmlns:p14="http://schemas.microsoft.com/office/powerpoint/2010/main" xmlns="" val="2281788713"/>
       </p:ext>
     </p:extLst>
   </p:cSld>
@@ -24725,19 +24548,19 @@
         </p:nvSpPr>
         <p:spPr>
           <a:xfrm>
-            <a:off x="838200" y="450376"/>
-            <a:ext cx="10515600" cy="6407623"/>
+            <a:off x="364639" y="240202"/>
+            <a:ext cx="4574560" cy="3417399"/>
           </a:xfrm>
         </p:spPr>
         <p:txBody>
           <a:bodyPr>
-            <a:normAutofit lnSpcReduction="10000"/>
+            <a:normAutofit/>
           </a:bodyPr>
           <a:lstStyle/>
           <a:p>
             <a:pPr marL="0" indent="0" algn="just">
               <a:spcBef>
-                <a:spcPts val="600"/>
+                <a:spcPts val="282"/>
               </a:spcBef>
               <a:buNone/>
             </a:pPr>
@@ -24754,7 +24577,7 @@
           <a:p>
             <a:pPr marL="0" indent="0" algn="just">
               <a:spcBef>
-                <a:spcPts val="600"/>
+                <a:spcPts val="282"/>
               </a:spcBef>
               <a:buNone/>
             </a:pPr>
@@ -24798,7 +24621,7 @@
           <a:p>
             <a:pPr marL="0" indent="0" algn="just">
               <a:spcBef>
-                <a:spcPts val="600"/>
+                <a:spcPts val="282"/>
               </a:spcBef>
               <a:buNone/>
             </a:pPr>
@@ -24878,7 +24701,7 @@
           <a:p>
             <a:pPr marL="0" indent="0" algn="just">
               <a:spcBef>
-                <a:spcPts val="600"/>
+                <a:spcPts val="282"/>
               </a:spcBef>
               <a:buNone/>
             </a:pPr>
@@ -24909,7 +24732,7 @@
               </a:rPr>
               <a:t>;  </a:t>
             </a:r>
-            <a:endParaRPr lang="en-US" sz="3200" dirty="0">
+            <a:endParaRPr lang="en-US" sz="1500" dirty="0">
               <a:solidFill>
                 <a:srgbClr val="000000"/>
               </a:solidFill>
@@ -24919,7 +24742,7 @@
           <a:p>
             <a:pPr marL="0" indent="0" algn="just">
               <a:spcBef>
-                <a:spcPts val="600"/>
+                <a:spcPts val="282"/>
               </a:spcBef>
               <a:buNone/>
             </a:pPr>
@@ -24963,7 +24786,7 @@
           <a:p>
             <a:pPr marL="0" indent="0" algn="just">
               <a:spcBef>
-                <a:spcPts val="600"/>
+                <a:spcPts val="282"/>
               </a:spcBef>
               <a:buNone/>
             </a:pPr>
@@ -25025,7 +24848,7 @@
           <a:p>
             <a:pPr marL="0" indent="0" algn="just">
               <a:spcBef>
-                <a:spcPts val="600"/>
+                <a:spcPts val="282"/>
               </a:spcBef>
               <a:buNone/>
             </a:pPr>
@@ -25096,7 +24919,7 @@
           <a:p>
             <a:pPr marL="0" indent="0" algn="just">
               <a:spcBef>
-                <a:spcPts val="600"/>
+                <a:spcPts val="282"/>
               </a:spcBef>
               <a:buNone/>
             </a:pPr>
@@ -25158,7 +24981,7 @@
           <a:p>
             <a:pPr marL="0" indent="0" algn="just">
               <a:spcBef>
-                <a:spcPts val="600"/>
+                <a:spcPts val="282"/>
               </a:spcBef>
               <a:buNone/>
             </a:pPr>
@@ -25229,7 +25052,7 @@
           <a:p>
             <a:pPr marL="0" indent="0" algn="just">
               <a:spcBef>
-                <a:spcPts val="600"/>
+                <a:spcPts val="282"/>
               </a:spcBef>
               <a:buNone/>
             </a:pPr>
@@ -25291,7 +25114,7 @@
           <a:p>
             <a:pPr marL="0" indent="0" algn="just">
               <a:spcBef>
-                <a:spcPts val="600"/>
+                <a:spcPts val="282"/>
               </a:spcBef>
               <a:buNone/>
             </a:pPr>
@@ -25326,7 +25149,7 @@
           <a:p>
             <a:pPr marL="0" indent="0" algn="just">
               <a:spcBef>
-                <a:spcPts val="600"/>
+                <a:spcPts val="282"/>
               </a:spcBef>
               <a:buNone/>
             </a:pPr>
@@ -25352,7 +25175,7 @@
           <a:p>
             <a:pPr marL="0" indent="0" algn="just">
               <a:spcBef>
-                <a:spcPts val="600"/>
+                <a:spcPts val="282"/>
               </a:spcBef>
               <a:buNone/>
             </a:pPr>
@@ -25369,7 +25192,7 @@
           <a:p>
             <a:pPr marL="0" indent="0" algn="just">
               <a:spcBef>
-                <a:spcPts val="600"/>
+                <a:spcPts val="282"/>
               </a:spcBef>
               <a:buNone/>
             </a:pPr>
@@ -25386,7 +25209,7 @@
           <a:p>
             <a:pPr marL="0" indent="0" algn="just">
               <a:spcBef>
-                <a:spcPts val="600"/>
+                <a:spcPts val="282"/>
               </a:spcBef>
               <a:buNone/>
             </a:pPr>
@@ -25408,7 +25231,7 @@
     </p:spTree>
     <p:extLst>
       <p:ext uri="{BB962C8B-B14F-4D97-AF65-F5344CB8AC3E}">
-        <p14:creationId xmlns:p14="http://schemas.microsoft.com/office/powerpoint/2010/main" val="2414400779"/>
+        <p14:creationId xmlns:p14="http://schemas.microsoft.com/office/powerpoint/2010/main" xmlns="" val="2414400779"/>
       </p:ext>
     </p:extLst>
   </p:cSld>
@@ -25471,8 +25294,8 @@
         </p:nvSpPr>
         <p:spPr>
           <a:xfrm>
-            <a:off x="775648" y="2183429"/>
-            <a:ext cx="10515600" cy="4674571"/>
+            <a:off x="337427" y="1164498"/>
+            <a:ext cx="4574560" cy="2493105"/>
           </a:xfrm>
         </p:spPr>
         <p:txBody>
@@ -25482,7 +25305,7 @@
           <a:lstStyle/>
           <a:p>
             <a:r>
-              <a:rPr lang="en-US" sz="1800" b="1" dirty="0" smtClean="0">
+              <a:rPr lang="en-US" sz="800" b="1" dirty="0" smtClean="0">
                 <a:solidFill>
                   <a:srgbClr val="008000"/>
                 </a:solidFill>
@@ -25491,7 +25314,7 @@
               <a:t>James Gosling</a:t>
             </a:r>
             <a:r>
-              <a:rPr lang="en-US" sz="1800" dirty="0" smtClean="0">
+              <a:rPr lang="en-US" sz="800" dirty="0" smtClean="0">
                 <a:solidFill>
                   <a:srgbClr val="000000"/>
                 </a:solidFill>
@@ -25500,7 +25323,7 @@
               <a:t>, </a:t>
             </a:r>
             <a:r>
-              <a:rPr lang="en-US" sz="1800" b="1" dirty="0" smtClean="0">
+              <a:rPr lang="en-US" sz="800" b="1" dirty="0" smtClean="0">
                 <a:solidFill>
                   <a:srgbClr val="000000"/>
                 </a:solidFill>
@@ -25509,7 +25332,7 @@
               <a:t>Mike Sheridan</a:t>
             </a:r>
             <a:r>
-              <a:rPr lang="en-US" sz="1800" dirty="0" smtClean="0">
+              <a:rPr lang="en-US" sz="800" dirty="0" smtClean="0">
                 <a:solidFill>
                   <a:srgbClr val="000000"/>
                 </a:solidFill>
@@ -25518,7 +25341,7 @@
               <a:t>, and </a:t>
             </a:r>
             <a:r>
-              <a:rPr lang="en-US" sz="1800" b="1" dirty="0" smtClean="0">
+              <a:rPr lang="en-US" sz="800" b="1" dirty="0" smtClean="0">
                 <a:solidFill>
                   <a:srgbClr val="000000"/>
                 </a:solidFill>
@@ -25527,7 +25350,7 @@
               <a:t>Patrick </a:t>
             </a:r>
             <a:r>
-              <a:rPr lang="en-US" sz="1800" b="1" dirty="0" err="1" smtClean="0">
+              <a:rPr lang="en-US" sz="800" b="1" dirty="0" err="1" smtClean="0">
                 <a:solidFill>
                   <a:srgbClr val="000000"/>
                 </a:solidFill>
@@ -25536,7 +25359,7 @@
               <a:t>Naughton</a:t>
             </a:r>
             <a:r>
-              <a:rPr lang="en-US" sz="1800" dirty="0" smtClean="0">
+              <a:rPr lang="en-US" sz="800" dirty="0" smtClean="0">
                 <a:solidFill>
                   <a:srgbClr val="000000"/>
                 </a:solidFill>
@@ -25545,7 +25368,7 @@
               <a:t> initiated the Java language project in June 1991. The small team of sun engineers called </a:t>
             </a:r>
             <a:r>
-              <a:rPr lang="en-US" sz="1800" b="1" dirty="0" smtClean="0">
+              <a:rPr lang="en-US" sz="800" b="1" dirty="0" smtClean="0">
                 <a:solidFill>
                   <a:srgbClr val="000000"/>
                 </a:solidFill>
@@ -25554,7 +25377,7 @@
               <a:t>Green Team</a:t>
             </a:r>
             <a:r>
-              <a:rPr lang="en-US" sz="1800" dirty="0" smtClean="0">
+              <a:rPr lang="en-US" sz="800" dirty="0" smtClean="0">
                 <a:solidFill>
                   <a:srgbClr val="000000"/>
                 </a:solidFill>
@@ -25565,7 +25388,7 @@
           </a:p>
           <a:p>
             <a:r>
-              <a:rPr lang="en-US" sz="1800" dirty="0" smtClean="0">
+              <a:rPr lang="en-US" sz="800" dirty="0" smtClean="0">
                 <a:solidFill>
                   <a:srgbClr val="000000"/>
                 </a:solidFill>
@@ -25576,7 +25399,7 @@
           </a:p>
           <a:p>
             <a:r>
-              <a:rPr lang="en-US" sz="1800" dirty="0" smtClean="0">
+              <a:rPr lang="en-US" sz="800" dirty="0" smtClean="0">
                 <a:solidFill>
                   <a:srgbClr val="000000"/>
                 </a:solidFill>
@@ -25585,7 +25408,7 @@
               <a:t>Firstly, it was called </a:t>
             </a:r>
             <a:r>
-              <a:rPr lang="en-US" sz="1800" b="1" dirty="0" smtClean="0">
+              <a:rPr lang="en-US" sz="800" b="1" dirty="0" smtClean="0">
                 <a:solidFill>
                   <a:srgbClr val="000000"/>
                 </a:solidFill>
@@ -25594,7 +25417,7 @@
               <a:t>"</a:t>
             </a:r>
             <a:r>
-              <a:rPr lang="en-US" sz="1800" b="1" dirty="0" err="1" smtClean="0">
+              <a:rPr lang="en-US" sz="800" b="1" dirty="0" err="1" smtClean="0">
                 <a:solidFill>
                   <a:srgbClr val="000000"/>
                 </a:solidFill>
@@ -25603,7 +25426,7 @@
               <a:t>Greentalk</a:t>
             </a:r>
             <a:r>
-              <a:rPr lang="en-US" sz="1800" b="1" dirty="0" smtClean="0">
+              <a:rPr lang="en-US" sz="800" b="1" dirty="0" smtClean="0">
                 <a:solidFill>
                   <a:srgbClr val="000000"/>
                 </a:solidFill>
@@ -25612,7 +25435,7 @@
               <a:t>"</a:t>
             </a:r>
             <a:r>
-              <a:rPr lang="en-US" sz="1800" dirty="0" smtClean="0">
+              <a:rPr lang="en-US" sz="800" dirty="0" smtClean="0">
                 <a:solidFill>
                   <a:srgbClr val="000000"/>
                 </a:solidFill>
@@ -25621,7 +25444,7 @@
               <a:t> by James Gosling, and file extension was .</a:t>
             </a:r>
             <a:r>
-              <a:rPr lang="en-US" sz="1800" dirty="0" err="1" smtClean="0">
+              <a:rPr lang="en-US" sz="800" dirty="0" err="1" smtClean="0">
                 <a:solidFill>
                   <a:srgbClr val="000000"/>
                 </a:solidFill>
@@ -25629,7 +25452,7 @@
               </a:rPr>
               <a:t>gt.</a:t>
             </a:r>
-            <a:endParaRPr lang="en-US" sz="1800" dirty="0" smtClean="0">
+            <a:endParaRPr lang="en-US" sz="800" dirty="0" smtClean="0">
               <a:solidFill>
                 <a:srgbClr val="000000"/>
               </a:solidFill>
@@ -25638,7 +25461,7 @@
           </a:p>
           <a:p>
             <a:r>
-              <a:rPr lang="en-US" sz="1800" dirty="0" smtClean="0">
+              <a:rPr lang="en-US" sz="800" dirty="0" smtClean="0">
                 <a:solidFill>
                   <a:srgbClr val="000000"/>
                 </a:solidFill>
@@ -25647,7 +25470,7 @@
               <a:t>After that, it was called </a:t>
             </a:r>
             <a:r>
-              <a:rPr lang="en-US" sz="1800" b="1" dirty="0" smtClean="0">
+              <a:rPr lang="en-US" sz="800" b="1" dirty="0" smtClean="0">
                 <a:solidFill>
                   <a:srgbClr val="000000"/>
                 </a:solidFill>
@@ -25656,7 +25479,7 @@
               <a:t>Oak</a:t>
             </a:r>
             <a:r>
-              <a:rPr lang="en-US" sz="1800" dirty="0" smtClean="0">
+              <a:rPr lang="en-US" sz="800" dirty="0" smtClean="0">
                 <a:solidFill>
                   <a:srgbClr val="000000"/>
                 </a:solidFill>
@@ -25664,17 +25487,10 @@
               </a:rPr>
               <a:t> and was developed as a part of the Green project.</a:t>
             </a:r>
-            <a:endParaRPr lang="en-US" sz="1800" b="0" i="0" dirty="0" smtClean="0">
-              <a:solidFill>
-                <a:srgbClr val="000000"/>
-              </a:solidFill>
-              <a:effectLst/>
-              <a:latin typeface="Sitka Small" panose="02000505000000020004" pitchFamily="2" charset="0"/>
-            </a:endParaRPr>
-          </a:p>
-          <a:p>
-            <a:r>
-              <a:rPr lang="en-US" sz="1800" b="1" dirty="0" smtClean="0">
+          </a:p>
+          <a:p>
+            <a:r>
+              <a:rPr lang="en-US" sz="800" b="1" dirty="0" smtClean="0">
                 <a:solidFill>
                   <a:srgbClr val="000000"/>
                 </a:solidFill>
@@ -25683,7 +25499,7 @@
               <a:t>Why Oak?</a:t>
             </a:r>
             <a:r>
-              <a:rPr lang="en-US" sz="1800" dirty="0" smtClean="0">
+              <a:rPr lang="en-US" sz="800" dirty="0" smtClean="0">
                 <a:solidFill>
                   <a:srgbClr val="000000"/>
                 </a:solidFill>
@@ -25694,7 +25510,7 @@
           </a:p>
           <a:p>
             <a:r>
-              <a:rPr lang="en-US" sz="1800" dirty="0" smtClean="0">
+              <a:rPr lang="en-US" sz="800" dirty="0" smtClean="0">
                 <a:solidFill>
                   <a:srgbClr val="000000"/>
                 </a:solidFill>
@@ -25703,7 +25519,7 @@
               <a:t>In 1995, Oak was renamed as </a:t>
             </a:r>
             <a:r>
-              <a:rPr lang="en-US" sz="1800" b="1" dirty="0" smtClean="0">
+              <a:rPr lang="en-US" sz="800" b="1" dirty="0" smtClean="0">
                 <a:solidFill>
                   <a:srgbClr val="000000"/>
                 </a:solidFill>
@@ -25712,7 +25528,7 @@
               <a:t>"Java"</a:t>
             </a:r>
             <a:r>
-              <a:rPr lang="en-US" sz="1800" dirty="0" smtClean="0">
+              <a:rPr lang="en-US" sz="800" dirty="0" smtClean="0">
                 <a:solidFill>
                   <a:srgbClr val="000000"/>
                 </a:solidFill>
@@ -25720,17 +25536,10 @@
               </a:rPr>
               <a:t> because it was already a trademark by Oak Technologies.</a:t>
             </a:r>
-            <a:endParaRPr lang="en-US" sz="1800" b="0" i="0" dirty="0" smtClean="0">
-              <a:solidFill>
-                <a:srgbClr val="000000"/>
-              </a:solidFill>
-              <a:effectLst/>
-              <a:latin typeface="verdana" panose="020B0604030504040204" pitchFamily="34" charset="0"/>
-            </a:endParaRPr>
-          </a:p>
-          <a:p>
-            <a:r>
-              <a:rPr lang="en-US" sz="1900" dirty="0" smtClean="0">
+          </a:p>
+          <a:p>
+            <a:r>
+              <a:rPr lang="en-US" sz="900" dirty="0" smtClean="0">
                 <a:solidFill>
                   <a:srgbClr val="000000"/>
                 </a:solidFill>
@@ -25740,7 +25549,7 @@
               <a:t>Initially developed by James Gosling at </a:t>
             </a:r>
             <a:r>
-              <a:rPr lang="en-US" sz="1900" dirty="0" smtClean="0">
+              <a:rPr lang="en-US" sz="900" dirty="0" smtClean="0">
                 <a:solidFill>
                   <a:srgbClr val="008000"/>
                 </a:solidFill>
@@ -25751,7 +25560,7 @@
               <a:t>Sun Microsystems</a:t>
             </a:r>
             <a:r>
-              <a:rPr lang="en-US" sz="1900" dirty="0" smtClean="0">
+              <a:rPr lang="en-US" sz="900" dirty="0" smtClean="0">
                 <a:solidFill>
                   <a:srgbClr val="000000"/>
                 </a:solidFill>
@@ -25763,7 +25572,7 @@
           </a:p>
           <a:p>
             <a:r>
-              <a:rPr lang="en-US" sz="1900" dirty="0" smtClean="0">
+              <a:rPr lang="en-US" sz="900" dirty="0" smtClean="0">
                 <a:solidFill>
                   <a:srgbClr val="000000"/>
                 </a:solidFill>
@@ -25773,7 +25582,7 @@
               <a:t>In 1995, Time magazine called </a:t>
             </a:r>
             <a:r>
-              <a:rPr lang="en-US" sz="1900" b="1" dirty="0" smtClean="0">
+              <a:rPr lang="en-US" sz="900" b="1" dirty="0" smtClean="0">
                 <a:solidFill>
                   <a:srgbClr val="000000"/>
                 </a:solidFill>
@@ -25783,7 +25592,7 @@
               <a:t>Java one of the Ten Best Products of 1995</a:t>
             </a:r>
             <a:r>
-              <a:rPr lang="en-US" sz="1900" dirty="0" smtClean="0">
+              <a:rPr lang="en-US" sz="900" dirty="0" smtClean="0">
                 <a:solidFill>
                   <a:srgbClr val="000000"/>
                 </a:solidFill>
@@ -25795,7 +25604,7 @@
           </a:p>
           <a:p>
             <a:r>
-              <a:rPr lang="en-US" sz="1900" dirty="0" smtClean="0">
+              <a:rPr lang="en-US" sz="900" dirty="0" smtClean="0">
                 <a:solidFill>
                   <a:srgbClr val="000000"/>
                 </a:solidFill>
@@ -25804,14 +25613,6 @@
               </a:rPr>
               <a:t>JDK 1.0 released in(January 23, 1996).</a:t>
             </a:r>
-            <a:endParaRPr lang="en-US" sz="1900" b="0" i="0" dirty="0" smtClean="0">
-              <a:solidFill>
-                <a:srgbClr val="000000"/>
-              </a:solidFill>
-              <a:effectLst/>
-              <a:latin typeface="Times New Roman" panose="02020603050405020304" pitchFamily="18" charset="0"/>
-              <a:cs typeface="Times New Roman" panose="02020603050405020304" pitchFamily="18" charset="0"/>
-            </a:endParaRPr>
           </a:p>
           <a:p>
             <a:endParaRPr lang="en-US" dirty="0"/>
@@ -25827,10 +25628,10 @@
           <p:nvPr/>
         </p:nvPicPr>
         <p:blipFill>
-          <a:blip r:embed="rId3">
+          <a:blip r:embed="rId3" cstate="print">
             <a:extLst>
               <a:ext uri="{28A0092B-C50C-407E-A947-70E740481C1C}">
-                <a14:useLocalDpi xmlns:a14="http://schemas.microsoft.com/office/drawing/2010/main" val="0"/>
+                <a14:useLocalDpi xmlns:a14="http://schemas.microsoft.com/office/drawing/2010/main" xmlns="" val="0"/>
               </a:ext>
             </a:extLst>
           </a:blip>
@@ -25841,8 +25642,8 @@
         </p:blipFill>
         <p:spPr bwMode="auto">
           <a:xfrm>
-            <a:off x="10022149" y="0"/>
-            <a:ext cx="2019300" cy="2266951"/>
+            <a:off x="4359895" y="2"/>
+            <a:ext cx="878448" cy="1209041"/>
           </a:xfrm>
           <a:prstGeom prst="rect">
             <a:avLst/>
@@ -25850,7 +25651,7 @@
           <a:noFill/>
           <a:extLst>
             <a:ext uri="{909E8E84-426E-40DD-AFC4-6F175D3DCCD1}">
-              <a14:hiddenFill xmlns:a14="http://schemas.microsoft.com/office/drawing/2010/main">
+              <a14:hiddenFill xmlns:a14="http://schemas.microsoft.com/office/drawing/2010/main" xmlns="">
                 <a:solidFill>
                   <a:srgbClr val="FFFFFF"/>
                 </a:solidFill>
@@ -25868,15 +25669,15 @@
           <p:nvPr/>
         </p:nvPicPr>
         <p:blipFill>
-          <a:blip r:embed="rId4"/>
+          <a:blip r:embed="rId4" cstate="print"/>
           <a:stretch>
             <a:fillRect/>
           </a:stretch>
         </p:blipFill>
         <p:spPr>
           <a:xfrm>
-            <a:off x="150551" y="84931"/>
-            <a:ext cx="2482193" cy="1934938"/>
+            <a:off x="65496" y="45297"/>
+            <a:ext cx="1079819" cy="1031967"/>
           </a:xfrm>
           <a:prstGeom prst="rect">
             <a:avLst/>
@@ -25886,7 +25687,7 @@
     </p:spTree>
     <p:extLst>
       <p:ext uri="{BB962C8B-B14F-4D97-AF65-F5344CB8AC3E}">
-        <p14:creationId xmlns:p14="http://schemas.microsoft.com/office/powerpoint/2010/main" val="2219213423"/>
+        <p14:creationId xmlns:p14="http://schemas.microsoft.com/office/powerpoint/2010/main" xmlns="" val="2219213423"/>
       </p:ext>
     </p:extLst>
   </p:cSld>
@@ -25932,8 +25733,8 @@
         </p:nvSpPr>
         <p:spPr>
           <a:xfrm>
-            <a:off x="838200" y="365126"/>
-            <a:ext cx="10515600" cy="835878"/>
+            <a:off x="364639" y="194734"/>
+            <a:ext cx="4574560" cy="445802"/>
           </a:xfrm>
         </p:spPr>
         <p:txBody>
@@ -25960,8 +25761,8 @@
         </p:nvSpPr>
         <p:spPr>
           <a:xfrm>
-            <a:off x="838200" y="1405719"/>
-            <a:ext cx="10515600" cy="4771244"/>
+            <a:off x="364639" y="749719"/>
+            <a:ext cx="4574560" cy="2544663"/>
           </a:xfrm>
         </p:spPr>
         <p:txBody>
@@ -26000,7 +25801,7 @@
     </p:spTree>
     <p:extLst>
       <p:ext uri="{BB962C8B-B14F-4D97-AF65-F5344CB8AC3E}">
-        <p14:creationId xmlns:p14="http://schemas.microsoft.com/office/powerpoint/2010/main" val="2378071685"/>
+        <p14:creationId xmlns:p14="http://schemas.microsoft.com/office/powerpoint/2010/main" xmlns="" val="2378071685"/>
       </p:ext>
     </p:extLst>
   </p:cSld>
@@ -26039,8 +25840,8 @@
         </p:nvSpPr>
         <p:spPr>
           <a:xfrm>
-            <a:off x="660779" y="464024"/>
-            <a:ext cx="4689143" cy="5445457"/>
+            <a:off x="287457" y="247480"/>
+            <a:ext cx="2039900" cy="2904244"/>
           </a:xfrm>
           <a:noFill/>
           <a:ln>
@@ -26051,7 +25852,7 @@
         </p:spPr>
         <p:txBody>
           <a:bodyPr>
-            <a:normAutofit lnSpcReduction="10000"/>
+            <a:normAutofit/>
           </a:bodyPr>
           <a:lstStyle/>
           <a:p>
@@ -26235,8 +26036,8 @@
         </p:nvSpPr>
         <p:spPr>
           <a:xfrm>
-            <a:off x="5946155" y="836442"/>
-            <a:ext cx="6096000" cy="4832092"/>
+            <a:off x="2586733" y="446102"/>
+            <a:ext cx="2651919" cy="2244036"/>
           </a:xfrm>
           <a:prstGeom prst="rect">
             <a:avLst/>
@@ -26248,132 +26049,131 @@
           </a:ln>
         </p:spPr>
         <p:txBody>
-          <a:bodyPr>
+          <a:bodyPr lIns="43013" tIns="21507" rIns="43013" bIns="21507">
             <a:spAutoFit/>
           </a:bodyPr>
           <a:lstStyle/>
           <a:p>
             <a:r>
-              <a:rPr lang="en-US" sz="2800" b="1" dirty="0" smtClean="0"/>
+              <a:rPr lang="en-US" sz="1300" b="1" dirty="0" smtClean="0"/>
               <a:t>Example:</a:t>
             </a:r>
           </a:p>
           <a:p>
-            <a:endParaRPr lang="en-US" sz="2800" b="1" dirty="0" smtClean="0"/>
-          </a:p>
-          <a:p>
-            <a:r>
-              <a:rPr lang="en-US" sz="2800" b="1" dirty="0" err="1" smtClean="0"/>
+            <a:endParaRPr lang="en-US" sz="1300" b="1" dirty="0" smtClean="0"/>
+          </a:p>
+          <a:p>
+            <a:r>
+              <a:rPr lang="en-US" sz="1300" b="1" dirty="0" err="1" smtClean="0"/>
               <a:t>int</a:t>
             </a:r>
             <a:r>
-              <a:rPr lang="en-US" sz="2800" dirty="0"/>
+              <a:rPr lang="en-US" sz="1300" dirty="0"/>
               <a:t> </a:t>
             </a:r>
             <a:r>
-              <a:rPr lang="en-US" sz="2800" dirty="0" err="1"/>
+              <a:rPr lang="en-US" sz="1300" dirty="0" err="1"/>
               <a:t>num</a:t>
             </a:r>
             <a:r>
-              <a:rPr lang="en-US" sz="2800" dirty="0"/>
+              <a:rPr lang="en-US" sz="1300" dirty="0"/>
               <a:t> = 2;  </a:t>
             </a:r>
           </a:p>
           <a:p>
             <a:r>
-              <a:rPr lang="en-US" sz="2800" b="1" dirty="0"/>
+              <a:rPr lang="en-US" sz="1300" b="1" dirty="0"/>
               <a:t>switch</a:t>
             </a:r>
             <a:r>
-              <a:rPr lang="en-US" sz="2800" dirty="0"/>
+              <a:rPr lang="en-US" sz="1300" dirty="0"/>
               <a:t> (</a:t>
             </a:r>
             <a:r>
-              <a:rPr lang="en-US" sz="2800" dirty="0" err="1"/>
+              <a:rPr lang="en-US" sz="1300" dirty="0" err="1"/>
               <a:t>num</a:t>
             </a:r>
             <a:r>
-              <a:rPr lang="en-US" sz="2800" dirty="0"/>
+              <a:rPr lang="en-US" sz="1300" dirty="0"/>
               <a:t>){  </a:t>
             </a:r>
           </a:p>
           <a:p>
             <a:r>
-              <a:rPr lang="en-US" sz="2800" b="1" dirty="0"/>
+              <a:rPr lang="en-US" sz="1300" b="1" dirty="0"/>
               <a:t>case</a:t>
             </a:r>
             <a:r>
-              <a:rPr lang="en-US" sz="2800" dirty="0"/>
+              <a:rPr lang="en-US" sz="1300" dirty="0"/>
               <a:t> 0:  </a:t>
             </a:r>
           </a:p>
           <a:p>
             <a:r>
-              <a:rPr lang="en-US" sz="2800" dirty="0" err="1"/>
+              <a:rPr lang="en-US" sz="1300" dirty="0" err="1"/>
               <a:t>System.out.println</a:t>
             </a:r>
             <a:r>
-              <a:rPr lang="en-US" sz="2800" dirty="0"/>
+              <a:rPr lang="en-US" sz="1300" dirty="0"/>
               <a:t>("number is 0");  </a:t>
             </a:r>
           </a:p>
           <a:p>
             <a:r>
-              <a:rPr lang="en-US" sz="2800" b="1" dirty="0"/>
+              <a:rPr lang="en-US" sz="1300" b="1" dirty="0"/>
               <a:t>break</a:t>
             </a:r>
             <a:r>
-              <a:rPr lang="en-US" sz="2800" dirty="0"/>
+              <a:rPr lang="en-US" sz="1300" dirty="0"/>
               <a:t>;  </a:t>
             </a:r>
           </a:p>
           <a:p>
             <a:r>
-              <a:rPr lang="en-US" sz="2800" b="1" dirty="0"/>
+              <a:rPr lang="en-US" sz="1300" b="1" dirty="0"/>
               <a:t>case</a:t>
             </a:r>
             <a:r>
-              <a:rPr lang="en-US" sz="2800" dirty="0"/>
+              <a:rPr lang="en-US" sz="1300" dirty="0"/>
               <a:t> 1:  </a:t>
             </a:r>
           </a:p>
           <a:p>
             <a:r>
-              <a:rPr lang="en-US" sz="2800" dirty="0" err="1"/>
+              <a:rPr lang="en-US" sz="1300" dirty="0" err="1"/>
               <a:t>System.out.println</a:t>
             </a:r>
             <a:r>
-              <a:rPr lang="en-US" sz="2800" dirty="0"/>
+              <a:rPr lang="en-US" sz="1300" dirty="0"/>
               <a:t>("number is 1");  </a:t>
             </a:r>
           </a:p>
           <a:p>
             <a:r>
-              <a:rPr lang="en-US" sz="2800" b="1" dirty="0"/>
+              <a:rPr lang="en-US" sz="1300" b="1" dirty="0"/>
               <a:t>break</a:t>
             </a:r>
             <a:r>
-              <a:rPr lang="en-US" sz="2800" dirty="0"/>
+              <a:rPr lang="en-US" sz="1300" dirty="0"/>
               <a:t>;  </a:t>
             </a:r>
           </a:p>
           <a:p>
             <a:r>
-              <a:rPr lang="en-US" sz="2800" b="1" dirty="0"/>
+              <a:rPr lang="en-US" sz="1300" b="1" dirty="0"/>
               <a:t>default</a:t>
             </a:r>
             <a:r>
-              <a:rPr lang="en-US" sz="2800" dirty="0"/>
+              <a:rPr lang="en-US" sz="1300" dirty="0"/>
               <a:t>:  </a:t>
             </a:r>
-            <a:endParaRPr lang="en-US" sz="2800" dirty="0"/>
           </a:p>
         </p:txBody>
       </p:sp>
     </p:spTree>
     <p:extLst>
       <p:ext uri="{BB962C8B-B14F-4D97-AF65-F5344CB8AC3E}">
-        <p14:creationId xmlns:p14="http://schemas.microsoft.com/office/powerpoint/2010/main" val="4064821786"/>
+        <p14:creationId xmlns:p14="http://schemas.microsoft.com/office/powerpoint/2010/main" xmlns="" val="4064821786"/>
       </p:ext>
     </p:extLst>
   </p:cSld>
@@ -26412,8 +26212,8 @@
         </p:nvSpPr>
         <p:spPr>
           <a:xfrm>
-            <a:off x="838200" y="365125"/>
-            <a:ext cx="10515600" cy="844697"/>
+            <a:off x="364639" y="194736"/>
+            <a:ext cx="4574560" cy="450505"/>
           </a:xfrm>
         </p:spPr>
         <p:txBody>
@@ -26439,8 +26239,8 @@
         </p:nvSpPr>
         <p:spPr>
           <a:xfrm>
-            <a:off x="838200" y="1209822"/>
-            <a:ext cx="10515600" cy="4967141"/>
+            <a:off x="364639" y="645239"/>
+            <a:ext cx="4574560" cy="2649142"/>
           </a:xfrm>
         </p:spPr>
         <p:txBody>
@@ -26525,7 +26325,7 @@
     </p:spTree>
     <p:extLst>
       <p:ext uri="{BB962C8B-B14F-4D97-AF65-F5344CB8AC3E}">
-        <p14:creationId xmlns:p14="http://schemas.microsoft.com/office/powerpoint/2010/main" val="4037556969"/>
+        <p14:creationId xmlns:p14="http://schemas.microsoft.com/office/powerpoint/2010/main" xmlns="" val="4037556969"/>
       </p:ext>
     </p:extLst>
   </p:cSld>
@@ -26564,8 +26364,8 @@
         </p:nvSpPr>
         <p:spPr>
           <a:xfrm>
-            <a:off x="767861" y="503261"/>
-            <a:ext cx="5843954" cy="6087453"/>
+            <a:off x="334041" y="268406"/>
+            <a:ext cx="2542272" cy="3246642"/>
           </a:xfrm>
           <a:ln>
             <a:solidFill>
@@ -26575,7 +26375,7 @@
         </p:spPr>
         <p:txBody>
           <a:bodyPr>
-            <a:normAutofit fontScale="92500" lnSpcReduction="20000"/>
+            <a:normAutofit lnSpcReduction="10000"/>
           </a:bodyPr>
           <a:lstStyle/>
           <a:p>
@@ -26827,22 +26627,22 @@
         </p:nvSpPr>
         <p:spPr>
           <a:xfrm>
-            <a:off x="7158957" y="782488"/>
-            <a:ext cx="1362874" cy="2246769"/>
+            <a:off x="3093230" y="417328"/>
+            <a:ext cx="635093" cy="1043708"/>
           </a:xfrm>
           <a:prstGeom prst="rect">
             <a:avLst/>
           </a:prstGeom>
         </p:spPr>
         <p:txBody>
-          <a:bodyPr wrap="none">
+          <a:bodyPr wrap="none" lIns="43013" tIns="21507" rIns="43013" bIns="21507">
             <a:spAutoFit/>
           </a:bodyPr>
           <a:lstStyle/>
           <a:p>
             <a:pPr algn="just"/>
             <a:r>
-              <a:rPr lang="en-US" sz="2800" dirty="0" smtClean="0">
+              <a:rPr lang="en-US" sz="1300" dirty="0" smtClean="0">
                 <a:solidFill>
                   <a:srgbClr val="610B38"/>
                 </a:solidFill>
@@ -26854,11 +26654,10 @@
           <a:p>
             <a:pPr algn="just"/>
             <a:r>
-              <a:rPr lang="en-US" sz="2800" b="0" i="0" dirty="0" smtClean="0">
+              <a:rPr lang="en-US" sz="1300" dirty="0" smtClean="0">
                 <a:solidFill>
                   <a:srgbClr val="610B38"/>
                 </a:solidFill>
-                <a:effectLst/>
                 <a:latin typeface="erdana"/>
               </a:rPr>
               <a:t>1</a:t>
@@ -26867,7 +26666,7 @@
           <a:p>
             <a:pPr algn="just"/>
             <a:r>
-              <a:rPr lang="en-US" sz="2800" dirty="0" smtClean="0">
+              <a:rPr lang="en-US" sz="1300" dirty="0" smtClean="0">
                 <a:solidFill>
                   <a:srgbClr val="610B38"/>
                 </a:solidFill>
@@ -26879,11 +26678,10 @@
           <a:p>
             <a:pPr algn="just"/>
             <a:r>
-              <a:rPr lang="en-US" sz="2800" b="0" i="0" dirty="0" smtClean="0">
+              <a:rPr lang="en-US" sz="1300" dirty="0" smtClean="0">
                 <a:solidFill>
                   <a:srgbClr val="610B38"/>
                 </a:solidFill>
-                <a:effectLst/>
                 <a:latin typeface="erdana"/>
               </a:rPr>
               <a:t>3</a:t>
@@ -26892,7 +26690,7 @@
           <a:p>
             <a:pPr algn="just"/>
             <a:r>
-              <a:rPr lang="en-US" sz="2800" dirty="0">
+              <a:rPr lang="en-US" sz="1300" dirty="0">
                 <a:solidFill>
                   <a:srgbClr val="610B38"/>
                 </a:solidFill>
@@ -26900,20 +26698,13 @@
               </a:rPr>
               <a:t>4</a:t>
             </a:r>
-            <a:endParaRPr lang="en-US" sz="2800" b="0" i="0" dirty="0">
-              <a:solidFill>
-                <a:srgbClr val="610B38"/>
-              </a:solidFill>
-              <a:effectLst/>
-              <a:latin typeface="erdana"/>
-            </a:endParaRPr>
           </a:p>
         </p:txBody>
       </p:sp>
     </p:spTree>
     <p:extLst>
       <p:ext uri="{BB962C8B-B14F-4D97-AF65-F5344CB8AC3E}">
-        <p14:creationId xmlns:p14="http://schemas.microsoft.com/office/powerpoint/2010/main" val="1961546512"/>
+        <p14:creationId xmlns:p14="http://schemas.microsoft.com/office/powerpoint/2010/main" xmlns="" val="1961546512"/>
       </p:ext>
     </p:extLst>
   </p:cSld>
@@ -26952,8 +26743,8 @@
         </p:nvSpPr>
         <p:spPr>
           <a:xfrm>
-            <a:off x="838200" y="1"/>
-            <a:ext cx="10515600" cy="1167617"/>
+            <a:off x="364639" y="3"/>
+            <a:ext cx="4574560" cy="622729"/>
           </a:xfrm>
         </p:spPr>
         <p:txBody>
@@ -26980,13 +26771,13 @@
         </p:nvSpPr>
         <p:spPr>
           <a:xfrm>
-            <a:off x="618979" y="914400"/>
-            <a:ext cx="8778240" cy="5943600"/>
+            <a:off x="269274" y="487680"/>
+            <a:ext cx="3818763" cy="3169920"/>
           </a:xfrm>
         </p:spPr>
         <p:txBody>
           <a:bodyPr>
-            <a:normAutofit fontScale="92500" lnSpcReduction="10000"/>
+            <a:normAutofit lnSpcReduction="10000"/>
           </a:bodyPr>
           <a:lstStyle/>
           <a:p>
@@ -27226,8 +27017,8 @@
         </p:nvSpPr>
         <p:spPr>
           <a:xfrm>
-            <a:off x="9833318" y="1964173"/>
-            <a:ext cx="1822734" cy="4832092"/>
+            <a:off x="4277750" y="1047560"/>
+            <a:ext cx="792937" cy="2244036"/>
           </a:xfrm>
           <a:prstGeom prst="rect">
             <a:avLst/>
@@ -27239,13 +27030,13 @@
           </a:ln>
         </p:spPr>
         <p:txBody>
-          <a:bodyPr wrap="square">
+          <a:bodyPr wrap="square" lIns="43013" tIns="21507" rIns="43013" bIns="21507">
             <a:spAutoFit/>
           </a:bodyPr>
           <a:lstStyle/>
           <a:p>
             <a:r>
-              <a:rPr lang="en-US" sz="2800" b="1" dirty="0">
+              <a:rPr lang="en-US" sz="1300" b="1" dirty="0">
                 <a:solidFill>
                   <a:srgbClr val="333333"/>
                 </a:solidFill>
@@ -27254,7 +27045,7 @@
               <a:t>Output</a:t>
             </a:r>
             <a:r>
-              <a:rPr lang="en-US" sz="2800" b="1" dirty="0" smtClean="0">
+              <a:rPr lang="en-US" sz="1300" b="1" dirty="0" smtClean="0">
                 <a:solidFill>
                   <a:srgbClr val="333333"/>
                 </a:solidFill>
@@ -27265,7 +27056,7 @@
           </a:p>
           <a:p>
             <a:r>
-              <a:rPr lang="en-US" sz="2800" b="1" dirty="0" smtClean="0">
+              <a:rPr lang="en-US" sz="1300" b="1" dirty="0" smtClean="0">
                 <a:solidFill>
                   <a:srgbClr val="333333"/>
                 </a:solidFill>
@@ -27276,7 +27067,7 @@
           </a:p>
           <a:p>
             <a:r>
-              <a:rPr lang="en-US" sz="2800" b="1" dirty="0" smtClean="0">
+              <a:rPr lang="en-US" sz="1300" b="1" dirty="0" smtClean="0">
                 <a:solidFill>
                   <a:srgbClr val="333333"/>
                 </a:solidFill>
@@ -27287,7 +27078,7 @@
           </a:p>
           <a:p>
             <a:r>
-              <a:rPr lang="en-US" sz="2800" b="1" dirty="0" smtClean="0">
+              <a:rPr lang="en-US" sz="1300" b="1" dirty="0" smtClean="0">
                 <a:solidFill>
                   <a:srgbClr val="333333"/>
                 </a:solidFill>
@@ -27298,7 +27089,7 @@
           </a:p>
           <a:p>
             <a:r>
-              <a:rPr lang="en-US" sz="2800" b="1" dirty="0" smtClean="0">
+              <a:rPr lang="en-US" sz="1300" b="1" dirty="0" smtClean="0">
                 <a:solidFill>
                   <a:srgbClr val="333333"/>
                 </a:solidFill>
@@ -27309,7 +27100,7 @@
           </a:p>
           <a:p>
             <a:r>
-              <a:rPr lang="en-US" sz="2800" b="1" dirty="0" smtClean="0">
+              <a:rPr lang="en-US" sz="1300" b="1" dirty="0" smtClean="0">
                 <a:solidFill>
                   <a:srgbClr val="333333"/>
                 </a:solidFill>
@@ -27320,7 +27111,7 @@
           </a:p>
           <a:p>
             <a:r>
-              <a:rPr lang="en-US" sz="2800" b="1" dirty="0" smtClean="0">
+              <a:rPr lang="en-US" sz="1300" b="1" dirty="0" smtClean="0">
                 <a:solidFill>
                   <a:srgbClr val="333333"/>
                 </a:solidFill>
@@ -27331,7 +27122,7 @@
           </a:p>
           <a:p>
             <a:r>
-              <a:rPr lang="en-US" sz="2800" b="1" dirty="0" smtClean="0">
+              <a:rPr lang="en-US" sz="1300" b="1" dirty="0" smtClean="0">
                 <a:solidFill>
                   <a:srgbClr val="333333"/>
                 </a:solidFill>
@@ -27342,7 +27133,7 @@
           </a:p>
           <a:p>
             <a:r>
-              <a:rPr lang="en-US" sz="2800" b="1" dirty="0" smtClean="0">
+              <a:rPr lang="en-US" sz="1300" b="1" dirty="0" smtClean="0">
                 <a:solidFill>
                   <a:srgbClr val="333333"/>
                 </a:solidFill>
@@ -27353,7 +27144,7 @@
           </a:p>
           <a:p>
             <a:r>
-              <a:rPr lang="en-US" sz="2800" b="1" dirty="0" smtClean="0">
+              <a:rPr lang="en-US" sz="1300" b="1" dirty="0" smtClean="0">
                 <a:solidFill>
                   <a:srgbClr val="333333"/>
                 </a:solidFill>
@@ -27363,14 +27154,14 @@
             </a:r>
           </a:p>
           <a:p>
-            <a:endParaRPr lang="en-US" sz="2800" dirty="0"/>
+            <a:endParaRPr lang="en-US" sz="1300" dirty="0"/>
           </a:p>
         </p:txBody>
       </p:sp>
     </p:spTree>
     <p:extLst>
       <p:ext uri="{BB962C8B-B14F-4D97-AF65-F5344CB8AC3E}">
-        <p14:creationId xmlns:p14="http://schemas.microsoft.com/office/powerpoint/2010/main" val="2307385970"/>
+        <p14:creationId xmlns:p14="http://schemas.microsoft.com/office/powerpoint/2010/main" xmlns="" val="2307385970"/>
       </p:ext>
     </p:extLst>
   </p:cSld>
@@ -27409,8 +27200,8 @@
         </p:nvSpPr>
         <p:spPr>
           <a:xfrm>
-            <a:off x="838200" y="112543"/>
-            <a:ext cx="10515600" cy="815926"/>
+            <a:off x="364639" y="60025"/>
+            <a:ext cx="4574560" cy="435161"/>
           </a:xfrm>
         </p:spPr>
         <p:txBody>
@@ -27439,13 +27230,13 @@
         </p:nvSpPr>
         <p:spPr>
           <a:xfrm>
-            <a:off x="838200" y="928469"/>
-            <a:ext cx="10515600" cy="5248494"/>
+            <a:off x="364639" y="495185"/>
+            <a:ext cx="4574560" cy="2799197"/>
           </a:xfrm>
         </p:spPr>
         <p:txBody>
           <a:bodyPr>
-            <a:normAutofit fontScale="92500" lnSpcReduction="10000"/>
+            <a:normAutofit lnSpcReduction="10000"/>
           </a:bodyPr>
           <a:lstStyle/>
           <a:p>
@@ -27537,7 +27328,7 @@
     </p:spTree>
     <p:extLst>
       <p:ext uri="{BB962C8B-B14F-4D97-AF65-F5344CB8AC3E}">
-        <p14:creationId xmlns:p14="http://schemas.microsoft.com/office/powerpoint/2010/main" val="378750785"/>
+        <p14:creationId xmlns:p14="http://schemas.microsoft.com/office/powerpoint/2010/main" xmlns="" val="378750785"/>
       </p:ext>
     </p:extLst>
   </p:cSld>
@@ -27576,8 +27367,8 @@
         </p:nvSpPr>
         <p:spPr>
           <a:xfrm>
-            <a:off x="838200" y="407963"/>
-            <a:ext cx="10515600" cy="5769000"/>
+            <a:off x="364639" y="217580"/>
+            <a:ext cx="4574560" cy="3076800"/>
           </a:xfrm>
         </p:spPr>
         <p:txBody>
@@ -27759,7 +27550,7 @@
     </p:spTree>
     <p:extLst>
       <p:ext uri="{BB962C8B-B14F-4D97-AF65-F5344CB8AC3E}">
-        <p14:creationId xmlns:p14="http://schemas.microsoft.com/office/powerpoint/2010/main" val="536534276"/>
+        <p14:creationId xmlns:p14="http://schemas.microsoft.com/office/powerpoint/2010/main" xmlns="" val="536534276"/>
       </p:ext>
     </p:extLst>
   </p:cSld>
@@ -27798,8 +27589,8 @@
         </p:nvSpPr>
         <p:spPr>
           <a:xfrm>
-            <a:off x="838200" y="154110"/>
-            <a:ext cx="10515600" cy="957237"/>
+            <a:off x="364639" y="82193"/>
+            <a:ext cx="4574560" cy="510526"/>
           </a:xfrm>
         </p:spPr>
         <p:txBody>
@@ -27828,8 +27619,8 @@
         </p:nvSpPr>
         <p:spPr>
           <a:xfrm>
-            <a:off x="838200" y="1364566"/>
-            <a:ext cx="10515600" cy="5493434"/>
+            <a:off x="364639" y="727770"/>
+            <a:ext cx="4574560" cy="2929831"/>
           </a:xfrm>
         </p:spPr>
         <p:txBody>
@@ -27924,7 +27715,7 @@
     </p:spTree>
     <p:extLst>
       <p:ext uri="{BB962C8B-B14F-4D97-AF65-F5344CB8AC3E}">
-        <p14:creationId xmlns:p14="http://schemas.microsoft.com/office/powerpoint/2010/main" val="2737885673"/>
+        <p14:creationId xmlns:p14="http://schemas.microsoft.com/office/powerpoint/2010/main" xmlns="" val="2737885673"/>
       </p:ext>
     </p:extLst>
   </p:cSld>
@@ -27963,8 +27754,8 @@
         </p:nvSpPr>
         <p:spPr>
           <a:xfrm>
-            <a:off x="838200" y="520506"/>
-            <a:ext cx="10515600" cy="5992836"/>
+            <a:off x="364639" y="277605"/>
+            <a:ext cx="4574560" cy="3196179"/>
           </a:xfrm>
         </p:spPr>
         <p:txBody>
@@ -28174,7 +27965,7 @@
     </p:spTree>
     <p:extLst>
       <p:ext uri="{BB962C8B-B14F-4D97-AF65-F5344CB8AC3E}">
-        <p14:creationId xmlns:p14="http://schemas.microsoft.com/office/powerpoint/2010/main" val="2397916629"/>
+        <p14:creationId xmlns:p14="http://schemas.microsoft.com/office/powerpoint/2010/main" xmlns="" val="2397916629"/>
       </p:ext>
     </p:extLst>
   </p:cSld>
@@ -28213,8 +28004,8 @@
         </p:nvSpPr>
         <p:spPr>
           <a:xfrm>
-            <a:off x="838200" y="98475"/>
-            <a:ext cx="10515600" cy="998806"/>
+            <a:off x="364639" y="52522"/>
+            <a:ext cx="4574560" cy="532697"/>
           </a:xfrm>
         </p:spPr>
         <p:txBody>
@@ -28241,13 +28032,13 @@
         </p:nvSpPr>
         <p:spPr>
           <a:xfrm>
-            <a:off x="838200" y="1097280"/>
-            <a:ext cx="10515600" cy="5760719"/>
+            <a:off x="364639" y="585217"/>
+            <a:ext cx="4574560" cy="3072383"/>
           </a:xfrm>
         </p:spPr>
         <p:txBody>
           <a:bodyPr>
-            <a:normAutofit lnSpcReduction="10000"/>
+            <a:normAutofit/>
           </a:bodyPr>
           <a:lstStyle/>
           <a:p>
@@ -28394,7 +28185,7 @@
     </p:spTree>
     <p:extLst>
       <p:ext uri="{BB962C8B-B14F-4D97-AF65-F5344CB8AC3E}">
-        <p14:creationId xmlns:p14="http://schemas.microsoft.com/office/powerpoint/2010/main" val="166110158"/>
+        <p14:creationId xmlns:p14="http://schemas.microsoft.com/office/powerpoint/2010/main" xmlns="" val="166110158"/>
       </p:ext>
     </p:extLst>
   </p:cSld>
@@ -28433,8 +28224,8 @@
         </p:nvSpPr>
         <p:spPr>
           <a:xfrm>
-            <a:off x="729018" y="0"/>
-            <a:ext cx="10515600" cy="822230"/>
+            <a:off x="317141" y="1"/>
+            <a:ext cx="4574560" cy="438523"/>
           </a:xfrm>
         </p:spPr>
         <p:txBody>
@@ -28462,8 +28253,8 @@
         </p:nvSpPr>
         <p:spPr>
           <a:xfrm>
-            <a:off x="729018" y="928049"/>
-            <a:ext cx="10980761" cy="5929951"/>
+            <a:off x="317144" y="494961"/>
+            <a:ext cx="4776917" cy="3162641"/>
           </a:xfrm>
         </p:spPr>
         <p:txBody>
@@ -28472,122 +28263,122 @@
           </a:bodyPr>
           <a:lstStyle/>
           <a:p>
-            <a:pPr marL="514350" indent="-514350">
+            <a:pPr marL="241950" indent="-241950">
               <a:buFont typeface="+mj-lt"/>
               <a:buAutoNum type="arabicPeriod"/>
             </a:pPr>
             <a:r>
-              <a:rPr lang="en-US" sz="2000" b="1" dirty="0" smtClean="0"/>
+              <a:rPr lang="en-US" sz="900" b="1" dirty="0" smtClean="0"/>
               <a:t>Simple  </a:t>
             </a:r>
           </a:p>
           <a:p>
             <a:pPr lvl="1"/>
             <a:r>
-              <a:rPr lang="en-US" sz="2000" dirty="0" smtClean="0"/>
+              <a:rPr lang="en-US" sz="900" dirty="0" smtClean="0"/>
               <a:t>syntax similar to C/C++</a:t>
             </a:r>
           </a:p>
           <a:p>
             <a:pPr lvl="1"/>
             <a:r>
-              <a:rPr lang="en-US" sz="2000" dirty="0" smtClean="0"/>
+              <a:rPr lang="en-US" sz="900" dirty="0" smtClean="0"/>
               <a:t>Confusing features such as pointers, operator overloading are removed from java</a:t>
             </a:r>
           </a:p>
           <a:p>
-            <a:pPr marL="514350" indent="-514350">
+            <a:pPr marL="241950" indent="-241950">
               <a:buFont typeface="+mj-lt"/>
               <a:buAutoNum type="arabicPeriod"/>
             </a:pPr>
             <a:r>
-              <a:rPr lang="en-US" sz="2000" b="1" dirty="0" smtClean="0"/>
+              <a:rPr lang="en-US" sz="900" b="1" dirty="0" smtClean="0"/>
               <a:t>Object Oriented</a:t>
             </a:r>
           </a:p>
           <a:p>
             <a:pPr lvl="1"/>
             <a:r>
-              <a:rPr lang="en-US" sz="2000" dirty="0"/>
+              <a:rPr lang="en-US" sz="900" dirty="0"/>
               <a:t>Everything in java is an object</a:t>
             </a:r>
           </a:p>
           <a:p>
             <a:pPr lvl="1"/>
             <a:r>
-              <a:rPr lang="en-US" sz="2000" dirty="0"/>
+              <a:rPr lang="en-US" sz="900" dirty="0"/>
               <a:t>Java Supports OOP Features such as Inheritance, Polymorphism, Encapsulation, Abstraction etc.</a:t>
             </a:r>
           </a:p>
           <a:p>
-            <a:pPr marL="514350" indent="-514350">
+            <a:pPr marL="241950" indent="-241950">
               <a:buFont typeface="+mj-lt"/>
               <a:buAutoNum type="arabicPeriod"/>
             </a:pPr>
             <a:r>
-              <a:rPr lang="en-US" sz="2000" b="1" dirty="0" smtClean="0"/>
+              <a:rPr lang="en-US" sz="900" b="1" dirty="0" smtClean="0"/>
               <a:t>Distributed</a:t>
             </a:r>
           </a:p>
           <a:p>
             <a:pPr lvl="1"/>
             <a:r>
-              <a:rPr lang="en-US" sz="2000" dirty="0" smtClean="0"/>
+              <a:rPr lang="en-US" sz="900" dirty="0" smtClean="0"/>
               <a:t>Remote Method Invocation (RMI) and Enterprise Java Beans (EJB) are used for creating distributed applications.</a:t>
             </a:r>
           </a:p>
           <a:p>
             <a:pPr lvl="1"/>
             <a:r>
-              <a:rPr lang="en-US" sz="2000" dirty="0" smtClean="0"/>
+              <a:rPr lang="en-US" sz="900" dirty="0" smtClean="0"/>
               <a:t>We may access files by calling the methods from any machine on the internet.</a:t>
             </a:r>
           </a:p>
           <a:p>
-            <a:pPr marL="514350" indent="-514350">
+            <a:pPr marL="241950" indent="-241950">
               <a:buFont typeface="+mj-lt"/>
               <a:buAutoNum type="arabicPeriod"/>
             </a:pPr>
             <a:r>
-              <a:rPr lang="en-US" sz="2000" b="1" dirty="0" smtClean="0"/>
+              <a:rPr lang="en-US" sz="900" b="1" dirty="0" smtClean="0"/>
               <a:t>Robust</a:t>
             </a:r>
           </a:p>
           <a:p>
             <a:pPr lvl="1"/>
             <a:r>
-              <a:rPr lang="en-US" sz="2000" dirty="0" smtClean="0"/>
+              <a:rPr lang="en-US" sz="900" dirty="0" smtClean="0"/>
               <a:t>Robust means Strong. Java uses strong memory management.</a:t>
             </a:r>
           </a:p>
           <a:p>
             <a:pPr lvl="1"/>
             <a:r>
-              <a:rPr lang="en-US" sz="2000" dirty="0" smtClean="0"/>
+              <a:rPr lang="en-US" sz="900" dirty="0" smtClean="0"/>
               <a:t>Features such as Garbage collection, exception handling, type checking etc. makes java strong.</a:t>
             </a:r>
           </a:p>
           <a:p>
-            <a:pPr marL="514350" indent="-514350">
+            <a:pPr marL="241950" indent="-241950">
               <a:buFont typeface="+mj-lt"/>
               <a:buAutoNum type="arabicPeriod"/>
             </a:pPr>
             <a:r>
-              <a:rPr lang="en-US" sz="2000" b="1" dirty="0" smtClean="0"/>
+              <a:rPr lang="en-US" sz="900" b="1" dirty="0" smtClean="0"/>
               <a:t>Secure</a:t>
             </a:r>
           </a:p>
           <a:p>
             <a:pPr lvl="1"/>
             <a:r>
-              <a:rPr lang="en-US" sz="2000" dirty="0" smtClean="0"/>
+              <a:rPr lang="en-US" sz="900" dirty="0" smtClean="0"/>
               <a:t>Security is the major concern since java is meant to be used in networked environments.</a:t>
             </a:r>
           </a:p>
           <a:p>
             <a:pPr lvl="1"/>
             <a:r>
-              <a:rPr lang="en-US" sz="2000" dirty="0" smtClean="0"/>
+              <a:rPr lang="en-US" sz="900" dirty="0" smtClean="0"/>
               <a:t>Access levels such as private, protected, public &amp; default.</a:t>
             </a:r>
           </a:p>
@@ -28596,7 +28387,7 @@
     </p:spTree>
     <p:extLst>
       <p:ext uri="{BB962C8B-B14F-4D97-AF65-F5344CB8AC3E}">
-        <p14:creationId xmlns:p14="http://schemas.microsoft.com/office/powerpoint/2010/main" val="2112722047"/>
+        <p14:creationId xmlns:p14="http://schemas.microsoft.com/office/powerpoint/2010/main" xmlns="" val="2112722047"/>
       </p:ext>
     </p:extLst>
   </p:cSld>
@@ -30228,8 +30019,8 @@
         </p:nvSpPr>
         <p:spPr>
           <a:xfrm>
-            <a:off x="838200" y="633046"/>
-            <a:ext cx="10515600" cy="5162843"/>
+            <a:off x="364639" y="337625"/>
+            <a:ext cx="4574560" cy="2753516"/>
           </a:xfrm>
         </p:spPr>
         <p:txBody>
@@ -30447,7 +30238,7 @@
     </p:spTree>
     <p:extLst>
       <p:ext uri="{BB962C8B-B14F-4D97-AF65-F5344CB8AC3E}">
-        <p14:creationId xmlns:p14="http://schemas.microsoft.com/office/powerpoint/2010/main" val="1268723673"/>
+        <p14:creationId xmlns:p14="http://schemas.microsoft.com/office/powerpoint/2010/main" xmlns="" val="1268723673"/>
       </p:ext>
     </p:extLst>
   </p:cSld>
@@ -30486,8 +30277,8 @@
         </p:nvSpPr>
         <p:spPr>
           <a:xfrm>
-            <a:off x="838200" y="365125"/>
-            <a:ext cx="10515600" cy="904117"/>
+            <a:off x="364639" y="194733"/>
+            <a:ext cx="4574560" cy="482196"/>
           </a:xfrm>
         </p:spPr>
         <p:txBody>
@@ -30515,8 +30306,8 @@
         </p:nvSpPr>
         <p:spPr>
           <a:xfrm>
-            <a:off x="838200" y="1333488"/>
-            <a:ext cx="10515600" cy="4351338"/>
+            <a:off x="364639" y="711194"/>
+            <a:ext cx="4574560" cy="2320714"/>
           </a:xfrm>
         </p:spPr>
         <p:txBody>
@@ -30567,15 +30358,15 @@
         </p:nvSpPr>
         <p:spPr>
           <a:xfrm>
-            <a:off x="245659" y="3152633"/>
-            <a:ext cx="8979090" cy="713048"/>
+            <a:off x="106869" y="1681404"/>
+            <a:ext cx="3906138" cy="380292"/>
           </a:xfrm>
           <a:prstGeom prst="rect">
             <a:avLst/>
           </a:prstGeom>
         </p:spPr>
         <p:txBody>
-          <a:bodyPr vert="horz" lIns="91440" tIns="45720" rIns="91440" bIns="45720" rtlCol="0" anchor="ctr">
+          <a:bodyPr vert="horz" lIns="43013" tIns="21507" rIns="43013" bIns="21507" rtlCol="0" anchor="ctr">
             <a:normAutofit fontScale="97500"/>
           </a:bodyPr>
           <a:lstStyle>
@@ -30598,7 +30389,7 @@
             </a:lvl1pPr>
           </a:lstStyle>
           <a:p>
-            <a:endParaRPr lang="en-US" sz="3200" b="1" u="sng" dirty="0"/>
+            <a:endParaRPr lang="en-US" sz="1500" b="1" u="sng" dirty="0"/>
           </a:p>
         </p:txBody>
       </p:sp>
@@ -30612,15 +30403,15 @@
         </p:nvSpPr>
         <p:spPr>
           <a:xfrm>
-            <a:off x="1782170" y="4261608"/>
-            <a:ext cx="9327107" cy="1791032"/>
+            <a:off x="775293" y="2272858"/>
+            <a:ext cx="4057535" cy="955217"/>
           </a:xfrm>
           <a:prstGeom prst="rect">
             <a:avLst/>
           </a:prstGeom>
         </p:spPr>
         <p:txBody>
-          <a:bodyPr vert="horz" lIns="91440" tIns="45720" rIns="91440" bIns="45720" rtlCol="0">
+          <a:bodyPr vert="horz" lIns="43013" tIns="21507" rIns="43013" bIns="21507" rtlCol="0">
             <a:normAutofit/>
           </a:bodyPr>
           <a:lstStyle>
@@ -30795,7 +30586,7 @@
     </p:spTree>
     <p:extLst>
       <p:ext uri="{BB962C8B-B14F-4D97-AF65-F5344CB8AC3E}">
-        <p14:creationId xmlns:p14="http://schemas.microsoft.com/office/powerpoint/2010/main" val="2891716657"/>
+        <p14:creationId xmlns:p14="http://schemas.microsoft.com/office/powerpoint/2010/main" xmlns="" val="2891716657"/>
       </p:ext>
     </p:extLst>
   </p:cSld>
@@ -31076,8 +30867,8 @@
         </p:nvSpPr>
         <p:spPr>
           <a:xfrm>
-            <a:off x="838200" y="0"/>
-            <a:ext cx="10515600" cy="1325563"/>
+            <a:off x="364639" y="2"/>
+            <a:ext cx="4574560" cy="706967"/>
           </a:xfrm>
         </p:spPr>
         <p:txBody>
@@ -31105,17 +30896,17 @@
         </p:nvSpPr>
         <p:spPr>
           <a:xfrm>
-            <a:off x="933734" y="1325563"/>
-            <a:ext cx="10953466" cy="5032375"/>
+            <a:off x="406200" y="706967"/>
+            <a:ext cx="4765044" cy="2683933"/>
           </a:xfrm>
         </p:spPr>
         <p:txBody>
           <a:bodyPr>
-            <a:normAutofit fontScale="92500" lnSpcReduction="10000"/>
+            <a:normAutofit lnSpcReduction="10000"/>
           </a:bodyPr>
           <a:lstStyle/>
           <a:p>
-            <a:pPr marL="514350" indent="-514350">
+            <a:pPr marL="241950" indent="-241950">
               <a:buFont typeface="+mj-lt"/>
               <a:buAutoNum type="arabicPeriod"/>
             </a:pPr>
@@ -31125,7 +30916,7 @@
             </a:r>
           </a:p>
           <a:p>
-            <a:pPr marL="514350" indent="-514350">
+            <a:pPr marL="241950" indent="-241950">
               <a:buFont typeface="+mj-lt"/>
               <a:buAutoNum type="arabicPeriod"/>
             </a:pPr>
@@ -31135,7 +30926,7 @@
             </a:r>
           </a:p>
           <a:p>
-            <a:pPr marL="514350" indent="-514350">
+            <a:pPr marL="241950" indent="-241950">
               <a:buFont typeface="+mj-lt"/>
               <a:buAutoNum type="arabicPeriod"/>
             </a:pPr>
@@ -31145,7 +30936,7 @@
             </a:r>
           </a:p>
           <a:p>
-            <a:pPr marL="514350" indent="-514350">
+            <a:pPr marL="241950" indent="-241950">
               <a:buFont typeface="+mj-lt"/>
               <a:buAutoNum type="arabicPeriod"/>
             </a:pPr>
@@ -31155,7 +30946,7 @@
             </a:r>
           </a:p>
           <a:p>
-            <a:pPr marL="514350" indent="-514350">
+            <a:pPr marL="241950" indent="-241950">
               <a:buFont typeface="+mj-lt"/>
               <a:buAutoNum type="arabicPeriod"/>
             </a:pPr>
@@ -31165,7 +30956,7 @@
             </a:r>
           </a:p>
           <a:p>
-            <a:pPr marL="514350" indent="-514350">
+            <a:pPr marL="241950" indent="-241950">
               <a:buFont typeface="+mj-lt"/>
               <a:buAutoNum type="arabicPeriod"/>
             </a:pPr>
@@ -31175,7 +30966,7 @@
             </a:r>
           </a:p>
           <a:p>
-            <a:pPr marL="514350" indent="-514350">
+            <a:pPr marL="241950" indent="-241950">
               <a:buFont typeface="+mj-lt"/>
               <a:buAutoNum type="arabicPeriod"/>
             </a:pPr>
@@ -31189,7 +30980,7 @@
             </a:r>
           </a:p>
           <a:p>
-            <a:pPr marL="514350" indent="-514350">
+            <a:pPr marL="241950" indent="-241950">
               <a:buFont typeface="+mj-lt"/>
               <a:buAutoNum type="arabicPeriod"/>
             </a:pPr>
@@ -31199,7 +30990,7 @@
             </a:r>
           </a:p>
           <a:p>
-            <a:pPr marL="514350" indent="-514350">
+            <a:pPr marL="241950" indent="-241950">
               <a:buFont typeface="+mj-lt"/>
               <a:buAutoNum type="arabicPeriod"/>
             </a:pPr>
@@ -31209,7 +31000,7 @@
             </a:r>
           </a:p>
           <a:p>
-            <a:pPr marL="514350" indent="-514350">
+            <a:pPr marL="241950" indent="-241950">
               <a:buFont typeface="+mj-lt"/>
               <a:buAutoNum type="arabicPeriod"/>
             </a:pPr>
@@ -31219,7 +31010,7 @@
             </a:r>
           </a:p>
           <a:p>
-            <a:pPr marL="514350" indent="-514350">
+            <a:pPr marL="241950" indent="-241950">
               <a:buFont typeface="+mj-lt"/>
               <a:buAutoNum type="arabicPeriod"/>
             </a:pPr>
@@ -31233,7 +31024,7 @@
     </p:spTree>
     <p:extLst>
       <p:ext uri="{BB962C8B-B14F-4D97-AF65-F5344CB8AC3E}">
-        <p14:creationId xmlns:p14="http://schemas.microsoft.com/office/powerpoint/2010/main" val="2186651720"/>
+        <p14:creationId xmlns:p14="http://schemas.microsoft.com/office/powerpoint/2010/main" xmlns="" val="2186651720"/>
       </p:ext>
     </p:extLst>
   </p:cSld>
@@ -31380,7 +31171,7 @@
     </p:spTree>
     <p:extLst>
       <p:ext uri="{BB962C8B-B14F-4D97-AF65-F5344CB8AC3E}">
-        <p14:creationId xmlns:p14="http://schemas.microsoft.com/office/powerpoint/2010/main" val="3325166647"/>
+        <p14:creationId xmlns:p14="http://schemas.microsoft.com/office/powerpoint/2010/main" xmlns="" val="3325166647"/>
       </p:ext>
     </p:extLst>
   </p:cSld>
@@ -31426,8 +31217,8 @@
         </p:nvSpPr>
         <p:spPr>
           <a:xfrm>
-            <a:off x="824552" y="341193"/>
-            <a:ext cx="10515600" cy="6612341"/>
+            <a:off x="358702" y="181970"/>
+            <a:ext cx="4574560" cy="3526582"/>
           </a:xfrm>
         </p:spPr>
         <p:txBody>
@@ -31440,99 +31231,99 @@
               <a:buNone/>
             </a:pPr>
             <a:r>
-              <a:rPr lang="en-US" sz="2200" b="1" dirty="0" smtClean="0"/>
+              <a:rPr lang="en-US" sz="1000" b="1" dirty="0" smtClean="0"/>
               <a:t>6.    Architectural </a:t>
             </a:r>
             <a:r>
-              <a:rPr lang="en-US" sz="2200" b="1" dirty="0"/>
+              <a:rPr lang="en-US" sz="1000" b="1" dirty="0"/>
               <a:t>Neutral</a:t>
             </a:r>
           </a:p>
           <a:p>
             <a:pPr lvl="1"/>
             <a:r>
-              <a:rPr lang="en-US" sz="2200" dirty="0"/>
+              <a:rPr lang="en-US" sz="1000" dirty="0"/>
               <a:t>Byte codes are Platform Independent because it can run on multiple platforms</a:t>
             </a:r>
             <a:r>
-              <a:rPr lang="en-US" sz="2200" dirty="0" smtClean="0"/>
+              <a:rPr lang="en-US" sz="1000" dirty="0" smtClean="0"/>
               <a:t>.</a:t>
             </a:r>
-            <a:endParaRPr lang="en-US" sz="2200" b="1" dirty="0" smtClean="0"/>
-          </a:p>
-          <a:p>
-            <a:pPr marL="514350" indent="-514350">
+            <a:endParaRPr lang="en-US" sz="1000" b="1" dirty="0" smtClean="0"/>
+          </a:p>
+          <a:p>
+            <a:pPr marL="241950" indent="-241950">
               <a:buAutoNum type="arabicPeriod" startAt="7"/>
             </a:pPr>
             <a:r>
-              <a:rPr lang="en-US" sz="2200" b="1" dirty="0" smtClean="0"/>
+              <a:rPr lang="en-US" sz="1000" b="1" dirty="0" smtClean="0"/>
               <a:t>Portable</a:t>
             </a:r>
           </a:p>
           <a:p>
             <a:pPr lvl="1"/>
             <a:r>
-              <a:rPr lang="en-US" sz="2200" dirty="0" smtClean="0"/>
+              <a:rPr lang="en-US" sz="1000" dirty="0" smtClean="0"/>
               <a:t>Write once, run anywhere is the concept of portability.</a:t>
             </a:r>
           </a:p>
           <a:p>
             <a:pPr lvl="1"/>
             <a:r>
-              <a:rPr lang="en-US" sz="2200" dirty="0" smtClean="0"/>
+              <a:rPr lang="en-US" sz="1000" dirty="0" smtClean="0"/>
               <a:t>We can carry java byte code to any platform and execute there.</a:t>
             </a:r>
           </a:p>
           <a:p>
-            <a:pPr marL="514350" indent="-514350">
+            <a:pPr marL="241950" indent="-241950">
               <a:buAutoNum type="arabicPeriod" startAt="8"/>
             </a:pPr>
             <a:r>
-              <a:rPr lang="en-US" sz="2200" b="1" dirty="0" smtClean="0"/>
+              <a:rPr lang="en-US" sz="1000" b="1" dirty="0" smtClean="0"/>
               <a:t>Compiled and Interpreted</a:t>
             </a:r>
           </a:p>
           <a:p>
             <a:pPr lvl="1"/>
             <a:r>
-              <a:rPr lang="en-US" sz="2200" dirty="0" smtClean="0"/>
+              <a:rPr lang="en-US" sz="1000" dirty="0" smtClean="0"/>
               <a:t>Usually a computer language is either compiled or interpreted. Java combines both and so its called two-stage system.</a:t>
             </a:r>
           </a:p>
           <a:p>
             <a:pPr lvl="1"/>
             <a:r>
-              <a:rPr lang="en-US" sz="2200" dirty="0" smtClean="0"/>
+              <a:rPr lang="en-US" sz="1000" dirty="0" smtClean="0"/>
               <a:t>Java compiler translates source code into byte code </a:t>
             </a:r>
           </a:p>
           <a:p>
             <a:pPr lvl="1"/>
             <a:r>
-              <a:rPr lang="en-US" sz="2200" dirty="0" smtClean="0"/>
+              <a:rPr lang="en-US" sz="1000" dirty="0" smtClean="0"/>
               <a:t>Java Interpreter translates byte code to machine code </a:t>
             </a:r>
           </a:p>
           <a:p>
-            <a:pPr marL="514350" indent="-514350">
+            <a:pPr marL="241950" indent="-241950">
               <a:buAutoNum type="arabicPeriod" startAt="9"/>
             </a:pPr>
             <a:r>
-              <a:rPr lang="en-US" sz="2200" b="1" dirty="0" smtClean="0"/>
+              <a:rPr lang="en-US" sz="1000" b="1" dirty="0" smtClean="0"/>
               <a:t>High Performance</a:t>
             </a:r>
           </a:p>
           <a:p>
             <a:pPr lvl="1"/>
             <a:r>
-              <a:rPr lang="en-US" sz="2200" dirty="0" smtClean="0"/>
+              <a:rPr lang="en-US" sz="1000" dirty="0" smtClean="0"/>
               <a:t>Java is faster than traditional languages.</a:t>
             </a:r>
           </a:p>
           <a:p>
             <a:pPr lvl="1"/>
             <a:r>
-              <a:rPr lang="en-US" sz="2200" dirty="0" smtClean="0"/>
+              <a:rPr lang="en-US" sz="1000" dirty="0" smtClean="0"/>
               <a:t>The performance is due to JIT (just in Time) compilation that cache the recurring process to speed up the process.</a:t>
             </a:r>
           </a:p>
@@ -31541,21 +31332,21 @@
               <a:buNone/>
             </a:pPr>
             <a:r>
-              <a:rPr lang="en-US" sz="2200" b="1" dirty="0" smtClean="0"/>
+              <a:rPr lang="en-US" sz="1000" b="1" dirty="0" smtClean="0"/>
               <a:t>10. Multithreaded</a:t>
             </a:r>
           </a:p>
           <a:p>
             <a:pPr lvl="1"/>
             <a:r>
-              <a:rPr lang="en-US" sz="2200" dirty="0" smtClean="0"/>
+              <a:rPr lang="en-US" sz="1000" dirty="0" smtClean="0"/>
               <a:t>The main advantage is that it shares the same memory.</a:t>
             </a:r>
           </a:p>
           <a:p>
             <a:pPr lvl="1"/>
             <a:r>
-              <a:rPr lang="en-US" sz="2200" dirty="0" smtClean="0"/>
+              <a:rPr lang="en-US" sz="1000" dirty="0" smtClean="0"/>
               <a:t>Threads are important for multi-media, web applications etc.</a:t>
             </a:r>
           </a:p>
@@ -31564,7 +31355,7 @@
     </p:spTree>
     <p:extLst>
       <p:ext uri="{BB962C8B-B14F-4D97-AF65-F5344CB8AC3E}">
-        <p14:creationId xmlns:p14="http://schemas.microsoft.com/office/powerpoint/2010/main" val="3879817198"/>
+        <p14:creationId xmlns:p14="http://schemas.microsoft.com/office/powerpoint/2010/main" xmlns="" val="3879817198"/>
       </p:ext>
     </p:extLst>
   </p:cSld>
@@ -33214,8 +33005,8 @@
         </p:nvSpPr>
         <p:spPr>
           <a:xfrm>
-            <a:off x="838200" y="109182"/>
-            <a:ext cx="10515600" cy="928048"/>
+            <a:off x="364639" y="58230"/>
+            <a:ext cx="4574560" cy="494959"/>
           </a:xfrm>
         </p:spPr>
         <p:txBody>
@@ -33242,8 +33033,8 @@
         </p:nvSpPr>
         <p:spPr>
           <a:xfrm>
-            <a:off x="838200" y="1214652"/>
-            <a:ext cx="10515600" cy="5643348"/>
+            <a:off x="364639" y="647814"/>
+            <a:ext cx="4574560" cy="3009786"/>
           </a:xfrm>
         </p:spPr>
         <p:txBody>
@@ -33253,99 +33044,99 @@
           <a:lstStyle/>
           <a:p>
             <a:r>
-              <a:rPr lang="en-US" sz="2200" b="1" dirty="0"/>
+              <a:rPr lang="en-US" sz="1000" b="1" dirty="0"/>
               <a:t>Java Architecture</a:t>
             </a:r>
             <a:r>
-              <a:rPr lang="en-US" sz="2200" dirty="0"/>
+              <a:rPr lang="en-US" sz="1000" dirty="0"/>
               <a:t> is a collection of components, i.e., </a:t>
             </a:r>
             <a:r>
-              <a:rPr lang="en-US" sz="2200" b="1" dirty="0"/>
+              <a:rPr lang="en-US" sz="1000" b="1" dirty="0"/>
               <a:t>JVM, JRE,</a:t>
             </a:r>
             <a:r>
-              <a:rPr lang="en-US" sz="2200" dirty="0"/>
+              <a:rPr lang="en-US" sz="1000" dirty="0"/>
               <a:t> and </a:t>
             </a:r>
             <a:r>
-              <a:rPr lang="en-US" sz="2200" b="1" dirty="0"/>
+              <a:rPr lang="en-US" sz="1000" b="1" dirty="0"/>
               <a:t>JDK</a:t>
             </a:r>
             <a:r>
-              <a:rPr lang="en-US" sz="2200" dirty="0"/>
+              <a:rPr lang="en-US" sz="1000" dirty="0"/>
               <a:t>. </a:t>
             </a:r>
-            <a:endParaRPr lang="en-US" sz="2200" dirty="0" smtClean="0"/>
-          </a:p>
-          <a:p>
-            <a:r>
-              <a:rPr lang="en-US" sz="2200" b="1" dirty="0" smtClean="0"/>
+            <a:endParaRPr lang="en-US" sz="1000" dirty="0" smtClean="0"/>
+          </a:p>
+          <a:p>
+            <a:r>
+              <a:rPr lang="en-US" sz="1000" b="1" dirty="0" smtClean="0"/>
               <a:t>It</a:t>
             </a:r>
             <a:r>
-              <a:rPr lang="en-US" sz="2200" dirty="0"/>
+              <a:rPr lang="en-US" sz="1000" dirty="0"/>
               <a:t> integrates the process of interpretation and compilation. It defines all the processes involved in creating a Java program. </a:t>
             </a:r>
             <a:r>
-              <a:rPr lang="en-US" sz="2200" b="1" dirty="0"/>
+              <a:rPr lang="en-US" sz="1000" b="1" dirty="0"/>
               <a:t>Java Architecture</a:t>
             </a:r>
             <a:r>
-              <a:rPr lang="en-US" sz="2200" dirty="0"/>
+              <a:rPr lang="en-US" sz="1000" dirty="0"/>
               <a:t> explains each and every step of how </a:t>
             </a:r>
-            <a:endParaRPr lang="en-US" sz="2200" dirty="0" smtClean="0"/>
+            <a:endParaRPr lang="en-US" sz="1000" dirty="0" smtClean="0"/>
           </a:p>
           <a:p>
             <a:pPr marL="0" indent="0">
               <a:buNone/>
             </a:pPr>
             <a:r>
-              <a:rPr lang="en-US" sz="2400" b="1" dirty="0"/>
+              <a:rPr lang="en-US" sz="1100" b="1" dirty="0"/>
               <a:t>Java Architecture</a:t>
             </a:r>
             <a:r>
-              <a:rPr lang="en-US" sz="2400" dirty="0"/>
+              <a:rPr lang="en-US" sz="1100" dirty="0"/>
               <a:t> can be explained by using the following steps:</a:t>
             </a:r>
           </a:p>
           <a:p>
             <a:pPr lvl="1"/>
             <a:r>
-              <a:rPr lang="en-US" sz="2200" dirty="0"/>
+              <a:rPr lang="en-US" sz="1000" dirty="0"/>
               <a:t>There is a process of compilation and interpretation in Java.</a:t>
             </a:r>
           </a:p>
           <a:p>
             <a:pPr lvl="1"/>
             <a:r>
-              <a:rPr lang="en-US" sz="2200" dirty="0"/>
+              <a:rPr lang="en-US" sz="1000" dirty="0"/>
               <a:t>Java compiler converts the Java code into byte code.</a:t>
             </a:r>
           </a:p>
           <a:p>
             <a:pPr lvl="1"/>
             <a:r>
-              <a:rPr lang="en-US" sz="2200" dirty="0"/>
+              <a:rPr lang="en-US" sz="1000" dirty="0"/>
               <a:t>After that, the JVM converts the byte code into machine code.</a:t>
             </a:r>
           </a:p>
           <a:p>
             <a:pPr lvl="1"/>
             <a:r>
-              <a:rPr lang="en-US" sz="2200" dirty="0"/>
+              <a:rPr lang="en-US" sz="1000" dirty="0"/>
               <a:t>The machine code is then executed by the machine.</a:t>
             </a:r>
           </a:p>
           <a:p>
             <a:pPr lvl="1"/>
             <a:r>
-              <a:rPr lang="en-US" sz="2200" dirty="0" smtClean="0"/>
+              <a:rPr lang="en-US" sz="1000" dirty="0" smtClean="0"/>
               <a:t>a </a:t>
             </a:r>
             <a:r>
-              <a:rPr lang="en-US" sz="2200" dirty="0"/>
+              <a:rPr lang="en-US" sz="1000" dirty="0"/>
               <a:t>program is compiled and executed.</a:t>
             </a:r>
           </a:p>
@@ -33354,7 +33145,7 @@
     </p:spTree>
     <p:extLst>
       <p:ext uri="{BB962C8B-B14F-4D97-AF65-F5344CB8AC3E}">
-        <p14:creationId xmlns:p14="http://schemas.microsoft.com/office/powerpoint/2010/main" val="3833413417"/>
+        <p14:creationId xmlns:p14="http://schemas.microsoft.com/office/powerpoint/2010/main" xmlns="" val="3833413417"/>
       </p:ext>
     </p:extLst>
   </p:cSld>
@@ -33429,41 +33220,41 @@
               <a:buNone/>
             </a:pPr>
             <a:r>
-              <a:rPr lang="en-US" sz="2200" dirty="0" smtClean="0"/>
+              <a:rPr lang="en-US" sz="1000" dirty="0" smtClean="0"/>
               <a:t>The </a:t>
             </a:r>
             <a:r>
-              <a:rPr lang="en-US" sz="2200" dirty="0"/>
+              <a:rPr lang="en-US" sz="1000" dirty="0"/>
               <a:t>Java architecture includes the three main components:</a:t>
             </a:r>
           </a:p>
           <a:p>
             <a:r>
-              <a:rPr lang="en-US" sz="2200" dirty="0"/>
+              <a:rPr lang="en-US" sz="1000" dirty="0"/>
               <a:t>Java Virtual Machine (JVM)</a:t>
             </a:r>
           </a:p>
           <a:p>
             <a:r>
-              <a:rPr lang="en-US" sz="2200" dirty="0"/>
+              <a:rPr lang="en-US" sz="1000" dirty="0"/>
               <a:t>Java Runtime Environment (JRE)</a:t>
             </a:r>
           </a:p>
           <a:p>
             <a:r>
-              <a:rPr lang="en-US" sz="2200" dirty="0"/>
+              <a:rPr lang="en-US" sz="1000" dirty="0"/>
               <a:t>Java Development Kit (JDK)</a:t>
             </a:r>
           </a:p>
           <a:p>
-            <a:endParaRPr lang="en-US" sz="2200" dirty="0"/>
+            <a:endParaRPr lang="en-US" sz="1000" dirty="0"/>
           </a:p>
         </p:txBody>
       </p:sp>
     </p:spTree>
     <p:extLst>
       <p:ext uri="{BB962C8B-B14F-4D97-AF65-F5344CB8AC3E}">
-        <p14:creationId xmlns:p14="http://schemas.microsoft.com/office/powerpoint/2010/main" val="6446960"/>
+        <p14:creationId xmlns:p14="http://schemas.microsoft.com/office/powerpoint/2010/main" xmlns="" val="6446960"/>
       </p:ext>
     </p:extLst>
   </p:cSld>
@@ -33502,8 +33293,8 @@
         </p:nvSpPr>
         <p:spPr>
           <a:xfrm>
-            <a:off x="838200" y="133113"/>
-            <a:ext cx="10515600" cy="767639"/>
+            <a:off x="364639" y="70994"/>
+            <a:ext cx="4574560" cy="409407"/>
           </a:xfrm>
         </p:spPr>
         <p:txBody>
@@ -33531,8 +33322,8 @@
         </p:nvSpPr>
         <p:spPr>
           <a:xfrm>
-            <a:off x="537950" y="1143236"/>
-            <a:ext cx="5316940" cy="5612405"/>
+            <a:off x="234022" y="609728"/>
+            <a:ext cx="2313008" cy="2993283"/>
           </a:xfrm>
         </p:spPr>
         <p:txBody>
@@ -33542,25 +33333,25 @@
           <a:lstStyle/>
           <a:p>
             <a:r>
-              <a:rPr lang="en-US" sz="2200" dirty="0" smtClean="0"/>
+              <a:rPr lang="en-US" sz="1000" dirty="0" smtClean="0"/>
               <a:t>The JVM manages system memory and provides a portable execution environment for Java-based applications</a:t>
             </a:r>
           </a:p>
           <a:p>
             <a:r>
-              <a:rPr lang="en-US" sz="2200" dirty="0" smtClean="0"/>
+              <a:rPr lang="en-US" sz="1000" dirty="0" smtClean="0"/>
               <a:t>The JVM has two primary functions: to allow Java programs to run on any device or operating system (known as the "Write once, run anywhere" principle), and to manage and optimize program memory. </a:t>
             </a:r>
           </a:p>
           <a:p>
             <a:r>
-              <a:rPr lang="en-US" sz="2200" dirty="0" smtClean="0"/>
+              <a:rPr lang="en-US" sz="1000" dirty="0" smtClean="0"/>
               <a:t>It converts Java byte code into machines language. JVM is a part of JRE(Java Run Environment).</a:t>
             </a:r>
           </a:p>
           <a:p>
             <a:r>
-              <a:rPr lang="en-US" sz="2200" dirty="0"/>
+              <a:rPr lang="en-US" sz="1000" dirty="0"/>
               <a:t>The JVM manages memory through a process called garbage collection, which continuously identifies and eliminates unused memory in Java programs. Garbage collection happens inside a running JVM.</a:t>
             </a:r>
           </a:p>
@@ -33575,10 +33366,10 @@
           <p:nvPr/>
         </p:nvPicPr>
         <p:blipFill>
-          <a:blip r:embed="rId2">
+          <a:blip r:embed="rId2" cstate="print">
             <a:extLst>
               <a:ext uri="{28A0092B-C50C-407E-A947-70E740481C1C}">
-                <a14:useLocalDpi xmlns:a14="http://schemas.microsoft.com/office/drawing/2010/main" val="0"/>
+                <a14:useLocalDpi xmlns:a14="http://schemas.microsoft.com/office/drawing/2010/main" xmlns="" val="0"/>
               </a:ext>
             </a:extLst>
           </a:blip>
@@ -33589,8 +33380,8 @@
         </p:blipFill>
         <p:spPr bwMode="auto">
           <a:xfrm>
-            <a:off x="5812749" y="1671851"/>
-            <a:ext cx="6185814" cy="4128448"/>
+            <a:off x="2528698" y="891656"/>
+            <a:ext cx="2690990" cy="2201839"/>
           </a:xfrm>
           <a:prstGeom prst="rect">
             <a:avLst/>
@@ -33598,7 +33389,7 @@
           <a:noFill/>
           <a:extLst>
             <a:ext uri="{909E8E84-426E-40DD-AFC4-6F175D3DCCD1}">
-              <a14:hiddenFill xmlns:a14="http://schemas.microsoft.com/office/drawing/2010/main">
+              <a14:hiddenFill xmlns:a14="http://schemas.microsoft.com/office/drawing/2010/main" xmlns="">
                 <a:solidFill>
                   <a:srgbClr val="FFFFFF"/>
                 </a:solidFill>
@@ -33610,7 +33401,7 @@
     </p:spTree>
     <p:extLst>
       <p:ext uri="{BB962C8B-B14F-4D97-AF65-F5344CB8AC3E}">
-        <p14:creationId xmlns:p14="http://schemas.microsoft.com/office/powerpoint/2010/main" val="1944334090"/>
+        <p14:creationId xmlns:p14="http://schemas.microsoft.com/office/powerpoint/2010/main" xmlns="" val="1944334090"/>
       </p:ext>
     </p:extLst>
   </p:cSld>
@@ -34241,8 +34032,8 @@
         </p:nvSpPr>
         <p:spPr>
           <a:xfrm>
-            <a:off x="701723" y="119466"/>
-            <a:ext cx="10515600" cy="972356"/>
+            <a:off x="305268" y="63715"/>
+            <a:ext cx="4574560" cy="518590"/>
           </a:xfrm>
         </p:spPr>
         <p:txBody>
@@ -34253,10 +34044,10 @@
           <a:p>
             <a:pPr algn="ctr"/>
             <a:r>
-              <a:rPr lang="en-US" sz="3200" dirty="0" smtClean="0"/>
+              <a:rPr lang="en-US" sz="1500" dirty="0" smtClean="0"/>
               <a:t>Java Architecture / Working of JVM / How Java Works?</a:t>
             </a:r>
-            <a:endParaRPr lang="en-US" sz="3200" dirty="0"/>
+            <a:endParaRPr lang="en-US" sz="1500" dirty="0"/>
           </a:p>
         </p:txBody>
       </p:sp>
@@ -34269,10 +34060,10 @@
           <p:nvPr/>
         </p:nvPicPr>
         <p:blipFill>
-          <a:blip r:embed="rId2">
+          <a:blip r:embed="rId2" cstate="print">
             <a:extLst>
               <a:ext uri="{28A0092B-C50C-407E-A947-70E740481C1C}">
-                <a14:useLocalDpi xmlns:a14="http://schemas.microsoft.com/office/drawing/2010/main" val="0"/>
+                <a14:useLocalDpi xmlns:a14="http://schemas.microsoft.com/office/drawing/2010/main" xmlns="" val="0"/>
               </a:ext>
             </a:extLst>
           </a:blip>
@@ -34283,8 +34074,8 @@
         </p:blipFill>
         <p:spPr bwMode="auto">
           <a:xfrm>
-            <a:off x="1187354" y="1337483"/>
-            <a:ext cx="9908275" cy="5363568"/>
+            <a:off x="516530" y="713324"/>
+            <a:ext cx="4310357" cy="2860570"/>
           </a:xfrm>
           <a:prstGeom prst="rect">
             <a:avLst/>
@@ -34292,7 +34083,7 @@
           <a:noFill/>
           <a:extLst>
             <a:ext uri="{909E8E84-426E-40DD-AFC4-6F175D3DCCD1}">
-              <a14:hiddenFill xmlns:a14="http://schemas.microsoft.com/office/drawing/2010/main">
+              <a14:hiddenFill xmlns:a14="http://schemas.microsoft.com/office/drawing/2010/main" xmlns="">
                 <a:solidFill>
                   <a:srgbClr val="FFFFFF"/>
                 </a:solidFill>
@@ -34304,7 +34095,7 @@
     </p:spTree>
     <p:extLst>
       <p:ext uri="{BB962C8B-B14F-4D97-AF65-F5344CB8AC3E}">
-        <p14:creationId xmlns:p14="http://schemas.microsoft.com/office/powerpoint/2010/main" val="3934309662"/>
+        <p14:creationId xmlns:p14="http://schemas.microsoft.com/office/powerpoint/2010/main" xmlns="" val="3934309662"/>
       </p:ext>
     </p:extLst>
   </p:cSld>
@@ -34486,7 +34277,7 @@
     </a:clrScheme>
     <a:fontScheme name="Office">
       <a:majorFont>
-        <a:latin typeface="Calibri Light" panose="020F0302020204030204"/>
+        <a:latin typeface="Calibri Light"/>
         <a:ea typeface=""/>
         <a:cs typeface=""/>
         <a:font script="Jpan" typeface="ＭＳ Ｐゴシック"/>
@@ -34521,7 +34312,7 @@
         <a:font script="Geor" typeface="Sylfaen"/>
       </a:majorFont>
       <a:minorFont>
-        <a:latin typeface="Calibri" panose="020F0502020204030204"/>
+        <a:latin typeface="Calibri"/>
         <a:ea typeface=""/>
         <a:cs typeface=""/>
         <a:font script="Jpan" typeface="ＭＳ Ｐゴシック"/>
@@ -34698,7 +34489,7 @@
   <a:extraClrSchemeLst/>
   <a:extLst>
     <a:ext uri="{05A4C25C-085E-4340-85A3-A5531E510DB2}">
-      <thm15:themeFamily xmlns:thm15="http://schemas.microsoft.com/office/thememl/2012/main" name="Office Theme" id="{62F939B6-93AF-4DB8-9C6B-D6C7DFDC589F}" vid="{4A3C46E8-61CC-4603-A589-7422A47A8E4A}"/>
+      <thm15:themeFamily xmlns:thm15="http://schemas.microsoft.com/office/thememl/2012/main" xmlns="" name="Office Theme" id="{62F939B6-93AF-4DB8-9C6B-D6C7DFDC589F}" vid="{4A3C46E8-61CC-4603-A589-7422A47A8E4A}"/>
     </a:ext>
   </a:extLst>
 </a:theme>

--- a/java unit 1 and unit 2.pptx
+++ b/java unit 1 and unit 2.pptx
@@ -148,7 +148,18 @@
   </p:defaultTextStyle>
   <p:extLst>
     <p:ext uri="{EFAFB233-063F-42B5-8137-9DF3F51BA10A}">
-      <p15:sldGuideLst xmlns:p15="http://schemas.microsoft.com/office/powerpoint/2012/main" xmlns=""/>
+      <p15:sldGuideLst xmlns:p15="http://schemas.microsoft.com/office/powerpoint/2012/main">
+        <p15:guide id="1" orient="horz" pos="1152">
+          <p15:clr>
+            <a:srgbClr val="A4A3A4"/>
+          </p15:clr>
+        </p15:guide>
+        <p15:guide id="2" pos="1671">
+          <p15:clr>
+            <a:srgbClr val="A4A3A4"/>
+          </p15:clr>
+        </p15:guide>
+      </p15:sldGuideLst>
     </p:ext>
   </p:extLst>
 </p:presentation>
@@ -286,7 +297,7 @@
             <a:fld id="{0638552F-B61D-42B3-8AA5-DAE51C3A4F85}" type="datetimeFigureOut">
               <a:rPr lang="en-US" smtClean="0"/>
               <a:pPr/>
-              <a:t>5/26/2023</a:t>
+              <a:t>6/22/2023</a:t>
             </a:fld>
             <a:endParaRPr lang="en-US"/>
           </a:p>
@@ -338,7 +349,7 @@
     </p:spTree>
     <p:extLst>
       <p:ext uri="{BB962C8B-B14F-4D97-AF65-F5344CB8AC3E}">
-        <p14:creationId xmlns:p14="http://schemas.microsoft.com/office/powerpoint/2010/main" xmlns="" val="2012327476"/>
+        <p14:creationId xmlns:p14="http://schemas.microsoft.com/office/powerpoint/2010/main" val="2012327476"/>
       </p:ext>
     </p:extLst>
   </p:cSld>
@@ -458,7 +469,7 @@
             <a:fld id="{0638552F-B61D-42B3-8AA5-DAE51C3A4F85}" type="datetimeFigureOut">
               <a:rPr lang="en-US" smtClean="0"/>
               <a:pPr/>
-              <a:t>5/26/2023</a:t>
+              <a:t>6/22/2023</a:t>
             </a:fld>
             <a:endParaRPr lang="en-US"/>
           </a:p>
@@ -510,7 +521,7 @@
     </p:spTree>
     <p:extLst>
       <p:ext uri="{BB962C8B-B14F-4D97-AF65-F5344CB8AC3E}">
-        <p14:creationId xmlns:p14="http://schemas.microsoft.com/office/powerpoint/2010/main" xmlns="" val="4167050267"/>
+        <p14:creationId xmlns:p14="http://schemas.microsoft.com/office/powerpoint/2010/main" val="4167050267"/>
       </p:ext>
     </p:extLst>
   </p:cSld>
@@ -640,7 +651,7 @@
             <a:fld id="{0638552F-B61D-42B3-8AA5-DAE51C3A4F85}" type="datetimeFigureOut">
               <a:rPr lang="en-US" smtClean="0"/>
               <a:pPr/>
-              <a:t>5/26/2023</a:t>
+              <a:t>6/22/2023</a:t>
             </a:fld>
             <a:endParaRPr lang="en-US"/>
           </a:p>
@@ -692,7 +703,7 @@
     </p:spTree>
     <p:extLst>
       <p:ext uri="{BB962C8B-B14F-4D97-AF65-F5344CB8AC3E}">
-        <p14:creationId xmlns:p14="http://schemas.microsoft.com/office/powerpoint/2010/main" xmlns="" val="1649130104"/>
+        <p14:creationId xmlns:p14="http://schemas.microsoft.com/office/powerpoint/2010/main" val="1649130104"/>
       </p:ext>
     </p:extLst>
   </p:cSld>
@@ -812,7 +823,7 @@
             <a:fld id="{0638552F-B61D-42B3-8AA5-DAE51C3A4F85}" type="datetimeFigureOut">
               <a:rPr lang="en-US" smtClean="0"/>
               <a:pPr/>
-              <a:t>5/26/2023</a:t>
+              <a:t>6/22/2023</a:t>
             </a:fld>
             <a:endParaRPr lang="en-US"/>
           </a:p>
@@ -864,7 +875,7 @@
     </p:spTree>
     <p:extLst>
       <p:ext uri="{BB962C8B-B14F-4D97-AF65-F5344CB8AC3E}">
-        <p14:creationId xmlns:p14="http://schemas.microsoft.com/office/powerpoint/2010/main" xmlns="" val="2856009407"/>
+        <p14:creationId xmlns:p14="http://schemas.microsoft.com/office/powerpoint/2010/main" val="2856009407"/>
       </p:ext>
     </p:extLst>
   </p:cSld>
@@ -1060,7 +1071,7 @@
             <a:fld id="{0638552F-B61D-42B3-8AA5-DAE51C3A4F85}" type="datetimeFigureOut">
               <a:rPr lang="en-US" smtClean="0"/>
               <a:pPr/>
-              <a:t>5/26/2023</a:t>
+              <a:t>6/22/2023</a:t>
             </a:fld>
             <a:endParaRPr lang="en-US"/>
           </a:p>
@@ -1112,7 +1123,7 @@
     </p:spTree>
     <p:extLst>
       <p:ext uri="{BB962C8B-B14F-4D97-AF65-F5344CB8AC3E}">
-        <p14:creationId xmlns:p14="http://schemas.microsoft.com/office/powerpoint/2010/main" xmlns="" val="2499214651"/>
+        <p14:creationId xmlns:p14="http://schemas.microsoft.com/office/powerpoint/2010/main" val="2499214651"/>
       </p:ext>
     </p:extLst>
   </p:cSld>
@@ -1294,7 +1305,7 @@
             <a:fld id="{0638552F-B61D-42B3-8AA5-DAE51C3A4F85}" type="datetimeFigureOut">
               <a:rPr lang="en-US" smtClean="0"/>
               <a:pPr/>
-              <a:t>5/26/2023</a:t>
+              <a:t>6/22/2023</a:t>
             </a:fld>
             <a:endParaRPr lang="en-US"/>
           </a:p>
@@ -1346,7 +1357,7 @@
     </p:spTree>
     <p:extLst>
       <p:ext uri="{BB962C8B-B14F-4D97-AF65-F5344CB8AC3E}">
-        <p14:creationId xmlns:p14="http://schemas.microsoft.com/office/powerpoint/2010/main" xmlns="" val="2924224958"/>
+        <p14:creationId xmlns:p14="http://schemas.microsoft.com/office/powerpoint/2010/main" val="2924224958"/>
       </p:ext>
     </p:extLst>
   </p:cSld>
@@ -1663,7 +1674,7 @@
             <a:fld id="{0638552F-B61D-42B3-8AA5-DAE51C3A4F85}" type="datetimeFigureOut">
               <a:rPr lang="en-US" smtClean="0"/>
               <a:pPr/>
-              <a:t>5/26/2023</a:t>
+              <a:t>6/22/2023</a:t>
             </a:fld>
             <a:endParaRPr lang="en-US"/>
           </a:p>
@@ -1715,7 +1726,7 @@
     </p:spTree>
     <p:extLst>
       <p:ext uri="{BB962C8B-B14F-4D97-AF65-F5344CB8AC3E}">
-        <p14:creationId xmlns:p14="http://schemas.microsoft.com/office/powerpoint/2010/main" xmlns="" val="441588402"/>
+        <p14:creationId xmlns:p14="http://schemas.microsoft.com/office/powerpoint/2010/main" val="441588402"/>
       </p:ext>
     </p:extLst>
   </p:cSld>
@@ -1783,7 +1794,7 @@
             <a:fld id="{0638552F-B61D-42B3-8AA5-DAE51C3A4F85}" type="datetimeFigureOut">
               <a:rPr lang="en-US" smtClean="0"/>
               <a:pPr/>
-              <a:t>5/26/2023</a:t>
+              <a:t>6/22/2023</a:t>
             </a:fld>
             <a:endParaRPr lang="en-US"/>
           </a:p>
@@ -1835,7 +1846,7 @@
     </p:spTree>
     <p:extLst>
       <p:ext uri="{BB962C8B-B14F-4D97-AF65-F5344CB8AC3E}">
-        <p14:creationId xmlns:p14="http://schemas.microsoft.com/office/powerpoint/2010/main" xmlns="" val="1870828788"/>
+        <p14:creationId xmlns:p14="http://schemas.microsoft.com/office/powerpoint/2010/main" val="1870828788"/>
       </p:ext>
     </p:extLst>
   </p:cSld>
@@ -1880,7 +1891,7 @@
             <a:fld id="{0638552F-B61D-42B3-8AA5-DAE51C3A4F85}" type="datetimeFigureOut">
               <a:rPr lang="en-US" smtClean="0"/>
               <a:pPr/>
-              <a:t>5/26/2023</a:t>
+              <a:t>6/22/2023</a:t>
             </a:fld>
             <a:endParaRPr lang="en-US"/>
           </a:p>
@@ -1932,7 +1943,7 @@
     </p:spTree>
     <p:extLst>
       <p:ext uri="{BB962C8B-B14F-4D97-AF65-F5344CB8AC3E}">
-        <p14:creationId xmlns:p14="http://schemas.microsoft.com/office/powerpoint/2010/main" xmlns="" val="3181484496"/>
+        <p14:creationId xmlns:p14="http://schemas.microsoft.com/office/powerpoint/2010/main" val="3181484496"/>
       </p:ext>
     </p:extLst>
   </p:cSld>
@@ -2159,7 +2170,7 @@
             <a:fld id="{0638552F-B61D-42B3-8AA5-DAE51C3A4F85}" type="datetimeFigureOut">
               <a:rPr lang="en-US" smtClean="0"/>
               <a:pPr/>
-              <a:t>5/26/2023</a:t>
+              <a:t>6/22/2023</a:t>
             </a:fld>
             <a:endParaRPr lang="en-US"/>
           </a:p>
@@ -2211,7 +2222,7 @@
     </p:spTree>
     <p:extLst>
       <p:ext uri="{BB962C8B-B14F-4D97-AF65-F5344CB8AC3E}">
-        <p14:creationId xmlns:p14="http://schemas.microsoft.com/office/powerpoint/2010/main" xmlns="" val="3951956338"/>
+        <p14:creationId xmlns:p14="http://schemas.microsoft.com/office/powerpoint/2010/main" val="3951956338"/>
       </p:ext>
     </p:extLst>
   </p:cSld>
@@ -2414,7 +2425,7 @@
             <a:fld id="{0638552F-B61D-42B3-8AA5-DAE51C3A4F85}" type="datetimeFigureOut">
               <a:rPr lang="en-US" smtClean="0"/>
               <a:pPr/>
-              <a:t>5/26/2023</a:t>
+              <a:t>6/22/2023</a:t>
             </a:fld>
             <a:endParaRPr lang="en-US"/>
           </a:p>
@@ -2466,7 +2477,7 @@
     </p:spTree>
     <p:extLst>
       <p:ext uri="{BB962C8B-B14F-4D97-AF65-F5344CB8AC3E}">
-        <p14:creationId xmlns:p14="http://schemas.microsoft.com/office/powerpoint/2010/main" xmlns="" val="3528231755"/>
+        <p14:creationId xmlns:p14="http://schemas.microsoft.com/office/powerpoint/2010/main" val="3528231755"/>
       </p:ext>
     </p:extLst>
   </p:cSld>
@@ -2629,7 +2640,7 @@
             <a:fld id="{0638552F-B61D-42B3-8AA5-DAE51C3A4F85}" type="datetimeFigureOut">
               <a:rPr lang="en-US" smtClean="0"/>
               <a:pPr/>
-              <a:t>5/26/2023</a:t>
+              <a:t>6/22/2023</a:t>
             </a:fld>
             <a:endParaRPr lang="en-US"/>
           </a:p>
@@ -2717,7 +2728,7 @@
     </p:spTree>
     <p:extLst>
       <p:ext uri="{BB962C8B-B14F-4D97-AF65-F5344CB8AC3E}">
-        <p14:creationId xmlns:p14="http://schemas.microsoft.com/office/powerpoint/2010/main" xmlns="" val="1098993148"/>
+        <p14:creationId xmlns:p14="http://schemas.microsoft.com/office/powerpoint/2010/main" val="1098993148"/>
       </p:ext>
     </p:extLst>
   </p:cSld>
@@ -3172,7 +3183,7 @@
     </p:spTree>
     <p:extLst>
       <p:ext uri="{BB962C8B-B14F-4D97-AF65-F5344CB8AC3E}">
-        <p14:creationId xmlns:p14="http://schemas.microsoft.com/office/powerpoint/2010/main" xmlns="" val="2585948700"/>
+        <p14:creationId xmlns:p14="http://schemas.microsoft.com/office/powerpoint/2010/main" val="2585948700"/>
       </p:ext>
     </p:extLst>
   </p:cSld>
@@ -3311,7 +3322,7 @@
     </p:spTree>
     <p:extLst>
       <p:ext uri="{BB962C8B-B14F-4D97-AF65-F5344CB8AC3E}">
-        <p14:creationId xmlns:p14="http://schemas.microsoft.com/office/powerpoint/2010/main" xmlns="" val="65461281"/>
+        <p14:creationId xmlns:p14="http://schemas.microsoft.com/office/powerpoint/2010/main" val="65461281"/>
       </p:ext>
     </p:extLst>
   </p:cSld>
@@ -4663,7 +4674,7 @@
     </p:spTree>
     <p:extLst>
       <p:ext uri="{BB962C8B-B14F-4D97-AF65-F5344CB8AC3E}">
-        <p14:creationId xmlns:p14="http://schemas.microsoft.com/office/powerpoint/2010/main" xmlns="" val="4121731609"/>
+        <p14:creationId xmlns:p14="http://schemas.microsoft.com/office/powerpoint/2010/main" val="4121731609"/>
       </p:ext>
     </p:extLst>
   </p:cSld>
@@ -4771,7 +4782,7 @@
     </p:spTree>
     <p:extLst>
       <p:ext uri="{BB962C8B-B14F-4D97-AF65-F5344CB8AC3E}">
-        <p14:creationId xmlns:p14="http://schemas.microsoft.com/office/powerpoint/2010/main" xmlns="" val="3369945838"/>
+        <p14:creationId xmlns:p14="http://schemas.microsoft.com/office/powerpoint/2010/main" val="3369945838"/>
       </p:ext>
     </p:extLst>
   </p:cSld>
@@ -4854,7 +4865,7 @@
           <p:nvPr>
             <p:extLst>
               <p:ext uri="{D42A27DB-BD31-4B8C-83A1-F6EECF244321}">
-                <p14:modId xmlns:p14="http://schemas.microsoft.com/office/powerpoint/2010/main" xmlns="" val="1418056275"/>
+                <p14:modId xmlns:p14="http://schemas.microsoft.com/office/powerpoint/2010/main" val="1418056275"/>
               </p:ext>
             </p:extLst>
           </p:nvPr>
@@ -4868,8 +4879,20 @@
             <a:tbl>
               <a:tblPr/>
               <a:tblGrid>
-                <a:gridCol w="2231832"/>
-                <a:gridCol w="2238828"/>
+                <a:gridCol w="2231832">
+                  <a:extLst>
+                    <a:ext uri="{9D8B030D-6E8A-4147-A177-3AD203B41FA5}">
+                      <a16:colId xmlns:a16="http://schemas.microsoft.com/office/drawing/2014/main" val="20000"/>
+                    </a:ext>
+                  </a:extLst>
+                </a:gridCol>
+                <a:gridCol w="2238828">
+                  <a:extLst>
+                    <a:ext uri="{9D8B030D-6E8A-4147-A177-3AD203B41FA5}">
+                      <a16:colId xmlns:a16="http://schemas.microsoft.com/office/drawing/2014/main" val="20001"/>
+                    </a:ext>
+                  </a:extLst>
+                </a:gridCol>
               </a:tblGrid>
               <a:tr h="164974">
                 <a:tc>
@@ -4954,6 +4977,11 @@
                     </a:solidFill>
                   </a:tcPr>
                 </a:tc>
+                <a:extLst>
+                  <a:ext uri="{0D108BD9-81ED-4DB2-BD59-A6C34878D82A}">
+                    <a16:rowId xmlns:a16="http://schemas.microsoft.com/office/drawing/2014/main" val="10000"/>
+                  </a:ext>
+                </a:extLst>
               </a:tr>
               <a:tr h="405148">
                 <a:tc>
@@ -5042,6 +5070,11 @@
                     </a:solidFill>
                   </a:tcPr>
                 </a:tc>
+                <a:extLst>
+                  <a:ext uri="{0D108BD9-81ED-4DB2-BD59-A6C34878D82A}">
+                    <a16:rowId xmlns:a16="http://schemas.microsoft.com/office/drawing/2014/main" val="10001"/>
+                  </a:ext>
+                </a:extLst>
               </a:tr>
               <a:tr h="405148">
                 <a:tc>
@@ -5130,6 +5163,11 @@
                     </a:solidFill>
                   </a:tcPr>
                 </a:tc>
+                <a:extLst>
+                  <a:ext uri="{0D108BD9-81ED-4DB2-BD59-A6C34878D82A}">
+                    <a16:rowId xmlns:a16="http://schemas.microsoft.com/office/drawing/2014/main" val="10002"/>
+                  </a:ext>
+                </a:extLst>
               </a:tr>
               <a:tr h="279032">
                 <a:tc>
@@ -5218,6 +5256,11 @@
                     </a:solidFill>
                   </a:tcPr>
                 </a:tc>
+                <a:extLst>
+                  <a:ext uri="{0D108BD9-81ED-4DB2-BD59-A6C34878D82A}">
+                    <a16:rowId xmlns:a16="http://schemas.microsoft.com/office/drawing/2014/main" val="10003"/>
+                  </a:ext>
+                </a:extLst>
               </a:tr>
               <a:tr h="405148">
                 <a:tc>
@@ -5306,6 +5349,11 @@
                     </a:solidFill>
                   </a:tcPr>
                 </a:tc>
+                <a:extLst>
+                  <a:ext uri="{0D108BD9-81ED-4DB2-BD59-A6C34878D82A}">
+                    <a16:rowId xmlns:a16="http://schemas.microsoft.com/office/drawing/2014/main" val="10004"/>
+                  </a:ext>
+                </a:extLst>
               </a:tr>
               <a:tr h="405148">
                 <a:tc>
@@ -5394,6 +5442,11 @@
                     </a:solidFill>
                   </a:tcPr>
                 </a:tc>
+                <a:extLst>
+                  <a:ext uri="{0D108BD9-81ED-4DB2-BD59-A6C34878D82A}">
+                    <a16:rowId xmlns:a16="http://schemas.microsoft.com/office/drawing/2014/main" val="10005"/>
+                  </a:ext>
+                </a:extLst>
               </a:tr>
               <a:tr h="531265">
                 <a:tc>
@@ -5482,6 +5535,11 @@
                     </a:solidFill>
                   </a:tcPr>
                 </a:tc>
+                <a:extLst>
+                  <a:ext uri="{0D108BD9-81ED-4DB2-BD59-A6C34878D82A}">
+                    <a16:rowId xmlns:a16="http://schemas.microsoft.com/office/drawing/2014/main" val="10006"/>
+                  </a:ext>
+                </a:extLst>
               </a:tr>
               <a:tr h="279032">
                 <a:tc>
@@ -5570,6 +5628,11 @@
                     </a:solidFill>
                   </a:tcPr>
                 </a:tc>
+                <a:extLst>
+                  <a:ext uri="{0D108BD9-81ED-4DB2-BD59-A6C34878D82A}">
+                    <a16:rowId xmlns:a16="http://schemas.microsoft.com/office/drawing/2014/main" val="10007"/>
+                  </a:ext>
+                </a:extLst>
               </a:tr>
               <a:tr h="279032">
                 <a:tc>
@@ -5658,6 +5721,11 @@
                     </a:solidFill>
                   </a:tcPr>
                 </a:tc>
+                <a:extLst>
+                  <a:ext uri="{0D108BD9-81ED-4DB2-BD59-A6C34878D82A}">
+                    <a16:rowId xmlns:a16="http://schemas.microsoft.com/office/drawing/2014/main" val="10008"/>
+                  </a:ext>
+                </a:extLst>
               </a:tr>
               <a:tr h="279032">
                 <a:tc>
@@ -5746,6 +5814,11 @@
                     </a:solidFill>
                   </a:tcPr>
                 </a:tc>
+                <a:extLst>
+                  <a:ext uri="{0D108BD9-81ED-4DB2-BD59-A6C34878D82A}">
+                    <a16:rowId xmlns:a16="http://schemas.microsoft.com/office/drawing/2014/main" val="10009"/>
+                  </a:ext>
+                </a:extLst>
               </a:tr>
               <a:tr h="152915">
                 <a:tc>
@@ -5834,6 +5907,11 @@
                     </a:solidFill>
                   </a:tcPr>
                 </a:tc>
+                <a:extLst>
+                  <a:ext uri="{0D108BD9-81ED-4DB2-BD59-A6C34878D82A}">
+                    <a16:rowId xmlns:a16="http://schemas.microsoft.com/office/drawing/2014/main" val="10010"/>
+                  </a:ext>
+                </a:extLst>
               </a:tr>
             </a:tbl>
           </a:graphicData>
@@ -5842,7 +5920,7 @@
     </p:spTree>
     <p:extLst>
       <p:ext uri="{BB962C8B-B14F-4D97-AF65-F5344CB8AC3E}">
-        <p14:creationId xmlns:p14="http://schemas.microsoft.com/office/powerpoint/2010/main" xmlns="" val="3856362810"/>
+        <p14:creationId xmlns:p14="http://schemas.microsoft.com/office/powerpoint/2010/main" val="3856362810"/>
       </p:ext>
     </p:extLst>
   </p:cSld>
@@ -6052,14 +6130,14 @@
           <a:effectLst/>
           <a:extLst>
             <a:ext uri="{909E8E84-426E-40DD-AFC4-6F175D3DCCD1}">
-              <a14:hiddenFill xmlns:a14="http://schemas.microsoft.com/office/drawing/2010/main" xmlns="">
+              <a14:hiddenFill xmlns:a14="http://schemas.microsoft.com/office/drawing/2010/main">
                 <a:solidFill>
                   <a:schemeClr val="accent1"/>
                 </a:solidFill>
               </a14:hiddenFill>
             </a:ext>
             <a:ext uri="{91240B29-F687-4F45-9708-019B960494DF}">
-              <a14:hiddenLine xmlns:a14="http://schemas.microsoft.com/office/drawing/2010/main" xmlns="" w="9525">
+              <a14:hiddenLine xmlns:a14="http://schemas.microsoft.com/office/drawing/2010/main" w="9525">
                 <a:solidFill>
                   <a:schemeClr val="tx1"/>
                 </a:solidFill>
@@ -6069,7 +6147,7 @@
               </a14:hiddenLine>
             </a:ext>
             <a:ext uri="{AF507438-7753-43E0-B8FC-AC1667EBCBE1}">
-              <a14:hiddenEffects xmlns:a14="http://schemas.microsoft.com/office/drawing/2010/main" xmlns="">
+              <a14:hiddenEffects xmlns:a14="http://schemas.microsoft.com/office/drawing/2010/main">
                 <a:effectLst>
                   <a:outerShdw dist="35921" dir="2700000" algn="ctr" rotWithShape="0">
                     <a:schemeClr val="bg2"/>
@@ -6556,7 +6634,7 @@
     </p:spTree>
     <p:extLst>
       <p:ext uri="{BB962C8B-B14F-4D97-AF65-F5344CB8AC3E}">
-        <p14:creationId xmlns:p14="http://schemas.microsoft.com/office/powerpoint/2010/main" xmlns="" val="3853568060"/>
+        <p14:creationId xmlns:p14="http://schemas.microsoft.com/office/powerpoint/2010/main" val="3853568060"/>
       </p:ext>
     </p:extLst>
   </p:cSld>
@@ -7289,7 +7367,7 @@
     </p:spTree>
     <p:extLst>
       <p:ext uri="{BB962C8B-B14F-4D97-AF65-F5344CB8AC3E}">
-        <p14:creationId xmlns:p14="http://schemas.microsoft.com/office/powerpoint/2010/main" xmlns="" val="2189535837"/>
+        <p14:creationId xmlns:p14="http://schemas.microsoft.com/office/powerpoint/2010/main" val="2189535837"/>
       </p:ext>
     </p:extLst>
   </p:cSld>
@@ -8141,7 +8219,7 @@
     </p:spTree>
     <p:extLst>
       <p:ext uri="{BB962C8B-B14F-4D97-AF65-F5344CB8AC3E}">
-        <p14:creationId xmlns:p14="http://schemas.microsoft.com/office/powerpoint/2010/main" xmlns="" val="2860437945"/>
+        <p14:creationId xmlns:p14="http://schemas.microsoft.com/office/powerpoint/2010/main" val="2860437945"/>
       </p:ext>
     </p:extLst>
   </p:cSld>
@@ -9219,7 +9297,7 @@
           <a:blip r:embed="rId2" cstate="print">
             <a:extLst>
               <a:ext uri="{28A0092B-C50C-407E-A947-70E740481C1C}">
-                <a14:useLocalDpi xmlns:a14="http://schemas.microsoft.com/office/drawing/2010/main" xmlns="" val="0"/>
+                <a14:useLocalDpi xmlns:a14="http://schemas.microsoft.com/office/drawing/2010/main" val="0"/>
               </a:ext>
             </a:extLst>
           </a:blip>
@@ -9239,7 +9317,7 @@
           <a:noFill/>
           <a:extLst>
             <a:ext uri="{909E8E84-426E-40DD-AFC4-6F175D3DCCD1}">
-              <a14:hiddenFill xmlns:a14="http://schemas.microsoft.com/office/drawing/2010/main" xmlns="">
+              <a14:hiddenFill xmlns:a14="http://schemas.microsoft.com/office/drawing/2010/main">
                 <a:solidFill>
                   <a:srgbClr val="FFFFFF"/>
                 </a:solidFill>
@@ -9251,7 +9329,7 @@
     </p:spTree>
     <p:extLst>
       <p:ext uri="{BB962C8B-B14F-4D97-AF65-F5344CB8AC3E}">
-        <p14:creationId xmlns:p14="http://schemas.microsoft.com/office/powerpoint/2010/main" xmlns="" val="1915515442"/>
+        <p14:creationId xmlns:p14="http://schemas.microsoft.com/office/powerpoint/2010/main" val="1915515442"/>
       </p:ext>
     </p:extLst>
   </p:cSld>
@@ -9841,7 +9919,7 @@
           <p:nvPr>
             <p:extLst>
               <p:ext uri="{D42A27DB-BD31-4B8C-83A1-F6EECF244321}">
-                <p14:modId xmlns:p14="http://schemas.microsoft.com/office/powerpoint/2010/main" xmlns="" val="3027848716"/>
+                <p14:modId xmlns:p14="http://schemas.microsoft.com/office/powerpoint/2010/main" val="3027848716"/>
               </p:ext>
             </p:extLst>
           </p:nvPr>
@@ -9855,9 +9933,27 @@
             <a:tbl>
               <a:tblPr/>
               <a:tblGrid>
-                <a:gridCol w="790041"/>
-                <a:gridCol w="790041"/>
-                <a:gridCol w="790041"/>
+                <a:gridCol w="790041">
+                  <a:extLst>
+                    <a:ext uri="{9D8B030D-6E8A-4147-A177-3AD203B41FA5}">
+                      <a16:colId xmlns:a16="http://schemas.microsoft.com/office/drawing/2014/main" val="20000"/>
+                    </a:ext>
+                  </a:extLst>
+                </a:gridCol>
+                <a:gridCol w="790041">
+                  <a:extLst>
+                    <a:ext uri="{9D8B030D-6E8A-4147-A177-3AD203B41FA5}">
+                      <a16:colId xmlns:a16="http://schemas.microsoft.com/office/drawing/2014/main" val="20001"/>
+                    </a:ext>
+                  </a:extLst>
+                </a:gridCol>
+                <a:gridCol w="790041">
+                  <a:extLst>
+                    <a:ext uri="{9D8B030D-6E8A-4147-A177-3AD203B41FA5}">
+                      <a16:colId xmlns:a16="http://schemas.microsoft.com/office/drawing/2014/main" val="20002"/>
+                    </a:ext>
+                  </a:extLst>
+                </a:gridCol>
               </a:tblGrid>
               <a:tr h="594857">
                 <a:tc>
@@ -10061,6 +10157,11 @@
                     </a:solidFill>
                   </a:tcPr>
                 </a:tc>
+                <a:extLst>
+                  <a:ext uri="{0D108BD9-81ED-4DB2-BD59-A6C34878D82A}">
+                    <a16:rowId xmlns:a16="http://schemas.microsoft.com/office/drawing/2014/main" val="10000"/>
+                  </a:ext>
+                </a:extLst>
               </a:tr>
               <a:tr h="396572">
                 <a:tc>
@@ -10243,6 +10344,11 @@
                     </a:solidFill>
                   </a:tcPr>
                 </a:tc>
+                <a:extLst>
+                  <a:ext uri="{0D108BD9-81ED-4DB2-BD59-A6C34878D82A}">
+                    <a16:rowId xmlns:a16="http://schemas.microsoft.com/office/drawing/2014/main" val="10001"/>
+                  </a:ext>
+                </a:extLst>
               </a:tr>
               <a:tr h="396572">
                 <a:tc>
@@ -10425,6 +10531,11 @@
                     </a:solidFill>
                   </a:tcPr>
                 </a:tc>
+                <a:extLst>
+                  <a:ext uri="{0D108BD9-81ED-4DB2-BD59-A6C34878D82A}">
+                    <a16:rowId xmlns:a16="http://schemas.microsoft.com/office/drawing/2014/main" val="10002"/>
+                  </a:ext>
+                </a:extLst>
               </a:tr>
               <a:tr h="238926">
                 <a:tc>
@@ -10607,6 +10718,11 @@
                     </a:solidFill>
                   </a:tcPr>
                 </a:tc>
+                <a:extLst>
+                  <a:ext uri="{0D108BD9-81ED-4DB2-BD59-A6C34878D82A}">
+                    <a16:rowId xmlns:a16="http://schemas.microsoft.com/office/drawing/2014/main" val="10003"/>
+                  </a:ext>
+                </a:extLst>
               </a:tr>
               <a:tr h="238926">
                 <a:tc>
@@ -10789,6 +10905,11 @@
                     </a:solidFill>
                   </a:tcPr>
                 </a:tc>
+                <a:extLst>
+                  <a:ext uri="{0D108BD9-81ED-4DB2-BD59-A6C34878D82A}">
+                    <a16:rowId xmlns:a16="http://schemas.microsoft.com/office/drawing/2014/main" val="10004"/>
+                  </a:ext>
+                </a:extLst>
               </a:tr>
               <a:tr h="238926">
                 <a:tc>
@@ -10971,6 +11092,11 @@
                     </a:solidFill>
                   </a:tcPr>
                 </a:tc>
+                <a:extLst>
+                  <a:ext uri="{0D108BD9-81ED-4DB2-BD59-A6C34878D82A}">
+                    <a16:rowId xmlns:a16="http://schemas.microsoft.com/office/drawing/2014/main" val="10005"/>
+                  </a:ext>
+                </a:extLst>
               </a:tr>
               <a:tr h="238926">
                 <a:tc>
@@ -11153,6 +11279,11 @@
                     </a:solidFill>
                   </a:tcPr>
                 </a:tc>
+                <a:extLst>
+                  <a:ext uri="{0D108BD9-81ED-4DB2-BD59-A6C34878D82A}">
+                    <a16:rowId xmlns:a16="http://schemas.microsoft.com/office/drawing/2014/main" val="10006"/>
+                  </a:ext>
+                </a:extLst>
               </a:tr>
               <a:tr h="238926">
                 <a:tc>
@@ -11335,6 +11466,11 @@
                     </a:solidFill>
                   </a:tcPr>
                 </a:tc>
+                <a:extLst>
+                  <a:ext uri="{0D108BD9-81ED-4DB2-BD59-A6C34878D82A}">
+                    <a16:rowId xmlns:a16="http://schemas.microsoft.com/office/drawing/2014/main" val="10007"/>
+                  </a:ext>
+                </a:extLst>
               </a:tr>
               <a:tr h="396572">
                 <a:tc>
@@ -11517,6 +11653,11 @@
                     </a:solidFill>
                   </a:tcPr>
                 </a:tc>
+                <a:extLst>
+                  <a:ext uri="{0D108BD9-81ED-4DB2-BD59-A6C34878D82A}">
+                    <a16:rowId xmlns:a16="http://schemas.microsoft.com/office/drawing/2014/main" val="10008"/>
+                  </a:ext>
+                </a:extLst>
               </a:tr>
             </a:tbl>
           </a:graphicData>
@@ -11599,7 +11740,7 @@
     </p:spTree>
     <p:extLst>
       <p:ext uri="{BB962C8B-B14F-4D97-AF65-F5344CB8AC3E}">
-        <p14:creationId xmlns:p14="http://schemas.microsoft.com/office/powerpoint/2010/main" xmlns="" val="3834018904"/>
+        <p14:creationId xmlns:p14="http://schemas.microsoft.com/office/powerpoint/2010/main" val="3834018904"/>
       </p:ext>
     </p:extLst>
   </p:cSld>
@@ -12373,7 +12514,7 @@
     </p:spTree>
     <p:extLst>
       <p:ext uri="{BB962C8B-B14F-4D97-AF65-F5344CB8AC3E}">
-        <p14:creationId xmlns:p14="http://schemas.microsoft.com/office/powerpoint/2010/main" xmlns="" val="4196616207"/>
+        <p14:creationId xmlns:p14="http://schemas.microsoft.com/office/powerpoint/2010/main" val="4196616207"/>
       </p:ext>
     </p:extLst>
   </p:cSld>
@@ -13276,7 +13417,7 @@
     </p:spTree>
     <p:extLst>
       <p:ext uri="{BB962C8B-B14F-4D97-AF65-F5344CB8AC3E}">
-        <p14:creationId xmlns:p14="http://schemas.microsoft.com/office/powerpoint/2010/main" xmlns="" val="1247292272"/>
+        <p14:creationId xmlns:p14="http://schemas.microsoft.com/office/powerpoint/2010/main" val="1247292272"/>
       </p:ext>
     </p:extLst>
   </p:cSld>
@@ -13413,7 +13554,7 @@
     </p:spTree>
     <p:extLst>
       <p:ext uri="{BB962C8B-B14F-4D97-AF65-F5344CB8AC3E}">
-        <p14:creationId xmlns:p14="http://schemas.microsoft.com/office/powerpoint/2010/main" xmlns="" val="4072901235"/>
+        <p14:creationId xmlns:p14="http://schemas.microsoft.com/office/powerpoint/2010/main" val="4072901235"/>
       </p:ext>
     </p:extLst>
   </p:cSld>
@@ -14036,7 +14177,7 @@
           <a:blip r:embed="rId2" cstate="print">
             <a:extLst>
               <a:ext uri="{28A0092B-C50C-407E-A947-70E740481C1C}">
-                <a14:useLocalDpi xmlns:a14="http://schemas.microsoft.com/office/drawing/2010/main" xmlns="" val="0"/>
+                <a14:useLocalDpi xmlns:a14="http://schemas.microsoft.com/office/drawing/2010/main" val="0"/>
               </a:ext>
             </a:extLst>
           </a:blip>
@@ -14056,7 +14197,7 @@
           <a:noFill/>
           <a:extLst>
             <a:ext uri="{909E8E84-426E-40DD-AFC4-6F175D3DCCD1}">
-              <a14:hiddenFill xmlns:a14="http://schemas.microsoft.com/office/drawing/2010/main" xmlns="">
+              <a14:hiddenFill xmlns:a14="http://schemas.microsoft.com/office/drawing/2010/main">
                 <a:solidFill>
                   <a:srgbClr val="FFFFFF"/>
                 </a:solidFill>
@@ -14156,7 +14297,7 @@
           <a:blip r:embed="rId3" cstate="print">
             <a:extLst>
               <a:ext uri="{28A0092B-C50C-407E-A947-70E740481C1C}">
-                <a14:useLocalDpi xmlns:a14="http://schemas.microsoft.com/office/drawing/2010/main" xmlns="" val="0"/>
+                <a14:useLocalDpi xmlns:a14="http://schemas.microsoft.com/office/drawing/2010/main" val="0"/>
               </a:ext>
             </a:extLst>
           </a:blip>
@@ -14176,7 +14317,7 @@
           <a:noFill/>
           <a:extLst>
             <a:ext uri="{909E8E84-426E-40DD-AFC4-6F175D3DCCD1}">
-              <a14:hiddenFill xmlns:a14="http://schemas.microsoft.com/office/drawing/2010/main" xmlns="">
+              <a14:hiddenFill xmlns:a14="http://schemas.microsoft.com/office/drawing/2010/main">
                 <a:solidFill>
                   <a:srgbClr val="FFFFFF"/>
                 </a:solidFill>
@@ -14188,7 +14329,7 @@
     </p:spTree>
     <p:extLst>
       <p:ext uri="{BB962C8B-B14F-4D97-AF65-F5344CB8AC3E}">
-        <p14:creationId xmlns:p14="http://schemas.microsoft.com/office/powerpoint/2010/main" xmlns="" val="1835953332"/>
+        <p14:creationId xmlns:p14="http://schemas.microsoft.com/office/powerpoint/2010/main" val="1835953332"/>
       </p:ext>
     </p:extLst>
   </p:cSld>
@@ -15154,7 +15295,7 @@
     </p:spTree>
     <p:extLst>
       <p:ext uri="{BB962C8B-B14F-4D97-AF65-F5344CB8AC3E}">
-        <p14:creationId xmlns:p14="http://schemas.microsoft.com/office/powerpoint/2010/main" xmlns="" val="2663470424"/>
+        <p14:creationId xmlns:p14="http://schemas.microsoft.com/office/powerpoint/2010/main" val="2663470424"/>
       </p:ext>
     </p:extLst>
   </p:cSld>
@@ -16589,7 +16730,7 @@
             <p:ph idx="1"/>
             <p:extLst>
               <p:ext uri="{D42A27DB-BD31-4B8C-83A1-F6EECF244321}">
-                <p14:modId xmlns:p14="http://schemas.microsoft.com/office/powerpoint/2010/main" xmlns="" val="1443323465"/>
+                <p14:modId xmlns:p14="http://schemas.microsoft.com/office/powerpoint/2010/main" val="1443323465"/>
               </p:ext>
             </p:extLst>
           </p:nvPr>
@@ -16603,9 +16744,27 @@
             <a:tbl>
               <a:tblPr/>
               <a:tblGrid>
-                <a:gridCol w="842705"/>
-                <a:gridCol w="1069050"/>
-                <a:gridCol w="2404539"/>
+                <a:gridCol w="842705">
+                  <a:extLst>
+                    <a:ext uri="{9D8B030D-6E8A-4147-A177-3AD203B41FA5}">
+                      <a16:colId xmlns:a16="http://schemas.microsoft.com/office/drawing/2014/main" val="20000"/>
+                    </a:ext>
+                  </a:extLst>
+                </a:gridCol>
+                <a:gridCol w="1069050">
+                  <a:extLst>
+                    <a:ext uri="{9D8B030D-6E8A-4147-A177-3AD203B41FA5}">
+                      <a16:colId xmlns:a16="http://schemas.microsoft.com/office/drawing/2014/main" val="20001"/>
+                    </a:ext>
+                  </a:extLst>
+                </a:gridCol>
+                <a:gridCol w="2404539">
+                  <a:extLst>
+                    <a:ext uri="{9D8B030D-6E8A-4147-A177-3AD203B41FA5}">
+                      <a16:colId xmlns:a16="http://schemas.microsoft.com/office/drawing/2014/main" val="20002"/>
+                    </a:ext>
+                  </a:extLst>
+                </a:gridCol>
               </a:tblGrid>
               <a:tr h="574508">
                 <a:tc>
@@ -16788,6 +16947,11 @@
                     </a:solidFill>
                   </a:tcPr>
                 </a:tc>
+                <a:extLst>
+                  <a:ext uri="{0D108BD9-81ED-4DB2-BD59-A6C34878D82A}">
+                    <a16:rowId xmlns:a16="http://schemas.microsoft.com/office/drawing/2014/main" val="10000"/>
+                  </a:ext>
+                </a:extLst>
               </a:tr>
               <a:tr h="193437">
                 <a:tc rowSpan="2">
@@ -17000,6 +17164,11 @@
                     </a:solidFill>
                   </a:tcPr>
                 </a:tc>
+                <a:extLst>
+                  <a:ext uri="{0D108BD9-81ED-4DB2-BD59-A6C34878D82A}">
+                    <a16:rowId xmlns:a16="http://schemas.microsoft.com/office/drawing/2014/main" val="10001"/>
+                  </a:ext>
+                </a:extLst>
               </a:tr>
               <a:tr h="456573">
                 <a:tc vMerge="1">
@@ -17212,6 +17381,11 @@
                     </a:solidFill>
                   </a:tcPr>
                 </a:tc>
+                <a:extLst>
+                  <a:ext uri="{0D108BD9-81ED-4DB2-BD59-A6C34878D82A}">
+                    <a16:rowId xmlns:a16="http://schemas.microsoft.com/office/drawing/2014/main" val="10002"/>
+                  </a:ext>
+                </a:extLst>
               </a:tr>
               <a:tr h="319946">
                 <a:tc rowSpan="2">
@@ -17394,6 +17568,11 @@
                     </a:solidFill>
                   </a:tcPr>
                 </a:tc>
+                <a:extLst>
+                  <a:ext uri="{0D108BD9-81ED-4DB2-BD59-A6C34878D82A}">
+                    <a16:rowId xmlns:a16="http://schemas.microsoft.com/office/drawing/2014/main" val="10003"/>
+                  </a:ext>
+                </a:extLst>
               </a:tr>
               <a:tr h="193437">
                 <a:tc vMerge="1">
@@ -17526,6 +17705,11 @@
                     </a:solidFill>
                   </a:tcPr>
                 </a:tc>
+                <a:extLst>
+                  <a:ext uri="{0D108BD9-81ED-4DB2-BD59-A6C34878D82A}">
+                    <a16:rowId xmlns:a16="http://schemas.microsoft.com/office/drawing/2014/main" val="10004"/>
+                  </a:ext>
+                </a:extLst>
               </a:tr>
               <a:tr h="193437">
                 <a:tc>
@@ -17708,6 +17892,11 @@
                     </a:solidFill>
                   </a:tcPr>
                 </a:tc>
+                <a:extLst>
+                  <a:ext uri="{0D108BD9-81ED-4DB2-BD59-A6C34878D82A}">
+                    <a16:rowId xmlns:a16="http://schemas.microsoft.com/office/drawing/2014/main" val="10005"/>
+                  </a:ext>
+                </a:extLst>
               </a:tr>
               <a:tr h="319946">
                 <a:tc rowSpan="2">
@@ -17890,6 +18079,11 @@
                     </a:solidFill>
                   </a:tcPr>
                 </a:tc>
+                <a:extLst>
+                  <a:ext uri="{0D108BD9-81ED-4DB2-BD59-A6C34878D82A}">
+                    <a16:rowId xmlns:a16="http://schemas.microsoft.com/office/drawing/2014/main" val="10006"/>
+                  </a:ext>
+                </a:extLst>
               </a:tr>
               <a:tr h="193437">
                 <a:tc vMerge="1">
@@ -18022,6 +18216,11 @@
                     </a:solidFill>
                   </a:tcPr>
                 </a:tc>
+                <a:extLst>
+                  <a:ext uri="{0D108BD9-81ED-4DB2-BD59-A6C34878D82A}">
+                    <a16:rowId xmlns:a16="http://schemas.microsoft.com/office/drawing/2014/main" val="10007"/>
+                  </a:ext>
+                </a:extLst>
               </a:tr>
               <a:tr h="319946">
                 <a:tc rowSpan="3">
@@ -18204,6 +18403,11 @@
                     </a:solidFill>
                   </a:tcPr>
                 </a:tc>
+                <a:extLst>
+                  <a:ext uri="{0D108BD9-81ED-4DB2-BD59-A6C34878D82A}">
+                    <a16:rowId xmlns:a16="http://schemas.microsoft.com/office/drawing/2014/main" val="10008"/>
+                  </a:ext>
+                </a:extLst>
               </a:tr>
               <a:tr h="456573">
                 <a:tc vMerge="1">
@@ -18336,6 +18540,11 @@
                     </a:solidFill>
                   </a:tcPr>
                 </a:tc>
+                <a:extLst>
+                  <a:ext uri="{0D108BD9-81ED-4DB2-BD59-A6C34878D82A}">
+                    <a16:rowId xmlns:a16="http://schemas.microsoft.com/office/drawing/2014/main" val="10009"/>
+                  </a:ext>
+                </a:extLst>
               </a:tr>
               <a:tr h="456573">
                 <a:tc vMerge="1">
@@ -18468,6 +18677,11 @@
                     </a:solidFill>
                   </a:tcPr>
                 </a:tc>
+                <a:extLst>
+                  <a:ext uri="{0D108BD9-81ED-4DB2-BD59-A6C34878D82A}">
+                    <a16:rowId xmlns:a16="http://schemas.microsoft.com/office/drawing/2014/main" val="10010"/>
+                  </a:ext>
+                </a:extLst>
               </a:tr>
               <a:tr h="319946">
                 <a:tc rowSpan="2">
@@ -18650,6 +18864,11 @@
                     </a:solidFill>
                   </a:tcPr>
                 </a:tc>
+                <a:extLst>
+                  <a:ext uri="{0D108BD9-81ED-4DB2-BD59-A6C34878D82A}">
+                    <a16:rowId xmlns:a16="http://schemas.microsoft.com/office/drawing/2014/main" val="10011"/>
+                  </a:ext>
+                </a:extLst>
               </a:tr>
               <a:tr h="319946">
                 <a:tc vMerge="1">
@@ -18782,6 +19001,11 @@
                     </a:solidFill>
                   </a:tcPr>
                 </a:tc>
+                <a:extLst>
+                  <a:ext uri="{0D108BD9-81ED-4DB2-BD59-A6C34878D82A}">
+                    <a16:rowId xmlns:a16="http://schemas.microsoft.com/office/drawing/2014/main" val="10012"/>
+                  </a:ext>
+                </a:extLst>
               </a:tr>
               <a:tr h="319946">
                 <a:tc>
@@ -18964,6 +19188,11 @@
                     </a:solidFill>
                   </a:tcPr>
                 </a:tc>
+                <a:extLst>
+                  <a:ext uri="{0D108BD9-81ED-4DB2-BD59-A6C34878D82A}">
+                    <a16:rowId xmlns:a16="http://schemas.microsoft.com/office/drawing/2014/main" val="10013"/>
+                  </a:ext>
+                </a:extLst>
               </a:tr>
               <a:tr h="456573">
                 <a:tc>
@@ -19146,6 +19375,11 @@
                     </a:solidFill>
                   </a:tcPr>
                 </a:tc>
+                <a:extLst>
+                  <a:ext uri="{0D108BD9-81ED-4DB2-BD59-A6C34878D82A}">
+                    <a16:rowId xmlns:a16="http://schemas.microsoft.com/office/drawing/2014/main" val="10014"/>
+                  </a:ext>
+                </a:extLst>
               </a:tr>
             </a:tbl>
           </a:graphicData>
@@ -19216,7 +19450,7 @@
     </p:spTree>
     <p:extLst>
       <p:ext uri="{BB962C8B-B14F-4D97-AF65-F5344CB8AC3E}">
-        <p14:creationId xmlns:p14="http://schemas.microsoft.com/office/powerpoint/2010/main" xmlns="" val="3842516775"/>
+        <p14:creationId xmlns:p14="http://schemas.microsoft.com/office/powerpoint/2010/main" val="3842516775"/>
       </p:ext>
     </p:extLst>
   </p:cSld>
@@ -20425,7 +20659,7 @@
     </p:spTree>
     <p:extLst>
       <p:ext uri="{BB962C8B-B14F-4D97-AF65-F5344CB8AC3E}">
-        <p14:creationId xmlns:p14="http://schemas.microsoft.com/office/powerpoint/2010/main" xmlns="" val="1594557979"/>
+        <p14:creationId xmlns:p14="http://schemas.microsoft.com/office/powerpoint/2010/main" val="1594557979"/>
       </p:ext>
     </p:extLst>
   </p:cSld>
@@ -22097,7 +22331,7 @@
     </p:spTree>
     <p:extLst>
       <p:ext uri="{BB962C8B-B14F-4D97-AF65-F5344CB8AC3E}">
-        <p14:creationId xmlns:p14="http://schemas.microsoft.com/office/powerpoint/2010/main" xmlns="" val="1861227709"/>
+        <p14:creationId xmlns:p14="http://schemas.microsoft.com/office/powerpoint/2010/main" val="1861227709"/>
       </p:ext>
     </p:extLst>
   </p:cSld>
@@ -23644,7 +23878,7 @@
     </p:spTree>
     <p:extLst>
       <p:ext uri="{BB962C8B-B14F-4D97-AF65-F5344CB8AC3E}">
-        <p14:creationId xmlns:p14="http://schemas.microsoft.com/office/powerpoint/2010/main" xmlns="" val="954393920"/>
+        <p14:creationId xmlns:p14="http://schemas.microsoft.com/office/powerpoint/2010/main" val="954393920"/>
       </p:ext>
     </p:extLst>
   </p:cSld>
@@ -24305,7 +24539,7 @@
     </p:spTree>
     <p:extLst>
       <p:ext uri="{BB962C8B-B14F-4D97-AF65-F5344CB8AC3E}">
-        <p14:creationId xmlns:p14="http://schemas.microsoft.com/office/powerpoint/2010/main" xmlns="" val="3290048010"/>
+        <p14:creationId xmlns:p14="http://schemas.microsoft.com/office/powerpoint/2010/main" val="3290048010"/>
       </p:ext>
     </p:extLst>
   </p:cSld>
@@ -24509,7 +24743,7 @@
     </p:spTree>
     <p:extLst>
       <p:ext uri="{BB962C8B-B14F-4D97-AF65-F5344CB8AC3E}">
-        <p14:creationId xmlns:p14="http://schemas.microsoft.com/office/powerpoint/2010/main" xmlns="" val="2281788713"/>
+        <p14:creationId xmlns:p14="http://schemas.microsoft.com/office/powerpoint/2010/main" val="2281788713"/>
       </p:ext>
     </p:extLst>
   </p:cSld>
@@ -25231,7 +25465,7 @@
     </p:spTree>
     <p:extLst>
       <p:ext uri="{BB962C8B-B14F-4D97-AF65-F5344CB8AC3E}">
-        <p14:creationId xmlns:p14="http://schemas.microsoft.com/office/powerpoint/2010/main" xmlns="" val="2414400779"/>
+        <p14:creationId xmlns:p14="http://schemas.microsoft.com/office/powerpoint/2010/main" val="2414400779"/>
       </p:ext>
     </p:extLst>
   </p:cSld>
@@ -25631,7 +25865,7 @@
           <a:blip r:embed="rId3" cstate="print">
             <a:extLst>
               <a:ext uri="{28A0092B-C50C-407E-A947-70E740481C1C}">
-                <a14:useLocalDpi xmlns:a14="http://schemas.microsoft.com/office/drawing/2010/main" xmlns="" val="0"/>
+                <a14:useLocalDpi xmlns:a14="http://schemas.microsoft.com/office/drawing/2010/main" val="0"/>
               </a:ext>
             </a:extLst>
           </a:blip>
@@ -25651,7 +25885,7 @@
           <a:noFill/>
           <a:extLst>
             <a:ext uri="{909E8E84-426E-40DD-AFC4-6F175D3DCCD1}">
-              <a14:hiddenFill xmlns:a14="http://schemas.microsoft.com/office/drawing/2010/main" xmlns="">
+              <a14:hiddenFill xmlns:a14="http://schemas.microsoft.com/office/drawing/2010/main">
                 <a:solidFill>
                   <a:srgbClr val="FFFFFF"/>
                 </a:solidFill>
@@ -25687,7 +25921,7 @@
     </p:spTree>
     <p:extLst>
       <p:ext uri="{BB962C8B-B14F-4D97-AF65-F5344CB8AC3E}">
-        <p14:creationId xmlns:p14="http://schemas.microsoft.com/office/powerpoint/2010/main" xmlns="" val="2219213423"/>
+        <p14:creationId xmlns:p14="http://schemas.microsoft.com/office/powerpoint/2010/main" val="2219213423"/>
       </p:ext>
     </p:extLst>
   </p:cSld>
@@ -25801,7 +26035,7 @@
     </p:spTree>
     <p:extLst>
       <p:ext uri="{BB962C8B-B14F-4D97-AF65-F5344CB8AC3E}">
-        <p14:creationId xmlns:p14="http://schemas.microsoft.com/office/powerpoint/2010/main" xmlns="" val="2378071685"/>
+        <p14:creationId xmlns:p14="http://schemas.microsoft.com/office/powerpoint/2010/main" val="2378071685"/>
       </p:ext>
     </p:extLst>
   </p:cSld>
@@ -26173,7 +26407,7 @@
     </p:spTree>
     <p:extLst>
       <p:ext uri="{BB962C8B-B14F-4D97-AF65-F5344CB8AC3E}">
-        <p14:creationId xmlns:p14="http://schemas.microsoft.com/office/powerpoint/2010/main" xmlns="" val="4064821786"/>
+        <p14:creationId xmlns:p14="http://schemas.microsoft.com/office/powerpoint/2010/main" val="4064821786"/>
       </p:ext>
     </p:extLst>
   </p:cSld>
@@ -26325,7 +26559,7 @@
     </p:spTree>
     <p:extLst>
       <p:ext uri="{BB962C8B-B14F-4D97-AF65-F5344CB8AC3E}">
-        <p14:creationId xmlns:p14="http://schemas.microsoft.com/office/powerpoint/2010/main" xmlns="" val="4037556969"/>
+        <p14:creationId xmlns:p14="http://schemas.microsoft.com/office/powerpoint/2010/main" val="4037556969"/>
       </p:ext>
     </p:extLst>
   </p:cSld>
@@ -26704,7 +26938,7 @@
     </p:spTree>
     <p:extLst>
       <p:ext uri="{BB962C8B-B14F-4D97-AF65-F5344CB8AC3E}">
-        <p14:creationId xmlns:p14="http://schemas.microsoft.com/office/powerpoint/2010/main" xmlns="" val="1961546512"/>
+        <p14:creationId xmlns:p14="http://schemas.microsoft.com/office/powerpoint/2010/main" val="1961546512"/>
       </p:ext>
     </p:extLst>
   </p:cSld>
@@ -27161,7 +27395,7 @@
     </p:spTree>
     <p:extLst>
       <p:ext uri="{BB962C8B-B14F-4D97-AF65-F5344CB8AC3E}">
-        <p14:creationId xmlns:p14="http://schemas.microsoft.com/office/powerpoint/2010/main" xmlns="" val="2307385970"/>
+        <p14:creationId xmlns:p14="http://schemas.microsoft.com/office/powerpoint/2010/main" val="2307385970"/>
       </p:ext>
     </p:extLst>
   </p:cSld>
@@ -27328,7 +27562,7 @@
     </p:spTree>
     <p:extLst>
       <p:ext uri="{BB962C8B-B14F-4D97-AF65-F5344CB8AC3E}">
-        <p14:creationId xmlns:p14="http://schemas.microsoft.com/office/powerpoint/2010/main" xmlns="" val="378750785"/>
+        <p14:creationId xmlns:p14="http://schemas.microsoft.com/office/powerpoint/2010/main" val="378750785"/>
       </p:ext>
     </p:extLst>
   </p:cSld>
@@ -27550,7 +27784,7 @@
     </p:spTree>
     <p:extLst>
       <p:ext uri="{BB962C8B-B14F-4D97-AF65-F5344CB8AC3E}">
-        <p14:creationId xmlns:p14="http://schemas.microsoft.com/office/powerpoint/2010/main" xmlns="" val="536534276"/>
+        <p14:creationId xmlns:p14="http://schemas.microsoft.com/office/powerpoint/2010/main" val="536534276"/>
       </p:ext>
     </p:extLst>
   </p:cSld>
@@ -27715,7 +27949,7 @@
     </p:spTree>
     <p:extLst>
       <p:ext uri="{BB962C8B-B14F-4D97-AF65-F5344CB8AC3E}">
-        <p14:creationId xmlns:p14="http://schemas.microsoft.com/office/powerpoint/2010/main" xmlns="" val="2737885673"/>
+        <p14:creationId xmlns:p14="http://schemas.microsoft.com/office/powerpoint/2010/main" val="2737885673"/>
       </p:ext>
     </p:extLst>
   </p:cSld>
@@ -27965,7 +28199,7 @@
     </p:spTree>
     <p:extLst>
       <p:ext uri="{BB962C8B-B14F-4D97-AF65-F5344CB8AC3E}">
-        <p14:creationId xmlns:p14="http://schemas.microsoft.com/office/powerpoint/2010/main" xmlns="" val="2397916629"/>
+        <p14:creationId xmlns:p14="http://schemas.microsoft.com/office/powerpoint/2010/main" val="2397916629"/>
       </p:ext>
     </p:extLst>
   </p:cSld>
@@ -28185,7 +28419,7 @@
     </p:spTree>
     <p:extLst>
       <p:ext uri="{BB962C8B-B14F-4D97-AF65-F5344CB8AC3E}">
-        <p14:creationId xmlns:p14="http://schemas.microsoft.com/office/powerpoint/2010/main" xmlns="" val="166110158"/>
+        <p14:creationId xmlns:p14="http://schemas.microsoft.com/office/powerpoint/2010/main" val="166110158"/>
       </p:ext>
     </p:extLst>
   </p:cSld>
@@ -28387,7 +28621,7 @@
     </p:spTree>
     <p:extLst>
       <p:ext uri="{BB962C8B-B14F-4D97-AF65-F5344CB8AC3E}">
-        <p14:creationId xmlns:p14="http://schemas.microsoft.com/office/powerpoint/2010/main" xmlns="" val="2112722047"/>
+        <p14:creationId xmlns:p14="http://schemas.microsoft.com/office/powerpoint/2010/main" val="2112722047"/>
       </p:ext>
     </p:extLst>
   </p:cSld>
@@ -30238,7 +30472,7 @@
     </p:spTree>
     <p:extLst>
       <p:ext uri="{BB962C8B-B14F-4D97-AF65-F5344CB8AC3E}">
-        <p14:creationId xmlns:p14="http://schemas.microsoft.com/office/powerpoint/2010/main" xmlns="" val="1268723673"/>
+        <p14:creationId xmlns:p14="http://schemas.microsoft.com/office/powerpoint/2010/main" val="1268723673"/>
       </p:ext>
     </p:extLst>
   </p:cSld>
@@ -30586,7 +30820,7 @@
     </p:spTree>
     <p:extLst>
       <p:ext uri="{BB962C8B-B14F-4D97-AF65-F5344CB8AC3E}">
-        <p14:creationId xmlns:p14="http://schemas.microsoft.com/office/powerpoint/2010/main" xmlns="" val="2891716657"/>
+        <p14:creationId xmlns:p14="http://schemas.microsoft.com/office/powerpoint/2010/main" val="2891716657"/>
       </p:ext>
     </p:extLst>
   </p:cSld>
@@ -31024,7 +31258,7 @@
     </p:spTree>
     <p:extLst>
       <p:ext uri="{BB962C8B-B14F-4D97-AF65-F5344CB8AC3E}">
-        <p14:creationId xmlns:p14="http://schemas.microsoft.com/office/powerpoint/2010/main" xmlns="" val="2186651720"/>
+        <p14:creationId xmlns:p14="http://schemas.microsoft.com/office/powerpoint/2010/main" val="2186651720"/>
       </p:ext>
     </p:extLst>
   </p:cSld>
@@ -31171,7 +31405,7 @@
     </p:spTree>
     <p:extLst>
       <p:ext uri="{BB962C8B-B14F-4D97-AF65-F5344CB8AC3E}">
-        <p14:creationId xmlns:p14="http://schemas.microsoft.com/office/powerpoint/2010/main" xmlns="" val="3325166647"/>
+        <p14:creationId xmlns:p14="http://schemas.microsoft.com/office/powerpoint/2010/main" val="3325166647"/>
       </p:ext>
     </p:extLst>
   </p:cSld>
@@ -31355,7 +31589,7 @@
     </p:spTree>
     <p:extLst>
       <p:ext uri="{BB962C8B-B14F-4D97-AF65-F5344CB8AC3E}">
-        <p14:creationId xmlns:p14="http://schemas.microsoft.com/office/powerpoint/2010/main" xmlns="" val="3879817198"/>
+        <p14:creationId xmlns:p14="http://schemas.microsoft.com/office/powerpoint/2010/main" val="3879817198"/>
       </p:ext>
     </p:extLst>
   </p:cSld>
@@ -33145,7 +33379,7 @@
     </p:spTree>
     <p:extLst>
       <p:ext uri="{BB962C8B-B14F-4D97-AF65-F5344CB8AC3E}">
-        <p14:creationId xmlns:p14="http://schemas.microsoft.com/office/powerpoint/2010/main" xmlns="" val="3833413417"/>
+        <p14:creationId xmlns:p14="http://schemas.microsoft.com/office/powerpoint/2010/main" val="3833413417"/>
       </p:ext>
     </p:extLst>
   </p:cSld>
@@ -33254,7 +33488,7 @@
     </p:spTree>
     <p:extLst>
       <p:ext uri="{BB962C8B-B14F-4D97-AF65-F5344CB8AC3E}">
-        <p14:creationId xmlns:p14="http://schemas.microsoft.com/office/powerpoint/2010/main" xmlns="" val="6446960"/>
+        <p14:creationId xmlns:p14="http://schemas.microsoft.com/office/powerpoint/2010/main" val="6446960"/>
       </p:ext>
     </p:extLst>
   </p:cSld>
@@ -33369,7 +33603,7 @@
           <a:blip r:embed="rId2" cstate="print">
             <a:extLst>
               <a:ext uri="{28A0092B-C50C-407E-A947-70E740481C1C}">
-                <a14:useLocalDpi xmlns:a14="http://schemas.microsoft.com/office/drawing/2010/main" xmlns="" val="0"/>
+                <a14:useLocalDpi xmlns:a14="http://schemas.microsoft.com/office/drawing/2010/main" val="0"/>
               </a:ext>
             </a:extLst>
           </a:blip>
@@ -33389,7 +33623,7 @@
           <a:noFill/>
           <a:extLst>
             <a:ext uri="{909E8E84-426E-40DD-AFC4-6F175D3DCCD1}">
-              <a14:hiddenFill xmlns:a14="http://schemas.microsoft.com/office/drawing/2010/main" xmlns="">
+              <a14:hiddenFill xmlns:a14="http://schemas.microsoft.com/office/drawing/2010/main">
                 <a:solidFill>
                   <a:srgbClr val="FFFFFF"/>
                 </a:solidFill>
@@ -33401,7 +33635,7 @@
     </p:spTree>
     <p:extLst>
       <p:ext uri="{BB962C8B-B14F-4D97-AF65-F5344CB8AC3E}">
-        <p14:creationId xmlns:p14="http://schemas.microsoft.com/office/powerpoint/2010/main" xmlns="" val="1944334090"/>
+        <p14:creationId xmlns:p14="http://schemas.microsoft.com/office/powerpoint/2010/main" val="1944334090"/>
       </p:ext>
     </p:extLst>
   </p:cSld>
@@ -34063,7 +34297,7 @@
           <a:blip r:embed="rId2" cstate="print">
             <a:extLst>
               <a:ext uri="{28A0092B-C50C-407E-A947-70E740481C1C}">
-                <a14:useLocalDpi xmlns:a14="http://schemas.microsoft.com/office/drawing/2010/main" xmlns="" val="0"/>
+                <a14:useLocalDpi xmlns:a14="http://schemas.microsoft.com/office/drawing/2010/main" val="0"/>
               </a:ext>
             </a:extLst>
           </a:blip>
@@ -34083,7 +34317,7 @@
           <a:noFill/>
           <a:extLst>
             <a:ext uri="{909E8E84-426E-40DD-AFC4-6F175D3DCCD1}">
-              <a14:hiddenFill xmlns:a14="http://schemas.microsoft.com/office/drawing/2010/main" xmlns="">
+              <a14:hiddenFill xmlns:a14="http://schemas.microsoft.com/office/drawing/2010/main">
                 <a:solidFill>
                   <a:srgbClr val="FFFFFF"/>
                 </a:solidFill>
@@ -34095,7 +34329,7 @@
     </p:spTree>
     <p:extLst>
       <p:ext uri="{BB962C8B-B14F-4D97-AF65-F5344CB8AC3E}">
-        <p14:creationId xmlns:p14="http://schemas.microsoft.com/office/powerpoint/2010/main" xmlns="" val="3934309662"/>
+        <p14:creationId xmlns:p14="http://schemas.microsoft.com/office/powerpoint/2010/main" val="3934309662"/>
       </p:ext>
     </p:extLst>
   </p:cSld>
@@ -34489,7 +34723,7 @@
   <a:extraClrSchemeLst/>
   <a:extLst>
     <a:ext uri="{05A4C25C-085E-4340-85A3-A5531E510DB2}">
-      <thm15:themeFamily xmlns:thm15="http://schemas.microsoft.com/office/thememl/2012/main" xmlns="" name="Office Theme" id="{62F939B6-93AF-4DB8-9C6B-D6C7DFDC589F}" vid="{4A3C46E8-61CC-4603-A589-7422A47A8E4A}"/>
+      <thm15:themeFamily xmlns:thm15="http://schemas.microsoft.com/office/thememl/2012/main" name="Office Theme" id="{62F939B6-93AF-4DB8-9C6B-D6C7DFDC589F}" vid="{4A3C46E8-61CC-4603-A589-7422A47A8E4A}"/>
     </a:ext>
   </a:extLst>
 </a:theme>
